--- a/project/模型.pptx
+++ b/project/模型.pptx
@@ -11207,16 +11207,379 @@
         <p:spPr>
           <a:xfrm>
             <a:off x="1671782" y="1099127"/>
-            <a:ext cx="8321963" cy="2466109"/>
+            <a:ext cx="8321963" cy="2890167"/>
           </a:xfrm>
           <a:prstGeom prst="roundRect">
             <a:avLst/>
           </a:prstGeom>
+          <a:solidFill>
+            <a:schemeClr val="bg1">
+              <a:lumMod val="95000"/>
+            </a:schemeClr>
+          </a:solidFill>
+          <a:ln>
+            <a:solidFill>
+              <a:schemeClr val="bg1">
+                <a:lumMod val="95000"/>
+              </a:schemeClr>
+            </a:solidFill>
+          </a:ln>
+        </p:spPr>
+        <p:style>
+          <a:lnRef idx="1">
+            <a:schemeClr val="accent3"/>
+          </a:lnRef>
+          <a:fillRef idx="2">
+            <a:schemeClr val="accent3"/>
+          </a:fillRef>
+          <a:effectRef idx="1">
+            <a:schemeClr val="accent3"/>
+          </a:effectRef>
+          <a:fontRef idx="minor">
+            <a:schemeClr val="dk1"/>
+          </a:fontRef>
+        </p:style>
+        <p:txBody>
+          <a:bodyPr rtlCol="0" anchor="ctr"/>
+          <a:lstStyle/>
+          <a:p>
+            <a:pPr algn="ctr"/>
+            <a:endParaRPr lang="zh-CN" altLang="en-US"/>
+          </a:p>
+        </p:txBody>
+      </p:sp>
+      <p:grpSp>
+        <p:nvGrpSpPr>
+          <p:cNvPr id="10" name="组合 9">
+            <a:extLst>
+              <a:ext uri="{FF2B5EF4-FFF2-40B4-BE49-F238E27FC236}">
+                <a16:creationId xmlns:a16="http://schemas.microsoft.com/office/drawing/2014/main" id="{D21053E0-8C66-4BD6-3AEE-B76A836809DF}"/>
+              </a:ext>
+            </a:extLst>
+          </p:cNvPr>
+          <p:cNvGrpSpPr/>
+          <p:nvPr/>
+        </p:nvGrpSpPr>
+        <p:grpSpPr>
+          <a:xfrm>
+            <a:off x="2375641" y="1475524"/>
+            <a:ext cx="1290917" cy="2137371"/>
+            <a:chOff x="2420464" y="1511502"/>
+            <a:chExt cx="1290917" cy="2137371"/>
+          </a:xfrm>
+        </p:grpSpPr>
+        <p:sp>
+          <p:nvSpPr>
+            <p:cNvPr id="2" name="矩形: 圆角 1">
+              <a:extLst>
+                <a:ext uri="{FF2B5EF4-FFF2-40B4-BE49-F238E27FC236}">
+                  <a16:creationId xmlns:a16="http://schemas.microsoft.com/office/drawing/2014/main" id="{8F02DB3C-AEE0-BA7B-7A2E-620271E45BA3}"/>
+                </a:ext>
+              </a:extLst>
+            </p:cNvPr>
+            <p:cNvSpPr/>
+            <p:nvPr/>
+          </p:nvSpPr>
+          <p:spPr>
+            <a:xfrm>
+              <a:off x="2420464" y="1511502"/>
+              <a:ext cx="1290917" cy="2137371"/>
+            </a:xfrm>
+            <a:prstGeom prst="roundRect">
+              <a:avLst/>
+            </a:prstGeom>
+            <a:solidFill>
+              <a:schemeClr val="accent1">
+                <a:lumMod val="40000"/>
+                <a:lumOff val="60000"/>
+              </a:schemeClr>
+            </a:solidFill>
+            <a:ln>
+              <a:solidFill>
+                <a:schemeClr val="accent1">
+                  <a:lumMod val="40000"/>
+                  <a:lumOff val="60000"/>
+                </a:schemeClr>
+              </a:solidFill>
+            </a:ln>
+          </p:spPr>
+          <p:style>
+            <a:lnRef idx="2">
+              <a:schemeClr val="accent1">
+                <a:shade val="15000"/>
+              </a:schemeClr>
+            </a:lnRef>
+            <a:fillRef idx="1">
+              <a:schemeClr val="accent1"/>
+            </a:fillRef>
+            <a:effectRef idx="0">
+              <a:schemeClr val="accent1"/>
+            </a:effectRef>
+            <a:fontRef idx="minor">
+              <a:schemeClr val="lt1"/>
+            </a:fontRef>
+          </p:style>
+          <p:txBody>
+            <a:bodyPr rtlCol="0" anchor="ctr"/>
+            <a:lstStyle/>
+            <a:p>
+              <a:pPr algn="ctr"/>
+              <a:endParaRPr lang="zh-CN" altLang="en-US" dirty="0"/>
+            </a:p>
+          </p:txBody>
+        </p:sp>
+        <p:sp>
+          <p:nvSpPr>
+            <p:cNvPr id="3" name="文本框 2">
+              <a:extLst>
+                <a:ext uri="{FF2B5EF4-FFF2-40B4-BE49-F238E27FC236}">
+                  <a16:creationId xmlns:a16="http://schemas.microsoft.com/office/drawing/2014/main" id="{5E942C16-0EDF-44AF-ABC8-8CA50D0BD0A7}"/>
+                </a:ext>
+              </a:extLst>
+            </p:cNvPr>
+            <p:cNvSpPr txBox="1"/>
+            <p:nvPr/>
+          </p:nvSpPr>
+          <p:spPr>
+            <a:xfrm>
+              <a:off x="2519082" y="1544890"/>
+              <a:ext cx="1120589" cy="276999"/>
+            </a:xfrm>
+            <a:prstGeom prst="rect">
+              <a:avLst/>
+            </a:prstGeom>
+            <a:noFill/>
+          </p:spPr>
+          <p:txBody>
+            <a:bodyPr wrap="square" rtlCol="0">
+              <a:spAutoFit/>
+            </a:bodyPr>
+            <a:lstStyle/>
+            <a:p>
+              <a:r>
+                <a:rPr lang="zh-CN" altLang="en-US" sz="1200" b="1" dirty="0"/>
+                <a:t>车辆数据采集</a:t>
+              </a:r>
+            </a:p>
+          </p:txBody>
+        </p:sp>
+        <p:sp>
+          <p:nvSpPr>
+            <p:cNvPr id="5" name="矩形 4">
+              <a:extLst>
+                <a:ext uri="{FF2B5EF4-FFF2-40B4-BE49-F238E27FC236}">
+                  <a16:creationId xmlns:a16="http://schemas.microsoft.com/office/drawing/2014/main" id="{9C11585B-41C8-4013-1B55-30E7C2071340}"/>
+                </a:ext>
+              </a:extLst>
+            </p:cNvPr>
+            <p:cNvSpPr/>
+            <p:nvPr/>
+          </p:nvSpPr>
+          <p:spPr>
+            <a:xfrm>
+              <a:off x="2707336" y="2008802"/>
+              <a:ext cx="717177" cy="281437"/>
+            </a:xfrm>
+            <a:prstGeom prst="rect">
+              <a:avLst/>
+            </a:prstGeom>
+            <a:solidFill>
+              <a:schemeClr val="accent2">
+                <a:lumMod val="60000"/>
+                <a:lumOff val="40000"/>
+              </a:schemeClr>
+            </a:solidFill>
+          </p:spPr>
+          <p:style>
+            <a:lnRef idx="2">
+              <a:schemeClr val="accent1">
+                <a:shade val="15000"/>
+              </a:schemeClr>
+            </a:lnRef>
+            <a:fillRef idx="1">
+              <a:schemeClr val="accent1"/>
+            </a:fillRef>
+            <a:effectRef idx="0">
+              <a:schemeClr val="accent1"/>
+            </a:effectRef>
+            <a:fontRef idx="minor">
+              <a:schemeClr val="lt1"/>
+            </a:fontRef>
+          </p:style>
+          <p:txBody>
+            <a:bodyPr rtlCol="0" anchor="ctr"/>
+            <a:lstStyle/>
+            <a:p>
+              <a:pPr algn="ctr"/>
+              <a:r>
+                <a:rPr lang="zh-CN" altLang="en-US" sz="1200" dirty="0">
+                  <a:solidFill>
+                    <a:schemeClr val="tx1"/>
+                  </a:solidFill>
+                </a:rPr>
+                <a:t>传感器</a:t>
+              </a:r>
+            </a:p>
+          </p:txBody>
+        </p:sp>
+        <p:sp>
+          <p:nvSpPr>
+            <p:cNvPr id="6" name="矩形 5">
+              <a:extLst>
+                <a:ext uri="{FF2B5EF4-FFF2-40B4-BE49-F238E27FC236}">
+                  <a16:creationId xmlns:a16="http://schemas.microsoft.com/office/drawing/2014/main" id="{11A17AEC-C349-E104-AF2E-BA044FD901C5}"/>
+                </a:ext>
+              </a:extLst>
+            </p:cNvPr>
+            <p:cNvSpPr/>
+            <p:nvPr/>
+          </p:nvSpPr>
+          <p:spPr>
+            <a:xfrm>
+              <a:off x="2613206" y="2484279"/>
+              <a:ext cx="905435" cy="461504"/>
+            </a:xfrm>
+            <a:prstGeom prst="rect">
+              <a:avLst/>
+            </a:prstGeom>
+            <a:solidFill>
+              <a:schemeClr val="accent2">
+                <a:lumMod val="60000"/>
+                <a:lumOff val="40000"/>
+              </a:schemeClr>
+            </a:solidFill>
+          </p:spPr>
+          <p:style>
+            <a:lnRef idx="2">
+              <a:schemeClr val="accent1">
+                <a:shade val="15000"/>
+              </a:schemeClr>
+            </a:lnRef>
+            <a:fillRef idx="1">
+              <a:schemeClr val="accent1"/>
+            </a:fillRef>
+            <a:effectRef idx="0">
+              <a:schemeClr val="accent1"/>
+            </a:effectRef>
+            <a:fontRef idx="minor">
+              <a:schemeClr val="lt1"/>
+            </a:fontRef>
+          </p:style>
+          <p:txBody>
+            <a:bodyPr rtlCol="0" anchor="ctr"/>
+            <a:lstStyle/>
+            <a:p>
+              <a:pPr algn="ctr"/>
+              <a:r>
+                <a:rPr lang="zh-CN" altLang="en-US" sz="1200" dirty="0">
+                  <a:solidFill>
+                    <a:schemeClr val="tx1"/>
+                  </a:solidFill>
+                </a:rPr>
+                <a:t>中央电子控制单元</a:t>
+              </a:r>
+            </a:p>
+          </p:txBody>
+        </p:sp>
+        <p:sp>
+          <p:nvSpPr>
+            <p:cNvPr id="8" name="矩形 7">
+              <a:extLst>
+                <a:ext uri="{FF2B5EF4-FFF2-40B4-BE49-F238E27FC236}">
+                  <a16:creationId xmlns:a16="http://schemas.microsoft.com/office/drawing/2014/main" id="{37F380FD-E3EC-6E52-567B-A4A0BBFB1704}"/>
+                </a:ext>
+              </a:extLst>
+            </p:cNvPr>
+            <p:cNvSpPr/>
+            <p:nvPr/>
+          </p:nvSpPr>
+          <p:spPr>
+            <a:xfrm>
+              <a:off x="2707336" y="3122804"/>
+              <a:ext cx="717177" cy="281437"/>
+            </a:xfrm>
+            <a:prstGeom prst="rect">
+              <a:avLst/>
+            </a:prstGeom>
+            <a:solidFill>
+              <a:schemeClr val="accent2">
+                <a:lumMod val="60000"/>
+                <a:lumOff val="40000"/>
+              </a:schemeClr>
+            </a:solidFill>
+          </p:spPr>
+          <p:style>
+            <a:lnRef idx="2">
+              <a:schemeClr val="accent1">
+                <a:shade val="15000"/>
+              </a:schemeClr>
+            </a:lnRef>
+            <a:fillRef idx="1">
+              <a:schemeClr val="accent1"/>
+            </a:fillRef>
+            <a:effectRef idx="0">
+              <a:schemeClr val="accent1"/>
+            </a:effectRef>
+            <a:fontRef idx="minor">
+              <a:schemeClr val="lt1"/>
+            </a:fontRef>
+          </p:style>
+          <p:txBody>
+            <a:bodyPr rtlCol="0" anchor="ctr"/>
+            <a:lstStyle/>
+            <a:p>
+              <a:pPr algn="ctr"/>
+              <a:r>
+                <a:rPr lang="zh-CN" altLang="en-US" sz="1200" dirty="0">
+                  <a:solidFill>
+                    <a:schemeClr val="tx1"/>
+                  </a:solidFill>
+                </a:rPr>
+                <a:t>串口</a:t>
+              </a:r>
+            </a:p>
+          </p:txBody>
+        </p:sp>
+      </p:grpSp>
+      <p:sp>
+        <p:nvSpPr>
+          <p:cNvPr id="9" name="矩形: 圆角 8">
+            <a:extLst>
+              <a:ext uri="{FF2B5EF4-FFF2-40B4-BE49-F238E27FC236}">
+                <a16:creationId xmlns:a16="http://schemas.microsoft.com/office/drawing/2014/main" id="{3480D26D-4589-E8B6-E523-2D32AB146D6B}"/>
+              </a:ext>
+            </a:extLst>
+          </p:cNvPr>
+          <p:cNvSpPr/>
+          <p:nvPr/>
+        </p:nvSpPr>
+        <p:spPr>
+          <a:xfrm>
+            <a:off x="4112611" y="2650107"/>
+            <a:ext cx="950259" cy="972778"/>
+          </a:xfrm>
+          <a:prstGeom prst="roundRect">
+            <a:avLst/>
+          </a:prstGeom>
+          <a:solidFill>
+            <a:schemeClr val="accent1">
+              <a:lumMod val="40000"/>
+              <a:lumOff val="60000"/>
+            </a:schemeClr>
+          </a:solidFill>
+          <a:ln>
+            <a:solidFill>
+              <a:schemeClr val="accent1">
+                <a:lumMod val="40000"/>
+                <a:lumOff val="60000"/>
+              </a:schemeClr>
+            </a:solidFill>
+          </a:ln>
         </p:spPr>
         <p:style>
           <a:lnRef idx="2">
             <a:schemeClr val="accent1">
-              <a:shade val="50000"/>
+              <a:shade val="15000"/>
             </a:schemeClr>
           </a:lnRef>
           <a:fillRef idx="1">
@@ -11234,10 +11597,894 @@
           <a:lstStyle/>
           <a:p>
             <a:pPr algn="ctr"/>
-            <a:endParaRPr lang="zh-CN" altLang="en-US"/>
+            <a:r>
+              <a:rPr lang="zh-CN" altLang="en-US" sz="1200" dirty="0">
+                <a:solidFill>
+                  <a:schemeClr val="tx1"/>
+                </a:solidFill>
+              </a:rPr>
+              <a:t>数据持久化</a:t>
+            </a:r>
           </a:p>
         </p:txBody>
       </p:sp>
+      <p:sp>
+        <p:nvSpPr>
+          <p:cNvPr id="11" name="矩形: 圆角 10">
+            <a:extLst>
+              <a:ext uri="{FF2B5EF4-FFF2-40B4-BE49-F238E27FC236}">
+                <a16:creationId xmlns:a16="http://schemas.microsoft.com/office/drawing/2014/main" id="{9DA74D5F-DB61-9EEA-6986-94ADF7A680DB}"/>
+              </a:ext>
+            </a:extLst>
+          </p:cNvPr>
+          <p:cNvSpPr/>
+          <p:nvPr/>
+        </p:nvSpPr>
+        <p:spPr>
+          <a:xfrm>
+            <a:off x="5533663" y="1475523"/>
+            <a:ext cx="950259" cy="2137371"/>
+          </a:xfrm>
+          <a:prstGeom prst="roundRect">
+            <a:avLst/>
+          </a:prstGeom>
+          <a:solidFill>
+            <a:schemeClr val="accent1">
+              <a:lumMod val="40000"/>
+              <a:lumOff val="60000"/>
+            </a:schemeClr>
+          </a:solidFill>
+          <a:ln>
+            <a:solidFill>
+              <a:schemeClr val="accent1">
+                <a:lumMod val="40000"/>
+                <a:lumOff val="60000"/>
+              </a:schemeClr>
+            </a:solidFill>
+          </a:ln>
+        </p:spPr>
+        <p:style>
+          <a:lnRef idx="2">
+            <a:schemeClr val="accent1">
+              <a:shade val="15000"/>
+            </a:schemeClr>
+          </a:lnRef>
+          <a:fillRef idx="1">
+            <a:schemeClr val="accent1"/>
+          </a:fillRef>
+          <a:effectRef idx="0">
+            <a:schemeClr val="accent1"/>
+          </a:effectRef>
+          <a:fontRef idx="minor">
+            <a:schemeClr val="lt1"/>
+          </a:fontRef>
+        </p:style>
+        <p:txBody>
+          <a:bodyPr rtlCol="0" anchor="ctr"/>
+          <a:lstStyle/>
+          <a:p>
+            <a:pPr algn="ctr"/>
+            <a:r>
+              <a:rPr lang="zh-CN" altLang="en-US" sz="1200" dirty="0">
+                <a:solidFill>
+                  <a:schemeClr val="tx1"/>
+                </a:solidFill>
+              </a:rPr>
+              <a:t>数据归一化处理</a:t>
+            </a:r>
+          </a:p>
+        </p:txBody>
+      </p:sp>
+      <p:sp>
+        <p:nvSpPr>
+          <p:cNvPr id="12" name="矩形: 圆角 11">
+            <a:extLst>
+              <a:ext uri="{FF2B5EF4-FFF2-40B4-BE49-F238E27FC236}">
+                <a16:creationId xmlns:a16="http://schemas.microsoft.com/office/drawing/2014/main" id="{44F512FA-C774-A1AC-388E-9B15C3DEB1A3}"/>
+              </a:ext>
+            </a:extLst>
+          </p:cNvPr>
+          <p:cNvSpPr/>
+          <p:nvPr/>
+        </p:nvSpPr>
+        <p:spPr>
+          <a:xfrm>
+            <a:off x="6897402" y="1487456"/>
+            <a:ext cx="950259" cy="960846"/>
+          </a:xfrm>
+          <a:prstGeom prst="roundRect">
+            <a:avLst/>
+          </a:prstGeom>
+          <a:solidFill>
+            <a:schemeClr val="accent1">
+              <a:lumMod val="40000"/>
+              <a:lumOff val="60000"/>
+            </a:schemeClr>
+          </a:solidFill>
+          <a:ln>
+            <a:solidFill>
+              <a:schemeClr val="accent1">
+                <a:lumMod val="40000"/>
+                <a:lumOff val="60000"/>
+              </a:schemeClr>
+            </a:solidFill>
+          </a:ln>
+        </p:spPr>
+        <p:style>
+          <a:lnRef idx="2">
+            <a:schemeClr val="accent1">
+              <a:shade val="15000"/>
+            </a:schemeClr>
+          </a:lnRef>
+          <a:fillRef idx="1">
+            <a:schemeClr val="accent1"/>
+          </a:fillRef>
+          <a:effectRef idx="0">
+            <a:schemeClr val="accent1"/>
+          </a:effectRef>
+          <a:fontRef idx="minor">
+            <a:schemeClr val="lt1"/>
+          </a:fontRef>
+        </p:style>
+        <p:txBody>
+          <a:bodyPr rtlCol="0" anchor="ctr"/>
+          <a:lstStyle/>
+          <a:p>
+            <a:pPr algn="ctr"/>
+            <a:r>
+              <a:rPr lang="zh-CN" altLang="en-US" sz="1200" dirty="0">
+                <a:solidFill>
+                  <a:schemeClr val="tx1"/>
+                </a:solidFill>
+              </a:rPr>
+              <a:t>训练好的模型进行特征提取</a:t>
+            </a:r>
+          </a:p>
+        </p:txBody>
+      </p:sp>
+      <p:sp>
+        <p:nvSpPr>
+          <p:cNvPr id="13" name="矩形: 圆角 12">
+            <a:extLst>
+              <a:ext uri="{FF2B5EF4-FFF2-40B4-BE49-F238E27FC236}">
+                <a16:creationId xmlns:a16="http://schemas.microsoft.com/office/drawing/2014/main" id="{B445BCA6-8359-6CE9-64FE-F232350A520E}"/>
+              </a:ext>
+            </a:extLst>
+          </p:cNvPr>
+          <p:cNvSpPr/>
+          <p:nvPr/>
+        </p:nvSpPr>
+        <p:spPr>
+          <a:xfrm>
+            <a:off x="8224308" y="1475523"/>
+            <a:ext cx="950259" cy="2137371"/>
+          </a:xfrm>
+          <a:prstGeom prst="roundRect">
+            <a:avLst/>
+          </a:prstGeom>
+          <a:solidFill>
+            <a:schemeClr val="accent1">
+              <a:lumMod val="40000"/>
+              <a:lumOff val="60000"/>
+            </a:schemeClr>
+          </a:solidFill>
+          <a:ln>
+            <a:solidFill>
+              <a:schemeClr val="accent1">
+                <a:lumMod val="40000"/>
+                <a:lumOff val="60000"/>
+              </a:schemeClr>
+            </a:solidFill>
+          </a:ln>
+        </p:spPr>
+        <p:style>
+          <a:lnRef idx="2">
+            <a:schemeClr val="accent1">
+              <a:shade val="15000"/>
+            </a:schemeClr>
+          </a:lnRef>
+          <a:fillRef idx="1">
+            <a:schemeClr val="accent1"/>
+          </a:fillRef>
+          <a:effectRef idx="0">
+            <a:schemeClr val="accent1"/>
+          </a:effectRef>
+          <a:fontRef idx="minor">
+            <a:schemeClr val="lt1"/>
+          </a:fontRef>
+        </p:style>
+        <p:txBody>
+          <a:bodyPr rtlCol="0" anchor="ctr"/>
+          <a:lstStyle/>
+          <a:p>
+            <a:pPr algn="ctr"/>
+            <a:r>
+              <a:rPr lang="zh-CN" altLang="en-US" sz="1200" dirty="0">
+                <a:solidFill>
+                  <a:schemeClr val="tx1"/>
+                </a:solidFill>
+              </a:rPr>
+              <a:t>实时异常检测基线算法进行异常判断</a:t>
+            </a:r>
+          </a:p>
+        </p:txBody>
+      </p:sp>
+      <p:sp>
+        <p:nvSpPr>
+          <p:cNvPr id="14" name="矩形: 圆角 13">
+            <a:extLst>
+              <a:ext uri="{FF2B5EF4-FFF2-40B4-BE49-F238E27FC236}">
+                <a16:creationId xmlns:a16="http://schemas.microsoft.com/office/drawing/2014/main" id="{7F4D5D6B-9CEC-608B-1E4F-D87E1E88089F}"/>
+              </a:ext>
+            </a:extLst>
+          </p:cNvPr>
+          <p:cNvSpPr/>
+          <p:nvPr/>
+        </p:nvSpPr>
+        <p:spPr>
+          <a:xfrm>
+            <a:off x="4124982" y="1487456"/>
+            <a:ext cx="950259" cy="972778"/>
+          </a:xfrm>
+          <a:prstGeom prst="roundRect">
+            <a:avLst/>
+          </a:prstGeom>
+          <a:solidFill>
+            <a:schemeClr val="accent1">
+              <a:lumMod val="40000"/>
+              <a:lumOff val="60000"/>
+            </a:schemeClr>
+          </a:solidFill>
+          <a:ln>
+            <a:solidFill>
+              <a:schemeClr val="accent1">
+                <a:lumMod val="40000"/>
+                <a:lumOff val="60000"/>
+              </a:schemeClr>
+            </a:solidFill>
+          </a:ln>
+        </p:spPr>
+        <p:style>
+          <a:lnRef idx="2">
+            <a:schemeClr val="accent1">
+              <a:shade val="15000"/>
+            </a:schemeClr>
+          </a:lnRef>
+          <a:fillRef idx="1">
+            <a:schemeClr val="accent1"/>
+          </a:fillRef>
+          <a:effectRef idx="0">
+            <a:schemeClr val="accent1"/>
+          </a:effectRef>
+          <a:fontRef idx="minor">
+            <a:schemeClr val="lt1"/>
+          </a:fontRef>
+        </p:style>
+        <p:txBody>
+          <a:bodyPr rtlCol="0" anchor="ctr"/>
+          <a:lstStyle/>
+          <a:p>
+            <a:pPr algn="ctr"/>
+            <a:r>
+              <a:rPr lang="zh-CN" altLang="en-US" sz="1200" dirty="0">
+                <a:solidFill>
+                  <a:schemeClr val="tx1"/>
+                </a:solidFill>
+              </a:rPr>
+              <a:t>数据流式推送</a:t>
+            </a:r>
+          </a:p>
+        </p:txBody>
+      </p:sp>
+      <p:sp>
+        <p:nvSpPr>
+          <p:cNvPr id="15" name="矩形: 圆角 14">
+            <a:extLst>
+              <a:ext uri="{FF2B5EF4-FFF2-40B4-BE49-F238E27FC236}">
+                <a16:creationId xmlns:a16="http://schemas.microsoft.com/office/drawing/2014/main" id="{682996B3-F449-EB73-02DF-BF6C937DB44E}"/>
+              </a:ext>
+            </a:extLst>
+          </p:cNvPr>
+          <p:cNvSpPr/>
+          <p:nvPr/>
+        </p:nvSpPr>
+        <p:spPr>
+          <a:xfrm>
+            <a:off x="6897401" y="2644130"/>
+            <a:ext cx="950259" cy="960846"/>
+          </a:xfrm>
+          <a:prstGeom prst="roundRect">
+            <a:avLst/>
+          </a:prstGeom>
+          <a:solidFill>
+            <a:schemeClr val="accent1">
+              <a:lumMod val="40000"/>
+              <a:lumOff val="60000"/>
+            </a:schemeClr>
+          </a:solidFill>
+          <a:ln>
+            <a:solidFill>
+              <a:schemeClr val="accent1">
+                <a:lumMod val="40000"/>
+                <a:lumOff val="60000"/>
+              </a:schemeClr>
+            </a:solidFill>
+          </a:ln>
+        </p:spPr>
+        <p:style>
+          <a:lnRef idx="2">
+            <a:schemeClr val="accent1">
+              <a:shade val="15000"/>
+            </a:schemeClr>
+          </a:lnRef>
+          <a:fillRef idx="1">
+            <a:schemeClr val="accent1"/>
+          </a:fillRef>
+          <a:effectRef idx="0">
+            <a:schemeClr val="accent1"/>
+          </a:effectRef>
+          <a:fontRef idx="minor">
+            <a:schemeClr val="lt1"/>
+          </a:fontRef>
+        </p:style>
+        <p:txBody>
+          <a:bodyPr rtlCol="0" anchor="ctr"/>
+          <a:lstStyle/>
+          <a:p>
+            <a:pPr algn="ctr"/>
+            <a:r>
+              <a:rPr lang="zh-CN" altLang="en-US" sz="1200" dirty="0">
+                <a:solidFill>
+                  <a:schemeClr val="tx1"/>
+                </a:solidFill>
+              </a:rPr>
+              <a:t>模型定时迭代训练</a:t>
+            </a:r>
+          </a:p>
+        </p:txBody>
+      </p:sp>
+      <p:sp>
+        <p:nvSpPr>
+          <p:cNvPr id="16" name="文本框 15">
+            <a:extLst>
+              <a:ext uri="{FF2B5EF4-FFF2-40B4-BE49-F238E27FC236}">
+                <a16:creationId xmlns:a16="http://schemas.microsoft.com/office/drawing/2014/main" id="{B913BEEE-BEBA-F699-7BD6-0C420135447E}"/>
+              </a:ext>
+            </a:extLst>
+          </p:cNvPr>
+          <p:cNvSpPr txBox="1"/>
+          <p:nvPr/>
+        </p:nvSpPr>
+        <p:spPr>
+          <a:xfrm>
+            <a:off x="1782791" y="1961913"/>
+            <a:ext cx="400110" cy="1301240"/>
+          </a:xfrm>
+          <a:prstGeom prst="rect">
+            <a:avLst/>
+          </a:prstGeom>
+          <a:noFill/>
+        </p:spPr>
+        <p:txBody>
+          <a:bodyPr vert="eaVert" wrap="square" rtlCol="0">
+            <a:spAutoFit/>
+          </a:bodyPr>
+          <a:lstStyle/>
+          <a:p>
+            <a:r>
+              <a:rPr lang="zh-CN" altLang="en-US" sz="1400" dirty="0"/>
+              <a:t>车辆异常检测</a:t>
+            </a:r>
+          </a:p>
+        </p:txBody>
+      </p:sp>
+      <p:sp>
+        <p:nvSpPr>
+          <p:cNvPr id="17" name="矩形: 圆角 16">
+            <a:extLst>
+              <a:ext uri="{FF2B5EF4-FFF2-40B4-BE49-F238E27FC236}">
+                <a16:creationId xmlns:a16="http://schemas.microsoft.com/office/drawing/2014/main" id="{A4651F01-2D2F-C4E3-AD8B-5B412B4892FD}"/>
+              </a:ext>
+            </a:extLst>
+          </p:cNvPr>
+          <p:cNvSpPr/>
+          <p:nvPr/>
+        </p:nvSpPr>
+        <p:spPr>
+          <a:xfrm>
+            <a:off x="1671781" y="4428565"/>
+            <a:ext cx="4664363" cy="1783976"/>
+          </a:xfrm>
+          <a:prstGeom prst="roundRect">
+            <a:avLst/>
+          </a:prstGeom>
+          <a:solidFill>
+            <a:schemeClr val="bg1">
+              <a:lumMod val="95000"/>
+            </a:schemeClr>
+          </a:solidFill>
+          <a:ln>
+            <a:solidFill>
+              <a:schemeClr val="bg1">
+                <a:lumMod val="95000"/>
+              </a:schemeClr>
+            </a:solidFill>
+          </a:ln>
+        </p:spPr>
+        <p:style>
+          <a:lnRef idx="2">
+            <a:schemeClr val="accent1">
+              <a:shade val="15000"/>
+            </a:schemeClr>
+          </a:lnRef>
+          <a:fillRef idx="1">
+            <a:schemeClr val="accent1"/>
+          </a:fillRef>
+          <a:effectRef idx="0">
+            <a:schemeClr val="accent1"/>
+          </a:effectRef>
+          <a:fontRef idx="minor">
+            <a:schemeClr val="lt1"/>
+          </a:fontRef>
+        </p:style>
+        <p:txBody>
+          <a:bodyPr rtlCol="0" anchor="ctr"/>
+          <a:lstStyle/>
+          <a:p>
+            <a:pPr algn="ctr"/>
+            <a:endParaRPr lang="zh-CN" altLang="en-US"/>
+          </a:p>
+        </p:txBody>
+      </p:sp>
+      <p:sp>
+        <p:nvSpPr>
+          <p:cNvPr id="18" name="文本框 17">
+            <a:extLst>
+              <a:ext uri="{FF2B5EF4-FFF2-40B4-BE49-F238E27FC236}">
+                <a16:creationId xmlns:a16="http://schemas.microsoft.com/office/drawing/2014/main" id="{7432B019-1DF8-C794-B3D3-0E83B0B7D05C}"/>
+              </a:ext>
+            </a:extLst>
+          </p:cNvPr>
+          <p:cNvSpPr txBox="1"/>
+          <p:nvPr/>
+        </p:nvSpPr>
+        <p:spPr>
+          <a:xfrm>
+            <a:off x="1782791" y="4906547"/>
+            <a:ext cx="400110" cy="852326"/>
+          </a:xfrm>
+          <a:prstGeom prst="rect">
+            <a:avLst/>
+          </a:prstGeom>
+          <a:noFill/>
+        </p:spPr>
+        <p:txBody>
+          <a:bodyPr vert="eaVert" wrap="square" rtlCol="0">
+            <a:spAutoFit/>
+          </a:bodyPr>
+          <a:lstStyle/>
+          <a:p>
+            <a:r>
+              <a:rPr lang="zh-CN" altLang="en-US" sz="1400" dirty="0"/>
+              <a:t>异常通知</a:t>
+            </a:r>
+          </a:p>
+        </p:txBody>
+      </p:sp>
+      <p:sp>
+        <p:nvSpPr>
+          <p:cNvPr id="19" name="矩形: 圆角 18">
+            <a:extLst>
+              <a:ext uri="{FF2B5EF4-FFF2-40B4-BE49-F238E27FC236}">
+                <a16:creationId xmlns:a16="http://schemas.microsoft.com/office/drawing/2014/main" id="{08EDFD3C-FE2D-6DE7-C438-AC0ED7B82877}"/>
+              </a:ext>
+            </a:extLst>
+          </p:cNvPr>
+          <p:cNvSpPr/>
+          <p:nvPr/>
+        </p:nvSpPr>
+        <p:spPr>
+          <a:xfrm>
+            <a:off x="2373449" y="4651684"/>
+            <a:ext cx="1407465" cy="575534"/>
+          </a:xfrm>
+          <a:prstGeom prst="roundRect">
+            <a:avLst/>
+          </a:prstGeom>
+          <a:solidFill>
+            <a:schemeClr val="accent1">
+              <a:lumMod val="40000"/>
+              <a:lumOff val="60000"/>
+            </a:schemeClr>
+          </a:solidFill>
+          <a:ln>
+            <a:solidFill>
+              <a:schemeClr val="accent1">
+                <a:lumMod val="40000"/>
+                <a:lumOff val="60000"/>
+              </a:schemeClr>
+            </a:solidFill>
+          </a:ln>
+        </p:spPr>
+        <p:style>
+          <a:lnRef idx="2">
+            <a:schemeClr val="accent1">
+              <a:shade val="15000"/>
+            </a:schemeClr>
+          </a:lnRef>
+          <a:fillRef idx="1">
+            <a:schemeClr val="accent1"/>
+          </a:fillRef>
+          <a:effectRef idx="0">
+            <a:schemeClr val="accent1"/>
+          </a:effectRef>
+          <a:fontRef idx="minor">
+            <a:schemeClr val="lt1"/>
+          </a:fontRef>
+        </p:style>
+        <p:txBody>
+          <a:bodyPr rtlCol="0" anchor="ctr"/>
+          <a:lstStyle/>
+          <a:p>
+            <a:pPr algn="ctr"/>
+            <a:r>
+              <a:rPr lang="en-US" altLang="zh-CN" sz="1200" dirty="0">
+                <a:solidFill>
+                  <a:schemeClr val="tx1"/>
+                </a:solidFill>
+              </a:rPr>
+              <a:t>Web</a:t>
+            </a:r>
+            <a:r>
+              <a:rPr lang="zh-CN" altLang="en-US" sz="1200" dirty="0">
+                <a:solidFill>
+                  <a:schemeClr val="tx1"/>
+                </a:solidFill>
+              </a:rPr>
+              <a:t>页面展示</a:t>
+            </a:r>
+          </a:p>
+        </p:txBody>
+      </p:sp>
+      <p:sp>
+        <p:nvSpPr>
+          <p:cNvPr id="20" name="矩形: 圆角 19">
+            <a:extLst>
+              <a:ext uri="{FF2B5EF4-FFF2-40B4-BE49-F238E27FC236}">
+                <a16:creationId xmlns:a16="http://schemas.microsoft.com/office/drawing/2014/main" id="{6E3BB049-B69B-1865-0DE1-0A38F81448AC}"/>
+              </a:ext>
+            </a:extLst>
+          </p:cNvPr>
+          <p:cNvSpPr/>
+          <p:nvPr/>
+        </p:nvSpPr>
+        <p:spPr>
+          <a:xfrm>
+            <a:off x="4359137" y="4651684"/>
+            <a:ext cx="1407465" cy="575534"/>
+          </a:xfrm>
+          <a:prstGeom prst="roundRect">
+            <a:avLst/>
+          </a:prstGeom>
+          <a:solidFill>
+            <a:schemeClr val="accent1">
+              <a:lumMod val="40000"/>
+              <a:lumOff val="60000"/>
+            </a:schemeClr>
+          </a:solidFill>
+          <a:ln>
+            <a:solidFill>
+              <a:schemeClr val="accent1">
+                <a:lumMod val="40000"/>
+                <a:lumOff val="60000"/>
+              </a:schemeClr>
+            </a:solidFill>
+          </a:ln>
+        </p:spPr>
+        <p:style>
+          <a:lnRef idx="2">
+            <a:schemeClr val="accent1">
+              <a:shade val="15000"/>
+            </a:schemeClr>
+          </a:lnRef>
+          <a:fillRef idx="1">
+            <a:schemeClr val="accent1"/>
+          </a:fillRef>
+          <a:effectRef idx="0">
+            <a:schemeClr val="accent1"/>
+          </a:effectRef>
+          <a:fontRef idx="minor">
+            <a:schemeClr val="lt1"/>
+          </a:fontRef>
+        </p:style>
+        <p:txBody>
+          <a:bodyPr rtlCol="0" anchor="ctr"/>
+          <a:lstStyle/>
+          <a:p>
+            <a:pPr algn="ctr"/>
+            <a:r>
+              <a:rPr lang="zh-CN" altLang="en-US" sz="1200" dirty="0">
+                <a:solidFill>
+                  <a:schemeClr val="tx1"/>
+                </a:solidFill>
+              </a:rPr>
+              <a:t>生成报告</a:t>
+            </a:r>
+          </a:p>
+        </p:txBody>
+      </p:sp>
+      <p:sp>
+        <p:nvSpPr>
+          <p:cNvPr id="21" name="矩形: 圆角 20">
+            <a:extLst>
+              <a:ext uri="{FF2B5EF4-FFF2-40B4-BE49-F238E27FC236}">
+                <a16:creationId xmlns:a16="http://schemas.microsoft.com/office/drawing/2014/main" id="{B2DDD753-53AB-908E-2FA6-E5522F1B7C64}"/>
+              </a:ext>
+            </a:extLst>
+          </p:cNvPr>
+          <p:cNvSpPr/>
+          <p:nvPr/>
+        </p:nvSpPr>
+        <p:spPr>
+          <a:xfrm>
+            <a:off x="2373449" y="5471106"/>
+            <a:ext cx="1407465" cy="575534"/>
+          </a:xfrm>
+          <a:prstGeom prst="roundRect">
+            <a:avLst/>
+          </a:prstGeom>
+          <a:solidFill>
+            <a:schemeClr val="accent1">
+              <a:lumMod val="40000"/>
+              <a:lumOff val="60000"/>
+            </a:schemeClr>
+          </a:solidFill>
+          <a:ln>
+            <a:solidFill>
+              <a:schemeClr val="accent1">
+                <a:lumMod val="40000"/>
+                <a:lumOff val="60000"/>
+              </a:schemeClr>
+            </a:solidFill>
+          </a:ln>
+        </p:spPr>
+        <p:style>
+          <a:lnRef idx="2">
+            <a:schemeClr val="accent1">
+              <a:shade val="15000"/>
+            </a:schemeClr>
+          </a:lnRef>
+          <a:fillRef idx="1">
+            <a:schemeClr val="accent1"/>
+          </a:fillRef>
+          <a:effectRef idx="0">
+            <a:schemeClr val="accent1"/>
+          </a:effectRef>
+          <a:fontRef idx="minor">
+            <a:schemeClr val="lt1"/>
+          </a:fontRef>
+        </p:style>
+        <p:txBody>
+          <a:bodyPr rtlCol="0" anchor="ctr"/>
+          <a:lstStyle/>
+          <a:p>
+            <a:pPr algn="ctr"/>
+            <a:r>
+              <a:rPr lang="zh-CN" altLang="en-US" sz="1200" dirty="0">
+                <a:solidFill>
+                  <a:schemeClr val="tx1"/>
+                </a:solidFill>
+              </a:rPr>
+              <a:t>飞书通知</a:t>
+            </a:r>
+          </a:p>
+        </p:txBody>
+      </p:sp>
+      <p:cxnSp>
+        <p:nvCxnSpPr>
+          <p:cNvPr id="23" name="直接箭头连接符 22">
+            <a:extLst>
+              <a:ext uri="{FF2B5EF4-FFF2-40B4-BE49-F238E27FC236}">
+                <a16:creationId xmlns:a16="http://schemas.microsoft.com/office/drawing/2014/main" id="{8347000C-2F7E-CA5B-2F79-6641FE7B4383}"/>
+              </a:ext>
+            </a:extLst>
+          </p:cNvPr>
+          <p:cNvCxnSpPr>
+            <a:cxnSpLocks/>
+          </p:cNvCxnSpPr>
+          <p:nvPr/>
+        </p:nvCxnSpPr>
+        <p:spPr>
+          <a:xfrm>
+            <a:off x="3780914" y="2519082"/>
+            <a:ext cx="344066" cy="0"/>
+          </a:xfrm>
+          <a:prstGeom prst="straightConnector1">
+            <a:avLst/>
+          </a:prstGeom>
+          <a:ln w="60325">
+            <a:tailEnd type="triangle"/>
+          </a:ln>
+        </p:spPr>
+        <p:style>
+          <a:lnRef idx="3">
+            <a:schemeClr val="accent1"/>
+          </a:lnRef>
+          <a:fillRef idx="0">
+            <a:schemeClr val="accent1"/>
+          </a:fillRef>
+          <a:effectRef idx="2">
+            <a:schemeClr val="accent1"/>
+          </a:effectRef>
+          <a:fontRef idx="minor">
+            <a:schemeClr val="tx1"/>
+          </a:fontRef>
+        </p:style>
+      </p:cxnSp>
+      <p:cxnSp>
+        <p:nvCxnSpPr>
+          <p:cNvPr id="25" name="直接箭头连接符 24">
+            <a:extLst>
+              <a:ext uri="{FF2B5EF4-FFF2-40B4-BE49-F238E27FC236}">
+                <a16:creationId xmlns:a16="http://schemas.microsoft.com/office/drawing/2014/main" id="{B776438E-5E22-F7C8-C80E-B0947FE2085D}"/>
+              </a:ext>
+            </a:extLst>
+          </p:cNvPr>
+          <p:cNvCxnSpPr>
+            <a:cxnSpLocks/>
+          </p:cNvCxnSpPr>
+          <p:nvPr/>
+        </p:nvCxnSpPr>
+        <p:spPr>
+          <a:xfrm>
+            <a:off x="5075241" y="2519082"/>
+            <a:ext cx="392686" cy="0"/>
+          </a:xfrm>
+          <a:prstGeom prst="straightConnector1">
+            <a:avLst/>
+          </a:prstGeom>
+          <a:ln w="60325">
+            <a:tailEnd type="triangle"/>
+          </a:ln>
+        </p:spPr>
+        <p:style>
+          <a:lnRef idx="3">
+            <a:schemeClr val="accent1"/>
+          </a:lnRef>
+          <a:fillRef idx="0">
+            <a:schemeClr val="accent1"/>
+          </a:fillRef>
+          <a:effectRef idx="2">
+            <a:schemeClr val="accent1"/>
+          </a:effectRef>
+          <a:fontRef idx="minor">
+            <a:schemeClr val="tx1"/>
+          </a:fontRef>
+        </p:style>
+      </p:cxnSp>
+      <p:cxnSp>
+        <p:nvCxnSpPr>
+          <p:cNvPr id="26" name="直接箭头连接符 25">
+            <a:extLst>
+              <a:ext uri="{FF2B5EF4-FFF2-40B4-BE49-F238E27FC236}">
+                <a16:creationId xmlns:a16="http://schemas.microsoft.com/office/drawing/2014/main" id="{7431A815-E483-BC0F-A400-4FE44F7A393C}"/>
+              </a:ext>
+            </a:extLst>
+          </p:cNvPr>
+          <p:cNvCxnSpPr>
+            <a:cxnSpLocks/>
+          </p:cNvCxnSpPr>
+          <p:nvPr/>
+        </p:nvCxnSpPr>
+        <p:spPr>
+          <a:xfrm>
+            <a:off x="6576291" y="2519082"/>
+            <a:ext cx="366053" cy="0"/>
+          </a:xfrm>
+          <a:prstGeom prst="straightConnector1">
+            <a:avLst/>
+          </a:prstGeom>
+          <a:ln w="60325">
+            <a:tailEnd type="triangle"/>
+          </a:ln>
+        </p:spPr>
+        <p:style>
+          <a:lnRef idx="3">
+            <a:schemeClr val="accent1"/>
+          </a:lnRef>
+          <a:fillRef idx="0">
+            <a:schemeClr val="accent1"/>
+          </a:fillRef>
+          <a:effectRef idx="2">
+            <a:schemeClr val="accent1"/>
+          </a:effectRef>
+          <a:fontRef idx="minor">
+            <a:schemeClr val="tx1"/>
+          </a:fontRef>
+        </p:style>
+      </p:cxnSp>
+      <p:cxnSp>
+        <p:nvCxnSpPr>
+          <p:cNvPr id="27" name="直接箭头连接符 26">
+            <a:extLst>
+              <a:ext uri="{FF2B5EF4-FFF2-40B4-BE49-F238E27FC236}">
+                <a16:creationId xmlns:a16="http://schemas.microsoft.com/office/drawing/2014/main" id="{42AAC49D-58B1-D602-476B-C3A1DA70D475}"/>
+              </a:ext>
+            </a:extLst>
+          </p:cNvPr>
+          <p:cNvCxnSpPr>
+            <a:cxnSpLocks/>
+          </p:cNvCxnSpPr>
+          <p:nvPr/>
+        </p:nvCxnSpPr>
+        <p:spPr>
+          <a:xfrm>
+            <a:off x="7767782" y="2519082"/>
+            <a:ext cx="369454" cy="0"/>
+          </a:xfrm>
+          <a:prstGeom prst="straightConnector1">
+            <a:avLst/>
+          </a:prstGeom>
+          <a:ln w="60325">
+            <a:tailEnd type="triangle"/>
+          </a:ln>
+        </p:spPr>
+        <p:style>
+          <a:lnRef idx="3">
+            <a:schemeClr val="accent1"/>
+          </a:lnRef>
+          <a:fillRef idx="0">
+            <a:schemeClr val="accent1"/>
+          </a:fillRef>
+          <a:effectRef idx="2">
+            <a:schemeClr val="accent1"/>
+          </a:effectRef>
+          <a:fontRef idx="minor">
+            <a:schemeClr val="tx1"/>
+          </a:fontRef>
+        </p:style>
+      </p:cxnSp>
+      <p:cxnSp>
+        <p:nvCxnSpPr>
+          <p:cNvPr id="28" name="直接箭头连接符 27">
+            <a:extLst>
+              <a:ext uri="{FF2B5EF4-FFF2-40B4-BE49-F238E27FC236}">
+                <a16:creationId xmlns:a16="http://schemas.microsoft.com/office/drawing/2014/main" id="{73F9BA81-1B8A-D28B-CE89-474BC8AA64B7}"/>
+              </a:ext>
+            </a:extLst>
+          </p:cNvPr>
+          <p:cNvCxnSpPr>
+            <a:cxnSpLocks/>
+          </p:cNvCxnSpPr>
+          <p:nvPr/>
+        </p:nvCxnSpPr>
+        <p:spPr>
+          <a:xfrm>
+            <a:off x="3860800" y="4939451"/>
+            <a:ext cx="406400" cy="0"/>
+          </a:xfrm>
+          <a:prstGeom prst="straightConnector1">
+            <a:avLst/>
+          </a:prstGeom>
+          <a:ln w="60325">
+            <a:tailEnd type="triangle"/>
+          </a:ln>
+        </p:spPr>
+        <p:style>
+          <a:lnRef idx="3">
+            <a:schemeClr val="accent1"/>
+          </a:lnRef>
+          <a:fillRef idx="0">
+            <a:schemeClr val="accent1"/>
+          </a:fillRef>
+          <a:effectRef idx="2">
+            <a:schemeClr val="accent1"/>
+          </a:effectRef>
+          <a:fontRef idx="minor">
+            <a:schemeClr val="tx1"/>
+          </a:fontRef>
+        </p:style>
+      </p:cxnSp>
     </p:spTree>
     <p:extLst>
       <p:ext uri="{BB962C8B-B14F-4D97-AF65-F5344CB8AC3E}">

--- a/project/模型.pptx
+++ b/project/模型.pptx
@@ -10,6 +10,7 @@
     <p:sldId id="259" r:id="rId4"/>
     <p:sldId id="260" r:id="rId5"/>
     <p:sldId id="258" r:id="rId6"/>
+    <p:sldId id="261" r:id="rId7"/>
   </p:sldIdLst>
   <p:sldSz cx="12192000" cy="6858000"/>
   <p:notesSz cx="6858000" cy="9144000"/>
@@ -263,7 +264,7 @@
           <a:p>
             <a:fld id="{E4C0CE13-A334-4A3E-902C-95BEFC34E49C}" type="datetimeFigureOut">
               <a:rPr lang="zh-CN" altLang="en-US" smtClean="0"/>
-              <a:t>2025/2/5</a:t>
+              <a:t>2025/2/6</a:t>
             </a:fld>
             <a:endParaRPr lang="zh-CN" altLang="en-US"/>
           </a:p>
@@ -461,7 +462,7 @@
           <a:p>
             <a:fld id="{E4C0CE13-A334-4A3E-902C-95BEFC34E49C}" type="datetimeFigureOut">
               <a:rPr lang="zh-CN" altLang="en-US" smtClean="0"/>
-              <a:t>2025/2/5</a:t>
+              <a:t>2025/2/6</a:t>
             </a:fld>
             <a:endParaRPr lang="zh-CN" altLang="en-US"/>
           </a:p>
@@ -669,7 +670,7 @@
           <a:p>
             <a:fld id="{E4C0CE13-A334-4A3E-902C-95BEFC34E49C}" type="datetimeFigureOut">
               <a:rPr lang="zh-CN" altLang="en-US" smtClean="0"/>
-              <a:t>2025/2/5</a:t>
+              <a:t>2025/2/6</a:t>
             </a:fld>
             <a:endParaRPr lang="zh-CN" altLang="en-US"/>
           </a:p>
@@ -867,7 +868,7 @@
           <a:p>
             <a:fld id="{E4C0CE13-A334-4A3E-902C-95BEFC34E49C}" type="datetimeFigureOut">
               <a:rPr lang="zh-CN" altLang="en-US" smtClean="0"/>
-              <a:t>2025/2/5</a:t>
+              <a:t>2025/2/6</a:t>
             </a:fld>
             <a:endParaRPr lang="zh-CN" altLang="en-US"/>
           </a:p>
@@ -1142,7 +1143,7 @@
           <a:p>
             <a:fld id="{E4C0CE13-A334-4A3E-902C-95BEFC34E49C}" type="datetimeFigureOut">
               <a:rPr lang="zh-CN" altLang="en-US" smtClean="0"/>
-              <a:t>2025/2/5</a:t>
+              <a:t>2025/2/6</a:t>
             </a:fld>
             <a:endParaRPr lang="zh-CN" altLang="en-US"/>
           </a:p>
@@ -1407,7 +1408,7 @@
           <a:p>
             <a:fld id="{E4C0CE13-A334-4A3E-902C-95BEFC34E49C}" type="datetimeFigureOut">
               <a:rPr lang="zh-CN" altLang="en-US" smtClean="0"/>
-              <a:t>2025/2/5</a:t>
+              <a:t>2025/2/6</a:t>
             </a:fld>
             <a:endParaRPr lang="zh-CN" altLang="en-US"/>
           </a:p>
@@ -1819,7 +1820,7 @@
           <a:p>
             <a:fld id="{E4C0CE13-A334-4A3E-902C-95BEFC34E49C}" type="datetimeFigureOut">
               <a:rPr lang="zh-CN" altLang="en-US" smtClean="0"/>
-              <a:t>2025/2/5</a:t>
+              <a:t>2025/2/6</a:t>
             </a:fld>
             <a:endParaRPr lang="zh-CN" altLang="en-US"/>
           </a:p>
@@ -1960,7 +1961,7 @@
           <a:p>
             <a:fld id="{E4C0CE13-A334-4A3E-902C-95BEFC34E49C}" type="datetimeFigureOut">
               <a:rPr lang="zh-CN" altLang="en-US" smtClean="0"/>
-              <a:t>2025/2/5</a:t>
+              <a:t>2025/2/6</a:t>
             </a:fld>
             <a:endParaRPr lang="zh-CN" altLang="en-US"/>
           </a:p>
@@ -2073,7 +2074,7 @@
           <a:p>
             <a:fld id="{E4C0CE13-A334-4A3E-902C-95BEFC34E49C}" type="datetimeFigureOut">
               <a:rPr lang="zh-CN" altLang="en-US" smtClean="0"/>
-              <a:t>2025/2/5</a:t>
+              <a:t>2025/2/6</a:t>
             </a:fld>
             <a:endParaRPr lang="zh-CN" altLang="en-US"/>
           </a:p>
@@ -2384,7 +2385,7 @@
           <a:p>
             <a:fld id="{E4C0CE13-A334-4A3E-902C-95BEFC34E49C}" type="datetimeFigureOut">
               <a:rPr lang="zh-CN" altLang="en-US" smtClean="0"/>
-              <a:t>2025/2/5</a:t>
+              <a:t>2025/2/6</a:t>
             </a:fld>
             <a:endParaRPr lang="zh-CN" altLang="en-US"/>
           </a:p>
@@ -2672,7 +2673,7 @@
           <a:p>
             <a:fld id="{E4C0CE13-A334-4A3E-902C-95BEFC34E49C}" type="datetimeFigureOut">
               <a:rPr lang="zh-CN" altLang="en-US" smtClean="0"/>
-              <a:t>2025/2/5</a:t>
+              <a:t>2025/2/6</a:t>
             </a:fld>
             <a:endParaRPr lang="zh-CN" altLang="en-US"/>
           </a:p>
@@ -2913,7 +2914,7 @@
           <a:p>
             <a:fld id="{E4C0CE13-A334-4A3E-902C-95BEFC34E49C}" type="datetimeFigureOut">
               <a:rPr lang="zh-CN" altLang="en-US" smtClean="0"/>
-              <a:t>2025/2/5</a:t>
+              <a:t>2025/2/6</a:t>
             </a:fld>
             <a:endParaRPr lang="zh-CN" altLang="en-US"/>
           </a:p>
@@ -7934,12 +7935,8 @@
               <a:t>初始化</a:t>
             </a:r>
             <a:r>
-              <a:rPr lang="en-US" altLang="zh-CN" sz="1600" dirty="0" err="1"/>
-              <a:t>Mqtt</a:t>
-            </a:r>
-            <a:r>
               <a:rPr lang="en-US" altLang="zh-CN" sz="1600" dirty="0"/>
-              <a:t> broker</a:t>
+              <a:t>Mqtt broker</a:t>
             </a:r>
             <a:endParaRPr lang="zh-CN" altLang="en-US" sz="1600" dirty="0"/>
           </a:p>
@@ -8247,7 +8244,7 @@
           <a:p>
             <a:pPr algn="ctr"/>
             <a:r>
-              <a:rPr lang="en-US" altLang="zh-CN" sz="1600" dirty="0" err="1"/>
+              <a:rPr lang="en-US" altLang="zh-CN" sz="1600" dirty="0"/>
               <a:t>IoTDB</a:t>
             </a:r>
             <a:r>
@@ -8451,7 +8448,7 @@
           <a:p>
             <a:pPr algn="ctr"/>
             <a:r>
-              <a:rPr lang="en-US" altLang="zh-CN" sz="1600" dirty="0" err="1"/>
+              <a:rPr lang="en-US" altLang="zh-CN" sz="1600" dirty="0"/>
               <a:t>Websocket</a:t>
             </a:r>
             <a:r>
@@ -9027,41 +9024,6 @@
       </p:grpSpPr>
       <p:sp>
         <p:nvSpPr>
-          <p:cNvPr id="50" name="文本框 49">
-            <a:extLst>
-              <a:ext uri="{FF2B5EF4-FFF2-40B4-BE49-F238E27FC236}">
-                <a16:creationId xmlns:a16="http://schemas.microsoft.com/office/drawing/2014/main" id="{438E6F2D-A59F-DA61-647F-DD3FA725243E}"/>
-              </a:ext>
-            </a:extLst>
-          </p:cNvPr>
-          <p:cNvSpPr txBox="1"/>
-          <p:nvPr/>
-        </p:nvSpPr>
-        <p:spPr>
-          <a:xfrm>
-            <a:off x="6422540" y="4658952"/>
-            <a:ext cx="457445" cy="307777"/>
-          </a:xfrm>
-          <a:prstGeom prst="rect">
-            <a:avLst/>
-          </a:prstGeom>
-          <a:noFill/>
-        </p:spPr>
-        <p:txBody>
-          <a:bodyPr wrap="square" rtlCol="0">
-            <a:spAutoFit/>
-          </a:bodyPr>
-          <a:lstStyle/>
-          <a:p>
-            <a:r>
-              <a:rPr lang="zh-CN" altLang="en-US" sz="1400" dirty="0"/>
-              <a:t>是</a:t>
-            </a:r>
-          </a:p>
-        </p:txBody>
-      </p:sp>
-      <p:sp>
-        <p:nvSpPr>
           <p:cNvPr id="4" name="椭圆 3">
             <a:extLst>
               <a:ext uri="{FF2B5EF4-FFF2-40B4-BE49-F238E27FC236}">
@@ -9074,8 +9036,8 @@
         </p:nvSpPr>
         <p:spPr>
           <a:xfrm>
-            <a:off x="2887207" y="187121"/>
-            <a:ext cx="622995" cy="608870"/>
+            <a:off x="2783688" y="187122"/>
+            <a:ext cx="512854" cy="501226"/>
           </a:xfrm>
           <a:prstGeom prst="ellipse">
             <a:avLst/>
@@ -9102,7 +9064,7 @@
           <a:lstStyle/>
           <a:p>
             <a:pPr algn="ctr"/>
-            <a:endParaRPr lang="zh-CN" altLang="en-US" sz="1200" dirty="0"/>
+            <a:endParaRPr lang="zh-CN" altLang="en-US" sz="1000" dirty="0"/>
           </a:p>
         </p:txBody>
       </p:sp>
@@ -9120,8 +9082,8 @@
         </p:nvSpPr>
         <p:spPr>
           <a:xfrm>
-            <a:off x="2301669" y="1227851"/>
-            <a:ext cx="1794069" cy="608870"/>
+            <a:off x="2301669" y="1043858"/>
+            <a:ext cx="1476890" cy="501226"/>
           </a:xfrm>
           <a:prstGeom prst="rect">
             <a:avLst/>
@@ -9149,14 +9111,14 @@
           <a:p>
             <a:pPr algn="ctr"/>
             <a:r>
-              <a:rPr lang="zh-CN" altLang="en-US" sz="1200" dirty="0"/>
+              <a:rPr lang="zh-CN" altLang="en-US" sz="1000" dirty="0"/>
               <a:t>实例化</a:t>
             </a:r>
             <a:r>
-              <a:rPr lang="en-US" altLang="zh-CN" sz="1200" dirty="0"/>
+              <a:rPr lang="en-US" altLang="zh-CN" sz="1000" dirty="0"/>
               <a:t>Kafka consumer</a:t>
             </a:r>
-            <a:endParaRPr lang="zh-CN" altLang="en-US" sz="1200" dirty="0"/>
+            <a:endParaRPr lang="zh-CN" altLang="en-US" sz="1000" dirty="0"/>
           </a:p>
         </p:txBody>
       </p:sp>
@@ -9174,8 +9136,8 @@
         </p:nvSpPr>
         <p:spPr>
           <a:xfrm>
-            <a:off x="2887207" y="367478"/>
-            <a:ext cx="622994" cy="276999"/>
+            <a:off x="2783688" y="311210"/>
+            <a:ext cx="512853" cy="246221"/>
           </a:xfrm>
           <a:prstGeom prst="rect">
             <a:avLst/>
@@ -9190,7 +9152,7 @@
           <a:p>
             <a:pPr algn="ctr"/>
             <a:r>
-              <a:rPr lang="zh-CN" altLang="en-US" sz="1200" dirty="0">
+              <a:rPr lang="zh-CN" altLang="en-US" sz="1000" dirty="0">
                 <a:solidFill>
                   <a:schemeClr val="bg1"/>
                 </a:solidFill>
@@ -9214,8 +9176,8 @@
         </p:nvSpPr>
         <p:spPr>
           <a:xfrm>
-            <a:off x="2301668" y="2248802"/>
-            <a:ext cx="1794069" cy="608870"/>
+            <a:off x="2301668" y="1884312"/>
+            <a:ext cx="1476890" cy="501226"/>
           </a:xfrm>
           <a:prstGeom prst="rect">
             <a:avLst/>
@@ -9243,7 +9205,7 @@
           <a:p>
             <a:pPr algn="ctr"/>
             <a:r>
-              <a:rPr lang="zh-CN" altLang="en-US" sz="1200" dirty="0"/>
+              <a:rPr lang="zh-CN" altLang="en-US" sz="1000" dirty="0"/>
               <a:t>监听消费的时序数据</a:t>
             </a:r>
           </a:p>
@@ -9263,8 +9225,8 @@
         </p:nvSpPr>
         <p:spPr>
           <a:xfrm>
-            <a:off x="2301667" y="3259475"/>
-            <a:ext cx="1794069" cy="608870"/>
+            <a:off x="2301667" y="2716305"/>
+            <a:ext cx="1476890" cy="501226"/>
           </a:xfrm>
           <a:prstGeom prst="rect">
             <a:avLst/>
@@ -9292,155 +9254,8 @@
           <a:p>
             <a:pPr algn="ctr"/>
             <a:r>
-              <a:rPr lang="zh-CN" altLang="en-US" sz="1200" dirty="0"/>
-              <a:t>分包接收数据</a:t>
-            </a:r>
-          </a:p>
-        </p:txBody>
-      </p:sp>
-      <p:sp>
-        <p:nvSpPr>
-          <p:cNvPr id="10" name="矩形 9">
-            <a:extLst>
-              <a:ext uri="{FF2B5EF4-FFF2-40B4-BE49-F238E27FC236}">
-                <a16:creationId xmlns:a16="http://schemas.microsoft.com/office/drawing/2014/main" id="{9F5D50F5-1A66-8A56-9BB0-368F6CDA4E15}"/>
-              </a:ext>
-            </a:extLst>
-          </p:cNvPr>
-          <p:cNvSpPr/>
-          <p:nvPr/>
-        </p:nvSpPr>
-        <p:spPr>
-          <a:xfrm>
-            <a:off x="5982949" y="1163466"/>
-            <a:ext cx="1794069" cy="608870"/>
-          </a:xfrm>
-          <a:prstGeom prst="rect">
-            <a:avLst/>
-          </a:prstGeom>
-        </p:spPr>
-        <p:style>
-          <a:lnRef idx="2">
-            <a:schemeClr val="accent1">
-              <a:shade val="50000"/>
-            </a:schemeClr>
-          </a:lnRef>
-          <a:fillRef idx="1">
-            <a:schemeClr val="accent1"/>
-          </a:fillRef>
-          <a:effectRef idx="0">
-            <a:schemeClr val="accent1"/>
-          </a:effectRef>
-          <a:fontRef idx="minor">
-            <a:schemeClr val="lt1"/>
-          </a:fontRef>
-        </p:style>
-        <p:txBody>
-          <a:bodyPr rtlCol="0" anchor="ctr"/>
-          <a:lstStyle/>
-          <a:p>
-            <a:pPr algn="ctr"/>
-            <a:r>
-              <a:rPr lang="zh-CN" altLang="en-US" sz="1200" dirty="0"/>
-              <a:t>数据归一化处理</a:t>
-            </a:r>
-          </a:p>
-        </p:txBody>
-      </p:sp>
-      <p:sp>
-        <p:nvSpPr>
-          <p:cNvPr id="12" name="矩形: 圆角 11">
-            <a:extLst>
-              <a:ext uri="{FF2B5EF4-FFF2-40B4-BE49-F238E27FC236}">
-                <a16:creationId xmlns:a16="http://schemas.microsoft.com/office/drawing/2014/main" id="{519BE34C-942B-9578-458C-E6C6920F94C8}"/>
-              </a:ext>
-            </a:extLst>
-          </p:cNvPr>
-          <p:cNvSpPr/>
-          <p:nvPr/>
-        </p:nvSpPr>
-        <p:spPr>
-          <a:xfrm>
-            <a:off x="6280645" y="6229807"/>
-            <a:ext cx="1198674" cy="421841"/>
-          </a:xfrm>
-          <a:prstGeom prst="roundRect">
-            <a:avLst/>
-          </a:prstGeom>
-        </p:spPr>
-        <p:style>
-          <a:lnRef idx="2">
-            <a:schemeClr val="accent1">
-              <a:shade val="50000"/>
-            </a:schemeClr>
-          </a:lnRef>
-          <a:fillRef idx="1">
-            <a:schemeClr val="accent1"/>
-          </a:fillRef>
-          <a:effectRef idx="0">
-            <a:schemeClr val="accent1"/>
-          </a:effectRef>
-          <a:fontRef idx="minor">
-            <a:schemeClr val="lt1"/>
-          </a:fontRef>
-        </p:style>
-        <p:txBody>
-          <a:bodyPr rtlCol="0" anchor="ctr"/>
-          <a:lstStyle/>
-          <a:p>
-            <a:pPr algn="ctr"/>
-            <a:r>
-              <a:rPr lang="zh-CN" altLang="en-US" sz="1200" dirty="0"/>
-              <a:t>结束</a:t>
-            </a:r>
-          </a:p>
-        </p:txBody>
-      </p:sp>
-      <p:sp>
-        <p:nvSpPr>
-          <p:cNvPr id="13" name="流程图: 决策 12">
-            <a:extLst>
-              <a:ext uri="{FF2B5EF4-FFF2-40B4-BE49-F238E27FC236}">
-                <a16:creationId xmlns:a16="http://schemas.microsoft.com/office/drawing/2014/main" id="{7CC260FD-D8CD-41B9-5AE8-9274C5FE9839}"/>
-              </a:ext>
-            </a:extLst>
-          </p:cNvPr>
-          <p:cNvSpPr/>
-          <p:nvPr/>
-        </p:nvSpPr>
-        <p:spPr>
-          <a:xfrm>
-            <a:off x="5982951" y="3803959"/>
-            <a:ext cx="1794067" cy="820946"/>
-          </a:xfrm>
-          <a:prstGeom prst="flowChartDecision">
-            <a:avLst/>
-          </a:prstGeom>
-        </p:spPr>
-        <p:style>
-          <a:lnRef idx="2">
-            <a:schemeClr val="accent1">
-              <a:shade val="50000"/>
-            </a:schemeClr>
-          </a:lnRef>
-          <a:fillRef idx="1">
-            <a:schemeClr val="accent1"/>
-          </a:fillRef>
-          <a:effectRef idx="0">
-            <a:schemeClr val="accent1"/>
-          </a:effectRef>
-          <a:fontRef idx="minor">
-            <a:schemeClr val="lt1"/>
-          </a:fontRef>
-        </p:style>
-        <p:txBody>
-          <a:bodyPr rtlCol="0" anchor="ctr"/>
-          <a:lstStyle/>
-          <a:p>
-            <a:pPr algn="ctr"/>
-            <a:r>
-              <a:rPr lang="zh-CN" altLang="en-US" sz="1200" dirty="0"/>
-              <a:t>是否异常</a:t>
+              <a:rPr lang="zh-CN" altLang="en-US" sz="1000" dirty="0"/>
+              <a:t>滑动窗口划分数据</a:t>
             </a:r>
           </a:p>
         </p:txBody>
@@ -9462,8 +9277,8 @@
         </p:nvCxnSpPr>
         <p:spPr>
           <a:xfrm flipH="1">
-            <a:off x="3198703" y="1836721"/>
-            <a:ext cx="1" cy="412081"/>
+            <a:off x="3040113" y="1545084"/>
+            <a:ext cx="1" cy="339228"/>
           </a:xfrm>
           <a:prstGeom prst="straightConnector1">
             <a:avLst/>
@@ -9504,8 +9319,8 @@
         </p:nvCxnSpPr>
         <p:spPr>
           <a:xfrm>
-            <a:off x="3198702" y="780899"/>
-            <a:ext cx="2" cy="446952"/>
+            <a:off x="3040112" y="675924"/>
+            <a:ext cx="2" cy="367934"/>
           </a:xfrm>
           <a:prstGeom prst="straightConnector1">
             <a:avLst/>
@@ -9546,8 +9361,8 @@
         </p:nvCxnSpPr>
         <p:spPr>
           <a:xfrm>
-            <a:off x="3198701" y="2798645"/>
-            <a:ext cx="1" cy="460829"/>
+            <a:off x="3040112" y="2336947"/>
+            <a:ext cx="1" cy="379358"/>
           </a:xfrm>
           <a:prstGeom prst="straightConnector1">
             <a:avLst/>
@@ -9571,112 +9386,6 @@
           </a:fontRef>
         </p:style>
       </p:cxnSp>
-      <p:sp>
-        <p:nvSpPr>
-          <p:cNvPr id="2" name="矩形 1">
-            <a:extLst>
-              <a:ext uri="{FF2B5EF4-FFF2-40B4-BE49-F238E27FC236}">
-                <a16:creationId xmlns:a16="http://schemas.microsoft.com/office/drawing/2014/main" id="{FFA5D862-FEED-4634-DC98-9FB54A2F9B03}"/>
-              </a:ext>
-            </a:extLst>
-          </p:cNvPr>
-          <p:cNvSpPr/>
-          <p:nvPr/>
-        </p:nvSpPr>
-        <p:spPr>
-          <a:xfrm>
-            <a:off x="5982946" y="2525076"/>
-            <a:ext cx="1794069" cy="608870"/>
-          </a:xfrm>
-          <a:prstGeom prst="rect">
-            <a:avLst/>
-          </a:prstGeom>
-        </p:spPr>
-        <p:style>
-          <a:lnRef idx="2">
-            <a:schemeClr val="accent1">
-              <a:shade val="50000"/>
-            </a:schemeClr>
-          </a:lnRef>
-          <a:fillRef idx="1">
-            <a:schemeClr val="accent1"/>
-          </a:fillRef>
-          <a:effectRef idx="0">
-            <a:schemeClr val="accent1"/>
-          </a:effectRef>
-          <a:fontRef idx="minor">
-            <a:schemeClr val="lt1"/>
-          </a:fontRef>
-        </p:style>
-        <p:txBody>
-          <a:bodyPr rtlCol="0" anchor="ctr"/>
-          <a:lstStyle/>
-          <a:p>
-            <a:pPr algn="ctr"/>
-            <a:r>
-              <a:rPr lang="zh-CN" altLang="en-US" sz="1200" dirty="0"/>
-              <a:t>训练好的</a:t>
-            </a:r>
-            <a:r>
-              <a:rPr lang="en-US" altLang="zh-CN" sz="1200" dirty="0" err="1"/>
-              <a:t>TransformerFFT</a:t>
-            </a:r>
-            <a:r>
-              <a:rPr lang="zh-CN" altLang="en-US" sz="1200" dirty="0"/>
-              <a:t>模型</a:t>
-            </a:r>
-          </a:p>
-        </p:txBody>
-      </p:sp>
-      <p:sp>
-        <p:nvSpPr>
-          <p:cNvPr id="3" name="矩形 2">
-            <a:extLst>
-              <a:ext uri="{FF2B5EF4-FFF2-40B4-BE49-F238E27FC236}">
-                <a16:creationId xmlns:a16="http://schemas.microsoft.com/office/drawing/2014/main" id="{B96ECDA4-6DDB-5C2D-4818-18E68CE1424B}"/>
-              </a:ext>
-            </a:extLst>
-          </p:cNvPr>
-          <p:cNvSpPr/>
-          <p:nvPr/>
-        </p:nvSpPr>
-        <p:spPr>
-          <a:xfrm>
-            <a:off x="5982949" y="5104426"/>
-            <a:ext cx="1794069" cy="608870"/>
-          </a:xfrm>
-          <a:prstGeom prst="rect">
-            <a:avLst/>
-          </a:prstGeom>
-        </p:spPr>
-        <p:style>
-          <a:lnRef idx="2">
-            <a:schemeClr val="accent1">
-              <a:shade val="50000"/>
-            </a:schemeClr>
-          </a:lnRef>
-          <a:fillRef idx="1">
-            <a:schemeClr val="accent1"/>
-          </a:fillRef>
-          <a:effectRef idx="0">
-            <a:schemeClr val="accent1"/>
-          </a:effectRef>
-          <a:fontRef idx="minor">
-            <a:schemeClr val="lt1"/>
-          </a:fontRef>
-        </p:style>
-        <p:txBody>
-          <a:bodyPr rtlCol="0" anchor="ctr"/>
-          <a:lstStyle/>
-          <a:p>
-            <a:pPr algn="ctr"/>
-            <a:r>
-              <a:rPr lang="zh-CN" altLang="en-US" sz="1200" dirty="0"/>
-              <a:t>异常通知</a:t>
-            </a:r>
-          </a:p>
-        </p:txBody>
-      </p:sp>
       <p:cxnSp>
         <p:nvCxnSpPr>
           <p:cNvPr id="17" name="连接符: 肘形 16">
@@ -9694,8 +9403,8 @@
         </p:nvCxnSpPr>
         <p:spPr>
           <a:xfrm flipV="1">
-            <a:off x="4095736" y="1467901"/>
-            <a:ext cx="1887213" cy="2096008"/>
+            <a:off x="3778557" y="1239962"/>
+            <a:ext cx="1040647" cy="1726956"/>
           </a:xfrm>
           <a:prstGeom prst="bentConnector3">
             <a:avLst/>
@@ -9719,69 +9428,630 @@
           </a:fontRef>
         </p:style>
       </p:cxnSp>
+      <p:grpSp>
+        <p:nvGrpSpPr>
+          <p:cNvPr id="43" name="组合 42">
+            <a:extLst>
+              <a:ext uri="{FF2B5EF4-FFF2-40B4-BE49-F238E27FC236}">
+                <a16:creationId xmlns:a16="http://schemas.microsoft.com/office/drawing/2014/main" id="{1D39EB7E-5B1C-17F9-11D0-ACB42E0E89D3}"/>
+              </a:ext>
+            </a:extLst>
+          </p:cNvPr>
+          <p:cNvGrpSpPr/>
+          <p:nvPr/>
+        </p:nvGrpSpPr>
+        <p:grpSpPr>
+          <a:xfrm>
+            <a:off x="4517000" y="989349"/>
+            <a:ext cx="1779094" cy="5617354"/>
+            <a:chOff x="4809484" y="982692"/>
+            <a:chExt cx="1779094" cy="5617354"/>
+          </a:xfrm>
+        </p:grpSpPr>
+        <p:sp>
+          <p:nvSpPr>
+            <p:cNvPr id="50" name="文本框 49">
+              <a:extLst>
+                <a:ext uri="{FF2B5EF4-FFF2-40B4-BE49-F238E27FC236}">
+                  <a16:creationId xmlns:a16="http://schemas.microsoft.com/office/drawing/2014/main" id="{438E6F2D-A59F-DA61-647F-DD3FA725243E}"/>
+                </a:ext>
+              </a:extLst>
+            </p:cNvPr>
+            <p:cNvSpPr txBox="1"/>
+            <p:nvPr/>
+          </p:nvSpPr>
+          <p:spPr>
+            <a:xfrm>
+              <a:off x="5907714" y="4807811"/>
+              <a:ext cx="376572" cy="253364"/>
+            </a:xfrm>
+            <a:prstGeom prst="rect">
+              <a:avLst/>
+            </a:prstGeom>
+            <a:noFill/>
+          </p:spPr>
+          <p:txBody>
+            <a:bodyPr wrap="square" rtlCol="0">
+              <a:spAutoFit/>
+            </a:bodyPr>
+            <a:lstStyle/>
+            <a:p>
+              <a:r>
+                <a:rPr lang="zh-CN" altLang="en-US" sz="1000" dirty="0"/>
+                <a:t>是</a:t>
+              </a:r>
+            </a:p>
+          </p:txBody>
+        </p:sp>
+        <p:sp>
+          <p:nvSpPr>
+            <p:cNvPr id="10" name="矩形 9">
+              <a:extLst>
+                <a:ext uri="{FF2B5EF4-FFF2-40B4-BE49-F238E27FC236}">
+                  <a16:creationId xmlns:a16="http://schemas.microsoft.com/office/drawing/2014/main" id="{9F5D50F5-1A66-8A56-9BB0-368F6CDA4E15}"/>
+                </a:ext>
+              </a:extLst>
+            </p:cNvPr>
+            <p:cNvSpPr/>
+            <p:nvPr/>
+          </p:nvSpPr>
+          <p:spPr>
+            <a:xfrm>
+              <a:off x="5111688" y="982692"/>
+              <a:ext cx="1476890" cy="501226"/>
+            </a:xfrm>
+            <a:prstGeom prst="rect">
+              <a:avLst/>
+            </a:prstGeom>
+          </p:spPr>
+          <p:style>
+            <a:lnRef idx="2">
+              <a:schemeClr val="accent1">
+                <a:shade val="50000"/>
+              </a:schemeClr>
+            </a:lnRef>
+            <a:fillRef idx="1">
+              <a:schemeClr val="accent1"/>
+            </a:fillRef>
+            <a:effectRef idx="0">
+              <a:schemeClr val="accent1"/>
+            </a:effectRef>
+            <a:fontRef idx="minor">
+              <a:schemeClr val="lt1"/>
+            </a:fontRef>
+          </p:style>
+          <p:txBody>
+            <a:bodyPr rtlCol="0" anchor="ctr"/>
+            <a:lstStyle/>
+            <a:p>
+              <a:pPr algn="ctr"/>
+              <a:r>
+                <a:rPr lang="zh-CN" altLang="en-US" sz="1000" dirty="0"/>
+                <a:t>数据归一化处理</a:t>
+              </a:r>
+            </a:p>
+          </p:txBody>
+        </p:sp>
+        <p:sp>
+          <p:nvSpPr>
+            <p:cNvPr id="12" name="矩形: 圆角 11">
+              <a:extLst>
+                <a:ext uri="{FF2B5EF4-FFF2-40B4-BE49-F238E27FC236}">
+                  <a16:creationId xmlns:a16="http://schemas.microsoft.com/office/drawing/2014/main" id="{519BE34C-942B-9578-458C-E6C6920F94C8}"/>
+                </a:ext>
+              </a:extLst>
+            </p:cNvPr>
+            <p:cNvSpPr/>
+            <p:nvPr/>
+          </p:nvSpPr>
+          <p:spPr>
+            <a:xfrm>
+              <a:off x="5356750" y="6252784"/>
+              <a:ext cx="986757" cy="347262"/>
+            </a:xfrm>
+            <a:prstGeom prst="roundRect">
+              <a:avLst/>
+            </a:prstGeom>
+          </p:spPr>
+          <p:style>
+            <a:lnRef idx="2">
+              <a:schemeClr val="accent1">
+                <a:shade val="50000"/>
+              </a:schemeClr>
+            </a:lnRef>
+            <a:fillRef idx="1">
+              <a:schemeClr val="accent1"/>
+            </a:fillRef>
+            <a:effectRef idx="0">
+              <a:schemeClr val="accent1"/>
+            </a:effectRef>
+            <a:fontRef idx="minor">
+              <a:schemeClr val="lt1"/>
+            </a:fontRef>
+          </p:style>
+          <p:txBody>
+            <a:bodyPr rtlCol="0" anchor="ctr"/>
+            <a:lstStyle/>
+            <a:p>
+              <a:pPr algn="ctr"/>
+              <a:r>
+                <a:rPr lang="zh-CN" altLang="en-US" sz="1000" dirty="0"/>
+                <a:t>结束</a:t>
+              </a:r>
+            </a:p>
+          </p:txBody>
+        </p:sp>
+        <p:sp>
+          <p:nvSpPr>
+            <p:cNvPr id="13" name="流程图: 决策 12">
+              <a:extLst>
+                <a:ext uri="{FF2B5EF4-FFF2-40B4-BE49-F238E27FC236}">
+                  <a16:creationId xmlns:a16="http://schemas.microsoft.com/office/drawing/2014/main" id="{7CC260FD-D8CD-41B9-5AE8-9274C5FE9839}"/>
+                </a:ext>
+              </a:extLst>
+            </p:cNvPr>
+            <p:cNvSpPr/>
+            <p:nvPr/>
+          </p:nvSpPr>
+          <p:spPr>
+            <a:xfrm>
+              <a:off x="5111685" y="4013316"/>
+              <a:ext cx="1476888" cy="675809"/>
+            </a:xfrm>
+            <a:prstGeom prst="flowChartDecision">
+              <a:avLst/>
+            </a:prstGeom>
+          </p:spPr>
+          <p:style>
+            <a:lnRef idx="2">
+              <a:schemeClr val="accent1">
+                <a:shade val="50000"/>
+              </a:schemeClr>
+            </a:lnRef>
+            <a:fillRef idx="1">
+              <a:schemeClr val="accent1"/>
+            </a:fillRef>
+            <a:effectRef idx="0">
+              <a:schemeClr val="accent1"/>
+            </a:effectRef>
+            <a:fontRef idx="minor">
+              <a:schemeClr val="lt1"/>
+            </a:fontRef>
+          </p:style>
+          <p:txBody>
+            <a:bodyPr rtlCol="0" anchor="ctr"/>
+            <a:lstStyle/>
+            <a:p>
+              <a:pPr algn="ctr"/>
+              <a:r>
+                <a:rPr lang="zh-CN" altLang="en-US" sz="1000" dirty="0"/>
+                <a:t>是否异常</a:t>
+              </a:r>
+            </a:p>
+          </p:txBody>
+        </p:sp>
+        <p:sp>
+          <p:nvSpPr>
+            <p:cNvPr id="2" name="矩形 1">
+              <a:extLst>
+                <a:ext uri="{FF2B5EF4-FFF2-40B4-BE49-F238E27FC236}">
+                  <a16:creationId xmlns:a16="http://schemas.microsoft.com/office/drawing/2014/main" id="{FFA5D862-FEED-4634-DC98-9FB54A2F9B03}"/>
+                </a:ext>
+              </a:extLst>
+            </p:cNvPr>
+            <p:cNvSpPr/>
+            <p:nvPr/>
+          </p:nvSpPr>
+          <p:spPr>
+            <a:xfrm>
+              <a:off x="5107998" y="1899832"/>
+              <a:ext cx="1476890" cy="501226"/>
+            </a:xfrm>
+            <a:prstGeom prst="rect">
+              <a:avLst/>
+            </a:prstGeom>
+          </p:spPr>
+          <p:style>
+            <a:lnRef idx="2">
+              <a:schemeClr val="accent1">
+                <a:shade val="50000"/>
+              </a:schemeClr>
+            </a:lnRef>
+            <a:fillRef idx="1">
+              <a:schemeClr val="accent1"/>
+            </a:fillRef>
+            <a:effectRef idx="0">
+              <a:schemeClr val="accent1"/>
+            </a:effectRef>
+            <a:fontRef idx="minor">
+              <a:schemeClr val="lt1"/>
+            </a:fontRef>
+          </p:style>
+          <p:txBody>
+            <a:bodyPr rtlCol="0" anchor="ctr"/>
+            <a:lstStyle/>
+            <a:p>
+              <a:pPr algn="ctr"/>
+              <a:r>
+                <a:rPr lang="zh-CN" altLang="en-US" sz="1000" dirty="0"/>
+                <a:t>训练好的</a:t>
+              </a:r>
+              <a:r>
+                <a:rPr lang="en-US" altLang="zh-CN" sz="1000" dirty="0" err="1"/>
+                <a:t>TransformerFFT</a:t>
+              </a:r>
+              <a:r>
+                <a:rPr lang="zh-CN" altLang="en-US" sz="1000" dirty="0"/>
+                <a:t>模型</a:t>
+              </a:r>
+            </a:p>
+          </p:txBody>
+        </p:sp>
+        <p:sp>
+          <p:nvSpPr>
+            <p:cNvPr id="3" name="矩形 2">
+              <a:extLst>
+                <a:ext uri="{FF2B5EF4-FFF2-40B4-BE49-F238E27FC236}">
+                  <a16:creationId xmlns:a16="http://schemas.microsoft.com/office/drawing/2014/main" id="{B96ECDA4-6DDB-5C2D-4818-18E68CE1424B}"/>
+                </a:ext>
+              </a:extLst>
+            </p:cNvPr>
+            <p:cNvSpPr/>
+            <p:nvPr/>
+          </p:nvSpPr>
+          <p:spPr>
+            <a:xfrm>
+              <a:off x="5111685" y="5179862"/>
+              <a:ext cx="1476890" cy="501226"/>
+            </a:xfrm>
+            <a:prstGeom prst="rect">
+              <a:avLst/>
+            </a:prstGeom>
+          </p:spPr>
+          <p:style>
+            <a:lnRef idx="2">
+              <a:schemeClr val="accent1">
+                <a:shade val="50000"/>
+              </a:schemeClr>
+            </a:lnRef>
+            <a:fillRef idx="1">
+              <a:schemeClr val="accent1"/>
+            </a:fillRef>
+            <a:effectRef idx="0">
+              <a:schemeClr val="accent1"/>
+            </a:effectRef>
+            <a:fontRef idx="minor">
+              <a:schemeClr val="lt1"/>
+            </a:fontRef>
+          </p:style>
+          <p:txBody>
+            <a:bodyPr rtlCol="0" anchor="ctr"/>
+            <a:lstStyle/>
+            <a:p>
+              <a:pPr algn="ctr"/>
+              <a:r>
+                <a:rPr lang="zh-CN" altLang="en-US" sz="1000" dirty="0"/>
+                <a:t>异常通知</a:t>
+              </a:r>
+            </a:p>
+          </p:txBody>
+        </p:sp>
+        <p:cxnSp>
+          <p:nvCxnSpPr>
+            <p:cNvPr id="28" name="直接箭头连接符 27">
+              <a:extLst>
+                <a:ext uri="{FF2B5EF4-FFF2-40B4-BE49-F238E27FC236}">
+                  <a16:creationId xmlns:a16="http://schemas.microsoft.com/office/drawing/2014/main" id="{8A340423-3575-CF11-EC42-0770ADCD6E20}"/>
+                </a:ext>
+              </a:extLst>
+            </p:cNvPr>
+            <p:cNvCxnSpPr>
+              <a:stCxn id="10" idx="2"/>
+              <a:endCxn id="2" idx="0"/>
+            </p:cNvCxnSpPr>
+            <p:nvPr/>
+          </p:nvCxnSpPr>
+          <p:spPr>
+            <a:xfrm flipH="1">
+              <a:off x="5846443" y="1483918"/>
+              <a:ext cx="3690" cy="415914"/>
+            </a:xfrm>
+            <a:prstGeom prst="straightConnector1">
+              <a:avLst/>
+            </a:prstGeom>
+            <a:ln w="38100">
+              <a:tailEnd type="triangle"/>
+            </a:ln>
+          </p:spPr>
+          <p:style>
+            <a:lnRef idx="3">
+              <a:schemeClr val="accent1"/>
+            </a:lnRef>
+            <a:fillRef idx="0">
+              <a:schemeClr val="accent1"/>
+            </a:fillRef>
+            <a:effectRef idx="2">
+              <a:schemeClr val="accent1"/>
+            </a:effectRef>
+            <a:fontRef idx="minor">
+              <a:schemeClr val="tx1"/>
+            </a:fontRef>
+          </p:style>
+        </p:cxnSp>
+        <p:cxnSp>
+          <p:nvCxnSpPr>
+            <p:cNvPr id="33" name="直接箭头连接符 32">
+              <a:extLst>
+                <a:ext uri="{FF2B5EF4-FFF2-40B4-BE49-F238E27FC236}">
+                  <a16:creationId xmlns:a16="http://schemas.microsoft.com/office/drawing/2014/main" id="{08065F40-5C67-04B5-C430-6FC9E9A6DDCA}"/>
+                </a:ext>
+              </a:extLst>
+            </p:cNvPr>
+            <p:cNvCxnSpPr>
+              <a:stCxn id="13" idx="2"/>
+              <a:endCxn id="3" idx="0"/>
+            </p:cNvCxnSpPr>
+            <p:nvPr/>
+          </p:nvCxnSpPr>
+          <p:spPr>
+            <a:xfrm>
+              <a:off x="5850129" y="4689125"/>
+              <a:ext cx="1" cy="490737"/>
+            </a:xfrm>
+            <a:prstGeom prst="straightConnector1">
+              <a:avLst/>
+            </a:prstGeom>
+            <a:ln w="38100">
+              <a:tailEnd type="triangle"/>
+            </a:ln>
+          </p:spPr>
+          <p:style>
+            <a:lnRef idx="1">
+              <a:schemeClr val="accent1"/>
+            </a:lnRef>
+            <a:fillRef idx="0">
+              <a:schemeClr val="accent1"/>
+            </a:fillRef>
+            <a:effectRef idx="0">
+              <a:schemeClr val="accent1"/>
+            </a:effectRef>
+            <a:fontRef idx="minor">
+              <a:schemeClr val="tx1"/>
+            </a:fontRef>
+          </p:style>
+        </p:cxnSp>
+        <p:cxnSp>
+          <p:nvCxnSpPr>
+            <p:cNvPr id="37" name="直接箭头连接符 36">
+              <a:extLst>
+                <a:ext uri="{FF2B5EF4-FFF2-40B4-BE49-F238E27FC236}">
+                  <a16:creationId xmlns:a16="http://schemas.microsoft.com/office/drawing/2014/main" id="{E854A2C4-39A7-4389-47FD-B0BE3AF91F1B}"/>
+                </a:ext>
+              </a:extLst>
+            </p:cNvPr>
+            <p:cNvCxnSpPr>
+              <a:stCxn id="3" idx="2"/>
+              <a:endCxn id="12" idx="0"/>
+            </p:cNvCxnSpPr>
+            <p:nvPr/>
+          </p:nvCxnSpPr>
+          <p:spPr>
+            <a:xfrm flipH="1">
+              <a:off x="5850129" y="5681088"/>
+              <a:ext cx="1" cy="571696"/>
+            </a:xfrm>
+            <a:prstGeom prst="straightConnector1">
+              <a:avLst/>
+            </a:prstGeom>
+            <a:ln w="38100">
+              <a:tailEnd type="triangle"/>
+            </a:ln>
+          </p:spPr>
+          <p:style>
+            <a:lnRef idx="1">
+              <a:schemeClr val="accent1"/>
+            </a:lnRef>
+            <a:fillRef idx="0">
+              <a:schemeClr val="accent1"/>
+            </a:fillRef>
+            <a:effectRef idx="0">
+              <a:schemeClr val="accent1"/>
+            </a:effectRef>
+            <a:fontRef idx="minor">
+              <a:schemeClr val="tx1"/>
+            </a:fontRef>
+          </p:style>
+        </p:cxnSp>
+        <p:sp>
+          <p:nvSpPr>
+            <p:cNvPr id="59" name="文本框 58">
+              <a:extLst>
+                <a:ext uri="{FF2B5EF4-FFF2-40B4-BE49-F238E27FC236}">
+                  <a16:creationId xmlns:a16="http://schemas.microsoft.com/office/drawing/2014/main" id="{2719F1DD-6582-4E05-E33D-68E34BE99C97}"/>
+                </a:ext>
+              </a:extLst>
+            </p:cNvPr>
+            <p:cNvSpPr txBox="1"/>
+            <p:nvPr/>
+          </p:nvSpPr>
+          <p:spPr>
+            <a:xfrm>
+              <a:off x="4809484" y="3996583"/>
+              <a:ext cx="376572" cy="253364"/>
+            </a:xfrm>
+            <a:prstGeom prst="rect">
+              <a:avLst/>
+            </a:prstGeom>
+            <a:noFill/>
+          </p:spPr>
+          <p:txBody>
+            <a:bodyPr wrap="square" rtlCol="0">
+              <a:spAutoFit/>
+            </a:bodyPr>
+            <a:lstStyle/>
+            <a:p>
+              <a:r>
+                <a:rPr lang="zh-CN" altLang="en-US" sz="1000" dirty="0"/>
+                <a:t>否</a:t>
+              </a:r>
+            </a:p>
+          </p:txBody>
+        </p:sp>
+        <p:sp>
+          <p:nvSpPr>
+            <p:cNvPr id="26" name="平行四边形 25">
+              <a:extLst>
+                <a:ext uri="{FF2B5EF4-FFF2-40B4-BE49-F238E27FC236}">
+                  <a16:creationId xmlns:a16="http://schemas.microsoft.com/office/drawing/2014/main" id="{B650D077-1A1D-FDA1-F618-787D2B650ACC}"/>
+                </a:ext>
+              </a:extLst>
+            </p:cNvPr>
+            <p:cNvSpPr/>
+            <p:nvPr/>
+          </p:nvSpPr>
+          <p:spPr>
+            <a:xfrm>
+              <a:off x="5107998" y="2949494"/>
+              <a:ext cx="1476888" cy="508161"/>
+            </a:xfrm>
+            <a:prstGeom prst="parallelogram">
+              <a:avLst/>
+            </a:prstGeom>
+          </p:spPr>
+          <p:style>
+            <a:lnRef idx="2">
+              <a:schemeClr val="accent1">
+                <a:shade val="15000"/>
+              </a:schemeClr>
+            </a:lnRef>
+            <a:fillRef idx="1">
+              <a:schemeClr val="accent1"/>
+            </a:fillRef>
+            <a:effectRef idx="0">
+              <a:schemeClr val="accent1"/>
+            </a:effectRef>
+            <a:fontRef idx="minor">
+              <a:schemeClr val="lt1"/>
+            </a:fontRef>
+          </p:style>
+          <p:txBody>
+            <a:bodyPr rtlCol="0" anchor="ctr"/>
+            <a:lstStyle/>
+            <a:p>
+              <a:pPr algn="ctr"/>
+              <a:r>
+                <a:rPr lang="zh-CN" altLang="en-US" sz="1000" dirty="0"/>
+                <a:t>异常检测基线算法检测</a:t>
+              </a:r>
+            </a:p>
+          </p:txBody>
+        </p:sp>
+        <p:cxnSp>
+          <p:nvCxnSpPr>
+            <p:cNvPr id="38" name="直接箭头连接符 37">
+              <a:extLst>
+                <a:ext uri="{FF2B5EF4-FFF2-40B4-BE49-F238E27FC236}">
+                  <a16:creationId xmlns:a16="http://schemas.microsoft.com/office/drawing/2014/main" id="{DCCE7FFC-753D-7EB2-99CD-B4DBE70BB25E}"/>
+                </a:ext>
+              </a:extLst>
+            </p:cNvPr>
+            <p:cNvCxnSpPr>
+              <a:stCxn id="2" idx="2"/>
+              <a:endCxn id="26" idx="0"/>
+            </p:cNvCxnSpPr>
+            <p:nvPr/>
+          </p:nvCxnSpPr>
+          <p:spPr>
+            <a:xfrm flipH="1">
+              <a:off x="5846442" y="2401058"/>
+              <a:ext cx="1" cy="548436"/>
+            </a:xfrm>
+            <a:prstGeom prst="straightConnector1">
+              <a:avLst/>
+            </a:prstGeom>
+            <a:ln w="38100">
+              <a:tailEnd type="triangle"/>
+            </a:ln>
+          </p:spPr>
+          <p:style>
+            <a:lnRef idx="1">
+              <a:schemeClr val="accent1"/>
+            </a:lnRef>
+            <a:fillRef idx="0">
+              <a:schemeClr val="accent1"/>
+            </a:fillRef>
+            <a:effectRef idx="0">
+              <a:schemeClr val="accent1"/>
+            </a:effectRef>
+            <a:fontRef idx="minor">
+              <a:schemeClr val="tx1"/>
+            </a:fontRef>
+          </p:style>
+        </p:cxnSp>
+        <p:cxnSp>
+          <p:nvCxnSpPr>
+            <p:cNvPr id="40" name="直接箭头连接符 39">
+              <a:extLst>
+                <a:ext uri="{FF2B5EF4-FFF2-40B4-BE49-F238E27FC236}">
+                  <a16:creationId xmlns:a16="http://schemas.microsoft.com/office/drawing/2014/main" id="{D95BBD21-B2CD-AD39-1C73-7209F87F26FD}"/>
+                </a:ext>
+              </a:extLst>
+            </p:cNvPr>
+            <p:cNvCxnSpPr>
+              <a:stCxn id="26" idx="4"/>
+              <a:endCxn id="13" idx="0"/>
+            </p:cNvCxnSpPr>
+            <p:nvPr/>
+          </p:nvCxnSpPr>
+          <p:spPr>
+            <a:xfrm>
+              <a:off x="5846442" y="3457655"/>
+              <a:ext cx="3687" cy="555661"/>
+            </a:xfrm>
+            <a:prstGeom prst="straightConnector1">
+              <a:avLst/>
+            </a:prstGeom>
+            <a:ln w="38100">
+              <a:tailEnd type="triangle"/>
+            </a:ln>
+          </p:spPr>
+          <p:style>
+            <a:lnRef idx="1">
+              <a:schemeClr val="accent1"/>
+            </a:lnRef>
+            <a:fillRef idx="0">
+              <a:schemeClr val="accent1"/>
+            </a:fillRef>
+            <a:effectRef idx="0">
+              <a:schemeClr val="accent1"/>
+            </a:effectRef>
+            <a:fontRef idx="minor">
+              <a:schemeClr val="tx1"/>
+            </a:fontRef>
+          </p:style>
+        </p:cxnSp>
+      </p:grpSp>
       <p:cxnSp>
         <p:nvCxnSpPr>
-          <p:cNvPr id="28" name="直接箭头连接符 27">
-            <a:extLst>
-              <a:ext uri="{FF2B5EF4-FFF2-40B4-BE49-F238E27FC236}">
-                <a16:creationId xmlns:a16="http://schemas.microsoft.com/office/drawing/2014/main" id="{8A340423-3575-CF11-EC42-0770ADCD6E20}"/>
+          <p:cNvPr id="42" name="连接符: 肘形 41">
+            <a:extLst>
+              <a:ext uri="{FF2B5EF4-FFF2-40B4-BE49-F238E27FC236}">
+                <a16:creationId xmlns:a16="http://schemas.microsoft.com/office/drawing/2014/main" id="{6E880CEE-B2CA-D32B-1AC4-604366B3FEFD}"/>
               </a:ext>
             </a:extLst>
           </p:cNvPr>
           <p:cNvCxnSpPr>
-            <a:stCxn id="10" idx="2"/>
-            <a:endCxn id="2" idx="0"/>
+            <a:stCxn id="13" idx="1"/>
+            <a:endCxn id="8" idx="2"/>
           </p:cNvCxnSpPr>
           <p:nvPr/>
         </p:nvCxnSpPr>
         <p:spPr>
-          <a:xfrm flipH="1">
-            <a:off x="6879981" y="1772336"/>
-            <a:ext cx="3" cy="752740"/>
-          </a:xfrm>
-          <a:prstGeom prst="straightConnector1">
-            <a:avLst/>
-          </a:prstGeom>
-          <a:ln w="38100">
-            <a:tailEnd type="triangle"/>
-          </a:ln>
-        </p:spPr>
-        <p:style>
-          <a:lnRef idx="3">
-            <a:schemeClr val="accent1"/>
-          </a:lnRef>
-          <a:fillRef idx="0">
-            <a:schemeClr val="accent1"/>
-          </a:fillRef>
-          <a:effectRef idx="2">
-            <a:schemeClr val="accent1"/>
-          </a:effectRef>
-          <a:fontRef idx="minor">
-            <a:schemeClr val="tx1"/>
-          </a:fontRef>
-        </p:style>
-      </p:cxnSp>
-      <p:cxnSp>
-        <p:nvCxnSpPr>
-          <p:cNvPr id="30" name="直接箭头连接符 29">
-            <a:extLst>
-              <a:ext uri="{FF2B5EF4-FFF2-40B4-BE49-F238E27FC236}">
-                <a16:creationId xmlns:a16="http://schemas.microsoft.com/office/drawing/2014/main" id="{B7B64F76-D8BC-15E4-3B39-D4D2D37A21F1}"/>
-              </a:ext>
-            </a:extLst>
-          </p:cNvPr>
-          <p:cNvCxnSpPr>
-            <a:stCxn id="2" idx="2"/>
-            <a:endCxn id="13" idx="0"/>
-          </p:cNvCxnSpPr>
-          <p:nvPr/>
-        </p:nvCxnSpPr>
-        <p:spPr>
-          <a:xfrm>
-            <a:off x="6879981" y="3133946"/>
-            <a:ext cx="4" cy="670013"/>
-          </a:xfrm>
-          <a:prstGeom prst="straightConnector1">
+          <a:xfrm rot="10800000">
+            <a:off x="3040113" y="3217532"/>
+            <a:ext cx="1779089" cy="1140347"/>
+          </a:xfrm>
+          <a:prstGeom prst="bentConnector2">
             <a:avLst/>
           </a:prstGeom>
           <a:ln w="38100">
@@ -9803,167 +10073,6 @@
           </a:fontRef>
         </p:style>
       </p:cxnSp>
-      <p:cxnSp>
-        <p:nvCxnSpPr>
-          <p:cNvPr id="33" name="直接箭头连接符 32">
-            <a:extLst>
-              <a:ext uri="{FF2B5EF4-FFF2-40B4-BE49-F238E27FC236}">
-                <a16:creationId xmlns:a16="http://schemas.microsoft.com/office/drawing/2014/main" id="{08065F40-5C67-04B5-C430-6FC9E9A6DDCA}"/>
-              </a:ext>
-            </a:extLst>
-          </p:cNvPr>
-          <p:cNvCxnSpPr>
-            <a:stCxn id="13" idx="2"/>
-            <a:endCxn id="3" idx="0"/>
-          </p:cNvCxnSpPr>
-          <p:nvPr/>
-        </p:nvCxnSpPr>
-        <p:spPr>
-          <a:xfrm flipH="1">
-            <a:off x="6879984" y="4624905"/>
-            <a:ext cx="1" cy="479521"/>
-          </a:xfrm>
-          <a:prstGeom prst="straightConnector1">
-            <a:avLst/>
-          </a:prstGeom>
-          <a:ln w="38100">
-            <a:tailEnd type="triangle"/>
-          </a:ln>
-        </p:spPr>
-        <p:style>
-          <a:lnRef idx="1">
-            <a:schemeClr val="accent1"/>
-          </a:lnRef>
-          <a:fillRef idx="0">
-            <a:schemeClr val="accent1"/>
-          </a:fillRef>
-          <a:effectRef idx="0">
-            <a:schemeClr val="accent1"/>
-          </a:effectRef>
-          <a:fontRef idx="minor">
-            <a:schemeClr val="tx1"/>
-          </a:fontRef>
-        </p:style>
-      </p:cxnSp>
-      <p:cxnSp>
-        <p:nvCxnSpPr>
-          <p:cNvPr id="37" name="直接箭头连接符 36">
-            <a:extLst>
-              <a:ext uri="{FF2B5EF4-FFF2-40B4-BE49-F238E27FC236}">
-                <a16:creationId xmlns:a16="http://schemas.microsoft.com/office/drawing/2014/main" id="{E854A2C4-39A7-4389-47FD-B0BE3AF91F1B}"/>
-              </a:ext>
-            </a:extLst>
-          </p:cNvPr>
-          <p:cNvCxnSpPr>
-            <a:stCxn id="3" idx="2"/>
-            <a:endCxn id="12" idx="0"/>
-          </p:cNvCxnSpPr>
-          <p:nvPr/>
-        </p:nvCxnSpPr>
-        <p:spPr>
-          <a:xfrm flipH="1">
-            <a:off x="6879982" y="5713296"/>
-            <a:ext cx="2" cy="516511"/>
-          </a:xfrm>
-          <a:prstGeom prst="straightConnector1">
-            <a:avLst/>
-          </a:prstGeom>
-          <a:ln w="38100">
-            <a:tailEnd type="triangle"/>
-          </a:ln>
-        </p:spPr>
-        <p:style>
-          <a:lnRef idx="1">
-            <a:schemeClr val="accent1"/>
-          </a:lnRef>
-          <a:fillRef idx="0">
-            <a:schemeClr val="accent1"/>
-          </a:fillRef>
-          <a:effectRef idx="0">
-            <a:schemeClr val="accent1"/>
-          </a:effectRef>
-          <a:fontRef idx="minor">
-            <a:schemeClr val="tx1"/>
-          </a:fontRef>
-        </p:style>
-      </p:cxnSp>
-      <p:cxnSp>
-        <p:nvCxnSpPr>
-          <p:cNvPr id="58" name="连接符: 肘形 57">
-            <a:extLst>
-              <a:ext uri="{FF2B5EF4-FFF2-40B4-BE49-F238E27FC236}">
-                <a16:creationId xmlns:a16="http://schemas.microsoft.com/office/drawing/2014/main" id="{1D8EFE91-DF9B-E887-5EB8-21D1F204766F}"/>
-              </a:ext>
-            </a:extLst>
-          </p:cNvPr>
-          <p:cNvCxnSpPr>
-            <a:stCxn id="13" idx="1"/>
-            <a:endCxn id="8" idx="2"/>
-          </p:cNvCxnSpPr>
-          <p:nvPr/>
-        </p:nvCxnSpPr>
-        <p:spPr>
-          <a:xfrm rot="10800000">
-            <a:off x="3198703" y="3868346"/>
-            <a:ext cx="2784249" cy="346087"/>
-          </a:xfrm>
-          <a:prstGeom prst="bentConnector2">
-            <a:avLst/>
-          </a:prstGeom>
-          <a:ln w="38100">
-            <a:tailEnd type="triangle"/>
-          </a:ln>
-        </p:spPr>
-        <p:style>
-          <a:lnRef idx="3">
-            <a:schemeClr val="accent1"/>
-          </a:lnRef>
-          <a:fillRef idx="0">
-            <a:schemeClr val="accent1"/>
-          </a:fillRef>
-          <a:effectRef idx="2">
-            <a:schemeClr val="accent1"/>
-          </a:effectRef>
-          <a:fontRef idx="minor">
-            <a:schemeClr val="tx1"/>
-          </a:fontRef>
-        </p:style>
-      </p:cxnSp>
-      <p:sp>
-        <p:nvSpPr>
-          <p:cNvPr id="59" name="文本框 58">
-            <a:extLst>
-              <a:ext uri="{FF2B5EF4-FFF2-40B4-BE49-F238E27FC236}">
-                <a16:creationId xmlns:a16="http://schemas.microsoft.com/office/drawing/2014/main" id="{2719F1DD-6582-4E05-E33D-68E34BE99C97}"/>
-              </a:ext>
-            </a:extLst>
-          </p:cNvPr>
-          <p:cNvSpPr txBox="1"/>
-          <p:nvPr/>
-        </p:nvSpPr>
-        <p:spPr>
-          <a:xfrm>
-            <a:off x="5697267" y="3883344"/>
-            <a:ext cx="457445" cy="307777"/>
-          </a:xfrm>
-          <a:prstGeom prst="rect">
-            <a:avLst/>
-          </a:prstGeom>
-          <a:noFill/>
-        </p:spPr>
-        <p:txBody>
-          <a:bodyPr wrap="square" rtlCol="0">
-            <a:spAutoFit/>
-          </a:bodyPr>
-          <a:lstStyle/>
-          <a:p>
-            <a:r>
-              <a:rPr lang="zh-CN" altLang="en-US" sz="1400" dirty="0"/>
-              <a:t>否</a:t>
-            </a:r>
-          </a:p>
-        </p:txBody>
-      </p:sp>
     </p:spTree>
     <p:extLst>
       <p:ext uri="{BB962C8B-B14F-4D97-AF65-F5344CB8AC3E}">
@@ -11670,7 +11779,7 @@
                   <a:schemeClr val="tx1"/>
                 </a:solidFill>
               </a:rPr>
-              <a:t>数据归一化处理</a:t>
+              <a:t>数据划分与数据归一化处理</a:t>
             </a:r>
           </a:p>
         </p:txBody>
@@ -11972,7 +12081,7 @@
           <a:lstStyle/>
           <a:p>
             <a:r>
-              <a:rPr lang="zh-CN" altLang="en-US" sz="1400" dirty="0"/>
+              <a:rPr lang="zh-CN" altLang="en-US" sz="1400" b="1" dirty="0"/>
               <a:t>车辆异常检测</a:t>
             </a:r>
           </a:p>
@@ -12065,7 +12174,7 @@
           <a:lstStyle/>
           <a:p>
             <a:r>
-              <a:rPr lang="zh-CN" altLang="en-US" sz="1400" dirty="0"/>
+              <a:rPr lang="zh-CN" altLang="en-US" sz="1400" b="1" dirty="0"/>
               <a:t>异常通知</a:t>
             </a:r>
           </a:p>
@@ -12489,6 +12598,3557 @@
     <p:extLst>
       <p:ext uri="{BB962C8B-B14F-4D97-AF65-F5344CB8AC3E}">
         <p14:creationId xmlns:p14="http://schemas.microsoft.com/office/powerpoint/2010/main" val="3514370533"/>
+      </p:ext>
+    </p:extLst>
+  </p:cSld>
+  <p:clrMapOvr>
+    <a:masterClrMapping/>
+  </p:clrMapOvr>
+</p:sld>
+</file>
+
+<file path=ppt/slides/slide6.xml><?xml version="1.0" encoding="utf-8"?>
+<p:sld xmlns:a="http://schemas.openxmlformats.org/drawingml/2006/main" xmlns:r="http://schemas.openxmlformats.org/officeDocument/2006/relationships" xmlns:p="http://schemas.openxmlformats.org/presentationml/2006/main">
+  <p:cSld>
+    <p:spTree>
+      <p:nvGrpSpPr>
+        <p:cNvPr id="1" name=""/>
+        <p:cNvGrpSpPr/>
+        <p:nvPr/>
+      </p:nvGrpSpPr>
+      <p:grpSpPr>
+        <a:xfrm>
+          <a:off x="0" y="0"/>
+          <a:ext cx="0" cy="0"/>
+          <a:chOff x="0" y="0"/>
+          <a:chExt cx="0" cy="0"/>
+        </a:xfrm>
+      </p:grpSpPr>
+      <p:sp>
+        <p:nvSpPr>
+          <p:cNvPr id="6" name="矩形: 圆角 5">
+            <a:extLst>
+              <a:ext uri="{FF2B5EF4-FFF2-40B4-BE49-F238E27FC236}">
+                <a16:creationId xmlns:a16="http://schemas.microsoft.com/office/drawing/2014/main" id="{D1246E3D-0BA4-C40E-EF55-536C322DF3AE}"/>
+              </a:ext>
+            </a:extLst>
+          </p:cNvPr>
+          <p:cNvSpPr/>
+          <p:nvPr/>
+        </p:nvSpPr>
+        <p:spPr>
+          <a:xfrm>
+            <a:off x="1731818" y="46183"/>
+            <a:ext cx="8728364" cy="420808"/>
+          </a:xfrm>
+          <a:prstGeom prst="roundRect">
+            <a:avLst/>
+          </a:prstGeom>
+          <a:solidFill>
+            <a:schemeClr val="accent6">
+              <a:lumMod val="60000"/>
+              <a:lumOff val="40000"/>
+            </a:schemeClr>
+          </a:solidFill>
+          <a:ln>
+            <a:solidFill>
+              <a:schemeClr val="accent6">
+                <a:lumMod val="20000"/>
+                <a:lumOff val="80000"/>
+              </a:schemeClr>
+            </a:solidFill>
+          </a:ln>
+        </p:spPr>
+        <p:style>
+          <a:lnRef idx="2">
+            <a:schemeClr val="accent6">
+              <a:shade val="15000"/>
+            </a:schemeClr>
+          </a:lnRef>
+          <a:fillRef idx="1">
+            <a:schemeClr val="accent6"/>
+          </a:fillRef>
+          <a:effectRef idx="0">
+            <a:schemeClr val="accent6"/>
+          </a:effectRef>
+          <a:fontRef idx="minor">
+            <a:schemeClr val="lt1"/>
+          </a:fontRef>
+        </p:style>
+        <p:txBody>
+          <a:bodyPr rtlCol="0" anchor="ctr"/>
+          <a:lstStyle/>
+          <a:p>
+            <a:pPr algn="ctr"/>
+            <a:endParaRPr lang="zh-CN" altLang="en-US" dirty="0"/>
+          </a:p>
+        </p:txBody>
+      </p:sp>
+      <p:sp>
+        <p:nvSpPr>
+          <p:cNvPr id="4" name="矩形: 圆角 3">
+            <a:extLst>
+              <a:ext uri="{FF2B5EF4-FFF2-40B4-BE49-F238E27FC236}">
+                <a16:creationId xmlns:a16="http://schemas.microsoft.com/office/drawing/2014/main" id="{B4444D36-EE38-E8DD-9F2C-7E00619D736E}"/>
+              </a:ext>
+            </a:extLst>
+          </p:cNvPr>
+          <p:cNvSpPr/>
+          <p:nvPr/>
+        </p:nvSpPr>
+        <p:spPr>
+          <a:xfrm>
+            <a:off x="1713344" y="590937"/>
+            <a:ext cx="8746838" cy="5213516"/>
+          </a:xfrm>
+          <a:custGeom>
+            <a:avLst/>
+            <a:gdLst>
+              <a:gd name="connsiteX0" fmla="*/ 0 w 8728364"/>
+              <a:gd name="connsiteY0" fmla="*/ 865157 h 5190838"/>
+              <a:gd name="connsiteX1" fmla="*/ 865157 w 8728364"/>
+              <a:gd name="connsiteY1" fmla="*/ 0 h 5190838"/>
+              <a:gd name="connsiteX2" fmla="*/ 7863207 w 8728364"/>
+              <a:gd name="connsiteY2" fmla="*/ 0 h 5190838"/>
+              <a:gd name="connsiteX3" fmla="*/ 8728364 w 8728364"/>
+              <a:gd name="connsiteY3" fmla="*/ 865157 h 5190838"/>
+              <a:gd name="connsiteX4" fmla="*/ 8728364 w 8728364"/>
+              <a:gd name="connsiteY4" fmla="*/ 4325681 h 5190838"/>
+              <a:gd name="connsiteX5" fmla="*/ 7863207 w 8728364"/>
+              <a:gd name="connsiteY5" fmla="*/ 5190838 h 5190838"/>
+              <a:gd name="connsiteX6" fmla="*/ 865157 w 8728364"/>
+              <a:gd name="connsiteY6" fmla="*/ 5190838 h 5190838"/>
+              <a:gd name="connsiteX7" fmla="*/ 0 w 8728364"/>
+              <a:gd name="connsiteY7" fmla="*/ 4325681 h 5190838"/>
+              <a:gd name="connsiteX8" fmla="*/ 0 w 8728364"/>
+              <a:gd name="connsiteY8" fmla="*/ 865157 h 5190838"/>
+              <a:gd name="connsiteX0" fmla="*/ 0 w 8737600"/>
+              <a:gd name="connsiteY0" fmla="*/ 865157 h 5190838"/>
+              <a:gd name="connsiteX1" fmla="*/ 865157 w 8737600"/>
+              <a:gd name="connsiteY1" fmla="*/ 0 h 5190838"/>
+              <a:gd name="connsiteX2" fmla="*/ 7863207 w 8737600"/>
+              <a:gd name="connsiteY2" fmla="*/ 0 h 5190838"/>
+              <a:gd name="connsiteX3" fmla="*/ 8737600 w 8737600"/>
+              <a:gd name="connsiteY3" fmla="*/ 551120 h 5190838"/>
+              <a:gd name="connsiteX4" fmla="*/ 8728364 w 8737600"/>
+              <a:gd name="connsiteY4" fmla="*/ 4325681 h 5190838"/>
+              <a:gd name="connsiteX5" fmla="*/ 7863207 w 8737600"/>
+              <a:gd name="connsiteY5" fmla="*/ 5190838 h 5190838"/>
+              <a:gd name="connsiteX6" fmla="*/ 865157 w 8737600"/>
+              <a:gd name="connsiteY6" fmla="*/ 5190838 h 5190838"/>
+              <a:gd name="connsiteX7" fmla="*/ 0 w 8737600"/>
+              <a:gd name="connsiteY7" fmla="*/ 4325681 h 5190838"/>
+              <a:gd name="connsiteX8" fmla="*/ 0 w 8737600"/>
+              <a:gd name="connsiteY8" fmla="*/ 865157 h 5190838"/>
+              <a:gd name="connsiteX0" fmla="*/ 0 w 8737600"/>
+              <a:gd name="connsiteY0" fmla="*/ 865157 h 5190838"/>
+              <a:gd name="connsiteX1" fmla="*/ 865157 w 8737600"/>
+              <a:gd name="connsiteY1" fmla="*/ 0 h 5190838"/>
+              <a:gd name="connsiteX2" fmla="*/ 8094116 w 8737600"/>
+              <a:gd name="connsiteY2" fmla="*/ 0 h 5190838"/>
+              <a:gd name="connsiteX3" fmla="*/ 8737600 w 8737600"/>
+              <a:gd name="connsiteY3" fmla="*/ 551120 h 5190838"/>
+              <a:gd name="connsiteX4" fmla="*/ 8728364 w 8737600"/>
+              <a:gd name="connsiteY4" fmla="*/ 4325681 h 5190838"/>
+              <a:gd name="connsiteX5" fmla="*/ 7863207 w 8737600"/>
+              <a:gd name="connsiteY5" fmla="*/ 5190838 h 5190838"/>
+              <a:gd name="connsiteX6" fmla="*/ 865157 w 8737600"/>
+              <a:gd name="connsiteY6" fmla="*/ 5190838 h 5190838"/>
+              <a:gd name="connsiteX7" fmla="*/ 0 w 8737600"/>
+              <a:gd name="connsiteY7" fmla="*/ 4325681 h 5190838"/>
+              <a:gd name="connsiteX8" fmla="*/ 0 w 8737600"/>
+              <a:gd name="connsiteY8" fmla="*/ 865157 h 5190838"/>
+              <a:gd name="connsiteX0" fmla="*/ 0 w 8737601"/>
+              <a:gd name="connsiteY0" fmla="*/ 865157 h 5190838"/>
+              <a:gd name="connsiteX1" fmla="*/ 865157 w 8737601"/>
+              <a:gd name="connsiteY1" fmla="*/ 0 h 5190838"/>
+              <a:gd name="connsiteX2" fmla="*/ 8094116 w 8737601"/>
+              <a:gd name="connsiteY2" fmla="*/ 0 h 5190838"/>
+              <a:gd name="connsiteX3" fmla="*/ 8737600 w 8737601"/>
+              <a:gd name="connsiteY3" fmla="*/ 551120 h 5190838"/>
+              <a:gd name="connsiteX4" fmla="*/ 8737601 w 8737601"/>
+              <a:gd name="connsiteY4" fmla="*/ 4704372 h 5190838"/>
+              <a:gd name="connsiteX5" fmla="*/ 7863207 w 8737601"/>
+              <a:gd name="connsiteY5" fmla="*/ 5190838 h 5190838"/>
+              <a:gd name="connsiteX6" fmla="*/ 865157 w 8737601"/>
+              <a:gd name="connsiteY6" fmla="*/ 5190838 h 5190838"/>
+              <a:gd name="connsiteX7" fmla="*/ 0 w 8737601"/>
+              <a:gd name="connsiteY7" fmla="*/ 4325681 h 5190838"/>
+              <a:gd name="connsiteX8" fmla="*/ 0 w 8737601"/>
+              <a:gd name="connsiteY8" fmla="*/ 865157 h 5190838"/>
+              <a:gd name="connsiteX0" fmla="*/ 0 w 8737601"/>
+              <a:gd name="connsiteY0" fmla="*/ 865157 h 5209310"/>
+              <a:gd name="connsiteX1" fmla="*/ 865157 w 8737601"/>
+              <a:gd name="connsiteY1" fmla="*/ 0 h 5209310"/>
+              <a:gd name="connsiteX2" fmla="*/ 8094116 w 8737601"/>
+              <a:gd name="connsiteY2" fmla="*/ 0 h 5209310"/>
+              <a:gd name="connsiteX3" fmla="*/ 8737600 w 8737601"/>
+              <a:gd name="connsiteY3" fmla="*/ 551120 h 5209310"/>
+              <a:gd name="connsiteX4" fmla="*/ 8737601 w 8737601"/>
+              <a:gd name="connsiteY4" fmla="*/ 4704372 h 5209310"/>
+              <a:gd name="connsiteX5" fmla="*/ 8241898 w 8737601"/>
+              <a:gd name="connsiteY5" fmla="*/ 5209310 h 5209310"/>
+              <a:gd name="connsiteX6" fmla="*/ 865157 w 8737601"/>
+              <a:gd name="connsiteY6" fmla="*/ 5190838 h 5209310"/>
+              <a:gd name="connsiteX7" fmla="*/ 0 w 8737601"/>
+              <a:gd name="connsiteY7" fmla="*/ 4325681 h 5209310"/>
+              <a:gd name="connsiteX8" fmla="*/ 0 w 8737601"/>
+              <a:gd name="connsiteY8" fmla="*/ 865157 h 5209310"/>
+              <a:gd name="connsiteX0" fmla="*/ 0 w 8737601"/>
+              <a:gd name="connsiteY0" fmla="*/ 865157 h 5209310"/>
+              <a:gd name="connsiteX1" fmla="*/ 865157 w 8737601"/>
+              <a:gd name="connsiteY1" fmla="*/ 0 h 5209310"/>
+              <a:gd name="connsiteX2" fmla="*/ 8094116 w 8737601"/>
+              <a:gd name="connsiteY2" fmla="*/ 0 h 5209310"/>
+              <a:gd name="connsiteX3" fmla="*/ 8737600 w 8737601"/>
+              <a:gd name="connsiteY3" fmla="*/ 551120 h 5209310"/>
+              <a:gd name="connsiteX4" fmla="*/ 8737601 w 8737601"/>
+              <a:gd name="connsiteY4" fmla="*/ 4704372 h 5209310"/>
+              <a:gd name="connsiteX5" fmla="*/ 8241898 w 8737601"/>
+              <a:gd name="connsiteY5" fmla="*/ 5209310 h 5209310"/>
+              <a:gd name="connsiteX6" fmla="*/ 865157 w 8737601"/>
+              <a:gd name="connsiteY6" fmla="*/ 5190838 h 5209310"/>
+              <a:gd name="connsiteX7" fmla="*/ 9237 w 8737601"/>
+              <a:gd name="connsiteY7" fmla="*/ 4750553 h 5209310"/>
+              <a:gd name="connsiteX8" fmla="*/ 0 w 8737601"/>
+              <a:gd name="connsiteY8" fmla="*/ 865157 h 5209310"/>
+              <a:gd name="connsiteX0" fmla="*/ 0 w 8737601"/>
+              <a:gd name="connsiteY0" fmla="*/ 865157 h 5209310"/>
+              <a:gd name="connsiteX1" fmla="*/ 865157 w 8737601"/>
+              <a:gd name="connsiteY1" fmla="*/ 0 h 5209310"/>
+              <a:gd name="connsiteX2" fmla="*/ 8094116 w 8737601"/>
+              <a:gd name="connsiteY2" fmla="*/ 0 h 5209310"/>
+              <a:gd name="connsiteX3" fmla="*/ 8737600 w 8737601"/>
+              <a:gd name="connsiteY3" fmla="*/ 551120 h 5209310"/>
+              <a:gd name="connsiteX4" fmla="*/ 8737601 w 8737601"/>
+              <a:gd name="connsiteY4" fmla="*/ 4704372 h 5209310"/>
+              <a:gd name="connsiteX5" fmla="*/ 8241898 w 8737601"/>
+              <a:gd name="connsiteY5" fmla="*/ 5209310 h 5209310"/>
+              <a:gd name="connsiteX6" fmla="*/ 504938 w 8737601"/>
+              <a:gd name="connsiteY6" fmla="*/ 5190838 h 5209310"/>
+              <a:gd name="connsiteX7" fmla="*/ 9237 w 8737601"/>
+              <a:gd name="connsiteY7" fmla="*/ 4750553 h 5209310"/>
+              <a:gd name="connsiteX8" fmla="*/ 0 w 8737601"/>
+              <a:gd name="connsiteY8" fmla="*/ 865157 h 5209310"/>
+              <a:gd name="connsiteX0" fmla="*/ 0 w 8737601"/>
+              <a:gd name="connsiteY0" fmla="*/ 432301 h 5210563"/>
+              <a:gd name="connsiteX1" fmla="*/ 865157 w 8737601"/>
+              <a:gd name="connsiteY1" fmla="*/ 1253 h 5210563"/>
+              <a:gd name="connsiteX2" fmla="*/ 8094116 w 8737601"/>
+              <a:gd name="connsiteY2" fmla="*/ 1253 h 5210563"/>
+              <a:gd name="connsiteX3" fmla="*/ 8737600 w 8737601"/>
+              <a:gd name="connsiteY3" fmla="*/ 552373 h 5210563"/>
+              <a:gd name="connsiteX4" fmla="*/ 8737601 w 8737601"/>
+              <a:gd name="connsiteY4" fmla="*/ 4705625 h 5210563"/>
+              <a:gd name="connsiteX5" fmla="*/ 8241898 w 8737601"/>
+              <a:gd name="connsiteY5" fmla="*/ 5210563 h 5210563"/>
+              <a:gd name="connsiteX6" fmla="*/ 504938 w 8737601"/>
+              <a:gd name="connsiteY6" fmla="*/ 5192091 h 5210563"/>
+              <a:gd name="connsiteX7" fmla="*/ 9237 w 8737601"/>
+              <a:gd name="connsiteY7" fmla="*/ 4751806 h 5210563"/>
+              <a:gd name="connsiteX8" fmla="*/ 0 w 8737601"/>
+              <a:gd name="connsiteY8" fmla="*/ 432301 h 5210563"/>
+              <a:gd name="connsiteX0" fmla="*/ 0 w 8737601"/>
+              <a:gd name="connsiteY0" fmla="*/ 431048 h 5209310"/>
+              <a:gd name="connsiteX1" fmla="*/ 763557 w 8737601"/>
+              <a:gd name="connsiteY1" fmla="*/ 18473 h 5209310"/>
+              <a:gd name="connsiteX2" fmla="*/ 8094116 w 8737601"/>
+              <a:gd name="connsiteY2" fmla="*/ 0 h 5209310"/>
+              <a:gd name="connsiteX3" fmla="*/ 8737600 w 8737601"/>
+              <a:gd name="connsiteY3" fmla="*/ 551120 h 5209310"/>
+              <a:gd name="connsiteX4" fmla="*/ 8737601 w 8737601"/>
+              <a:gd name="connsiteY4" fmla="*/ 4704372 h 5209310"/>
+              <a:gd name="connsiteX5" fmla="*/ 8241898 w 8737601"/>
+              <a:gd name="connsiteY5" fmla="*/ 5209310 h 5209310"/>
+              <a:gd name="connsiteX6" fmla="*/ 504938 w 8737601"/>
+              <a:gd name="connsiteY6" fmla="*/ 5190838 h 5209310"/>
+              <a:gd name="connsiteX7" fmla="*/ 9237 w 8737601"/>
+              <a:gd name="connsiteY7" fmla="*/ 4750553 h 5209310"/>
+              <a:gd name="connsiteX8" fmla="*/ 0 w 8737601"/>
+              <a:gd name="connsiteY8" fmla="*/ 431048 h 5209310"/>
+              <a:gd name="connsiteX0" fmla="*/ 0 w 8737601"/>
+              <a:gd name="connsiteY0" fmla="*/ 569593 h 5209310"/>
+              <a:gd name="connsiteX1" fmla="*/ 763557 w 8737601"/>
+              <a:gd name="connsiteY1" fmla="*/ 18473 h 5209310"/>
+              <a:gd name="connsiteX2" fmla="*/ 8094116 w 8737601"/>
+              <a:gd name="connsiteY2" fmla="*/ 0 h 5209310"/>
+              <a:gd name="connsiteX3" fmla="*/ 8737600 w 8737601"/>
+              <a:gd name="connsiteY3" fmla="*/ 551120 h 5209310"/>
+              <a:gd name="connsiteX4" fmla="*/ 8737601 w 8737601"/>
+              <a:gd name="connsiteY4" fmla="*/ 4704372 h 5209310"/>
+              <a:gd name="connsiteX5" fmla="*/ 8241898 w 8737601"/>
+              <a:gd name="connsiteY5" fmla="*/ 5209310 h 5209310"/>
+              <a:gd name="connsiteX6" fmla="*/ 504938 w 8737601"/>
+              <a:gd name="connsiteY6" fmla="*/ 5190838 h 5209310"/>
+              <a:gd name="connsiteX7" fmla="*/ 9237 w 8737601"/>
+              <a:gd name="connsiteY7" fmla="*/ 4750553 h 5209310"/>
+              <a:gd name="connsiteX8" fmla="*/ 0 w 8737601"/>
+              <a:gd name="connsiteY8" fmla="*/ 569593 h 5209310"/>
+              <a:gd name="connsiteX0" fmla="*/ 0 w 8737601"/>
+              <a:gd name="connsiteY0" fmla="*/ 569593 h 5209310"/>
+              <a:gd name="connsiteX1" fmla="*/ 680430 w 8737601"/>
+              <a:gd name="connsiteY1" fmla="*/ 18473 h 5209310"/>
+              <a:gd name="connsiteX2" fmla="*/ 8094116 w 8737601"/>
+              <a:gd name="connsiteY2" fmla="*/ 0 h 5209310"/>
+              <a:gd name="connsiteX3" fmla="*/ 8737600 w 8737601"/>
+              <a:gd name="connsiteY3" fmla="*/ 551120 h 5209310"/>
+              <a:gd name="connsiteX4" fmla="*/ 8737601 w 8737601"/>
+              <a:gd name="connsiteY4" fmla="*/ 4704372 h 5209310"/>
+              <a:gd name="connsiteX5" fmla="*/ 8241898 w 8737601"/>
+              <a:gd name="connsiteY5" fmla="*/ 5209310 h 5209310"/>
+              <a:gd name="connsiteX6" fmla="*/ 504938 w 8737601"/>
+              <a:gd name="connsiteY6" fmla="*/ 5190838 h 5209310"/>
+              <a:gd name="connsiteX7" fmla="*/ 9237 w 8737601"/>
+              <a:gd name="connsiteY7" fmla="*/ 4750553 h 5209310"/>
+              <a:gd name="connsiteX8" fmla="*/ 0 w 8737601"/>
+              <a:gd name="connsiteY8" fmla="*/ 569593 h 5209310"/>
+              <a:gd name="connsiteX0" fmla="*/ 0 w 8746838"/>
+              <a:gd name="connsiteY0" fmla="*/ 467993 h 5209310"/>
+              <a:gd name="connsiteX1" fmla="*/ 689667 w 8746838"/>
+              <a:gd name="connsiteY1" fmla="*/ 18473 h 5209310"/>
+              <a:gd name="connsiteX2" fmla="*/ 8103353 w 8746838"/>
+              <a:gd name="connsiteY2" fmla="*/ 0 h 5209310"/>
+              <a:gd name="connsiteX3" fmla="*/ 8746837 w 8746838"/>
+              <a:gd name="connsiteY3" fmla="*/ 551120 h 5209310"/>
+              <a:gd name="connsiteX4" fmla="*/ 8746838 w 8746838"/>
+              <a:gd name="connsiteY4" fmla="*/ 4704372 h 5209310"/>
+              <a:gd name="connsiteX5" fmla="*/ 8251135 w 8746838"/>
+              <a:gd name="connsiteY5" fmla="*/ 5209310 h 5209310"/>
+              <a:gd name="connsiteX6" fmla="*/ 514175 w 8746838"/>
+              <a:gd name="connsiteY6" fmla="*/ 5190838 h 5209310"/>
+              <a:gd name="connsiteX7" fmla="*/ 18474 w 8746838"/>
+              <a:gd name="connsiteY7" fmla="*/ 4750553 h 5209310"/>
+              <a:gd name="connsiteX8" fmla="*/ 0 w 8746838"/>
+              <a:gd name="connsiteY8" fmla="*/ 467993 h 5209310"/>
+              <a:gd name="connsiteX0" fmla="*/ 0 w 8746838"/>
+              <a:gd name="connsiteY0" fmla="*/ 467993 h 5209310"/>
+              <a:gd name="connsiteX1" fmla="*/ 578831 w 8746838"/>
+              <a:gd name="connsiteY1" fmla="*/ 9237 h 5209310"/>
+              <a:gd name="connsiteX2" fmla="*/ 8103353 w 8746838"/>
+              <a:gd name="connsiteY2" fmla="*/ 0 h 5209310"/>
+              <a:gd name="connsiteX3" fmla="*/ 8746837 w 8746838"/>
+              <a:gd name="connsiteY3" fmla="*/ 551120 h 5209310"/>
+              <a:gd name="connsiteX4" fmla="*/ 8746838 w 8746838"/>
+              <a:gd name="connsiteY4" fmla="*/ 4704372 h 5209310"/>
+              <a:gd name="connsiteX5" fmla="*/ 8251135 w 8746838"/>
+              <a:gd name="connsiteY5" fmla="*/ 5209310 h 5209310"/>
+              <a:gd name="connsiteX6" fmla="*/ 514175 w 8746838"/>
+              <a:gd name="connsiteY6" fmla="*/ 5190838 h 5209310"/>
+              <a:gd name="connsiteX7" fmla="*/ 18474 w 8746838"/>
+              <a:gd name="connsiteY7" fmla="*/ 4750553 h 5209310"/>
+              <a:gd name="connsiteX8" fmla="*/ 0 w 8746838"/>
+              <a:gd name="connsiteY8" fmla="*/ 467993 h 5209310"/>
+              <a:gd name="connsiteX0" fmla="*/ 0 w 8746838"/>
+              <a:gd name="connsiteY0" fmla="*/ 472199 h 5213516"/>
+              <a:gd name="connsiteX1" fmla="*/ 578831 w 8746838"/>
+              <a:gd name="connsiteY1" fmla="*/ 13443 h 5213516"/>
+              <a:gd name="connsiteX2" fmla="*/ 8103353 w 8746838"/>
+              <a:gd name="connsiteY2" fmla="*/ 4206 h 5213516"/>
+              <a:gd name="connsiteX3" fmla="*/ 8737601 w 8746838"/>
+              <a:gd name="connsiteY3" fmla="*/ 407544 h 5213516"/>
+              <a:gd name="connsiteX4" fmla="*/ 8746838 w 8746838"/>
+              <a:gd name="connsiteY4" fmla="*/ 4708578 h 5213516"/>
+              <a:gd name="connsiteX5" fmla="*/ 8251135 w 8746838"/>
+              <a:gd name="connsiteY5" fmla="*/ 5213516 h 5213516"/>
+              <a:gd name="connsiteX6" fmla="*/ 514175 w 8746838"/>
+              <a:gd name="connsiteY6" fmla="*/ 5195044 h 5213516"/>
+              <a:gd name="connsiteX7" fmla="*/ 18474 w 8746838"/>
+              <a:gd name="connsiteY7" fmla="*/ 4754759 h 5213516"/>
+              <a:gd name="connsiteX8" fmla="*/ 0 w 8746838"/>
+              <a:gd name="connsiteY8" fmla="*/ 472199 h 5213516"/>
+              <a:gd name="connsiteX0" fmla="*/ 0 w 8746838"/>
+              <a:gd name="connsiteY0" fmla="*/ 472199 h 5213516"/>
+              <a:gd name="connsiteX1" fmla="*/ 578831 w 8746838"/>
+              <a:gd name="connsiteY1" fmla="*/ 13443 h 5213516"/>
+              <a:gd name="connsiteX2" fmla="*/ 8278844 w 8746838"/>
+              <a:gd name="connsiteY2" fmla="*/ 4206 h 5213516"/>
+              <a:gd name="connsiteX3" fmla="*/ 8737601 w 8746838"/>
+              <a:gd name="connsiteY3" fmla="*/ 407544 h 5213516"/>
+              <a:gd name="connsiteX4" fmla="*/ 8746838 w 8746838"/>
+              <a:gd name="connsiteY4" fmla="*/ 4708578 h 5213516"/>
+              <a:gd name="connsiteX5" fmla="*/ 8251135 w 8746838"/>
+              <a:gd name="connsiteY5" fmla="*/ 5213516 h 5213516"/>
+              <a:gd name="connsiteX6" fmla="*/ 514175 w 8746838"/>
+              <a:gd name="connsiteY6" fmla="*/ 5195044 h 5213516"/>
+              <a:gd name="connsiteX7" fmla="*/ 18474 w 8746838"/>
+              <a:gd name="connsiteY7" fmla="*/ 4754759 h 5213516"/>
+              <a:gd name="connsiteX8" fmla="*/ 0 w 8746838"/>
+              <a:gd name="connsiteY8" fmla="*/ 472199 h 5213516"/>
+            </a:gdLst>
+            <a:ahLst/>
+            <a:cxnLst>
+              <a:cxn ang="0">
+                <a:pos x="connsiteX0" y="connsiteY0"/>
+              </a:cxn>
+              <a:cxn ang="0">
+                <a:pos x="connsiteX1" y="connsiteY1"/>
+              </a:cxn>
+              <a:cxn ang="0">
+                <a:pos x="connsiteX2" y="connsiteY2"/>
+              </a:cxn>
+              <a:cxn ang="0">
+                <a:pos x="connsiteX3" y="connsiteY3"/>
+              </a:cxn>
+              <a:cxn ang="0">
+                <a:pos x="connsiteX4" y="connsiteY4"/>
+              </a:cxn>
+              <a:cxn ang="0">
+                <a:pos x="connsiteX5" y="connsiteY5"/>
+              </a:cxn>
+              <a:cxn ang="0">
+                <a:pos x="connsiteX6" y="connsiteY6"/>
+              </a:cxn>
+              <a:cxn ang="0">
+                <a:pos x="connsiteX7" y="connsiteY7"/>
+              </a:cxn>
+              <a:cxn ang="0">
+                <a:pos x="connsiteX8" y="connsiteY8"/>
+              </a:cxn>
+            </a:cxnLst>
+            <a:rect l="l" t="t" r="r" b="b"/>
+            <a:pathLst>
+              <a:path w="8746838" h="5213516">
+                <a:moveTo>
+                  <a:pt x="0" y="472199"/>
+                </a:moveTo>
+                <a:cubicBezTo>
+                  <a:pt x="0" y="-5614"/>
+                  <a:pt x="101018" y="13443"/>
+                  <a:pt x="578831" y="13443"/>
+                </a:cubicBezTo>
+                <a:lnTo>
+                  <a:pt x="8278844" y="4206"/>
+                </a:lnTo>
+                <a:cubicBezTo>
+                  <a:pt x="8756657" y="4206"/>
+                  <a:pt x="8737601" y="-70269"/>
+                  <a:pt x="8737601" y="407544"/>
+                </a:cubicBezTo>
+                <a:cubicBezTo>
+                  <a:pt x="8737601" y="1561052"/>
+                  <a:pt x="8746838" y="3555070"/>
+                  <a:pt x="8746838" y="4708578"/>
+                </a:cubicBezTo>
+                <a:cubicBezTo>
+                  <a:pt x="8746838" y="5186391"/>
+                  <a:pt x="8728948" y="5213516"/>
+                  <a:pt x="8251135" y="5213516"/>
+                </a:cubicBezTo>
+                <a:lnTo>
+                  <a:pt x="514175" y="5195044"/>
+                </a:lnTo>
+                <a:cubicBezTo>
+                  <a:pt x="36362" y="5195044"/>
+                  <a:pt x="18474" y="5232572"/>
+                  <a:pt x="18474" y="4754759"/>
+                </a:cubicBezTo>
+                <a:lnTo>
+                  <a:pt x="0" y="472199"/>
+                </a:lnTo>
+                <a:close/>
+              </a:path>
+            </a:pathLst>
+          </a:custGeom>
+          <a:solidFill>
+            <a:schemeClr val="accent2">
+              <a:lumMod val="20000"/>
+              <a:lumOff val="80000"/>
+            </a:schemeClr>
+          </a:solidFill>
+          <a:ln>
+            <a:solidFill>
+              <a:schemeClr val="accent2">
+                <a:lumMod val="20000"/>
+                <a:lumOff val="80000"/>
+              </a:schemeClr>
+            </a:solidFill>
+          </a:ln>
+        </p:spPr>
+        <p:style>
+          <a:lnRef idx="1">
+            <a:schemeClr val="accent5"/>
+          </a:lnRef>
+          <a:fillRef idx="2">
+            <a:schemeClr val="accent5"/>
+          </a:fillRef>
+          <a:effectRef idx="1">
+            <a:schemeClr val="accent5"/>
+          </a:effectRef>
+          <a:fontRef idx="minor">
+            <a:schemeClr val="dk1"/>
+          </a:fontRef>
+        </p:style>
+        <p:txBody>
+          <a:bodyPr rtlCol="0" anchor="ctr"/>
+          <a:lstStyle/>
+          <a:p>
+            <a:pPr algn="ctr"/>
+            <a:endParaRPr lang="zh-CN" altLang="en-US" sz="800"/>
+          </a:p>
+        </p:txBody>
+      </p:sp>
+      <p:sp>
+        <p:nvSpPr>
+          <p:cNvPr id="5" name="矩形: 圆角 4">
+            <a:extLst>
+              <a:ext uri="{FF2B5EF4-FFF2-40B4-BE49-F238E27FC236}">
+                <a16:creationId xmlns:a16="http://schemas.microsoft.com/office/drawing/2014/main" id="{F1590DEE-503C-6E7B-99B2-6221BE3FB38A}"/>
+              </a:ext>
+            </a:extLst>
+          </p:cNvPr>
+          <p:cNvSpPr/>
+          <p:nvPr/>
+        </p:nvSpPr>
+        <p:spPr>
+          <a:xfrm>
+            <a:off x="2341418" y="849145"/>
+            <a:ext cx="7490690" cy="295564"/>
+          </a:xfrm>
+          <a:prstGeom prst="roundRect">
+            <a:avLst/>
+          </a:prstGeom>
+          <a:solidFill>
+            <a:schemeClr val="accent1">
+              <a:lumMod val="60000"/>
+              <a:lumOff val="40000"/>
+            </a:schemeClr>
+          </a:solidFill>
+          <a:ln>
+            <a:solidFill>
+              <a:schemeClr val="accent1">
+                <a:lumMod val="60000"/>
+                <a:lumOff val="40000"/>
+              </a:schemeClr>
+            </a:solidFill>
+          </a:ln>
+        </p:spPr>
+        <p:style>
+          <a:lnRef idx="2">
+            <a:schemeClr val="accent1">
+              <a:shade val="15000"/>
+            </a:schemeClr>
+          </a:lnRef>
+          <a:fillRef idx="1">
+            <a:schemeClr val="accent1"/>
+          </a:fillRef>
+          <a:effectRef idx="0">
+            <a:schemeClr val="accent1"/>
+          </a:effectRef>
+          <a:fontRef idx="minor">
+            <a:schemeClr val="lt1"/>
+          </a:fontRef>
+        </p:style>
+        <p:txBody>
+          <a:bodyPr rtlCol="0" anchor="ctr"/>
+          <a:lstStyle/>
+          <a:p>
+            <a:pPr algn="ctr"/>
+            <a:r>
+              <a:rPr lang="en-US" altLang="zh-CN" sz="1000" b="1" dirty="0">
+                <a:solidFill>
+                  <a:schemeClr val="tx1"/>
+                </a:solidFill>
+              </a:rPr>
+              <a:t>IoT</a:t>
+            </a:r>
+            <a:r>
+              <a:rPr lang="zh-CN" altLang="en-US" sz="1000" b="1" dirty="0">
+                <a:solidFill>
+                  <a:schemeClr val="tx1"/>
+                </a:solidFill>
+              </a:rPr>
+              <a:t>网关</a:t>
+            </a:r>
+          </a:p>
+        </p:txBody>
+      </p:sp>
+      <p:sp>
+        <p:nvSpPr>
+          <p:cNvPr id="7" name="矩形: 圆角 6">
+            <a:extLst>
+              <a:ext uri="{FF2B5EF4-FFF2-40B4-BE49-F238E27FC236}">
+                <a16:creationId xmlns:a16="http://schemas.microsoft.com/office/drawing/2014/main" id="{FFC025FD-5FC0-4DEE-42CE-31CB0117906E}"/>
+              </a:ext>
+            </a:extLst>
+          </p:cNvPr>
+          <p:cNvSpPr/>
+          <p:nvPr/>
+        </p:nvSpPr>
+        <p:spPr>
+          <a:xfrm>
+            <a:off x="2341418" y="1306345"/>
+            <a:ext cx="7490690" cy="295564"/>
+          </a:xfrm>
+          <a:prstGeom prst="roundRect">
+            <a:avLst/>
+          </a:prstGeom>
+          <a:solidFill>
+            <a:schemeClr val="accent1">
+              <a:lumMod val="60000"/>
+              <a:lumOff val="40000"/>
+            </a:schemeClr>
+          </a:solidFill>
+          <a:ln>
+            <a:solidFill>
+              <a:schemeClr val="accent1">
+                <a:lumMod val="60000"/>
+                <a:lumOff val="40000"/>
+              </a:schemeClr>
+            </a:solidFill>
+          </a:ln>
+        </p:spPr>
+        <p:style>
+          <a:lnRef idx="2">
+            <a:schemeClr val="accent1">
+              <a:shade val="15000"/>
+            </a:schemeClr>
+          </a:lnRef>
+          <a:fillRef idx="1">
+            <a:schemeClr val="accent1"/>
+          </a:fillRef>
+          <a:effectRef idx="0">
+            <a:schemeClr val="accent1"/>
+          </a:effectRef>
+          <a:fontRef idx="minor">
+            <a:schemeClr val="lt1"/>
+          </a:fontRef>
+        </p:style>
+        <p:txBody>
+          <a:bodyPr rtlCol="0" anchor="ctr"/>
+          <a:lstStyle/>
+          <a:p>
+            <a:pPr algn="ctr"/>
+            <a:r>
+              <a:rPr lang="zh-CN" altLang="en-US" sz="1000" b="1" dirty="0">
+                <a:solidFill>
+                  <a:schemeClr val="tx1"/>
+                </a:solidFill>
+              </a:rPr>
+              <a:t>负载均衡器</a:t>
+            </a:r>
+          </a:p>
+        </p:txBody>
+      </p:sp>
+      <p:sp>
+        <p:nvSpPr>
+          <p:cNvPr id="8" name="矩形: 圆角 7">
+            <a:extLst>
+              <a:ext uri="{FF2B5EF4-FFF2-40B4-BE49-F238E27FC236}">
+                <a16:creationId xmlns:a16="http://schemas.microsoft.com/office/drawing/2014/main" id="{2418D038-A566-FF7E-1F5F-85BE282D4ACC}"/>
+              </a:ext>
+            </a:extLst>
+          </p:cNvPr>
+          <p:cNvSpPr/>
+          <p:nvPr/>
+        </p:nvSpPr>
+        <p:spPr>
+          <a:xfrm>
+            <a:off x="2341418" y="1786638"/>
+            <a:ext cx="3611419" cy="295564"/>
+          </a:xfrm>
+          <a:prstGeom prst="roundRect">
+            <a:avLst/>
+          </a:prstGeom>
+          <a:solidFill>
+            <a:schemeClr val="accent1">
+              <a:lumMod val="60000"/>
+              <a:lumOff val="40000"/>
+            </a:schemeClr>
+          </a:solidFill>
+          <a:ln>
+            <a:solidFill>
+              <a:schemeClr val="accent1">
+                <a:lumMod val="60000"/>
+                <a:lumOff val="40000"/>
+              </a:schemeClr>
+            </a:solidFill>
+          </a:ln>
+        </p:spPr>
+        <p:style>
+          <a:lnRef idx="2">
+            <a:schemeClr val="accent1">
+              <a:shade val="15000"/>
+            </a:schemeClr>
+          </a:lnRef>
+          <a:fillRef idx="1">
+            <a:schemeClr val="accent1"/>
+          </a:fillRef>
+          <a:effectRef idx="0">
+            <a:schemeClr val="accent1"/>
+          </a:effectRef>
+          <a:fontRef idx="minor">
+            <a:schemeClr val="lt1"/>
+          </a:fontRef>
+        </p:style>
+        <p:txBody>
+          <a:bodyPr rtlCol="0" anchor="ctr"/>
+          <a:lstStyle/>
+          <a:p>
+            <a:pPr algn="ctr"/>
+            <a:r>
+              <a:rPr lang="en-US" altLang="zh-CN" sz="1000" b="1" dirty="0">
+                <a:solidFill>
+                  <a:schemeClr val="tx1"/>
+                </a:solidFill>
+              </a:rPr>
+              <a:t>Mqtt broker</a:t>
+            </a:r>
+            <a:r>
+              <a:rPr lang="zh-CN" altLang="en-US" sz="1000" b="1" dirty="0">
+                <a:solidFill>
+                  <a:schemeClr val="tx1"/>
+                </a:solidFill>
+              </a:rPr>
+              <a:t>集群</a:t>
+            </a:r>
+          </a:p>
+        </p:txBody>
+      </p:sp>
+      <p:sp>
+        <p:nvSpPr>
+          <p:cNvPr id="9" name="矩形: 圆角 8">
+            <a:extLst>
+              <a:ext uri="{FF2B5EF4-FFF2-40B4-BE49-F238E27FC236}">
+                <a16:creationId xmlns:a16="http://schemas.microsoft.com/office/drawing/2014/main" id="{3391FE38-6811-10C7-FD8E-72842239C2F4}"/>
+              </a:ext>
+            </a:extLst>
+          </p:cNvPr>
+          <p:cNvSpPr/>
+          <p:nvPr/>
+        </p:nvSpPr>
+        <p:spPr>
+          <a:xfrm>
+            <a:off x="6220689" y="1795870"/>
+            <a:ext cx="3611419" cy="735024"/>
+          </a:xfrm>
+          <a:prstGeom prst="roundRect">
+            <a:avLst/>
+          </a:prstGeom>
+          <a:solidFill>
+            <a:schemeClr val="accent1">
+              <a:lumMod val="60000"/>
+              <a:lumOff val="40000"/>
+            </a:schemeClr>
+          </a:solidFill>
+          <a:ln>
+            <a:solidFill>
+              <a:schemeClr val="accent1">
+                <a:lumMod val="60000"/>
+                <a:lumOff val="40000"/>
+              </a:schemeClr>
+            </a:solidFill>
+          </a:ln>
+        </p:spPr>
+        <p:style>
+          <a:lnRef idx="2">
+            <a:schemeClr val="accent1">
+              <a:shade val="15000"/>
+            </a:schemeClr>
+          </a:lnRef>
+          <a:fillRef idx="1">
+            <a:schemeClr val="accent1"/>
+          </a:fillRef>
+          <a:effectRef idx="0">
+            <a:schemeClr val="accent1"/>
+          </a:effectRef>
+          <a:fontRef idx="minor">
+            <a:schemeClr val="lt1"/>
+          </a:fontRef>
+        </p:style>
+        <p:txBody>
+          <a:bodyPr rtlCol="0" anchor="ctr"/>
+          <a:lstStyle/>
+          <a:p>
+            <a:pPr algn="ctr"/>
+            <a:endParaRPr lang="zh-CN" altLang="en-US" sz="800" dirty="0"/>
+          </a:p>
+        </p:txBody>
+      </p:sp>
+      <p:sp>
+        <p:nvSpPr>
+          <p:cNvPr id="11" name="矩形: 圆角 10">
+            <a:extLst>
+              <a:ext uri="{FF2B5EF4-FFF2-40B4-BE49-F238E27FC236}">
+                <a16:creationId xmlns:a16="http://schemas.microsoft.com/office/drawing/2014/main" id="{222C3D1D-2ACC-5EDC-7D66-1ADCD300338B}"/>
+              </a:ext>
+            </a:extLst>
+          </p:cNvPr>
+          <p:cNvSpPr/>
+          <p:nvPr/>
+        </p:nvSpPr>
+        <p:spPr>
+          <a:xfrm>
+            <a:off x="2341417" y="2618788"/>
+            <a:ext cx="3611419" cy="295564"/>
+          </a:xfrm>
+          <a:prstGeom prst="roundRect">
+            <a:avLst/>
+          </a:prstGeom>
+          <a:solidFill>
+            <a:schemeClr val="accent1">
+              <a:lumMod val="60000"/>
+              <a:lumOff val="40000"/>
+            </a:schemeClr>
+          </a:solidFill>
+          <a:ln>
+            <a:solidFill>
+              <a:schemeClr val="accent1">
+                <a:lumMod val="60000"/>
+                <a:lumOff val="40000"/>
+              </a:schemeClr>
+            </a:solidFill>
+          </a:ln>
+        </p:spPr>
+        <p:style>
+          <a:lnRef idx="2">
+            <a:schemeClr val="accent1">
+              <a:shade val="15000"/>
+            </a:schemeClr>
+          </a:lnRef>
+          <a:fillRef idx="1">
+            <a:schemeClr val="accent1"/>
+          </a:fillRef>
+          <a:effectRef idx="0">
+            <a:schemeClr val="accent1"/>
+          </a:effectRef>
+          <a:fontRef idx="minor">
+            <a:schemeClr val="lt1"/>
+          </a:fontRef>
+        </p:style>
+        <p:txBody>
+          <a:bodyPr rtlCol="0" anchor="ctr"/>
+          <a:lstStyle/>
+          <a:p>
+            <a:pPr algn="ctr"/>
+            <a:r>
+              <a:rPr lang="en-US" altLang="zh-CN" sz="1000" b="1" dirty="0">
+                <a:solidFill>
+                  <a:schemeClr val="tx1"/>
+                </a:solidFill>
+              </a:rPr>
+              <a:t>Kafka producer</a:t>
+            </a:r>
+            <a:endParaRPr lang="zh-CN" altLang="en-US" sz="1000" b="1" dirty="0">
+              <a:solidFill>
+                <a:schemeClr val="tx1"/>
+              </a:solidFill>
+            </a:endParaRPr>
+          </a:p>
+        </p:txBody>
+      </p:sp>
+      <p:sp>
+        <p:nvSpPr>
+          <p:cNvPr id="34" name="文本框 33">
+            <a:extLst>
+              <a:ext uri="{FF2B5EF4-FFF2-40B4-BE49-F238E27FC236}">
+                <a16:creationId xmlns:a16="http://schemas.microsoft.com/office/drawing/2014/main" id="{0A70BF61-C7D7-4BCC-92AF-14AD1FE3709F}"/>
+              </a:ext>
+            </a:extLst>
+          </p:cNvPr>
+          <p:cNvSpPr txBox="1"/>
+          <p:nvPr/>
+        </p:nvSpPr>
+        <p:spPr>
+          <a:xfrm>
+            <a:off x="6350542" y="1852866"/>
+            <a:ext cx="1282302" cy="246221"/>
+          </a:xfrm>
+          <a:prstGeom prst="rect">
+            <a:avLst/>
+          </a:prstGeom>
+          <a:noFill/>
+        </p:spPr>
+        <p:txBody>
+          <a:bodyPr wrap="square" rtlCol="0">
+            <a:spAutoFit/>
+          </a:bodyPr>
+          <a:lstStyle/>
+          <a:p>
+            <a:r>
+              <a:rPr lang="en-US" altLang="zh-CN" sz="1000" b="1" dirty="0"/>
+              <a:t>Web</a:t>
+            </a:r>
+            <a:r>
+              <a:rPr lang="zh-CN" altLang="en-US" sz="1000" b="1" dirty="0"/>
+              <a:t>服务器集群</a:t>
+            </a:r>
+          </a:p>
+        </p:txBody>
+      </p:sp>
+      <p:grpSp>
+        <p:nvGrpSpPr>
+          <p:cNvPr id="52" name="组合 51">
+            <a:extLst>
+              <a:ext uri="{FF2B5EF4-FFF2-40B4-BE49-F238E27FC236}">
+                <a16:creationId xmlns:a16="http://schemas.microsoft.com/office/drawing/2014/main" id="{944C2299-C474-00AC-8A34-0346253FF321}"/>
+              </a:ext>
+            </a:extLst>
+          </p:cNvPr>
+          <p:cNvGrpSpPr/>
+          <p:nvPr/>
+        </p:nvGrpSpPr>
+        <p:grpSpPr>
+          <a:xfrm>
+            <a:off x="2341418" y="3112232"/>
+            <a:ext cx="7490690" cy="2433781"/>
+            <a:chOff x="2276764" y="3191163"/>
+            <a:chExt cx="7490690" cy="2433781"/>
+          </a:xfrm>
+        </p:grpSpPr>
+        <p:sp>
+          <p:nvSpPr>
+            <p:cNvPr id="10" name="矩形: 圆角 9">
+              <a:extLst>
+                <a:ext uri="{FF2B5EF4-FFF2-40B4-BE49-F238E27FC236}">
+                  <a16:creationId xmlns:a16="http://schemas.microsoft.com/office/drawing/2014/main" id="{A48A9A94-2FEF-6E0C-627A-41681A958078}"/>
+                </a:ext>
+              </a:extLst>
+            </p:cNvPr>
+            <p:cNvSpPr/>
+            <p:nvPr/>
+          </p:nvSpPr>
+          <p:spPr>
+            <a:xfrm>
+              <a:off x="2276764" y="3191163"/>
+              <a:ext cx="7490690" cy="974438"/>
+            </a:xfrm>
+            <a:prstGeom prst="roundRect">
+              <a:avLst/>
+            </a:prstGeom>
+            <a:solidFill>
+              <a:schemeClr val="accent1">
+                <a:lumMod val="60000"/>
+                <a:lumOff val="40000"/>
+              </a:schemeClr>
+            </a:solidFill>
+            <a:ln>
+              <a:solidFill>
+                <a:schemeClr val="accent1">
+                  <a:lumMod val="60000"/>
+                  <a:lumOff val="40000"/>
+                </a:schemeClr>
+              </a:solidFill>
+            </a:ln>
+          </p:spPr>
+          <p:style>
+            <a:lnRef idx="2">
+              <a:schemeClr val="accent1">
+                <a:shade val="15000"/>
+              </a:schemeClr>
+            </a:lnRef>
+            <a:fillRef idx="1">
+              <a:schemeClr val="accent1"/>
+            </a:fillRef>
+            <a:effectRef idx="0">
+              <a:schemeClr val="accent1"/>
+            </a:effectRef>
+            <a:fontRef idx="minor">
+              <a:schemeClr val="lt1"/>
+            </a:fontRef>
+          </p:style>
+          <p:txBody>
+            <a:bodyPr rtlCol="0" anchor="ctr"/>
+            <a:lstStyle/>
+            <a:p>
+              <a:pPr algn="ctr"/>
+              <a:endParaRPr lang="zh-CN" altLang="en-US" sz="800" dirty="0"/>
+            </a:p>
+          </p:txBody>
+        </p:sp>
+        <p:grpSp>
+          <p:nvGrpSpPr>
+            <p:cNvPr id="22" name="组合 21">
+              <a:extLst>
+                <a:ext uri="{FF2B5EF4-FFF2-40B4-BE49-F238E27FC236}">
+                  <a16:creationId xmlns:a16="http://schemas.microsoft.com/office/drawing/2014/main" id="{85875918-89F4-BFE8-0E16-86394A5EDDB6}"/>
+                </a:ext>
+              </a:extLst>
+            </p:cNvPr>
+            <p:cNvGrpSpPr/>
+            <p:nvPr/>
+          </p:nvGrpSpPr>
+          <p:grpSpPr>
+            <a:xfrm>
+              <a:off x="3835767" y="3327400"/>
+              <a:ext cx="1933864" cy="701964"/>
+              <a:chOff x="2752436" y="3343564"/>
+              <a:chExt cx="1933864" cy="701964"/>
+            </a:xfrm>
+            <a:solidFill>
+              <a:schemeClr val="accent2">
+                <a:lumMod val="60000"/>
+                <a:lumOff val="40000"/>
+              </a:schemeClr>
+            </a:solidFill>
+          </p:grpSpPr>
+          <p:sp>
+            <p:nvSpPr>
+              <p:cNvPr id="12" name="矩形: 圆角 11">
+                <a:extLst>
+                  <a:ext uri="{FF2B5EF4-FFF2-40B4-BE49-F238E27FC236}">
+                    <a16:creationId xmlns:a16="http://schemas.microsoft.com/office/drawing/2014/main" id="{C5B74806-F189-396F-B1F1-839CAB4312F7}"/>
+                  </a:ext>
+                </a:extLst>
+              </p:cNvPr>
+              <p:cNvSpPr/>
+              <p:nvPr/>
+            </p:nvSpPr>
+            <p:spPr>
+              <a:xfrm>
+                <a:off x="2752436" y="3343564"/>
+                <a:ext cx="1933864" cy="701964"/>
+              </a:xfrm>
+              <a:prstGeom prst="roundRect">
+                <a:avLst/>
+              </a:prstGeom>
+              <a:grpFill/>
+              <a:ln>
+                <a:solidFill>
+                  <a:schemeClr val="accent2">
+                    <a:lumMod val="60000"/>
+                    <a:lumOff val="40000"/>
+                  </a:schemeClr>
+                </a:solidFill>
+              </a:ln>
+            </p:spPr>
+            <p:style>
+              <a:lnRef idx="2">
+                <a:schemeClr val="accent1">
+                  <a:shade val="15000"/>
+                </a:schemeClr>
+              </a:lnRef>
+              <a:fillRef idx="1">
+                <a:schemeClr val="accent1"/>
+              </a:fillRef>
+              <a:effectRef idx="0">
+                <a:schemeClr val="accent1"/>
+              </a:effectRef>
+              <a:fontRef idx="minor">
+                <a:schemeClr val="lt1"/>
+              </a:fontRef>
+            </p:style>
+            <p:txBody>
+              <a:bodyPr rtlCol="0" anchor="ctr"/>
+              <a:lstStyle/>
+              <a:p>
+                <a:pPr algn="ctr"/>
+                <a:endParaRPr lang="zh-CN" altLang="en-US" sz="800"/>
+              </a:p>
+            </p:txBody>
+          </p:sp>
+          <p:grpSp>
+            <p:nvGrpSpPr>
+              <p:cNvPr id="21" name="组合 20">
+                <a:extLst>
+                  <a:ext uri="{FF2B5EF4-FFF2-40B4-BE49-F238E27FC236}">
+                    <a16:creationId xmlns:a16="http://schemas.microsoft.com/office/drawing/2014/main" id="{C2A4229F-B53A-B19E-5B6D-09D35CA496C5}"/>
+                  </a:ext>
+                </a:extLst>
+              </p:cNvPr>
+              <p:cNvGrpSpPr/>
+              <p:nvPr/>
+            </p:nvGrpSpPr>
+            <p:grpSpPr>
+              <a:xfrm>
+                <a:off x="2862263" y="3429000"/>
+                <a:ext cx="1603303" cy="497896"/>
+                <a:chOff x="2862263" y="3429000"/>
+                <a:chExt cx="1603303" cy="497896"/>
+              </a:xfrm>
+              <a:grpFill/>
+            </p:grpSpPr>
+            <p:sp>
+              <p:nvSpPr>
+                <p:cNvPr id="13" name="矩形: 圆角 12">
+                  <a:extLst>
+                    <a:ext uri="{FF2B5EF4-FFF2-40B4-BE49-F238E27FC236}">
+                      <a16:creationId xmlns:a16="http://schemas.microsoft.com/office/drawing/2014/main" id="{2FD3279B-A6E3-9045-3366-2EE0FDDBEB64}"/>
+                    </a:ext>
+                  </a:extLst>
+                </p:cNvPr>
+                <p:cNvSpPr/>
+                <p:nvPr/>
+              </p:nvSpPr>
+              <p:spPr>
+                <a:xfrm>
+                  <a:off x="3403240" y="3463927"/>
+                  <a:ext cx="462107" cy="180110"/>
+                </a:xfrm>
+                <a:prstGeom prst="roundRect">
+                  <a:avLst/>
+                </a:prstGeom>
+                <a:solidFill>
+                  <a:schemeClr val="bg1"/>
+                </a:solidFill>
+                <a:ln>
+                  <a:solidFill>
+                    <a:schemeClr val="tx1"/>
+                  </a:solidFill>
+                </a:ln>
+              </p:spPr>
+              <p:style>
+                <a:lnRef idx="2">
+                  <a:schemeClr val="accent1">
+                    <a:shade val="15000"/>
+                  </a:schemeClr>
+                </a:lnRef>
+                <a:fillRef idx="1">
+                  <a:schemeClr val="accent1"/>
+                </a:fillRef>
+                <a:effectRef idx="0">
+                  <a:schemeClr val="accent1"/>
+                </a:effectRef>
+                <a:fontRef idx="minor">
+                  <a:schemeClr val="lt1"/>
+                </a:fontRef>
+              </p:style>
+              <p:txBody>
+                <a:bodyPr rtlCol="0" anchor="ctr"/>
+                <a:lstStyle/>
+                <a:p>
+                  <a:pPr algn="ctr"/>
+                  <a:r>
+                    <a:rPr lang="zh-CN" altLang="en-US" sz="800" dirty="0">
+                      <a:solidFill>
+                        <a:schemeClr val="tx1"/>
+                      </a:solidFill>
+                    </a:rPr>
+                    <a:t>分区</a:t>
+                  </a:r>
+                  <a:r>
+                    <a:rPr lang="en-US" altLang="zh-CN" sz="800" dirty="0">
+                      <a:solidFill>
+                        <a:schemeClr val="tx1"/>
+                      </a:solidFill>
+                    </a:rPr>
+                    <a:t>1</a:t>
+                  </a:r>
+                  <a:endParaRPr lang="zh-CN" altLang="en-US" sz="800" dirty="0">
+                    <a:solidFill>
+                      <a:schemeClr val="tx1"/>
+                    </a:solidFill>
+                  </a:endParaRPr>
+                </a:p>
+              </p:txBody>
+            </p:sp>
+            <p:sp>
+              <p:nvSpPr>
+                <p:cNvPr id="15" name="矩形: 圆角 14">
+                  <a:extLst>
+                    <a:ext uri="{FF2B5EF4-FFF2-40B4-BE49-F238E27FC236}">
+                      <a16:creationId xmlns:a16="http://schemas.microsoft.com/office/drawing/2014/main" id="{1D045A12-FD55-FEFB-503E-0FB96B1EC1D7}"/>
+                    </a:ext>
+                  </a:extLst>
+                </p:cNvPr>
+                <p:cNvSpPr/>
+                <p:nvPr/>
+              </p:nvSpPr>
+              <p:spPr>
+                <a:xfrm>
+                  <a:off x="4003459" y="3462195"/>
+                  <a:ext cx="462107" cy="180110"/>
+                </a:xfrm>
+                <a:prstGeom prst="roundRect">
+                  <a:avLst/>
+                </a:prstGeom>
+                <a:solidFill>
+                  <a:schemeClr val="bg1"/>
+                </a:solidFill>
+                <a:ln>
+                  <a:solidFill>
+                    <a:schemeClr val="tx1"/>
+                  </a:solidFill>
+                </a:ln>
+              </p:spPr>
+              <p:style>
+                <a:lnRef idx="2">
+                  <a:schemeClr val="accent1">
+                    <a:shade val="15000"/>
+                  </a:schemeClr>
+                </a:lnRef>
+                <a:fillRef idx="1">
+                  <a:schemeClr val="accent1"/>
+                </a:fillRef>
+                <a:effectRef idx="0">
+                  <a:schemeClr val="accent1"/>
+                </a:effectRef>
+                <a:fontRef idx="minor">
+                  <a:schemeClr val="lt1"/>
+                </a:fontRef>
+              </p:style>
+              <p:txBody>
+                <a:bodyPr rtlCol="0" anchor="ctr"/>
+                <a:lstStyle/>
+                <a:p>
+                  <a:pPr algn="ctr"/>
+                  <a:r>
+                    <a:rPr lang="zh-CN" altLang="en-US" sz="800" dirty="0">
+                      <a:solidFill>
+                        <a:schemeClr val="tx1"/>
+                      </a:solidFill>
+                    </a:rPr>
+                    <a:t>分区</a:t>
+                  </a:r>
+                  <a:r>
+                    <a:rPr lang="en-US" altLang="zh-CN" sz="800" dirty="0">
+                      <a:solidFill>
+                        <a:schemeClr val="tx1"/>
+                      </a:solidFill>
+                    </a:rPr>
+                    <a:t>2</a:t>
+                  </a:r>
+                  <a:endParaRPr lang="zh-CN" altLang="en-US" sz="800" dirty="0">
+                    <a:solidFill>
+                      <a:schemeClr val="tx1"/>
+                    </a:solidFill>
+                  </a:endParaRPr>
+                </a:p>
+              </p:txBody>
+            </p:sp>
+            <p:sp>
+              <p:nvSpPr>
+                <p:cNvPr id="16" name="矩形: 圆角 15">
+                  <a:extLst>
+                    <a:ext uri="{FF2B5EF4-FFF2-40B4-BE49-F238E27FC236}">
+                      <a16:creationId xmlns:a16="http://schemas.microsoft.com/office/drawing/2014/main" id="{CA448C2C-ED74-9C4D-6C10-808F156F9173}"/>
+                    </a:ext>
+                  </a:extLst>
+                </p:cNvPr>
+                <p:cNvSpPr/>
+                <p:nvPr/>
+              </p:nvSpPr>
+              <p:spPr>
+                <a:xfrm>
+                  <a:off x="3403240" y="3746786"/>
+                  <a:ext cx="462107" cy="180110"/>
+                </a:xfrm>
+                <a:prstGeom prst="roundRect">
+                  <a:avLst/>
+                </a:prstGeom>
+                <a:solidFill>
+                  <a:schemeClr val="bg1"/>
+                </a:solidFill>
+                <a:ln>
+                  <a:solidFill>
+                    <a:schemeClr val="tx1"/>
+                  </a:solidFill>
+                </a:ln>
+              </p:spPr>
+              <p:style>
+                <a:lnRef idx="2">
+                  <a:schemeClr val="accent1">
+                    <a:shade val="15000"/>
+                  </a:schemeClr>
+                </a:lnRef>
+                <a:fillRef idx="1">
+                  <a:schemeClr val="accent1"/>
+                </a:fillRef>
+                <a:effectRef idx="0">
+                  <a:schemeClr val="accent1"/>
+                </a:effectRef>
+                <a:fontRef idx="minor">
+                  <a:schemeClr val="lt1"/>
+                </a:fontRef>
+              </p:style>
+              <p:txBody>
+                <a:bodyPr rtlCol="0" anchor="ctr"/>
+                <a:lstStyle/>
+                <a:p>
+                  <a:pPr algn="ctr"/>
+                  <a:r>
+                    <a:rPr lang="zh-CN" altLang="en-US" sz="800" dirty="0">
+                      <a:solidFill>
+                        <a:schemeClr val="tx1"/>
+                      </a:solidFill>
+                    </a:rPr>
+                    <a:t>分区</a:t>
+                  </a:r>
+                  <a:r>
+                    <a:rPr lang="en-US" altLang="zh-CN" sz="800" dirty="0">
+                      <a:solidFill>
+                        <a:schemeClr val="tx1"/>
+                      </a:solidFill>
+                    </a:rPr>
+                    <a:t>3</a:t>
+                  </a:r>
+                  <a:endParaRPr lang="zh-CN" altLang="en-US" sz="800" dirty="0">
+                    <a:solidFill>
+                      <a:schemeClr val="tx1"/>
+                    </a:solidFill>
+                  </a:endParaRPr>
+                </a:p>
+              </p:txBody>
+            </p:sp>
+            <p:sp>
+              <p:nvSpPr>
+                <p:cNvPr id="17" name="矩形: 圆角 16">
+                  <a:extLst>
+                    <a:ext uri="{FF2B5EF4-FFF2-40B4-BE49-F238E27FC236}">
+                      <a16:creationId xmlns:a16="http://schemas.microsoft.com/office/drawing/2014/main" id="{7A9149E9-CA9A-3021-B19B-2122DC7E68CC}"/>
+                    </a:ext>
+                  </a:extLst>
+                </p:cNvPr>
+                <p:cNvSpPr/>
+                <p:nvPr/>
+              </p:nvSpPr>
+              <p:spPr>
+                <a:xfrm>
+                  <a:off x="4003459" y="3746643"/>
+                  <a:ext cx="462107" cy="180110"/>
+                </a:xfrm>
+                <a:prstGeom prst="roundRect">
+                  <a:avLst/>
+                </a:prstGeom>
+                <a:solidFill>
+                  <a:schemeClr val="bg1"/>
+                </a:solidFill>
+                <a:ln>
+                  <a:solidFill>
+                    <a:schemeClr val="tx1"/>
+                  </a:solidFill>
+                </a:ln>
+              </p:spPr>
+              <p:style>
+                <a:lnRef idx="2">
+                  <a:schemeClr val="accent1">
+                    <a:shade val="15000"/>
+                  </a:schemeClr>
+                </a:lnRef>
+                <a:fillRef idx="1">
+                  <a:schemeClr val="accent1"/>
+                </a:fillRef>
+                <a:effectRef idx="0">
+                  <a:schemeClr val="accent1"/>
+                </a:effectRef>
+                <a:fontRef idx="minor">
+                  <a:schemeClr val="lt1"/>
+                </a:fontRef>
+              </p:style>
+              <p:txBody>
+                <a:bodyPr rtlCol="0" anchor="ctr"/>
+                <a:lstStyle/>
+                <a:p>
+                  <a:pPr algn="ctr"/>
+                  <a:r>
+                    <a:rPr lang="zh-CN" altLang="en-US" sz="800" dirty="0">
+                      <a:solidFill>
+                        <a:schemeClr val="tx1"/>
+                      </a:solidFill>
+                    </a:rPr>
+                    <a:t>分区</a:t>
+                  </a:r>
+                  <a:r>
+                    <a:rPr lang="en-US" altLang="zh-CN" sz="800" dirty="0">
+                      <a:solidFill>
+                        <a:schemeClr val="tx1"/>
+                      </a:solidFill>
+                    </a:rPr>
+                    <a:t>n</a:t>
+                  </a:r>
+                  <a:endParaRPr lang="zh-CN" altLang="en-US" sz="800" dirty="0">
+                    <a:solidFill>
+                      <a:schemeClr val="tx1"/>
+                    </a:solidFill>
+                  </a:endParaRPr>
+                </a:p>
+              </p:txBody>
+            </p:sp>
+            <p:sp>
+              <p:nvSpPr>
+                <p:cNvPr id="19" name="文本框 18">
+                  <a:extLst>
+                    <a:ext uri="{FF2B5EF4-FFF2-40B4-BE49-F238E27FC236}">
+                      <a16:creationId xmlns:a16="http://schemas.microsoft.com/office/drawing/2014/main" id="{4B541EC5-4A65-98E3-0149-A04AFF720869}"/>
+                    </a:ext>
+                  </a:extLst>
+                </p:cNvPr>
+                <p:cNvSpPr txBox="1"/>
+                <p:nvPr/>
+              </p:nvSpPr>
+              <p:spPr>
+                <a:xfrm>
+                  <a:off x="2862263" y="3429000"/>
+                  <a:ext cx="522359" cy="246221"/>
+                </a:xfrm>
+                <a:prstGeom prst="rect">
+                  <a:avLst/>
+                </a:prstGeom>
+                <a:grpFill/>
+                <a:ln>
+                  <a:solidFill>
+                    <a:schemeClr val="accent2">
+                      <a:lumMod val="60000"/>
+                      <a:lumOff val="40000"/>
+                    </a:schemeClr>
+                  </a:solidFill>
+                </a:ln>
+              </p:spPr>
+              <p:txBody>
+                <a:bodyPr wrap="square" rtlCol="0">
+                  <a:spAutoFit/>
+                </a:bodyPr>
+                <a:lstStyle/>
+                <a:p>
+                  <a:r>
+                    <a:rPr lang="zh-CN" altLang="en-US" sz="1000" b="1" dirty="0"/>
+                    <a:t>主题</a:t>
+                  </a:r>
+                  <a:r>
+                    <a:rPr lang="en-US" altLang="zh-CN" sz="1000" b="1" dirty="0"/>
+                    <a:t>1</a:t>
+                  </a:r>
+                  <a:endParaRPr lang="zh-CN" altLang="en-US" sz="1000" b="1" dirty="0"/>
+                </a:p>
+              </p:txBody>
+            </p:sp>
+          </p:grpSp>
+        </p:grpSp>
+        <p:grpSp>
+          <p:nvGrpSpPr>
+            <p:cNvPr id="23" name="组合 22">
+              <a:extLst>
+                <a:ext uri="{FF2B5EF4-FFF2-40B4-BE49-F238E27FC236}">
+                  <a16:creationId xmlns:a16="http://schemas.microsoft.com/office/drawing/2014/main" id="{A30E325A-E931-4439-B239-C4D14E4580DD}"/>
+                </a:ext>
+              </a:extLst>
+            </p:cNvPr>
+            <p:cNvGrpSpPr/>
+            <p:nvPr/>
+          </p:nvGrpSpPr>
+          <p:grpSpPr>
+            <a:xfrm>
+              <a:off x="6977025" y="3327400"/>
+              <a:ext cx="1933864" cy="701964"/>
+              <a:chOff x="2752436" y="3343564"/>
+              <a:chExt cx="1933864" cy="701964"/>
+            </a:xfrm>
+            <a:solidFill>
+              <a:schemeClr val="accent5">
+                <a:lumMod val="60000"/>
+                <a:lumOff val="40000"/>
+              </a:schemeClr>
+            </a:solidFill>
+          </p:grpSpPr>
+          <p:sp>
+            <p:nvSpPr>
+              <p:cNvPr id="24" name="矩形: 圆角 23">
+                <a:extLst>
+                  <a:ext uri="{FF2B5EF4-FFF2-40B4-BE49-F238E27FC236}">
+                    <a16:creationId xmlns:a16="http://schemas.microsoft.com/office/drawing/2014/main" id="{31AEE409-F016-AACD-F436-47FD63492D0C}"/>
+                  </a:ext>
+                </a:extLst>
+              </p:cNvPr>
+              <p:cNvSpPr/>
+              <p:nvPr/>
+            </p:nvSpPr>
+            <p:spPr>
+              <a:xfrm>
+                <a:off x="2752436" y="3343564"/>
+                <a:ext cx="1933864" cy="701964"/>
+              </a:xfrm>
+              <a:prstGeom prst="roundRect">
+                <a:avLst/>
+              </a:prstGeom>
+              <a:grpFill/>
+              <a:ln>
+                <a:solidFill>
+                  <a:schemeClr val="accent5">
+                    <a:lumMod val="60000"/>
+                    <a:lumOff val="40000"/>
+                  </a:schemeClr>
+                </a:solidFill>
+              </a:ln>
+            </p:spPr>
+            <p:style>
+              <a:lnRef idx="2">
+                <a:schemeClr val="accent1">
+                  <a:shade val="15000"/>
+                </a:schemeClr>
+              </a:lnRef>
+              <a:fillRef idx="1">
+                <a:schemeClr val="accent1"/>
+              </a:fillRef>
+              <a:effectRef idx="0">
+                <a:schemeClr val="accent1"/>
+              </a:effectRef>
+              <a:fontRef idx="minor">
+                <a:schemeClr val="lt1"/>
+              </a:fontRef>
+            </p:style>
+            <p:txBody>
+              <a:bodyPr rtlCol="0" anchor="ctr"/>
+              <a:lstStyle/>
+              <a:p>
+                <a:pPr algn="ctr"/>
+                <a:endParaRPr lang="zh-CN" altLang="en-US" sz="800"/>
+              </a:p>
+            </p:txBody>
+          </p:sp>
+          <p:grpSp>
+            <p:nvGrpSpPr>
+              <p:cNvPr id="25" name="组合 24">
+                <a:extLst>
+                  <a:ext uri="{FF2B5EF4-FFF2-40B4-BE49-F238E27FC236}">
+                    <a16:creationId xmlns:a16="http://schemas.microsoft.com/office/drawing/2014/main" id="{7D5CEE10-F0A7-B9B6-FF55-2ACF17BE10A1}"/>
+                  </a:ext>
+                </a:extLst>
+              </p:cNvPr>
+              <p:cNvGrpSpPr/>
+              <p:nvPr/>
+            </p:nvGrpSpPr>
+            <p:grpSpPr>
+              <a:xfrm>
+                <a:off x="2862263" y="3429000"/>
+                <a:ext cx="1603303" cy="497896"/>
+                <a:chOff x="2862263" y="3429000"/>
+                <a:chExt cx="1603303" cy="497896"/>
+              </a:xfrm>
+              <a:grpFill/>
+            </p:grpSpPr>
+            <p:sp>
+              <p:nvSpPr>
+                <p:cNvPr id="26" name="矩形: 圆角 25">
+                  <a:extLst>
+                    <a:ext uri="{FF2B5EF4-FFF2-40B4-BE49-F238E27FC236}">
+                      <a16:creationId xmlns:a16="http://schemas.microsoft.com/office/drawing/2014/main" id="{15A1B238-E397-BE7D-E359-836E18EA1731}"/>
+                    </a:ext>
+                  </a:extLst>
+                </p:cNvPr>
+                <p:cNvSpPr/>
+                <p:nvPr/>
+              </p:nvSpPr>
+              <p:spPr>
+                <a:xfrm>
+                  <a:off x="3403240" y="3463927"/>
+                  <a:ext cx="462107" cy="180110"/>
+                </a:xfrm>
+                <a:prstGeom prst="roundRect">
+                  <a:avLst/>
+                </a:prstGeom>
+                <a:solidFill>
+                  <a:schemeClr val="bg1"/>
+                </a:solidFill>
+                <a:ln>
+                  <a:solidFill>
+                    <a:schemeClr val="tx1"/>
+                  </a:solidFill>
+                </a:ln>
+              </p:spPr>
+              <p:style>
+                <a:lnRef idx="2">
+                  <a:schemeClr val="accent1">
+                    <a:shade val="15000"/>
+                  </a:schemeClr>
+                </a:lnRef>
+                <a:fillRef idx="1">
+                  <a:schemeClr val="accent1"/>
+                </a:fillRef>
+                <a:effectRef idx="0">
+                  <a:schemeClr val="accent1"/>
+                </a:effectRef>
+                <a:fontRef idx="minor">
+                  <a:schemeClr val="lt1"/>
+                </a:fontRef>
+              </p:style>
+              <p:txBody>
+                <a:bodyPr rtlCol="0" anchor="ctr"/>
+                <a:lstStyle/>
+                <a:p>
+                  <a:pPr algn="ctr"/>
+                  <a:r>
+                    <a:rPr lang="zh-CN" altLang="en-US" sz="800" dirty="0">
+                      <a:solidFill>
+                        <a:schemeClr val="tx1"/>
+                      </a:solidFill>
+                    </a:rPr>
+                    <a:t>分区</a:t>
+                  </a:r>
+                  <a:r>
+                    <a:rPr lang="en-US" altLang="zh-CN" sz="800" dirty="0">
+                      <a:solidFill>
+                        <a:schemeClr val="tx1"/>
+                      </a:solidFill>
+                    </a:rPr>
+                    <a:t>1</a:t>
+                  </a:r>
+                  <a:endParaRPr lang="zh-CN" altLang="en-US" sz="800" dirty="0">
+                    <a:solidFill>
+                      <a:schemeClr val="tx1"/>
+                    </a:solidFill>
+                  </a:endParaRPr>
+                </a:p>
+              </p:txBody>
+            </p:sp>
+            <p:sp>
+              <p:nvSpPr>
+                <p:cNvPr id="27" name="矩形: 圆角 26">
+                  <a:extLst>
+                    <a:ext uri="{FF2B5EF4-FFF2-40B4-BE49-F238E27FC236}">
+                      <a16:creationId xmlns:a16="http://schemas.microsoft.com/office/drawing/2014/main" id="{F4654964-30CB-872E-696B-95C398680AC5}"/>
+                    </a:ext>
+                  </a:extLst>
+                </p:cNvPr>
+                <p:cNvSpPr/>
+                <p:nvPr/>
+              </p:nvSpPr>
+              <p:spPr>
+                <a:xfrm>
+                  <a:off x="4003459" y="3462195"/>
+                  <a:ext cx="462107" cy="180110"/>
+                </a:xfrm>
+                <a:prstGeom prst="roundRect">
+                  <a:avLst/>
+                </a:prstGeom>
+                <a:solidFill>
+                  <a:schemeClr val="bg1"/>
+                </a:solidFill>
+                <a:ln>
+                  <a:solidFill>
+                    <a:schemeClr val="tx1"/>
+                  </a:solidFill>
+                </a:ln>
+              </p:spPr>
+              <p:style>
+                <a:lnRef idx="2">
+                  <a:schemeClr val="accent1">
+                    <a:shade val="15000"/>
+                  </a:schemeClr>
+                </a:lnRef>
+                <a:fillRef idx="1">
+                  <a:schemeClr val="accent1"/>
+                </a:fillRef>
+                <a:effectRef idx="0">
+                  <a:schemeClr val="accent1"/>
+                </a:effectRef>
+                <a:fontRef idx="minor">
+                  <a:schemeClr val="lt1"/>
+                </a:fontRef>
+              </p:style>
+              <p:txBody>
+                <a:bodyPr rtlCol="0" anchor="ctr"/>
+                <a:lstStyle/>
+                <a:p>
+                  <a:pPr algn="ctr"/>
+                  <a:r>
+                    <a:rPr lang="zh-CN" altLang="en-US" sz="800" dirty="0">
+                      <a:solidFill>
+                        <a:schemeClr val="tx1"/>
+                      </a:solidFill>
+                    </a:rPr>
+                    <a:t>分区</a:t>
+                  </a:r>
+                  <a:r>
+                    <a:rPr lang="en-US" altLang="zh-CN" sz="800" dirty="0">
+                      <a:solidFill>
+                        <a:schemeClr val="tx1"/>
+                      </a:solidFill>
+                    </a:rPr>
+                    <a:t>2</a:t>
+                  </a:r>
+                  <a:endParaRPr lang="zh-CN" altLang="en-US" sz="800" dirty="0">
+                    <a:solidFill>
+                      <a:schemeClr val="tx1"/>
+                    </a:solidFill>
+                  </a:endParaRPr>
+                </a:p>
+              </p:txBody>
+            </p:sp>
+            <p:sp>
+              <p:nvSpPr>
+                <p:cNvPr id="28" name="矩形: 圆角 27">
+                  <a:extLst>
+                    <a:ext uri="{FF2B5EF4-FFF2-40B4-BE49-F238E27FC236}">
+                      <a16:creationId xmlns:a16="http://schemas.microsoft.com/office/drawing/2014/main" id="{0D8495BA-40C4-42CE-FDBA-8722821B1CDD}"/>
+                    </a:ext>
+                  </a:extLst>
+                </p:cNvPr>
+                <p:cNvSpPr/>
+                <p:nvPr/>
+              </p:nvSpPr>
+              <p:spPr>
+                <a:xfrm>
+                  <a:off x="3403240" y="3746786"/>
+                  <a:ext cx="462107" cy="180110"/>
+                </a:xfrm>
+                <a:prstGeom prst="roundRect">
+                  <a:avLst/>
+                </a:prstGeom>
+                <a:solidFill>
+                  <a:schemeClr val="bg1"/>
+                </a:solidFill>
+                <a:ln>
+                  <a:solidFill>
+                    <a:schemeClr val="tx1"/>
+                  </a:solidFill>
+                </a:ln>
+              </p:spPr>
+              <p:style>
+                <a:lnRef idx="2">
+                  <a:schemeClr val="accent1">
+                    <a:shade val="15000"/>
+                  </a:schemeClr>
+                </a:lnRef>
+                <a:fillRef idx="1">
+                  <a:schemeClr val="accent1"/>
+                </a:fillRef>
+                <a:effectRef idx="0">
+                  <a:schemeClr val="accent1"/>
+                </a:effectRef>
+                <a:fontRef idx="minor">
+                  <a:schemeClr val="lt1"/>
+                </a:fontRef>
+              </p:style>
+              <p:txBody>
+                <a:bodyPr rtlCol="0" anchor="ctr"/>
+                <a:lstStyle/>
+                <a:p>
+                  <a:pPr algn="ctr"/>
+                  <a:r>
+                    <a:rPr lang="zh-CN" altLang="en-US" sz="800" dirty="0">
+                      <a:solidFill>
+                        <a:schemeClr val="tx1"/>
+                      </a:solidFill>
+                    </a:rPr>
+                    <a:t>分区</a:t>
+                  </a:r>
+                  <a:r>
+                    <a:rPr lang="en-US" altLang="zh-CN" sz="800" dirty="0">
+                      <a:solidFill>
+                        <a:schemeClr val="tx1"/>
+                      </a:solidFill>
+                    </a:rPr>
+                    <a:t>3</a:t>
+                  </a:r>
+                  <a:endParaRPr lang="zh-CN" altLang="en-US" sz="800" dirty="0">
+                    <a:solidFill>
+                      <a:schemeClr val="tx1"/>
+                    </a:solidFill>
+                  </a:endParaRPr>
+                </a:p>
+              </p:txBody>
+            </p:sp>
+            <p:sp>
+              <p:nvSpPr>
+                <p:cNvPr id="29" name="矩形: 圆角 28">
+                  <a:extLst>
+                    <a:ext uri="{FF2B5EF4-FFF2-40B4-BE49-F238E27FC236}">
+                      <a16:creationId xmlns:a16="http://schemas.microsoft.com/office/drawing/2014/main" id="{1C78C772-508F-DD82-4F28-8AA7AA70534D}"/>
+                    </a:ext>
+                  </a:extLst>
+                </p:cNvPr>
+                <p:cNvSpPr/>
+                <p:nvPr/>
+              </p:nvSpPr>
+              <p:spPr>
+                <a:xfrm>
+                  <a:off x="4003459" y="3746643"/>
+                  <a:ext cx="462107" cy="180110"/>
+                </a:xfrm>
+                <a:prstGeom prst="roundRect">
+                  <a:avLst/>
+                </a:prstGeom>
+                <a:solidFill>
+                  <a:schemeClr val="bg1"/>
+                </a:solidFill>
+                <a:ln>
+                  <a:solidFill>
+                    <a:schemeClr val="tx1"/>
+                  </a:solidFill>
+                </a:ln>
+              </p:spPr>
+              <p:style>
+                <a:lnRef idx="2">
+                  <a:schemeClr val="accent1">
+                    <a:shade val="15000"/>
+                  </a:schemeClr>
+                </a:lnRef>
+                <a:fillRef idx="1">
+                  <a:schemeClr val="accent1"/>
+                </a:fillRef>
+                <a:effectRef idx="0">
+                  <a:schemeClr val="accent1"/>
+                </a:effectRef>
+                <a:fontRef idx="minor">
+                  <a:schemeClr val="lt1"/>
+                </a:fontRef>
+              </p:style>
+              <p:txBody>
+                <a:bodyPr rtlCol="0" anchor="ctr"/>
+                <a:lstStyle/>
+                <a:p>
+                  <a:pPr algn="ctr"/>
+                  <a:r>
+                    <a:rPr lang="zh-CN" altLang="en-US" sz="800" dirty="0">
+                      <a:solidFill>
+                        <a:schemeClr val="tx1"/>
+                      </a:solidFill>
+                    </a:rPr>
+                    <a:t>分区</a:t>
+                  </a:r>
+                  <a:r>
+                    <a:rPr lang="en-US" altLang="zh-CN" sz="800" dirty="0">
+                      <a:solidFill>
+                        <a:schemeClr val="tx1"/>
+                      </a:solidFill>
+                    </a:rPr>
+                    <a:t>n</a:t>
+                  </a:r>
+                  <a:endParaRPr lang="zh-CN" altLang="en-US" sz="800" dirty="0">
+                    <a:solidFill>
+                      <a:schemeClr val="tx1"/>
+                    </a:solidFill>
+                  </a:endParaRPr>
+                </a:p>
+              </p:txBody>
+            </p:sp>
+            <p:sp>
+              <p:nvSpPr>
+                <p:cNvPr id="30" name="文本框 29">
+                  <a:extLst>
+                    <a:ext uri="{FF2B5EF4-FFF2-40B4-BE49-F238E27FC236}">
+                      <a16:creationId xmlns:a16="http://schemas.microsoft.com/office/drawing/2014/main" id="{361E3839-A2F7-DCBA-4A09-9B863583E37F}"/>
+                    </a:ext>
+                  </a:extLst>
+                </p:cNvPr>
+                <p:cNvSpPr txBox="1"/>
+                <p:nvPr/>
+              </p:nvSpPr>
+              <p:spPr>
+                <a:xfrm>
+                  <a:off x="2862263" y="3429000"/>
+                  <a:ext cx="522359" cy="246221"/>
+                </a:xfrm>
+                <a:prstGeom prst="rect">
+                  <a:avLst/>
+                </a:prstGeom>
+                <a:grpFill/>
+                <a:ln>
+                  <a:solidFill>
+                    <a:schemeClr val="accent5">
+                      <a:lumMod val="60000"/>
+                      <a:lumOff val="40000"/>
+                    </a:schemeClr>
+                  </a:solidFill>
+                </a:ln>
+              </p:spPr>
+              <p:txBody>
+                <a:bodyPr wrap="square" rtlCol="0">
+                  <a:spAutoFit/>
+                </a:bodyPr>
+                <a:lstStyle/>
+                <a:p>
+                  <a:r>
+                    <a:rPr lang="zh-CN" altLang="en-US" sz="1000" b="1" dirty="0"/>
+                    <a:t>主题</a:t>
+                  </a:r>
+                  <a:r>
+                    <a:rPr lang="en-US" altLang="zh-CN" sz="1000" b="1" dirty="0"/>
+                    <a:t>n</a:t>
+                  </a:r>
+                  <a:endParaRPr lang="zh-CN" altLang="en-US" sz="1000" b="1" dirty="0"/>
+                </a:p>
+              </p:txBody>
+            </p:sp>
+          </p:grpSp>
+        </p:grpSp>
+        <p:sp>
+          <p:nvSpPr>
+            <p:cNvPr id="31" name="文本框 30">
+              <a:extLst>
+                <a:ext uri="{FF2B5EF4-FFF2-40B4-BE49-F238E27FC236}">
+                  <a16:creationId xmlns:a16="http://schemas.microsoft.com/office/drawing/2014/main" id="{393BC655-FA1F-876A-834C-1D79143AD5B9}"/>
+                </a:ext>
+              </a:extLst>
+            </p:cNvPr>
+            <p:cNvSpPr txBox="1"/>
+            <p:nvPr/>
+          </p:nvSpPr>
+          <p:spPr>
+            <a:xfrm>
+              <a:off x="2364884" y="3247008"/>
+              <a:ext cx="1432394" cy="246221"/>
+            </a:xfrm>
+            <a:prstGeom prst="rect">
+              <a:avLst/>
+            </a:prstGeom>
+            <a:noFill/>
+          </p:spPr>
+          <p:txBody>
+            <a:bodyPr wrap="square" rtlCol="0">
+              <a:spAutoFit/>
+            </a:bodyPr>
+            <a:lstStyle/>
+            <a:p>
+              <a:r>
+                <a:rPr lang="en-US" altLang="zh-CN" sz="1000" b="1" dirty="0"/>
+                <a:t>Kafka broker </a:t>
+              </a:r>
+              <a:r>
+                <a:rPr lang="zh-CN" altLang="en-US" sz="1000" b="1" dirty="0"/>
+                <a:t>集群</a:t>
+              </a:r>
+            </a:p>
+          </p:txBody>
+        </p:sp>
+        <p:sp>
+          <p:nvSpPr>
+            <p:cNvPr id="32" name="矩形: 圆角 31">
+              <a:extLst>
+                <a:ext uri="{FF2B5EF4-FFF2-40B4-BE49-F238E27FC236}">
+                  <a16:creationId xmlns:a16="http://schemas.microsoft.com/office/drawing/2014/main" id="{585DA6BF-8F2F-74D0-CF6C-1C30E629994A}"/>
+                </a:ext>
+              </a:extLst>
+            </p:cNvPr>
+            <p:cNvSpPr/>
+            <p:nvPr/>
+          </p:nvSpPr>
+          <p:spPr>
+            <a:xfrm>
+              <a:off x="2276764" y="4317999"/>
+              <a:ext cx="7490690" cy="263237"/>
+            </a:xfrm>
+            <a:prstGeom prst="roundRect">
+              <a:avLst/>
+            </a:prstGeom>
+            <a:solidFill>
+              <a:schemeClr val="accent1">
+                <a:lumMod val="60000"/>
+                <a:lumOff val="40000"/>
+              </a:schemeClr>
+            </a:solidFill>
+            <a:ln>
+              <a:solidFill>
+                <a:schemeClr val="accent1">
+                  <a:lumMod val="60000"/>
+                  <a:lumOff val="40000"/>
+                </a:schemeClr>
+              </a:solidFill>
+            </a:ln>
+          </p:spPr>
+          <p:style>
+            <a:lnRef idx="2">
+              <a:schemeClr val="accent1">
+                <a:shade val="15000"/>
+              </a:schemeClr>
+            </a:lnRef>
+            <a:fillRef idx="1">
+              <a:schemeClr val="accent1"/>
+            </a:fillRef>
+            <a:effectRef idx="0">
+              <a:schemeClr val="accent1"/>
+            </a:effectRef>
+            <a:fontRef idx="minor">
+              <a:schemeClr val="lt1"/>
+            </a:fontRef>
+          </p:style>
+          <p:txBody>
+            <a:bodyPr rtlCol="0" anchor="ctr"/>
+            <a:lstStyle/>
+            <a:p>
+              <a:pPr algn="ctr"/>
+              <a:r>
+                <a:rPr lang="zh-CN" altLang="en-US" sz="1000" b="1" dirty="0">
+                  <a:solidFill>
+                    <a:schemeClr val="tx1"/>
+                  </a:solidFill>
+                </a:rPr>
+                <a:t>规则引擎路由</a:t>
+              </a:r>
+            </a:p>
+          </p:txBody>
+        </p:sp>
+        <p:sp>
+          <p:nvSpPr>
+            <p:cNvPr id="33" name="矩形: 圆角 32">
+              <a:extLst>
+                <a:ext uri="{FF2B5EF4-FFF2-40B4-BE49-F238E27FC236}">
+                  <a16:creationId xmlns:a16="http://schemas.microsoft.com/office/drawing/2014/main" id="{DA299333-37EA-32F2-F766-EDA6EE4E9FD5}"/>
+                </a:ext>
+              </a:extLst>
+            </p:cNvPr>
+            <p:cNvSpPr/>
+            <p:nvPr/>
+          </p:nvSpPr>
+          <p:spPr>
+            <a:xfrm>
+              <a:off x="2276764" y="4696691"/>
+              <a:ext cx="3611419" cy="928253"/>
+            </a:xfrm>
+            <a:prstGeom prst="roundRect">
+              <a:avLst/>
+            </a:prstGeom>
+            <a:solidFill>
+              <a:schemeClr val="accent1">
+                <a:lumMod val="60000"/>
+                <a:lumOff val="40000"/>
+              </a:schemeClr>
+            </a:solidFill>
+            <a:ln>
+              <a:solidFill>
+                <a:schemeClr val="accent1">
+                  <a:lumMod val="60000"/>
+                  <a:lumOff val="40000"/>
+                </a:schemeClr>
+              </a:solidFill>
+            </a:ln>
+          </p:spPr>
+          <p:style>
+            <a:lnRef idx="2">
+              <a:schemeClr val="accent1">
+                <a:shade val="15000"/>
+              </a:schemeClr>
+            </a:lnRef>
+            <a:fillRef idx="1">
+              <a:schemeClr val="accent1"/>
+            </a:fillRef>
+            <a:effectRef idx="0">
+              <a:schemeClr val="accent1"/>
+            </a:effectRef>
+            <a:fontRef idx="minor">
+              <a:schemeClr val="lt1"/>
+            </a:fontRef>
+          </p:style>
+          <p:txBody>
+            <a:bodyPr rtlCol="0" anchor="ctr"/>
+            <a:lstStyle/>
+            <a:p>
+              <a:pPr algn="ctr"/>
+              <a:endParaRPr lang="zh-CN" altLang="en-US" sz="800" dirty="0"/>
+            </a:p>
+          </p:txBody>
+        </p:sp>
+        <p:sp>
+          <p:nvSpPr>
+            <p:cNvPr id="35" name="流程图: 磁盘 34">
+              <a:extLst>
+                <a:ext uri="{FF2B5EF4-FFF2-40B4-BE49-F238E27FC236}">
+                  <a16:creationId xmlns:a16="http://schemas.microsoft.com/office/drawing/2014/main" id="{DCA07B34-9AED-CDF1-9002-15B39A65ADE5}"/>
+                </a:ext>
+              </a:extLst>
+            </p:cNvPr>
+            <p:cNvSpPr/>
+            <p:nvPr/>
+          </p:nvSpPr>
+          <p:spPr>
+            <a:xfrm>
+              <a:off x="2770909" y="4987636"/>
+              <a:ext cx="508000" cy="461819"/>
+            </a:xfrm>
+            <a:prstGeom prst="flowChartMagneticDisk">
+              <a:avLst/>
+            </a:prstGeom>
+          </p:spPr>
+          <p:style>
+            <a:lnRef idx="2">
+              <a:schemeClr val="accent1">
+                <a:shade val="15000"/>
+              </a:schemeClr>
+            </a:lnRef>
+            <a:fillRef idx="1">
+              <a:schemeClr val="accent1"/>
+            </a:fillRef>
+            <a:effectRef idx="0">
+              <a:schemeClr val="accent1"/>
+            </a:effectRef>
+            <a:fontRef idx="minor">
+              <a:schemeClr val="lt1"/>
+            </a:fontRef>
+          </p:style>
+          <p:txBody>
+            <a:bodyPr rtlCol="0" anchor="ctr"/>
+            <a:lstStyle/>
+            <a:p>
+              <a:pPr algn="ctr"/>
+              <a:r>
+                <a:rPr lang="en-US" altLang="zh-CN" sz="1000" dirty="0"/>
+                <a:t>DB1</a:t>
+              </a:r>
+              <a:endParaRPr lang="zh-CN" altLang="en-US" sz="1000" dirty="0"/>
+            </a:p>
+          </p:txBody>
+        </p:sp>
+        <p:sp>
+          <p:nvSpPr>
+            <p:cNvPr id="36" name="矩形: 圆角 35">
+              <a:extLst>
+                <a:ext uri="{FF2B5EF4-FFF2-40B4-BE49-F238E27FC236}">
+                  <a16:creationId xmlns:a16="http://schemas.microsoft.com/office/drawing/2014/main" id="{41A490E7-90D0-2F4B-1405-B25BC91E63BA}"/>
+                </a:ext>
+              </a:extLst>
+            </p:cNvPr>
+            <p:cNvSpPr/>
+            <p:nvPr/>
+          </p:nvSpPr>
+          <p:spPr>
+            <a:xfrm>
+              <a:off x="6156034" y="4696691"/>
+              <a:ext cx="3611420" cy="378687"/>
+            </a:xfrm>
+            <a:prstGeom prst="roundRect">
+              <a:avLst/>
+            </a:prstGeom>
+            <a:solidFill>
+              <a:schemeClr val="accent1">
+                <a:lumMod val="60000"/>
+                <a:lumOff val="40000"/>
+              </a:schemeClr>
+            </a:solidFill>
+            <a:ln>
+              <a:solidFill>
+                <a:schemeClr val="accent1">
+                  <a:lumMod val="60000"/>
+                  <a:lumOff val="40000"/>
+                </a:schemeClr>
+              </a:solidFill>
+            </a:ln>
+          </p:spPr>
+          <p:style>
+            <a:lnRef idx="2">
+              <a:schemeClr val="accent1">
+                <a:shade val="15000"/>
+              </a:schemeClr>
+            </a:lnRef>
+            <a:fillRef idx="1">
+              <a:schemeClr val="accent1"/>
+            </a:fillRef>
+            <a:effectRef idx="0">
+              <a:schemeClr val="accent1"/>
+            </a:effectRef>
+            <a:fontRef idx="minor">
+              <a:schemeClr val="lt1"/>
+            </a:fontRef>
+          </p:style>
+          <p:txBody>
+            <a:bodyPr rtlCol="0" anchor="ctr"/>
+            <a:lstStyle/>
+            <a:p>
+              <a:pPr algn="ctr"/>
+              <a:r>
+                <a:rPr lang="en-US" altLang="zh-CN" sz="1000" b="1" dirty="0">
+                  <a:solidFill>
+                    <a:schemeClr val="tx1"/>
+                  </a:solidFill>
+                </a:rPr>
+                <a:t>Websocket </a:t>
+              </a:r>
+              <a:r>
+                <a:rPr lang="zh-CN" altLang="en-US" sz="1000" b="1" dirty="0">
+                  <a:solidFill>
+                    <a:schemeClr val="tx1"/>
+                  </a:solidFill>
+                </a:rPr>
+                <a:t>服务端</a:t>
+              </a:r>
+            </a:p>
+          </p:txBody>
+        </p:sp>
+        <p:sp>
+          <p:nvSpPr>
+            <p:cNvPr id="37" name="矩形: 圆角 36">
+              <a:extLst>
+                <a:ext uri="{FF2B5EF4-FFF2-40B4-BE49-F238E27FC236}">
+                  <a16:creationId xmlns:a16="http://schemas.microsoft.com/office/drawing/2014/main" id="{CB3F9E3A-A7C0-CF1D-EA96-9DBCAE41A4FB}"/>
+                </a:ext>
+              </a:extLst>
+            </p:cNvPr>
+            <p:cNvSpPr/>
+            <p:nvPr/>
+          </p:nvSpPr>
+          <p:spPr>
+            <a:xfrm>
+              <a:off x="6156034" y="5218542"/>
+              <a:ext cx="3611420" cy="378687"/>
+            </a:xfrm>
+            <a:prstGeom prst="roundRect">
+              <a:avLst/>
+            </a:prstGeom>
+            <a:solidFill>
+              <a:schemeClr val="accent1">
+                <a:lumMod val="60000"/>
+                <a:lumOff val="40000"/>
+              </a:schemeClr>
+            </a:solidFill>
+            <a:ln>
+              <a:solidFill>
+                <a:schemeClr val="accent1">
+                  <a:lumMod val="60000"/>
+                  <a:lumOff val="40000"/>
+                </a:schemeClr>
+              </a:solidFill>
+            </a:ln>
+          </p:spPr>
+          <p:style>
+            <a:lnRef idx="2">
+              <a:schemeClr val="accent1">
+                <a:shade val="15000"/>
+              </a:schemeClr>
+            </a:lnRef>
+            <a:fillRef idx="1">
+              <a:schemeClr val="accent1"/>
+            </a:fillRef>
+            <a:effectRef idx="0">
+              <a:schemeClr val="accent1"/>
+            </a:effectRef>
+            <a:fontRef idx="minor">
+              <a:schemeClr val="lt1"/>
+            </a:fontRef>
+          </p:style>
+          <p:txBody>
+            <a:bodyPr rtlCol="0" anchor="ctr"/>
+            <a:lstStyle/>
+            <a:p>
+              <a:pPr algn="ctr"/>
+              <a:r>
+                <a:rPr lang="en-US" altLang="zh-CN" sz="1000" b="1" dirty="0">
+                  <a:solidFill>
+                    <a:schemeClr val="tx1"/>
+                  </a:solidFill>
+                </a:rPr>
+                <a:t>Kafka producer</a:t>
+              </a:r>
+              <a:endParaRPr lang="zh-CN" altLang="en-US" sz="1000" b="1" dirty="0">
+                <a:solidFill>
+                  <a:schemeClr val="tx1"/>
+                </a:solidFill>
+              </a:endParaRPr>
+            </a:p>
+          </p:txBody>
+        </p:sp>
+        <p:sp>
+          <p:nvSpPr>
+            <p:cNvPr id="40" name="流程图: 磁盘 39">
+              <a:extLst>
+                <a:ext uri="{FF2B5EF4-FFF2-40B4-BE49-F238E27FC236}">
+                  <a16:creationId xmlns:a16="http://schemas.microsoft.com/office/drawing/2014/main" id="{F431CED1-00BA-6088-0E2F-E9CA17C4DE36}"/>
+                </a:ext>
+              </a:extLst>
+            </p:cNvPr>
+            <p:cNvSpPr/>
+            <p:nvPr/>
+          </p:nvSpPr>
+          <p:spPr>
+            <a:xfrm>
+              <a:off x="3437594" y="4996872"/>
+              <a:ext cx="508000" cy="461819"/>
+            </a:xfrm>
+            <a:prstGeom prst="flowChartMagneticDisk">
+              <a:avLst/>
+            </a:prstGeom>
+          </p:spPr>
+          <p:style>
+            <a:lnRef idx="2">
+              <a:schemeClr val="accent1">
+                <a:shade val="15000"/>
+              </a:schemeClr>
+            </a:lnRef>
+            <a:fillRef idx="1">
+              <a:schemeClr val="accent1"/>
+            </a:fillRef>
+            <a:effectRef idx="0">
+              <a:schemeClr val="accent1"/>
+            </a:effectRef>
+            <a:fontRef idx="minor">
+              <a:schemeClr val="lt1"/>
+            </a:fontRef>
+          </p:style>
+          <p:txBody>
+            <a:bodyPr rtlCol="0" anchor="ctr"/>
+            <a:lstStyle/>
+            <a:p>
+              <a:pPr algn="ctr"/>
+              <a:r>
+                <a:rPr lang="en-US" altLang="zh-CN" sz="1000" dirty="0"/>
+                <a:t>DB2</a:t>
+              </a:r>
+              <a:endParaRPr lang="zh-CN" altLang="en-US" sz="1000" dirty="0"/>
+            </a:p>
+          </p:txBody>
+        </p:sp>
+        <p:sp>
+          <p:nvSpPr>
+            <p:cNvPr id="41" name="流程图: 磁盘 40">
+              <a:extLst>
+                <a:ext uri="{FF2B5EF4-FFF2-40B4-BE49-F238E27FC236}">
+                  <a16:creationId xmlns:a16="http://schemas.microsoft.com/office/drawing/2014/main" id="{B94304C0-1410-EE01-D2CA-551AA44CC825}"/>
+                </a:ext>
+              </a:extLst>
+            </p:cNvPr>
+            <p:cNvSpPr/>
+            <p:nvPr/>
+          </p:nvSpPr>
+          <p:spPr>
+            <a:xfrm>
+              <a:off x="4113515" y="4996872"/>
+              <a:ext cx="508000" cy="461819"/>
+            </a:xfrm>
+            <a:prstGeom prst="flowChartMagneticDisk">
+              <a:avLst/>
+            </a:prstGeom>
+          </p:spPr>
+          <p:style>
+            <a:lnRef idx="2">
+              <a:schemeClr val="accent1">
+                <a:shade val="15000"/>
+              </a:schemeClr>
+            </a:lnRef>
+            <a:fillRef idx="1">
+              <a:schemeClr val="accent1"/>
+            </a:fillRef>
+            <a:effectRef idx="0">
+              <a:schemeClr val="accent1"/>
+            </a:effectRef>
+            <a:fontRef idx="minor">
+              <a:schemeClr val="lt1"/>
+            </a:fontRef>
+          </p:style>
+          <p:txBody>
+            <a:bodyPr rtlCol="0" anchor="ctr"/>
+            <a:lstStyle/>
+            <a:p>
+              <a:pPr algn="ctr"/>
+              <a:r>
+                <a:rPr lang="en-US" altLang="zh-CN" sz="1000" dirty="0"/>
+                <a:t>DB3</a:t>
+              </a:r>
+              <a:endParaRPr lang="zh-CN" altLang="en-US" sz="1000" dirty="0"/>
+            </a:p>
+          </p:txBody>
+        </p:sp>
+        <p:sp>
+          <p:nvSpPr>
+            <p:cNvPr id="42" name="文本框 41">
+              <a:extLst>
+                <a:ext uri="{FF2B5EF4-FFF2-40B4-BE49-F238E27FC236}">
+                  <a16:creationId xmlns:a16="http://schemas.microsoft.com/office/drawing/2014/main" id="{34E66E47-095E-F1C5-EEAF-49637D694B68}"/>
+                </a:ext>
+              </a:extLst>
+            </p:cNvPr>
+            <p:cNvSpPr txBox="1"/>
+            <p:nvPr/>
+          </p:nvSpPr>
+          <p:spPr>
+            <a:xfrm>
+              <a:off x="2403373" y="4712128"/>
+              <a:ext cx="1432394" cy="246221"/>
+            </a:xfrm>
+            <a:prstGeom prst="rect">
+              <a:avLst/>
+            </a:prstGeom>
+            <a:noFill/>
+          </p:spPr>
+          <p:txBody>
+            <a:bodyPr wrap="square" rtlCol="0">
+              <a:spAutoFit/>
+            </a:bodyPr>
+            <a:lstStyle/>
+            <a:p>
+              <a:r>
+                <a:rPr lang="zh-CN" altLang="en-US" sz="1000" b="1" dirty="0"/>
+                <a:t>时序数据库</a:t>
+              </a:r>
+              <a:r>
+                <a:rPr lang="en-US" altLang="zh-CN" sz="1000" b="1" dirty="0"/>
+                <a:t>IoTDB</a:t>
+              </a:r>
+              <a:endParaRPr lang="zh-CN" altLang="en-US" sz="1000" b="1" dirty="0"/>
+            </a:p>
+          </p:txBody>
+        </p:sp>
+      </p:grpSp>
+      <p:sp>
+        <p:nvSpPr>
+          <p:cNvPr id="43" name="矩形 42">
+            <a:extLst>
+              <a:ext uri="{FF2B5EF4-FFF2-40B4-BE49-F238E27FC236}">
+                <a16:creationId xmlns:a16="http://schemas.microsoft.com/office/drawing/2014/main" id="{23251A2B-A56A-4B36-14EC-6674CA4C6058}"/>
+              </a:ext>
+            </a:extLst>
+          </p:cNvPr>
+          <p:cNvSpPr/>
+          <p:nvPr/>
+        </p:nvSpPr>
+        <p:spPr>
+          <a:xfrm>
+            <a:off x="7592214" y="1885503"/>
+            <a:ext cx="868365" cy="200891"/>
+          </a:xfrm>
+          <a:prstGeom prst="rect">
+            <a:avLst/>
+          </a:prstGeom>
+          <a:solidFill>
+            <a:schemeClr val="bg1"/>
+          </a:solidFill>
+        </p:spPr>
+        <p:style>
+          <a:lnRef idx="2">
+            <a:schemeClr val="accent1">
+              <a:shade val="15000"/>
+            </a:schemeClr>
+          </a:lnRef>
+          <a:fillRef idx="1">
+            <a:schemeClr val="accent1"/>
+          </a:fillRef>
+          <a:effectRef idx="0">
+            <a:schemeClr val="accent1"/>
+          </a:effectRef>
+          <a:fontRef idx="minor">
+            <a:schemeClr val="lt1"/>
+          </a:fontRef>
+        </p:style>
+        <p:txBody>
+          <a:bodyPr rtlCol="0" anchor="ctr"/>
+          <a:lstStyle/>
+          <a:p>
+            <a:pPr algn="ctr"/>
+            <a:r>
+              <a:rPr lang="zh-CN" altLang="en-US" sz="800" dirty="0">
+                <a:solidFill>
+                  <a:schemeClr val="tx1"/>
+                </a:solidFill>
+              </a:rPr>
+              <a:t>登录注册</a:t>
+            </a:r>
+          </a:p>
+        </p:txBody>
+      </p:sp>
+      <p:sp>
+        <p:nvSpPr>
+          <p:cNvPr id="44" name="矩形 43">
+            <a:extLst>
+              <a:ext uri="{FF2B5EF4-FFF2-40B4-BE49-F238E27FC236}">
+                <a16:creationId xmlns:a16="http://schemas.microsoft.com/office/drawing/2014/main" id="{3F3084D3-0657-107D-84B3-B5CB3A338F65}"/>
+              </a:ext>
+            </a:extLst>
+          </p:cNvPr>
+          <p:cNvSpPr/>
+          <p:nvPr/>
+        </p:nvSpPr>
+        <p:spPr>
+          <a:xfrm>
+            <a:off x="8744165" y="1885503"/>
+            <a:ext cx="868365" cy="200891"/>
+          </a:xfrm>
+          <a:prstGeom prst="rect">
+            <a:avLst/>
+          </a:prstGeom>
+          <a:solidFill>
+            <a:schemeClr val="bg1"/>
+          </a:solidFill>
+        </p:spPr>
+        <p:style>
+          <a:lnRef idx="2">
+            <a:schemeClr val="accent1">
+              <a:shade val="15000"/>
+            </a:schemeClr>
+          </a:lnRef>
+          <a:fillRef idx="1">
+            <a:schemeClr val="accent1"/>
+          </a:fillRef>
+          <a:effectRef idx="0">
+            <a:schemeClr val="accent1"/>
+          </a:effectRef>
+          <a:fontRef idx="minor">
+            <a:schemeClr val="lt1"/>
+          </a:fontRef>
+        </p:style>
+        <p:txBody>
+          <a:bodyPr rtlCol="0" anchor="ctr"/>
+          <a:lstStyle/>
+          <a:p>
+            <a:pPr algn="ctr"/>
+            <a:r>
+              <a:rPr lang="zh-CN" altLang="en-US" sz="800" dirty="0">
+                <a:solidFill>
+                  <a:schemeClr val="tx1"/>
+                </a:solidFill>
+              </a:rPr>
+              <a:t>页面</a:t>
+            </a:r>
+            <a:r>
+              <a:rPr lang="en-US" altLang="zh-CN" sz="800" dirty="0">
+                <a:solidFill>
+                  <a:schemeClr val="tx1"/>
+                </a:solidFill>
+              </a:rPr>
+              <a:t>UI</a:t>
+            </a:r>
+            <a:endParaRPr lang="zh-CN" altLang="en-US" sz="800" dirty="0">
+              <a:solidFill>
+                <a:schemeClr val="tx1"/>
+              </a:solidFill>
+            </a:endParaRPr>
+          </a:p>
+        </p:txBody>
+      </p:sp>
+      <p:sp>
+        <p:nvSpPr>
+          <p:cNvPr id="45" name="矩形 44">
+            <a:extLst>
+              <a:ext uri="{FF2B5EF4-FFF2-40B4-BE49-F238E27FC236}">
+                <a16:creationId xmlns:a16="http://schemas.microsoft.com/office/drawing/2014/main" id="{6BFB7DD5-E6B6-94E2-0828-C1936E1C7414}"/>
+              </a:ext>
+            </a:extLst>
+          </p:cNvPr>
+          <p:cNvSpPr/>
+          <p:nvPr/>
+        </p:nvSpPr>
+        <p:spPr>
+          <a:xfrm>
+            <a:off x="6481947" y="2201846"/>
+            <a:ext cx="868365" cy="212432"/>
+          </a:xfrm>
+          <a:prstGeom prst="rect">
+            <a:avLst/>
+          </a:prstGeom>
+          <a:solidFill>
+            <a:schemeClr val="bg1"/>
+          </a:solidFill>
+        </p:spPr>
+        <p:style>
+          <a:lnRef idx="2">
+            <a:schemeClr val="accent1">
+              <a:shade val="15000"/>
+            </a:schemeClr>
+          </a:lnRef>
+          <a:fillRef idx="1">
+            <a:schemeClr val="accent1"/>
+          </a:fillRef>
+          <a:effectRef idx="0">
+            <a:schemeClr val="accent1"/>
+          </a:effectRef>
+          <a:fontRef idx="minor">
+            <a:schemeClr val="lt1"/>
+          </a:fontRef>
+        </p:style>
+        <p:txBody>
+          <a:bodyPr rtlCol="0" anchor="ctr"/>
+          <a:lstStyle/>
+          <a:p>
+            <a:pPr algn="ctr"/>
+            <a:r>
+              <a:rPr lang="en-US" altLang="zh-CN" sz="800" dirty="0">
+                <a:solidFill>
+                  <a:schemeClr val="tx1"/>
+                </a:solidFill>
+              </a:rPr>
+              <a:t>Restful</a:t>
+            </a:r>
+            <a:r>
+              <a:rPr lang="zh-CN" altLang="en-US" sz="800" dirty="0">
+                <a:solidFill>
+                  <a:schemeClr val="tx1"/>
+                </a:solidFill>
+              </a:rPr>
+              <a:t>接口</a:t>
+            </a:r>
+          </a:p>
+        </p:txBody>
+      </p:sp>
+      <p:sp>
+        <p:nvSpPr>
+          <p:cNvPr id="46" name="矩形 45">
+            <a:extLst>
+              <a:ext uri="{FF2B5EF4-FFF2-40B4-BE49-F238E27FC236}">
+                <a16:creationId xmlns:a16="http://schemas.microsoft.com/office/drawing/2014/main" id="{4DF4A767-0B09-5939-BB55-600437792077}"/>
+              </a:ext>
+            </a:extLst>
+          </p:cNvPr>
+          <p:cNvSpPr/>
+          <p:nvPr/>
+        </p:nvSpPr>
+        <p:spPr>
+          <a:xfrm>
+            <a:off x="7614919" y="2208510"/>
+            <a:ext cx="868365" cy="212432"/>
+          </a:xfrm>
+          <a:prstGeom prst="rect">
+            <a:avLst/>
+          </a:prstGeom>
+          <a:solidFill>
+            <a:schemeClr val="bg1"/>
+          </a:solidFill>
+        </p:spPr>
+        <p:style>
+          <a:lnRef idx="2">
+            <a:schemeClr val="accent1">
+              <a:shade val="15000"/>
+            </a:schemeClr>
+          </a:lnRef>
+          <a:fillRef idx="1">
+            <a:schemeClr val="accent1"/>
+          </a:fillRef>
+          <a:effectRef idx="0">
+            <a:schemeClr val="accent1"/>
+          </a:effectRef>
+          <a:fontRef idx="minor">
+            <a:schemeClr val="lt1"/>
+          </a:fontRef>
+        </p:style>
+        <p:txBody>
+          <a:bodyPr rtlCol="0" anchor="ctr"/>
+          <a:lstStyle/>
+          <a:p>
+            <a:pPr algn="ctr"/>
+            <a:r>
+              <a:rPr lang="en-US" altLang="zh-CN" sz="800" dirty="0">
+                <a:solidFill>
+                  <a:schemeClr val="tx1"/>
+                </a:solidFill>
+              </a:rPr>
+              <a:t>RPC</a:t>
+            </a:r>
+            <a:r>
+              <a:rPr lang="zh-CN" altLang="en-US" sz="800" dirty="0">
+                <a:solidFill>
+                  <a:schemeClr val="tx1"/>
+                </a:solidFill>
+              </a:rPr>
+              <a:t>接口</a:t>
+            </a:r>
+          </a:p>
+        </p:txBody>
+      </p:sp>
+      <p:sp>
+        <p:nvSpPr>
+          <p:cNvPr id="47" name="流程图: 磁盘 46">
+            <a:extLst>
+              <a:ext uri="{FF2B5EF4-FFF2-40B4-BE49-F238E27FC236}">
+                <a16:creationId xmlns:a16="http://schemas.microsoft.com/office/drawing/2014/main" id="{47D14557-79EB-F3F1-F828-F332B2F9E61C}"/>
+              </a:ext>
+            </a:extLst>
+          </p:cNvPr>
+          <p:cNvSpPr/>
+          <p:nvPr/>
+        </p:nvSpPr>
+        <p:spPr>
+          <a:xfrm>
+            <a:off x="8744164" y="2192761"/>
+            <a:ext cx="857721" cy="261659"/>
+          </a:xfrm>
+          <a:prstGeom prst="flowChartMagneticDisk">
+            <a:avLst/>
+          </a:prstGeom>
+          <a:solidFill>
+            <a:schemeClr val="bg1"/>
+          </a:solidFill>
+        </p:spPr>
+        <p:style>
+          <a:lnRef idx="2">
+            <a:schemeClr val="accent1">
+              <a:shade val="15000"/>
+            </a:schemeClr>
+          </a:lnRef>
+          <a:fillRef idx="1">
+            <a:schemeClr val="accent1"/>
+          </a:fillRef>
+          <a:effectRef idx="0">
+            <a:schemeClr val="accent1"/>
+          </a:effectRef>
+          <a:fontRef idx="minor">
+            <a:schemeClr val="lt1"/>
+          </a:fontRef>
+        </p:style>
+        <p:txBody>
+          <a:bodyPr rtlCol="0" anchor="ctr"/>
+          <a:lstStyle/>
+          <a:p>
+            <a:pPr algn="ctr"/>
+            <a:r>
+              <a:rPr lang="en-US" altLang="zh-CN" sz="800" dirty="0">
+                <a:solidFill>
+                  <a:schemeClr val="tx1"/>
+                </a:solidFill>
+              </a:rPr>
+              <a:t>postgres</a:t>
+            </a:r>
+            <a:endParaRPr lang="zh-CN" altLang="en-US" sz="800" dirty="0">
+              <a:solidFill>
+                <a:schemeClr val="tx1"/>
+              </a:solidFill>
+            </a:endParaRPr>
+          </a:p>
+        </p:txBody>
+      </p:sp>
+      <p:sp>
+        <p:nvSpPr>
+          <p:cNvPr id="53" name="矩形: 圆角 52">
+            <a:extLst>
+              <a:ext uri="{FF2B5EF4-FFF2-40B4-BE49-F238E27FC236}">
+                <a16:creationId xmlns:a16="http://schemas.microsoft.com/office/drawing/2014/main" id="{C2E3AF3B-DB08-C578-F15F-11E1B517DF42}"/>
+              </a:ext>
+            </a:extLst>
+          </p:cNvPr>
+          <p:cNvSpPr/>
+          <p:nvPr/>
+        </p:nvSpPr>
+        <p:spPr>
+          <a:xfrm>
+            <a:off x="6220688" y="2618788"/>
+            <a:ext cx="3611419" cy="295564"/>
+          </a:xfrm>
+          <a:prstGeom prst="roundRect">
+            <a:avLst/>
+          </a:prstGeom>
+          <a:solidFill>
+            <a:schemeClr val="accent1">
+              <a:lumMod val="60000"/>
+              <a:lumOff val="40000"/>
+            </a:schemeClr>
+          </a:solidFill>
+          <a:ln>
+            <a:solidFill>
+              <a:schemeClr val="accent1">
+                <a:lumMod val="60000"/>
+                <a:lumOff val="40000"/>
+              </a:schemeClr>
+            </a:solidFill>
+          </a:ln>
+        </p:spPr>
+        <p:style>
+          <a:lnRef idx="2">
+            <a:schemeClr val="accent1">
+              <a:shade val="15000"/>
+            </a:schemeClr>
+          </a:lnRef>
+          <a:fillRef idx="1">
+            <a:schemeClr val="accent1"/>
+          </a:fillRef>
+          <a:effectRef idx="0">
+            <a:schemeClr val="accent1"/>
+          </a:effectRef>
+          <a:fontRef idx="minor">
+            <a:schemeClr val="lt1"/>
+          </a:fontRef>
+        </p:style>
+        <p:txBody>
+          <a:bodyPr rtlCol="0" anchor="ctr"/>
+          <a:lstStyle/>
+          <a:p>
+            <a:pPr algn="ctr"/>
+            <a:r>
+              <a:rPr lang="en-US" altLang="zh-CN" sz="1000" b="1" dirty="0">
+                <a:solidFill>
+                  <a:schemeClr val="tx1"/>
+                </a:solidFill>
+              </a:rPr>
+              <a:t>Kafka consumer</a:t>
+            </a:r>
+            <a:endParaRPr lang="zh-CN" altLang="en-US" sz="1000" b="1" dirty="0">
+              <a:solidFill>
+                <a:schemeClr val="tx1"/>
+              </a:solidFill>
+            </a:endParaRPr>
+          </a:p>
+        </p:txBody>
+      </p:sp>
+      <p:pic>
+        <p:nvPicPr>
+          <p:cNvPr id="56" name="图片 55">
+            <a:extLst>
+              <a:ext uri="{FF2B5EF4-FFF2-40B4-BE49-F238E27FC236}">
+                <a16:creationId xmlns:a16="http://schemas.microsoft.com/office/drawing/2014/main" id="{4151EE04-1F4C-0903-6207-6154BD17393A}"/>
+              </a:ext>
+            </a:extLst>
+          </p:cNvPr>
+          <p:cNvPicPr>
+            <a:picLocks noChangeAspect="1"/>
+          </p:cNvPicPr>
+          <p:nvPr/>
+        </p:nvPicPr>
+        <p:blipFill>
+          <a:blip r:embed="rId2">
+            <a:extLst>
+              <a:ext uri="{28A0092B-C50C-407E-A947-70E740481C1C}">
+                <a14:useLocalDpi xmlns:a14="http://schemas.microsoft.com/office/drawing/2010/main" val="0"/>
+              </a:ext>
+            </a:extLst>
+          </a:blip>
+          <a:stretch>
+            <a:fillRect/>
+          </a:stretch>
+        </p:blipFill>
+        <p:spPr>
+          <a:xfrm>
+            <a:off x="2596960" y="79030"/>
+            <a:ext cx="1200318" cy="331993"/>
+          </a:xfrm>
+          <a:prstGeom prst="rect">
+            <a:avLst/>
+          </a:prstGeom>
+        </p:spPr>
+      </p:pic>
+      <p:sp>
+        <p:nvSpPr>
+          <p:cNvPr id="57" name="矩形: 圆角 56">
+            <a:extLst>
+              <a:ext uri="{FF2B5EF4-FFF2-40B4-BE49-F238E27FC236}">
+                <a16:creationId xmlns:a16="http://schemas.microsoft.com/office/drawing/2014/main" id="{9D9970B9-F9B8-9957-C8B6-921CA34D3481}"/>
+              </a:ext>
+            </a:extLst>
+          </p:cNvPr>
+          <p:cNvSpPr/>
+          <p:nvPr/>
+        </p:nvSpPr>
+        <p:spPr>
+          <a:xfrm>
+            <a:off x="1758348" y="6232871"/>
+            <a:ext cx="8701833" cy="546099"/>
+          </a:xfrm>
+          <a:prstGeom prst="roundRect">
+            <a:avLst/>
+          </a:prstGeom>
+          <a:solidFill>
+            <a:schemeClr val="accent4">
+              <a:lumMod val="20000"/>
+              <a:lumOff val="80000"/>
+            </a:schemeClr>
+          </a:solidFill>
+          <a:ln>
+            <a:solidFill>
+              <a:schemeClr val="accent4">
+                <a:lumMod val="20000"/>
+                <a:lumOff val="80000"/>
+              </a:schemeClr>
+            </a:solidFill>
+          </a:ln>
+        </p:spPr>
+        <p:style>
+          <a:lnRef idx="2">
+            <a:schemeClr val="accent1">
+              <a:shade val="15000"/>
+            </a:schemeClr>
+          </a:lnRef>
+          <a:fillRef idx="1">
+            <a:schemeClr val="accent1"/>
+          </a:fillRef>
+          <a:effectRef idx="0">
+            <a:schemeClr val="accent1"/>
+          </a:effectRef>
+          <a:fontRef idx="minor">
+            <a:schemeClr val="lt1"/>
+          </a:fontRef>
+        </p:style>
+        <p:txBody>
+          <a:bodyPr rtlCol="0" anchor="ctr"/>
+          <a:lstStyle/>
+          <a:p>
+            <a:pPr algn="ctr"/>
+            <a:endParaRPr lang="zh-CN" altLang="en-US"/>
+          </a:p>
+        </p:txBody>
+      </p:sp>
+      <p:sp>
+        <p:nvSpPr>
+          <p:cNvPr id="58" name="矩形 57">
+            <a:extLst>
+              <a:ext uri="{FF2B5EF4-FFF2-40B4-BE49-F238E27FC236}">
+                <a16:creationId xmlns:a16="http://schemas.microsoft.com/office/drawing/2014/main" id="{3AB546C6-BD37-3D4E-1DC2-2A145886815F}"/>
+              </a:ext>
+            </a:extLst>
+          </p:cNvPr>
+          <p:cNvSpPr/>
+          <p:nvPr/>
+        </p:nvSpPr>
+        <p:spPr>
+          <a:xfrm>
+            <a:off x="3127165" y="6341039"/>
+            <a:ext cx="1559004" cy="310573"/>
+          </a:xfrm>
+          <a:prstGeom prst="rect">
+            <a:avLst/>
+          </a:prstGeom>
+        </p:spPr>
+        <p:style>
+          <a:lnRef idx="2">
+            <a:schemeClr val="accent1">
+              <a:shade val="15000"/>
+            </a:schemeClr>
+          </a:lnRef>
+          <a:fillRef idx="1">
+            <a:schemeClr val="accent1"/>
+          </a:fillRef>
+          <a:effectRef idx="0">
+            <a:schemeClr val="accent1"/>
+          </a:effectRef>
+          <a:fontRef idx="minor">
+            <a:schemeClr val="lt1"/>
+          </a:fontRef>
+        </p:style>
+        <p:txBody>
+          <a:bodyPr rtlCol="0" anchor="ctr"/>
+          <a:lstStyle/>
+          <a:p>
+            <a:pPr algn="ctr"/>
+            <a:r>
+              <a:rPr lang="zh-CN" altLang="en-US" sz="1000" dirty="0"/>
+              <a:t>定时训练</a:t>
+            </a:r>
+          </a:p>
+        </p:txBody>
+      </p:sp>
+      <p:sp>
+        <p:nvSpPr>
+          <p:cNvPr id="59" name="矩形 58">
+            <a:extLst>
+              <a:ext uri="{FF2B5EF4-FFF2-40B4-BE49-F238E27FC236}">
+                <a16:creationId xmlns:a16="http://schemas.microsoft.com/office/drawing/2014/main" id="{AA7A8019-96D3-A8FA-1352-33ED225CC7AB}"/>
+              </a:ext>
+            </a:extLst>
+          </p:cNvPr>
+          <p:cNvSpPr/>
+          <p:nvPr/>
+        </p:nvSpPr>
+        <p:spPr>
+          <a:xfrm>
+            <a:off x="5316498" y="6358492"/>
+            <a:ext cx="1559004" cy="310572"/>
+          </a:xfrm>
+          <a:prstGeom prst="rect">
+            <a:avLst/>
+          </a:prstGeom>
+        </p:spPr>
+        <p:style>
+          <a:lnRef idx="2">
+            <a:schemeClr val="accent1">
+              <a:shade val="15000"/>
+            </a:schemeClr>
+          </a:lnRef>
+          <a:fillRef idx="1">
+            <a:schemeClr val="accent1"/>
+          </a:fillRef>
+          <a:effectRef idx="0">
+            <a:schemeClr val="accent1"/>
+          </a:effectRef>
+          <a:fontRef idx="minor">
+            <a:schemeClr val="lt1"/>
+          </a:fontRef>
+        </p:style>
+        <p:txBody>
+          <a:bodyPr rtlCol="0" anchor="ctr"/>
+          <a:lstStyle/>
+          <a:p>
+            <a:pPr algn="ctr"/>
+            <a:r>
+              <a:rPr lang="zh-CN" altLang="en-US" sz="1000" dirty="0"/>
+              <a:t>模型实时异常检测</a:t>
+            </a:r>
+          </a:p>
+        </p:txBody>
+      </p:sp>
+      <p:sp>
+        <p:nvSpPr>
+          <p:cNvPr id="60" name="矩形: 圆角 59">
+            <a:extLst>
+              <a:ext uri="{FF2B5EF4-FFF2-40B4-BE49-F238E27FC236}">
+                <a16:creationId xmlns:a16="http://schemas.microsoft.com/office/drawing/2014/main" id="{6D3B7274-8F9F-64AF-2120-E88A9FA02E3D}"/>
+              </a:ext>
+            </a:extLst>
+          </p:cNvPr>
+          <p:cNvSpPr/>
+          <p:nvPr/>
+        </p:nvSpPr>
+        <p:spPr>
+          <a:xfrm>
+            <a:off x="6220688" y="5888181"/>
+            <a:ext cx="4207165" cy="222919"/>
+          </a:xfrm>
+          <a:prstGeom prst="roundRect">
+            <a:avLst/>
+          </a:prstGeom>
+          <a:solidFill>
+            <a:schemeClr val="accent4">
+              <a:lumMod val="20000"/>
+              <a:lumOff val="80000"/>
+            </a:schemeClr>
+          </a:solidFill>
+          <a:ln>
+            <a:solidFill>
+              <a:schemeClr val="accent4">
+                <a:lumMod val="20000"/>
+                <a:lumOff val="80000"/>
+              </a:schemeClr>
+            </a:solidFill>
+          </a:ln>
+        </p:spPr>
+        <p:style>
+          <a:lnRef idx="2">
+            <a:schemeClr val="accent1">
+              <a:shade val="15000"/>
+            </a:schemeClr>
+          </a:lnRef>
+          <a:fillRef idx="1">
+            <a:schemeClr val="accent1"/>
+          </a:fillRef>
+          <a:effectRef idx="0">
+            <a:schemeClr val="accent1"/>
+          </a:effectRef>
+          <a:fontRef idx="minor">
+            <a:schemeClr val="lt1"/>
+          </a:fontRef>
+        </p:style>
+        <p:txBody>
+          <a:bodyPr rtlCol="0" anchor="ctr"/>
+          <a:lstStyle/>
+          <a:p>
+            <a:pPr algn="ctr"/>
+            <a:r>
+              <a:rPr lang="en-US" altLang="zh-CN" sz="1000" b="1" dirty="0">
+                <a:solidFill>
+                  <a:schemeClr val="tx1"/>
+                </a:solidFill>
+              </a:rPr>
+              <a:t>Kafka consumer</a:t>
+            </a:r>
+            <a:endParaRPr lang="zh-CN" altLang="en-US" sz="1000" b="1" dirty="0">
+              <a:solidFill>
+                <a:schemeClr val="tx1"/>
+              </a:solidFill>
+            </a:endParaRPr>
+          </a:p>
+        </p:txBody>
+      </p:sp>
+      <p:sp>
+        <p:nvSpPr>
+          <p:cNvPr id="62" name="矩形: 圆角 61">
+            <a:extLst>
+              <a:ext uri="{FF2B5EF4-FFF2-40B4-BE49-F238E27FC236}">
+                <a16:creationId xmlns:a16="http://schemas.microsoft.com/office/drawing/2014/main" id="{932BEFEB-B29F-02D7-F891-1CFAA58F471F}"/>
+              </a:ext>
+            </a:extLst>
+          </p:cNvPr>
+          <p:cNvSpPr/>
+          <p:nvPr/>
+        </p:nvSpPr>
+        <p:spPr>
+          <a:xfrm>
+            <a:off x="1758349" y="5892192"/>
+            <a:ext cx="4207165" cy="222919"/>
+          </a:xfrm>
+          <a:prstGeom prst="roundRect">
+            <a:avLst/>
+          </a:prstGeom>
+          <a:solidFill>
+            <a:schemeClr val="accent4">
+              <a:lumMod val="20000"/>
+              <a:lumOff val="80000"/>
+            </a:schemeClr>
+          </a:solidFill>
+          <a:ln>
+            <a:solidFill>
+              <a:schemeClr val="accent4">
+                <a:lumMod val="20000"/>
+                <a:lumOff val="80000"/>
+              </a:schemeClr>
+            </a:solidFill>
+          </a:ln>
+        </p:spPr>
+        <p:style>
+          <a:lnRef idx="2">
+            <a:schemeClr val="accent1">
+              <a:shade val="15000"/>
+            </a:schemeClr>
+          </a:lnRef>
+          <a:fillRef idx="1">
+            <a:schemeClr val="accent1"/>
+          </a:fillRef>
+          <a:effectRef idx="0">
+            <a:schemeClr val="accent1"/>
+          </a:effectRef>
+          <a:fontRef idx="minor">
+            <a:schemeClr val="lt1"/>
+          </a:fontRef>
+        </p:style>
+        <p:txBody>
+          <a:bodyPr rtlCol="0" anchor="ctr"/>
+          <a:lstStyle/>
+          <a:p>
+            <a:pPr algn="ctr"/>
+            <a:r>
+              <a:rPr lang="zh-CN" altLang="en-US" sz="1000" b="1" dirty="0">
+                <a:solidFill>
+                  <a:schemeClr val="tx1"/>
+                </a:solidFill>
+              </a:rPr>
+              <a:t>历史数据预处理</a:t>
+            </a:r>
+          </a:p>
+        </p:txBody>
+      </p:sp>
+      <p:sp>
+        <p:nvSpPr>
+          <p:cNvPr id="63" name="矩形 62">
+            <a:extLst>
+              <a:ext uri="{FF2B5EF4-FFF2-40B4-BE49-F238E27FC236}">
+                <a16:creationId xmlns:a16="http://schemas.microsoft.com/office/drawing/2014/main" id="{02F05CE6-DFCC-CF76-A193-D5C5278E9E9C}"/>
+              </a:ext>
+            </a:extLst>
+          </p:cNvPr>
+          <p:cNvSpPr/>
+          <p:nvPr/>
+        </p:nvSpPr>
+        <p:spPr>
+          <a:xfrm>
+            <a:off x="7592214" y="6349631"/>
+            <a:ext cx="1559004" cy="310572"/>
+          </a:xfrm>
+          <a:prstGeom prst="rect">
+            <a:avLst/>
+          </a:prstGeom>
+        </p:spPr>
+        <p:style>
+          <a:lnRef idx="2">
+            <a:schemeClr val="accent1">
+              <a:shade val="15000"/>
+            </a:schemeClr>
+          </a:lnRef>
+          <a:fillRef idx="1">
+            <a:schemeClr val="accent1"/>
+          </a:fillRef>
+          <a:effectRef idx="0">
+            <a:schemeClr val="accent1"/>
+          </a:effectRef>
+          <a:fontRef idx="minor">
+            <a:schemeClr val="lt1"/>
+          </a:fontRef>
+        </p:style>
+        <p:txBody>
+          <a:bodyPr rtlCol="0" anchor="ctr"/>
+          <a:lstStyle/>
+          <a:p>
+            <a:pPr algn="ctr"/>
+            <a:r>
+              <a:rPr lang="zh-CN" altLang="en-US" sz="1000" dirty="0"/>
+              <a:t>异常通知</a:t>
+            </a:r>
+          </a:p>
+        </p:txBody>
+      </p:sp>
+      <p:sp>
+        <p:nvSpPr>
+          <p:cNvPr id="64" name="文本框 63">
+            <a:extLst>
+              <a:ext uri="{FF2B5EF4-FFF2-40B4-BE49-F238E27FC236}">
+                <a16:creationId xmlns:a16="http://schemas.microsoft.com/office/drawing/2014/main" id="{D3F7E115-84A6-E972-5659-0A7CF857838F}"/>
+              </a:ext>
+            </a:extLst>
+          </p:cNvPr>
+          <p:cNvSpPr txBox="1"/>
+          <p:nvPr/>
+        </p:nvSpPr>
+        <p:spPr>
+          <a:xfrm>
+            <a:off x="1780639" y="6298025"/>
+            <a:ext cx="1432394" cy="246221"/>
+          </a:xfrm>
+          <a:prstGeom prst="rect">
+            <a:avLst/>
+          </a:prstGeom>
+          <a:noFill/>
+        </p:spPr>
+        <p:txBody>
+          <a:bodyPr wrap="square" rtlCol="0">
+            <a:spAutoFit/>
+          </a:bodyPr>
+          <a:lstStyle/>
+          <a:p>
+            <a:r>
+              <a:rPr lang="zh-CN" altLang="en-US" sz="1000" b="1" dirty="0"/>
+              <a:t>异常检测</a:t>
+            </a:r>
+          </a:p>
+        </p:txBody>
+      </p:sp>
+      <p:pic>
+        <p:nvPicPr>
+          <p:cNvPr id="66" name="图形 65" descr="用户">
+            <a:extLst>
+              <a:ext uri="{FF2B5EF4-FFF2-40B4-BE49-F238E27FC236}">
+                <a16:creationId xmlns:a16="http://schemas.microsoft.com/office/drawing/2014/main" id="{CA01FB64-6E1D-9869-F9E3-4B25B75D9561}"/>
+              </a:ext>
+            </a:extLst>
+          </p:cNvPr>
+          <p:cNvPicPr>
+            <a:picLocks noChangeAspect="1"/>
+          </p:cNvPicPr>
+          <p:nvPr/>
+        </p:nvPicPr>
+        <p:blipFill>
+          <a:blip r:embed="rId3">
+            <a:extLst>
+              <a:ext uri="{96DAC541-7B7A-43D3-8B79-37D633B846F1}">
+                <asvg:svgBlip xmlns:asvg="http://schemas.microsoft.com/office/drawing/2016/SVG/main" r:embed="rId4"/>
+              </a:ext>
+            </a:extLst>
+          </a:blip>
+          <a:stretch>
+            <a:fillRect/>
+          </a:stretch>
+        </p:blipFill>
+        <p:spPr>
+          <a:xfrm>
+            <a:off x="7881755" y="-10773"/>
+            <a:ext cx="489961" cy="489961"/>
+          </a:xfrm>
+          <a:prstGeom prst="rect">
+            <a:avLst/>
+          </a:prstGeom>
+        </p:spPr>
+      </p:pic>
+      <p:cxnSp>
+        <p:nvCxnSpPr>
+          <p:cNvPr id="68" name="直接箭头连接符 67">
+            <a:extLst>
+              <a:ext uri="{FF2B5EF4-FFF2-40B4-BE49-F238E27FC236}">
+                <a16:creationId xmlns:a16="http://schemas.microsoft.com/office/drawing/2014/main" id="{A67A2273-1825-7426-66C6-97F6DA9703D0}"/>
+              </a:ext>
+            </a:extLst>
+          </p:cNvPr>
+          <p:cNvCxnSpPr/>
+          <p:nvPr/>
+        </p:nvCxnSpPr>
+        <p:spPr>
+          <a:xfrm>
+            <a:off x="8154590" y="479188"/>
+            <a:ext cx="0" cy="369957"/>
+          </a:xfrm>
+          <a:prstGeom prst="straightConnector1">
+            <a:avLst/>
+          </a:prstGeom>
+          <a:ln>
+            <a:tailEnd type="triangle"/>
+          </a:ln>
+        </p:spPr>
+        <p:style>
+          <a:lnRef idx="1">
+            <a:schemeClr val="accent1"/>
+          </a:lnRef>
+          <a:fillRef idx="0">
+            <a:schemeClr val="accent1"/>
+          </a:fillRef>
+          <a:effectRef idx="0">
+            <a:schemeClr val="accent1"/>
+          </a:effectRef>
+          <a:fontRef idx="minor">
+            <a:schemeClr val="tx1"/>
+          </a:fontRef>
+        </p:style>
+      </p:cxnSp>
+      <p:cxnSp>
+        <p:nvCxnSpPr>
+          <p:cNvPr id="70" name="直接箭头连接符 69">
+            <a:extLst>
+              <a:ext uri="{FF2B5EF4-FFF2-40B4-BE49-F238E27FC236}">
+                <a16:creationId xmlns:a16="http://schemas.microsoft.com/office/drawing/2014/main" id="{6D8B5BF2-3B39-434B-15B9-450E5C7EF36B}"/>
+              </a:ext>
+            </a:extLst>
+          </p:cNvPr>
+          <p:cNvCxnSpPr/>
+          <p:nvPr/>
+        </p:nvCxnSpPr>
+        <p:spPr>
+          <a:xfrm>
+            <a:off x="3343563" y="479188"/>
+            <a:ext cx="0" cy="369957"/>
+          </a:xfrm>
+          <a:prstGeom prst="straightConnector1">
+            <a:avLst/>
+          </a:prstGeom>
+          <a:ln>
+            <a:tailEnd type="triangle"/>
+          </a:ln>
+        </p:spPr>
+        <p:style>
+          <a:lnRef idx="1">
+            <a:schemeClr val="accent1"/>
+          </a:lnRef>
+          <a:fillRef idx="0">
+            <a:schemeClr val="accent1"/>
+          </a:fillRef>
+          <a:effectRef idx="0">
+            <a:schemeClr val="accent1"/>
+          </a:effectRef>
+          <a:fontRef idx="minor">
+            <a:schemeClr val="tx1"/>
+          </a:fontRef>
+        </p:style>
+      </p:cxnSp>
+      <p:sp>
+        <p:nvSpPr>
+          <p:cNvPr id="71" name="文本框 70">
+            <a:extLst>
+              <a:ext uri="{FF2B5EF4-FFF2-40B4-BE49-F238E27FC236}">
+                <a16:creationId xmlns:a16="http://schemas.microsoft.com/office/drawing/2014/main" id="{C9D56866-E569-A1EC-CBFB-9294F7270C6C}"/>
+              </a:ext>
+            </a:extLst>
+          </p:cNvPr>
+          <p:cNvSpPr txBox="1"/>
+          <p:nvPr/>
+        </p:nvSpPr>
+        <p:spPr>
+          <a:xfrm>
+            <a:off x="2681365" y="507209"/>
+            <a:ext cx="871612" cy="215444"/>
+          </a:xfrm>
+          <a:prstGeom prst="rect">
+            <a:avLst/>
+          </a:prstGeom>
+          <a:noFill/>
+        </p:spPr>
+        <p:txBody>
+          <a:bodyPr wrap="square" rtlCol="0">
+            <a:spAutoFit/>
+          </a:bodyPr>
+          <a:lstStyle/>
+          <a:p>
+            <a:r>
+              <a:rPr lang="en-US" altLang="zh-CN" sz="800" dirty="0"/>
+              <a:t>Mqtt</a:t>
+            </a:r>
+            <a:r>
+              <a:rPr lang="zh-CN" altLang="en-US" sz="800" dirty="0"/>
+              <a:t>请求</a:t>
+            </a:r>
+          </a:p>
+        </p:txBody>
+      </p:sp>
+      <p:sp>
+        <p:nvSpPr>
+          <p:cNvPr id="72" name="文本框 71">
+            <a:extLst>
+              <a:ext uri="{FF2B5EF4-FFF2-40B4-BE49-F238E27FC236}">
+                <a16:creationId xmlns:a16="http://schemas.microsoft.com/office/drawing/2014/main" id="{AFFAE5A8-D6FF-957B-ED7D-47243ECE75E5}"/>
+              </a:ext>
+            </a:extLst>
+          </p:cNvPr>
+          <p:cNvSpPr txBox="1"/>
+          <p:nvPr/>
+        </p:nvSpPr>
+        <p:spPr>
+          <a:xfrm>
+            <a:off x="7535784" y="547271"/>
+            <a:ext cx="871612" cy="215444"/>
+          </a:xfrm>
+          <a:prstGeom prst="rect">
+            <a:avLst/>
+          </a:prstGeom>
+          <a:noFill/>
+        </p:spPr>
+        <p:txBody>
+          <a:bodyPr wrap="square" rtlCol="0">
+            <a:spAutoFit/>
+          </a:bodyPr>
+          <a:lstStyle/>
+          <a:p>
+            <a:r>
+              <a:rPr lang="en-US" altLang="zh-CN" sz="800" dirty="0"/>
+              <a:t>https</a:t>
+            </a:r>
+            <a:r>
+              <a:rPr lang="zh-CN" altLang="en-US" sz="800" dirty="0"/>
+              <a:t>请求</a:t>
+            </a:r>
+          </a:p>
+        </p:txBody>
+      </p:sp>
+      <p:cxnSp>
+        <p:nvCxnSpPr>
+          <p:cNvPr id="74" name="直接箭头连接符 73">
+            <a:extLst>
+              <a:ext uri="{FF2B5EF4-FFF2-40B4-BE49-F238E27FC236}">
+                <a16:creationId xmlns:a16="http://schemas.microsoft.com/office/drawing/2014/main" id="{3C8F0C74-1CF1-BA24-77F4-6CD15D95AC0F}"/>
+              </a:ext>
+            </a:extLst>
+          </p:cNvPr>
+          <p:cNvCxnSpPr/>
+          <p:nvPr/>
+        </p:nvCxnSpPr>
+        <p:spPr>
+          <a:xfrm>
+            <a:off x="4097993" y="2914352"/>
+            <a:ext cx="0" cy="197880"/>
+          </a:xfrm>
+          <a:prstGeom prst="straightConnector1">
+            <a:avLst/>
+          </a:prstGeom>
+          <a:ln>
+            <a:tailEnd type="triangle"/>
+          </a:ln>
+        </p:spPr>
+        <p:style>
+          <a:lnRef idx="1">
+            <a:schemeClr val="accent1"/>
+          </a:lnRef>
+          <a:fillRef idx="0">
+            <a:schemeClr val="accent1"/>
+          </a:fillRef>
+          <a:effectRef idx="0">
+            <a:schemeClr val="accent1"/>
+          </a:effectRef>
+          <a:fontRef idx="minor">
+            <a:schemeClr val="tx1"/>
+          </a:fontRef>
+        </p:style>
+      </p:cxnSp>
+      <p:cxnSp>
+        <p:nvCxnSpPr>
+          <p:cNvPr id="78" name="直接箭头连接符 77">
+            <a:extLst>
+              <a:ext uri="{FF2B5EF4-FFF2-40B4-BE49-F238E27FC236}">
+                <a16:creationId xmlns:a16="http://schemas.microsoft.com/office/drawing/2014/main" id="{91F19FE9-E636-752B-EEE1-D3AEB0A1491C}"/>
+              </a:ext>
+            </a:extLst>
+          </p:cNvPr>
+          <p:cNvCxnSpPr>
+            <a:endCxn id="53" idx="2"/>
+          </p:cNvCxnSpPr>
+          <p:nvPr/>
+        </p:nvCxnSpPr>
+        <p:spPr>
+          <a:xfrm flipV="1">
+            <a:off x="8036719" y="2914352"/>
+            <a:ext cx="0" cy="197880"/>
+          </a:xfrm>
+          <a:prstGeom prst="straightConnector1">
+            <a:avLst/>
+          </a:prstGeom>
+          <a:ln>
+            <a:tailEnd type="triangle"/>
+          </a:ln>
+        </p:spPr>
+        <p:style>
+          <a:lnRef idx="1">
+            <a:schemeClr val="accent1"/>
+          </a:lnRef>
+          <a:fillRef idx="0">
+            <a:schemeClr val="accent1"/>
+          </a:fillRef>
+          <a:effectRef idx="0">
+            <a:schemeClr val="accent1"/>
+          </a:effectRef>
+          <a:fontRef idx="minor">
+            <a:schemeClr val="tx1"/>
+          </a:fontRef>
+        </p:style>
+      </p:cxnSp>
+      <p:cxnSp>
+        <p:nvCxnSpPr>
+          <p:cNvPr id="80" name="直接箭头连接符 79">
+            <a:extLst>
+              <a:ext uri="{FF2B5EF4-FFF2-40B4-BE49-F238E27FC236}">
+                <a16:creationId xmlns:a16="http://schemas.microsoft.com/office/drawing/2014/main" id="{3DBC0F19-941B-1137-20ED-2CEBF99A1A92}"/>
+              </a:ext>
+            </a:extLst>
+          </p:cNvPr>
+          <p:cNvCxnSpPr>
+            <a:endCxn id="62" idx="0"/>
+          </p:cNvCxnSpPr>
+          <p:nvPr/>
+        </p:nvCxnSpPr>
+        <p:spPr>
+          <a:xfrm>
+            <a:off x="3861932" y="5546013"/>
+            <a:ext cx="0" cy="346179"/>
+          </a:xfrm>
+          <a:prstGeom prst="straightConnector1">
+            <a:avLst/>
+          </a:prstGeom>
+          <a:ln>
+            <a:tailEnd type="triangle"/>
+          </a:ln>
+        </p:spPr>
+        <p:style>
+          <a:lnRef idx="1">
+            <a:schemeClr val="accent1"/>
+          </a:lnRef>
+          <a:fillRef idx="0">
+            <a:schemeClr val="accent1"/>
+          </a:fillRef>
+          <a:effectRef idx="0">
+            <a:schemeClr val="accent1"/>
+          </a:effectRef>
+          <a:fontRef idx="minor">
+            <a:schemeClr val="tx1"/>
+          </a:fontRef>
+        </p:style>
+      </p:cxnSp>
+      <p:cxnSp>
+        <p:nvCxnSpPr>
+          <p:cNvPr id="88" name="直接箭头连接符 87">
+            <a:extLst>
+              <a:ext uri="{FF2B5EF4-FFF2-40B4-BE49-F238E27FC236}">
+                <a16:creationId xmlns:a16="http://schemas.microsoft.com/office/drawing/2014/main" id="{C097E2CD-3243-13C0-4874-5C1294836B0B}"/>
+              </a:ext>
+            </a:extLst>
+          </p:cNvPr>
+          <p:cNvCxnSpPr/>
+          <p:nvPr/>
+        </p:nvCxnSpPr>
+        <p:spPr>
+          <a:xfrm>
+            <a:off x="8210095" y="5518298"/>
+            <a:ext cx="0" cy="346179"/>
+          </a:xfrm>
+          <a:prstGeom prst="straightConnector1">
+            <a:avLst/>
+          </a:prstGeom>
+          <a:ln>
+            <a:tailEnd type="triangle"/>
+          </a:ln>
+        </p:spPr>
+        <p:style>
+          <a:lnRef idx="1">
+            <a:schemeClr val="accent1"/>
+          </a:lnRef>
+          <a:fillRef idx="0">
+            <a:schemeClr val="accent1"/>
+          </a:fillRef>
+          <a:effectRef idx="0">
+            <a:schemeClr val="accent1"/>
+          </a:effectRef>
+          <a:fontRef idx="minor">
+            <a:schemeClr val="tx1"/>
+          </a:fontRef>
+        </p:style>
+      </p:cxnSp>
+      <p:sp>
+        <p:nvSpPr>
+          <p:cNvPr id="89" name="文本框 88">
+            <a:extLst>
+              <a:ext uri="{FF2B5EF4-FFF2-40B4-BE49-F238E27FC236}">
+                <a16:creationId xmlns:a16="http://schemas.microsoft.com/office/drawing/2014/main" id="{3143FC40-C30B-A72D-C5B3-DB17C6F51501}"/>
+              </a:ext>
+            </a:extLst>
+          </p:cNvPr>
+          <p:cNvSpPr txBox="1"/>
+          <p:nvPr/>
+        </p:nvSpPr>
+        <p:spPr>
+          <a:xfrm>
+            <a:off x="1858717" y="3087937"/>
+            <a:ext cx="369332" cy="2676970"/>
+          </a:xfrm>
+          <a:prstGeom prst="rect">
+            <a:avLst/>
+          </a:prstGeom>
+          <a:noFill/>
+        </p:spPr>
+        <p:txBody>
+          <a:bodyPr vert="eaVert" wrap="square" rtlCol="0">
+            <a:spAutoFit/>
+          </a:bodyPr>
+          <a:lstStyle/>
+          <a:p>
+            <a:r>
+              <a:rPr lang="zh-CN" altLang="en-US" sz="1200" b="1" dirty="0"/>
+              <a:t>云端服务</a:t>
+            </a:r>
+          </a:p>
+        </p:txBody>
+      </p:sp>
+    </p:spTree>
+    <p:extLst>
+      <p:ext uri="{BB962C8B-B14F-4D97-AF65-F5344CB8AC3E}">
+        <p14:creationId xmlns:p14="http://schemas.microsoft.com/office/powerpoint/2010/main" val="1503366790"/>
       </p:ext>
     </p:extLst>
   </p:cSld>

--- a/project/模型.pptx
+++ b/project/模型.pptx
@@ -264,7 +264,7 @@
           <a:p>
             <a:fld id="{E4C0CE13-A334-4A3E-902C-95BEFC34E49C}" type="datetimeFigureOut">
               <a:rPr lang="zh-CN" altLang="en-US" smtClean="0"/>
-              <a:t>2025/2/6</a:t>
+              <a:t>2025/2/7</a:t>
             </a:fld>
             <a:endParaRPr lang="zh-CN" altLang="en-US"/>
           </a:p>
@@ -462,7 +462,7 @@
           <a:p>
             <a:fld id="{E4C0CE13-A334-4A3E-902C-95BEFC34E49C}" type="datetimeFigureOut">
               <a:rPr lang="zh-CN" altLang="en-US" smtClean="0"/>
-              <a:t>2025/2/6</a:t>
+              <a:t>2025/2/7</a:t>
             </a:fld>
             <a:endParaRPr lang="zh-CN" altLang="en-US"/>
           </a:p>
@@ -670,7 +670,7 @@
           <a:p>
             <a:fld id="{E4C0CE13-A334-4A3E-902C-95BEFC34E49C}" type="datetimeFigureOut">
               <a:rPr lang="zh-CN" altLang="en-US" smtClean="0"/>
-              <a:t>2025/2/6</a:t>
+              <a:t>2025/2/7</a:t>
             </a:fld>
             <a:endParaRPr lang="zh-CN" altLang="en-US"/>
           </a:p>
@@ -868,7 +868,7 @@
           <a:p>
             <a:fld id="{E4C0CE13-A334-4A3E-902C-95BEFC34E49C}" type="datetimeFigureOut">
               <a:rPr lang="zh-CN" altLang="en-US" smtClean="0"/>
-              <a:t>2025/2/6</a:t>
+              <a:t>2025/2/7</a:t>
             </a:fld>
             <a:endParaRPr lang="zh-CN" altLang="en-US"/>
           </a:p>
@@ -1143,7 +1143,7 @@
           <a:p>
             <a:fld id="{E4C0CE13-A334-4A3E-902C-95BEFC34E49C}" type="datetimeFigureOut">
               <a:rPr lang="zh-CN" altLang="en-US" smtClean="0"/>
-              <a:t>2025/2/6</a:t>
+              <a:t>2025/2/7</a:t>
             </a:fld>
             <a:endParaRPr lang="zh-CN" altLang="en-US"/>
           </a:p>
@@ -1408,7 +1408,7 @@
           <a:p>
             <a:fld id="{E4C0CE13-A334-4A3E-902C-95BEFC34E49C}" type="datetimeFigureOut">
               <a:rPr lang="zh-CN" altLang="en-US" smtClean="0"/>
-              <a:t>2025/2/6</a:t>
+              <a:t>2025/2/7</a:t>
             </a:fld>
             <a:endParaRPr lang="zh-CN" altLang="en-US"/>
           </a:p>
@@ -1820,7 +1820,7 @@
           <a:p>
             <a:fld id="{E4C0CE13-A334-4A3E-902C-95BEFC34E49C}" type="datetimeFigureOut">
               <a:rPr lang="zh-CN" altLang="en-US" smtClean="0"/>
-              <a:t>2025/2/6</a:t>
+              <a:t>2025/2/7</a:t>
             </a:fld>
             <a:endParaRPr lang="zh-CN" altLang="en-US"/>
           </a:p>
@@ -1961,7 +1961,7 @@
           <a:p>
             <a:fld id="{E4C0CE13-A334-4A3E-902C-95BEFC34E49C}" type="datetimeFigureOut">
               <a:rPr lang="zh-CN" altLang="en-US" smtClean="0"/>
-              <a:t>2025/2/6</a:t>
+              <a:t>2025/2/7</a:t>
             </a:fld>
             <a:endParaRPr lang="zh-CN" altLang="en-US"/>
           </a:p>
@@ -2074,7 +2074,7 @@
           <a:p>
             <a:fld id="{E4C0CE13-A334-4A3E-902C-95BEFC34E49C}" type="datetimeFigureOut">
               <a:rPr lang="zh-CN" altLang="en-US" smtClean="0"/>
-              <a:t>2025/2/6</a:t>
+              <a:t>2025/2/7</a:t>
             </a:fld>
             <a:endParaRPr lang="zh-CN" altLang="en-US"/>
           </a:p>
@@ -2385,7 +2385,7 @@
           <a:p>
             <a:fld id="{E4C0CE13-A334-4A3E-902C-95BEFC34E49C}" type="datetimeFigureOut">
               <a:rPr lang="zh-CN" altLang="en-US" smtClean="0"/>
-              <a:t>2025/2/6</a:t>
+              <a:t>2025/2/7</a:t>
             </a:fld>
             <a:endParaRPr lang="zh-CN" altLang="en-US"/>
           </a:p>
@@ -2673,7 +2673,7 @@
           <a:p>
             <a:fld id="{E4C0CE13-A334-4A3E-902C-95BEFC34E49C}" type="datetimeFigureOut">
               <a:rPr lang="zh-CN" altLang="en-US" smtClean="0"/>
-              <a:t>2025/2/6</a:t>
+              <a:t>2025/2/7</a:t>
             </a:fld>
             <a:endParaRPr lang="zh-CN" altLang="en-US"/>
           </a:p>
@@ -2914,7 +2914,7 @@
           <a:p>
             <a:fld id="{E4C0CE13-A334-4A3E-902C-95BEFC34E49C}" type="datetimeFigureOut">
               <a:rPr lang="zh-CN" altLang="en-US" smtClean="0"/>
-              <a:t>2025/2/6</a:t>
+              <a:t>2025/2/7</a:t>
             </a:fld>
             <a:endParaRPr lang="zh-CN" altLang="en-US"/>
           </a:p>
@@ -9677,7 +9677,7 @@
                 <a:t>训练好的</a:t>
               </a:r>
               <a:r>
-                <a:rPr lang="en-US" altLang="zh-CN" sz="1000" dirty="0" err="1"/>
+                <a:rPr lang="en-US" altLang="zh-CN" sz="1000" dirty="0"/>
                 <a:t>TransformerFFT</a:t>
               </a:r>
               <a:r>
@@ -10066,6 +10066,97 @@
             <a:schemeClr val="accent1"/>
           </a:fillRef>
           <a:effectRef idx="0">
+            <a:schemeClr val="accent1"/>
+          </a:effectRef>
+          <a:fontRef idx="minor">
+            <a:schemeClr val="tx1"/>
+          </a:fontRef>
+        </p:style>
+      </p:cxnSp>
+      <p:sp>
+        <p:nvSpPr>
+          <p:cNvPr id="9" name="流程图: 数据 8">
+            <a:extLst>
+              <a:ext uri="{FF2B5EF4-FFF2-40B4-BE49-F238E27FC236}">
+                <a16:creationId xmlns:a16="http://schemas.microsoft.com/office/drawing/2014/main" id="{2525225C-9A38-8697-AFC3-AB45C8560C83}"/>
+              </a:ext>
+            </a:extLst>
+          </p:cNvPr>
+          <p:cNvSpPr/>
+          <p:nvPr/>
+        </p:nvSpPr>
+        <p:spPr>
+          <a:xfrm>
+            <a:off x="7041319" y="1917577"/>
+            <a:ext cx="1305018" cy="479049"/>
+          </a:xfrm>
+          <a:prstGeom prst="flowChartInputOutput">
+            <a:avLst/>
+          </a:prstGeom>
+        </p:spPr>
+        <p:style>
+          <a:lnRef idx="2">
+            <a:schemeClr val="accent1">
+              <a:shade val="50000"/>
+            </a:schemeClr>
+          </a:lnRef>
+          <a:fillRef idx="1">
+            <a:schemeClr val="accent1"/>
+          </a:fillRef>
+          <a:effectRef idx="0">
+            <a:schemeClr val="accent1"/>
+          </a:effectRef>
+          <a:fontRef idx="minor">
+            <a:schemeClr val="lt1"/>
+          </a:fontRef>
+        </p:style>
+        <p:txBody>
+          <a:bodyPr rtlCol="0" anchor="ctr"/>
+          <a:lstStyle/>
+          <a:p>
+            <a:pPr algn="ctr"/>
+            <a:r>
+              <a:rPr lang="zh-CN" altLang="en-US" sz="1000" dirty="0"/>
+              <a:t>定时训练更新模型</a:t>
+            </a:r>
+          </a:p>
+        </p:txBody>
+      </p:sp>
+      <p:cxnSp>
+        <p:nvCxnSpPr>
+          <p:cNvPr id="14" name="直接箭头连接符 13">
+            <a:extLst>
+              <a:ext uri="{FF2B5EF4-FFF2-40B4-BE49-F238E27FC236}">
+                <a16:creationId xmlns:a16="http://schemas.microsoft.com/office/drawing/2014/main" id="{D4F58B7D-AD97-31FF-3190-2767976A2CF2}"/>
+              </a:ext>
+            </a:extLst>
+          </p:cNvPr>
+          <p:cNvCxnSpPr>
+            <a:stCxn id="9" idx="2"/>
+            <a:endCxn id="2" idx="3"/>
+          </p:cNvCxnSpPr>
+          <p:nvPr/>
+        </p:nvCxnSpPr>
+        <p:spPr>
+          <a:xfrm flipH="1">
+            <a:off x="6292404" y="2157102"/>
+            <a:ext cx="879417" cy="0"/>
+          </a:xfrm>
+          <a:prstGeom prst="straightConnector1">
+            <a:avLst/>
+          </a:prstGeom>
+          <a:ln w="38100">
+            <a:tailEnd type="triangle"/>
+          </a:ln>
+        </p:spPr>
+        <p:style>
+          <a:lnRef idx="3">
+            <a:schemeClr val="accent1"/>
+          </a:lnRef>
+          <a:fillRef idx="0">
+            <a:schemeClr val="accent1"/>
+          </a:fillRef>
+          <a:effectRef idx="2">
             <a:schemeClr val="accent1"/>
           </a:effectRef>
           <a:fontRef idx="minor">

--- a/project/模型.pptx
+++ b/project/模型.pptx
@@ -264,7 +264,7 @@
           <a:p>
             <a:fld id="{E4C0CE13-A334-4A3E-902C-95BEFC34E49C}" type="datetimeFigureOut">
               <a:rPr lang="zh-CN" altLang="en-US" smtClean="0"/>
-              <a:t>2025/2/7</a:t>
+              <a:t>2025/2/8</a:t>
             </a:fld>
             <a:endParaRPr lang="zh-CN" altLang="en-US"/>
           </a:p>
@@ -462,7 +462,7 @@
           <a:p>
             <a:fld id="{E4C0CE13-A334-4A3E-902C-95BEFC34E49C}" type="datetimeFigureOut">
               <a:rPr lang="zh-CN" altLang="en-US" smtClean="0"/>
-              <a:t>2025/2/7</a:t>
+              <a:t>2025/2/8</a:t>
             </a:fld>
             <a:endParaRPr lang="zh-CN" altLang="en-US"/>
           </a:p>
@@ -670,7 +670,7 @@
           <a:p>
             <a:fld id="{E4C0CE13-A334-4A3E-902C-95BEFC34E49C}" type="datetimeFigureOut">
               <a:rPr lang="zh-CN" altLang="en-US" smtClean="0"/>
-              <a:t>2025/2/7</a:t>
+              <a:t>2025/2/8</a:t>
             </a:fld>
             <a:endParaRPr lang="zh-CN" altLang="en-US"/>
           </a:p>
@@ -868,7 +868,7 @@
           <a:p>
             <a:fld id="{E4C0CE13-A334-4A3E-902C-95BEFC34E49C}" type="datetimeFigureOut">
               <a:rPr lang="zh-CN" altLang="en-US" smtClean="0"/>
-              <a:t>2025/2/7</a:t>
+              <a:t>2025/2/8</a:t>
             </a:fld>
             <a:endParaRPr lang="zh-CN" altLang="en-US"/>
           </a:p>
@@ -1143,7 +1143,7 @@
           <a:p>
             <a:fld id="{E4C0CE13-A334-4A3E-902C-95BEFC34E49C}" type="datetimeFigureOut">
               <a:rPr lang="zh-CN" altLang="en-US" smtClean="0"/>
-              <a:t>2025/2/7</a:t>
+              <a:t>2025/2/8</a:t>
             </a:fld>
             <a:endParaRPr lang="zh-CN" altLang="en-US"/>
           </a:p>
@@ -1408,7 +1408,7 @@
           <a:p>
             <a:fld id="{E4C0CE13-A334-4A3E-902C-95BEFC34E49C}" type="datetimeFigureOut">
               <a:rPr lang="zh-CN" altLang="en-US" smtClean="0"/>
-              <a:t>2025/2/7</a:t>
+              <a:t>2025/2/8</a:t>
             </a:fld>
             <a:endParaRPr lang="zh-CN" altLang="en-US"/>
           </a:p>
@@ -1820,7 +1820,7 @@
           <a:p>
             <a:fld id="{E4C0CE13-A334-4A3E-902C-95BEFC34E49C}" type="datetimeFigureOut">
               <a:rPr lang="zh-CN" altLang="en-US" smtClean="0"/>
-              <a:t>2025/2/7</a:t>
+              <a:t>2025/2/8</a:t>
             </a:fld>
             <a:endParaRPr lang="zh-CN" altLang="en-US"/>
           </a:p>
@@ -1961,7 +1961,7 @@
           <a:p>
             <a:fld id="{E4C0CE13-A334-4A3E-902C-95BEFC34E49C}" type="datetimeFigureOut">
               <a:rPr lang="zh-CN" altLang="en-US" smtClean="0"/>
-              <a:t>2025/2/7</a:t>
+              <a:t>2025/2/8</a:t>
             </a:fld>
             <a:endParaRPr lang="zh-CN" altLang="en-US"/>
           </a:p>
@@ -2074,7 +2074,7 @@
           <a:p>
             <a:fld id="{E4C0CE13-A334-4A3E-902C-95BEFC34E49C}" type="datetimeFigureOut">
               <a:rPr lang="zh-CN" altLang="en-US" smtClean="0"/>
-              <a:t>2025/2/7</a:t>
+              <a:t>2025/2/8</a:t>
             </a:fld>
             <a:endParaRPr lang="zh-CN" altLang="en-US"/>
           </a:p>
@@ -2385,7 +2385,7 @@
           <a:p>
             <a:fld id="{E4C0CE13-A334-4A3E-902C-95BEFC34E49C}" type="datetimeFigureOut">
               <a:rPr lang="zh-CN" altLang="en-US" smtClean="0"/>
-              <a:t>2025/2/7</a:t>
+              <a:t>2025/2/8</a:t>
             </a:fld>
             <a:endParaRPr lang="zh-CN" altLang="en-US"/>
           </a:p>
@@ -2673,7 +2673,7 @@
           <a:p>
             <a:fld id="{E4C0CE13-A334-4A3E-902C-95BEFC34E49C}" type="datetimeFigureOut">
               <a:rPr lang="zh-CN" altLang="en-US" smtClean="0"/>
-              <a:t>2025/2/7</a:t>
+              <a:t>2025/2/8</a:t>
             </a:fld>
             <a:endParaRPr lang="zh-CN" altLang="en-US"/>
           </a:p>
@@ -2914,7 +2914,7 @@
           <a:p>
             <a:fld id="{E4C0CE13-A334-4A3E-902C-95BEFC34E49C}" type="datetimeFigureOut">
               <a:rPr lang="zh-CN" altLang="en-US" smtClean="0"/>
-              <a:t>2025/2/7</a:t>
+              <a:t>2025/2/8</a:t>
             </a:fld>
             <a:endParaRPr lang="zh-CN" altLang="en-US"/>
           </a:p>
@@ -10538,7 +10538,7 @@
         </p:nvSpPr>
         <p:spPr>
           <a:xfrm>
-            <a:off x="4874574" y="219691"/>
+            <a:off x="4874575" y="212331"/>
             <a:ext cx="502334" cy="246221"/>
           </a:xfrm>
           <a:prstGeom prst="rect">

--- a/project/模型.pptx
+++ b/project/模型.pptx
@@ -11,6 +11,7 @@
     <p:sldId id="260" r:id="rId5"/>
     <p:sldId id="258" r:id="rId6"/>
     <p:sldId id="261" r:id="rId7"/>
+    <p:sldId id="262" r:id="rId8"/>
   </p:sldIdLst>
   <p:sldSz cx="12192000" cy="6858000"/>
   <p:notesSz cx="6858000" cy="9144000"/>
@@ -264,7 +265,7 @@
           <a:p>
             <a:fld id="{E4C0CE13-A334-4A3E-902C-95BEFC34E49C}" type="datetimeFigureOut">
               <a:rPr lang="zh-CN" altLang="en-US" smtClean="0"/>
-              <a:t>2025/2/8</a:t>
+              <a:t>2025/2/9</a:t>
             </a:fld>
             <a:endParaRPr lang="zh-CN" altLang="en-US"/>
           </a:p>
@@ -462,7 +463,7 @@
           <a:p>
             <a:fld id="{E4C0CE13-A334-4A3E-902C-95BEFC34E49C}" type="datetimeFigureOut">
               <a:rPr lang="zh-CN" altLang="en-US" smtClean="0"/>
-              <a:t>2025/2/8</a:t>
+              <a:t>2025/2/9</a:t>
             </a:fld>
             <a:endParaRPr lang="zh-CN" altLang="en-US"/>
           </a:p>
@@ -670,7 +671,7 @@
           <a:p>
             <a:fld id="{E4C0CE13-A334-4A3E-902C-95BEFC34E49C}" type="datetimeFigureOut">
               <a:rPr lang="zh-CN" altLang="en-US" smtClean="0"/>
-              <a:t>2025/2/8</a:t>
+              <a:t>2025/2/9</a:t>
             </a:fld>
             <a:endParaRPr lang="zh-CN" altLang="en-US"/>
           </a:p>
@@ -868,7 +869,7 @@
           <a:p>
             <a:fld id="{E4C0CE13-A334-4A3E-902C-95BEFC34E49C}" type="datetimeFigureOut">
               <a:rPr lang="zh-CN" altLang="en-US" smtClean="0"/>
-              <a:t>2025/2/8</a:t>
+              <a:t>2025/2/9</a:t>
             </a:fld>
             <a:endParaRPr lang="zh-CN" altLang="en-US"/>
           </a:p>
@@ -1143,7 +1144,7 @@
           <a:p>
             <a:fld id="{E4C0CE13-A334-4A3E-902C-95BEFC34E49C}" type="datetimeFigureOut">
               <a:rPr lang="zh-CN" altLang="en-US" smtClean="0"/>
-              <a:t>2025/2/8</a:t>
+              <a:t>2025/2/9</a:t>
             </a:fld>
             <a:endParaRPr lang="zh-CN" altLang="en-US"/>
           </a:p>
@@ -1408,7 +1409,7 @@
           <a:p>
             <a:fld id="{E4C0CE13-A334-4A3E-902C-95BEFC34E49C}" type="datetimeFigureOut">
               <a:rPr lang="zh-CN" altLang="en-US" smtClean="0"/>
-              <a:t>2025/2/8</a:t>
+              <a:t>2025/2/9</a:t>
             </a:fld>
             <a:endParaRPr lang="zh-CN" altLang="en-US"/>
           </a:p>
@@ -1820,7 +1821,7 @@
           <a:p>
             <a:fld id="{E4C0CE13-A334-4A3E-902C-95BEFC34E49C}" type="datetimeFigureOut">
               <a:rPr lang="zh-CN" altLang="en-US" smtClean="0"/>
-              <a:t>2025/2/8</a:t>
+              <a:t>2025/2/9</a:t>
             </a:fld>
             <a:endParaRPr lang="zh-CN" altLang="en-US"/>
           </a:p>
@@ -1961,7 +1962,7 @@
           <a:p>
             <a:fld id="{E4C0CE13-A334-4A3E-902C-95BEFC34E49C}" type="datetimeFigureOut">
               <a:rPr lang="zh-CN" altLang="en-US" smtClean="0"/>
-              <a:t>2025/2/8</a:t>
+              <a:t>2025/2/9</a:t>
             </a:fld>
             <a:endParaRPr lang="zh-CN" altLang="en-US"/>
           </a:p>
@@ -2074,7 +2075,7 @@
           <a:p>
             <a:fld id="{E4C0CE13-A334-4A3E-902C-95BEFC34E49C}" type="datetimeFigureOut">
               <a:rPr lang="zh-CN" altLang="en-US" smtClean="0"/>
-              <a:t>2025/2/8</a:t>
+              <a:t>2025/2/9</a:t>
             </a:fld>
             <a:endParaRPr lang="zh-CN" altLang="en-US"/>
           </a:p>
@@ -2385,7 +2386,7 @@
           <a:p>
             <a:fld id="{E4C0CE13-A334-4A3E-902C-95BEFC34E49C}" type="datetimeFigureOut">
               <a:rPr lang="zh-CN" altLang="en-US" smtClean="0"/>
-              <a:t>2025/2/8</a:t>
+              <a:t>2025/2/9</a:t>
             </a:fld>
             <a:endParaRPr lang="zh-CN" altLang="en-US"/>
           </a:p>
@@ -2673,7 +2674,7 @@
           <a:p>
             <a:fld id="{E4C0CE13-A334-4A3E-902C-95BEFC34E49C}" type="datetimeFigureOut">
               <a:rPr lang="zh-CN" altLang="en-US" smtClean="0"/>
-              <a:t>2025/2/8</a:t>
+              <a:t>2025/2/9</a:t>
             </a:fld>
             <a:endParaRPr lang="zh-CN" altLang="en-US"/>
           </a:p>
@@ -2914,7 +2915,7 @@
           <a:p>
             <a:fld id="{E4C0CE13-A334-4A3E-902C-95BEFC34E49C}" type="datetimeFigureOut">
               <a:rPr lang="zh-CN" altLang="en-US" smtClean="0"/>
-              <a:t>2025/2/8</a:t>
+              <a:t>2025/2/9</a:t>
             </a:fld>
             <a:endParaRPr lang="zh-CN" altLang="en-US"/>
           </a:p>
@@ -16249,6 +16250,1951 @@
 </p:sld>
 </file>
 
+<file path=ppt/slides/slide7.xml><?xml version="1.0" encoding="utf-8"?>
+<p:sld xmlns:a="http://schemas.openxmlformats.org/drawingml/2006/main" xmlns:r="http://schemas.openxmlformats.org/officeDocument/2006/relationships" xmlns:p="http://schemas.openxmlformats.org/presentationml/2006/main">
+  <p:cSld>
+    <p:spTree>
+      <p:nvGrpSpPr>
+        <p:cNvPr id="1" name=""/>
+        <p:cNvGrpSpPr/>
+        <p:nvPr/>
+      </p:nvGrpSpPr>
+      <p:grpSpPr>
+        <a:xfrm>
+          <a:off x="0" y="0"/>
+          <a:ext cx="0" cy="0"/>
+          <a:chOff x="0" y="0"/>
+          <a:chExt cx="0" cy="0"/>
+        </a:xfrm>
+      </p:grpSpPr>
+      <p:sp>
+        <p:nvSpPr>
+          <p:cNvPr id="4" name="云形 3">
+            <a:extLst>
+              <a:ext uri="{FF2B5EF4-FFF2-40B4-BE49-F238E27FC236}">
+                <a16:creationId xmlns:a16="http://schemas.microsoft.com/office/drawing/2014/main" id="{9E27E3F7-27CC-D512-9C21-38A082F7A2E6}"/>
+              </a:ext>
+            </a:extLst>
+          </p:cNvPr>
+          <p:cNvSpPr/>
+          <p:nvPr/>
+        </p:nvSpPr>
+        <p:spPr>
+          <a:xfrm>
+            <a:off x="5316727" y="90529"/>
+            <a:ext cx="1960348" cy="962526"/>
+          </a:xfrm>
+          <a:prstGeom prst="cloud">
+            <a:avLst/>
+          </a:prstGeom>
+        </p:spPr>
+        <p:style>
+          <a:lnRef idx="1">
+            <a:schemeClr val="accent3"/>
+          </a:lnRef>
+          <a:fillRef idx="2">
+            <a:schemeClr val="accent3"/>
+          </a:fillRef>
+          <a:effectRef idx="1">
+            <a:schemeClr val="accent3"/>
+          </a:effectRef>
+          <a:fontRef idx="minor">
+            <a:schemeClr val="dk1"/>
+          </a:fontRef>
+        </p:style>
+        <p:txBody>
+          <a:bodyPr rtlCol="0" anchor="ctr"/>
+          <a:lstStyle/>
+          <a:p>
+            <a:pPr algn="ctr"/>
+            <a:r>
+              <a:rPr lang="en-US" altLang="zh-CN" sz="1200" b="1" dirty="0">
+                <a:solidFill>
+                  <a:schemeClr val="tx1"/>
+                </a:solidFill>
+              </a:rPr>
+              <a:t>EOL</a:t>
+            </a:r>
+            <a:r>
+              <a:rPr lang="zh-CN" altLang="en-US" sz="1200" b="1" dirty="0">
+                <a:solidFill>
+                  <a:schemeClr val="tx1"/>
+                </a:solidFill>
+              </a:rPr>
+              <a:t>数据采集服务器</a:t>
+            </a:r>
+          </a:p>
+        </p:txBody>
+      </p:sp>
+      <p:sp>
+        <p:nvSpPr>
+          <p:cNvPr id="9" name="矩形 8">
+            <a:extLst>
+              <a:ext uri="{FF2B5EF4-FFF2-40B4-BE49-F238E27FC236}">
+                <a16:creationId xmlns:a16="http://schemas.microsoft.com/office/drawing/2014/main" id="{5A89D151-F622-B036-D776-9EA8329A9953}"/>
+              </a:ext>
+            </a:extLst>
+          </p:cNvPr>
+          <p:cNvSpPr/>
+          <p:nvPr/>
+        </p:nvSpPr>
+        <p:spPr>
+          <a:xfrm>
+            <a:off x="6931792" y="5808846"/>
+            <a:ext cx="1780673" cy="904775"/>
+          </a:xfrm>
+          <a:prstGeom prst="rect">
+            <a:avLst/>
+          </a:prstGeom>
+          <a:solidFill>
+            <a:schemeClr val="accent2">
+              <a:lumMod val="40000"/>
+              <a:lumOff val="60000"/>
+            </a:schemeClr>
+          </a:solidFill>
+        </p:spPr>
+        <p:style>
+          <a:lnRef idx="2">
+            <a:schemeClr val="accent1">
+              <a:shade val="15000"/>
+            </a:schemeClr>
+          </a:lnRef>
+          <a:fillRef idx="1">
+            <a:schemeClr val="accent1"/>
+          </a:fillRef>
+          <a:effectRef idx="0">
+            <a:schemeClr val="accent1"/>
+          </a:effectRef>
+          <a:fontRef idx="minor">
+            <a:schemeClr val="lt1"/>
+          </a:fontRef>
+        </p:style>
+        <p:txBody>
+          <a:bodyPr rtlCol="0" anchor="ctr"/>
+          <a:lstStyle/>
+          <a:p>
+            <a:pPr algn="ctr"/>
+            <a:r>
+              <a:rPr lang="en-US" altLang="zh-CN" sz="1400" b="1" dirty="0">
+                <a:solidFill>
+                  <a:schemeClr val="tx1"/>
+                </a:solidFill>
+              </a:rPr>
+              <a:t>ZCU_L</a:t>
+            </a:r>
+          </a:p>
+          <a:p>
+            <a:pPr algn="ctr"/>
+            <a:r>
+              <a:rPr lang="zh-CN" altLang="en-US" sz="1400" b="1" dirty="0">
+                <a:solidFill>
+                  <a:schemeClr val="tx1"/>
+                </a:solidFill>
+              </a:rPr>
+              <a:t>左区域控制器</a:t>
+            </a:r>
+          </a:p>
+        </p:txBody>
+      </p:sp>
+      <p:sp>
+        <p:nvSpPr>
+          <p:cNvPr id="10" name="矩形 9">
+            <a:extLst>
+              <a:ext uri="{FF2B5EF4-FFF2-40B4-BE49-F238E27FC236}">
+                <a16:creationId xmlns:a16="http://schemas.microsoft.com/office/drawing/2014/main" id="{3286B272-FF4C-A25C-B6FD-8D9A0A81D91C}"/>
+              </a:ext>
+            </a:extLst>
+          </p:cNvPr>
+          <p:cNvSpPr/>
+          <p:nvPr/>
+        </p:nvSpPr>
+        <p:spPr>
+          <a:xfrm>
+            <a:off x="6933397" y="4526279"/>
+            <a:ext cx="1780673" cy="904775"/>
+          </a:xfrm>
+          <a:prstGeom prst="rect">
+            <a:avLst/>
+          </a:prstGeom>
+          <a:solidFill>
+            <a:schemeClr val="accent2">
+              <a:lumMod val="40000"/>
+              <a:lumOff val="60000"/>
+            </a:schemeClr>
+          </a:solidFill>
+        </p:spPr>
+        <p:style>
+          <a:lnRef idx="2">
+            <a:schemeClr val="accent1">
+              <a:shade val="15000"/>
+            </a:schemeClr>
+          </a:lnRef>
+          <a:fillRef idx="1">
+            <a:schemeClr val="accent1"/>
+          </a:fillRef>
+          <a:effectRef idx="0">
+            <a:schemeClr val="accent1"/>
+          </a:effectRef>
+          <a:fontRef idx="minor">
+            <a:schemeClr val="lt1"/>
+          </a:fontRef>
+        </p:style>
+        <p:txBody>
+          <a:bodyPr rtlCol="0" anchor="ctr"/>
+          <a:lstStyle/>
+          <a:p>
+            <a:pPr algn="ctr"/>
+            <a:r>
+              <a:rPr lang="en-US" altLang="zh-CN" sz="1400" b="1" dirty="0">
+                <a:solidFill>
+                  <a:schemeClr val="tx1"/>
+                </a:solidFill>
+              </a:rPr>
+              <a:t>TCP</a:t>
+            </a:r>
+          </a:p>
+          <a:p>
+            <a:pPr algn="ctr"/>
+            <a:r>
+              <a:rPr lang="zh-CN" altLang="en-US" sz="1400" b="1" dirty="0">
+                <a:solidFill>
+                  <a:schemeClr val="tx1"/>
+                </a:solidFill>
+              </a:rPr>
+              <a:t>智能互联模块</a:t>
+            </a:r>
+          </a:p>
+        </p:txBody>
+      </p:sp>
+      <p:sp>
+        <p:nvSpPr>
+          <p:cNvPr id="11" name="矩形 10">
+            <a:extLst>
+              <a:ext uri="{FF2B5EF4-FFF2-40B4-BE49-F238E27FC236}">
+                <a16:creationId xmlns:a16="http://schemas.microsoft.com/office/drawing/2014/main" id="{8F0158A6-CB5D-C123-CC00-536E1BCA93AB}"/>
+              </a:ext>
+            </a:extLst>
+          </p:cNvPr>
+          <p:cNvSpPr/>
+          <p:nvPr/>
+        </p:nvSpPr>
+        <p:spPr>
+          <a:xfrm>
+            <a:off x="6933398" y="3035166"/>
+            <a:ext cx="1780673" cy="904775"/>
+          </a:xfrm>
+          <a:prstGeom prst="rect">
+            <a:avLst/>
+          </a:prstGeom>
+          <a:solidFill>
+            <a:schemeClr val="accent2">
+              <a:lumMod val="40000"/>
+              <a:lumOff val="60000"/>
+            </a:schemeClr>
+          </a:solidFill>
+        </p:spPr>
+        <p:style>
+          <a:lnRef idx="2">
+            <a:schemeClr val="accent1">
+              <a:shade val="15000"/>
+            </a:schemeClr>
+          </a:lnRef>
+          <a:fillRef idx="1">
+            <a:schemeClr val="accent1"/>
+          </a:fillRef>
+          <a:effectRef idx="0">
+            <a:schemeClr val="accent1"/>
+          </a:effectRef>
+          <a:fontRef idx="minor">
+            <a:schemeClr val="lt1"/>
+          </a:fontRef>
+        </p:style>
+        <p:txBody>
+          <a:bodyPr rtlCol="0" anchor="ctr"/>
+          <a:lstStyle/>
+          <a:p>
+            <a:pPr algn="ctr"/>
+            <a:r>
+              <a:rPr lang="en-US" altLang="zh-CN" sz="1400" b="1" dirty="0">
+                <a:solidFill>
+                  <a:schemeClr val="tx1"/>
+                </a:solidFill>
+              </a:rPr>
+              <a:t>IDM</a:t>
+            </a:r>
+          </a:p>
+          <a:p>
+            <a:pPr algn="ctr"/>
+            <a:r>
+              <a:rPr lang="zh-CN" altLang="en-US" sz="1400" b="1" dirty="0">
+                <a:solidFill>
+                  <a:schemeClr val="tx1"/>
+                </a:solidFill>
+              </a:rPr>
+              <a:t>智能驾驶模块</a:t>
+            </a:r>
+          </a:p>
+        </p:txBody>
+      </p:sp>
+      <p:sp>
+        <p:nvSpPr>
+          <p:cNvPr id="12" name="矩形 11">
+            <a:extLst>
+              <a:ext uri="{FF2B5EF4-FFF2-40B4-BE49-F238E27FC236}">
+                <a16:creationId xmlns:a16="http://schemas.microsoft.com/office/drawing/2014/main" id="{C80D3B63-4395-1368-D8F7-74B11555AC80}"/>
+              </a:ext>
+            </a:extLst>
+          </p:cNvPr>
+          <p:cNvSpPr/>
+          <p:nvPr/>
+        </p:nvSpPr>
+        <p:spPr>
+          <a:xfrm>
+            <a:off x="6933398" y="1678003"/>
+            <a:ext cx="1780673" cy="904775"/>
+          </a:xfrm>
+          <a:prstGeom prst="rect">
+            <a:avLst/>
+          </a:prstGeom>
+          <a:solidFill>
+            <a:schemeClr val="accent2">
+              <a:lumMod val="40000"/>
+              <a:lumOff val="60000"/>
+            </a:schemeClr>
+          </a:solidFill>
+        </p:spPr>
+        <p:style>
+          <a:lnRef idx="2">
+            <a:schemeClr val="accent1">
+              <a:shade val="15000"/>
+            </a:schemeClr>
+          </a:lnRef>
+          <a:fillRef idx="1">
+            <a:schemeClr val="accent1"/>
+          </a:fillRef>
+          <a:effectRef idx="0">
+            <a:schemeClr val="accent1"/>
+          </a:effectRef>
+          <a:fontRef idx="minor">
+            <a:schemeClr val="lt1"/>
+          </a:fontRef>
+        </p:style>
+        <p:txBody>
+          <a:bodyPr rtlCol="0" anchor="ctr"/>
+          <a:lstStyle/>
+          <a:p>
+            <a:pPr algn="ctr"/>
+            <a:r>
+              <a:rPr lang="en-US" altLang="zh-CN" sz="1400" b="1" dirty="0">
+                <a:solidFill>
+                  <a:schemeClr val="tx1"/>
+                </a:solidFill>
+              </a:rPr>
+              <a:t>ICM</a:t>
+            </a:r>
+          </a:p>
+          <a:p>
+            <a:pPr algn="ctr"/>
+            <a:r>
+              <a:rPr lang="zh-CN" altLang="en-US" sz="1400" b="1" dirty="0">
+                <a:solidFill>
+                  <a:schemeClr val="tx1"/>
+                </a:solidFill>
+              </a:rPr>
+              <a:t>智能座舱模块</a:t>
+            </a:r>
+          </a:p>
+        </p:txBody>
+      </p:sp>
+      <p:sp>
+        <p:nvSpPr>
+          <p:cNvPr id="8" name="矩形 7">
+            <a:extLst>
+              <a:ext uri="{FF2B5EF4-FFF2-40B4-BE49-F238E27FC236}">
+                <a16:creationId xmlns:a16="http://schemas.microsoft.com/office/drawing/2014/main" id="{1F8CAE2E-F26D-E770-8871-8162882615C6}"/>
+              </a:ext>
+            </a:extLst>
+          </p:cNvPr>
+          <p:cNvSpPr/>
+          <p:nvPr/>
+        </p:nvSpPr>
+        <p:spPr>
+          <a:xfrm>
+            <a:off x="2006817" y="3627154"/>
+            <a:ext cx="1780673" cy="904775"/>
+          </a:xfrm>
+          <a:prstGeom prst="rect">
+            <a:avLst/>
+          </a:prstGeom>
+          <a:solidFill>
+            <a:schemeClr val="accent2">
+              <a:lumMod val="40000"/>
+              <a:lumOff val="60000"/>
+            </a:schemeClr>
+          </a:solidFill>
+        </p:spPr>
+        <p:style>
+          <a:lnRef idx="2">
+            <a:schemeClr val="accent1">
+              <a:shade val="15000"/>
+            </a:schemeClr>
+          </a:lnRef>
+          <a:fillRef idx="1">
+            <a:schemeClr val="accent1"/>
+          </a:fillRef>
+          <a:effectRef idx="0">
+            <a:schemeClr val="accent1"/>
+          </a:effectRef>
+          <a:fontRef idx="minor">
+            <a:schemeClr val="lt1"/>
+          </a:fontRef>
+        </p:style>
+        <p:txBody>
+          <a:bodyPr rtlCol="0" anchor="ctr"/>
+          <a:lstStyle/>
+          <a:p>
+            <a:pPr algn="ctr"/>
+            <a:r>
+              <a:rPr lang="en-US" altLang="zh-CN" sz="1400" b="1" dirty="0">
+                <a:solidFill>
+                  <a:schemeClr val="tx1"/>
+                </a:solidFill>
+              </a:rPr>
+              <a:t>VCCM</a:t>
+            </a:r>
+          </a:p>
+          <a:p>
+            <a:pPr algn="ctr"/>
+            <a:r>
+              <a:rPr lang="zh-CN" altLang="en-US" sz="1400" b="1" dirty="0">
+                <a:solidFill>
+                  <a:schemeClr val="tx1"/>
+                </a:solidFill>
+              </a:rPr>
+              <a:t>整车中央控制模块</a:t>
+            </a:r>
+          </a:p>
+        </p:txBody>
+      </p:sp>
+      <p:sp>
+        <p:nvSpPr>
+          <p:cNvPr id="16" name="菱形 15">
+            <a:extLst>
+              <a:ext uri="{FF2B5EF4-FFF2-40B4-BE49-F238E27FC236}">
+                <a16:creationId xmlns:a16="http://schemas.microsoft.com/office/drawing/2014/main" id="{A10802A6-466C-EEBB-480B-8D76A6C3925E}"/>
+              </a:ext>
+            </a:extLst>
+          </p:cNvPr>
+          <p:cNvSpPr/>
+          <p:nvPr/>
+        </p:nvSpPr>
+        <p:spPr>
+          <a:xfrm>
+            <a:off x="2363786" y="3633408"/>
+            <a:ext cx="85826" cy="87228"/>
+          </a:xfrm>
+          <a:prstGeom prst="diamond">
+            <a:avLst/>
+          </a:prstGeom>
+        </p:spPr>
+        <p:style>
+          <a:lnRef idx="2">
+            <a:schemeClr val="accent1">
+              <a:shade val="15000"/>
+            </a:schemeClr>
+          </a:lnRef>
+          <a:fillRef idx="1">
+            <a:schemeClr val="accent1"/>
+          </a:fillRef>
+          <a:effectRef idx="0">
+            <a:schemeClr val="accent1"/>
+          </a:effectRef>
+          <a:fontRef idx="minor">
+            <a:schemeClr val="lt1"/>
+          </a:fontRef>
+        </p:style>
+        <p:txBody>
+          <a:bodyPr rtlCol="0" anchor="ctr"/>
+          <a:lstStyle/>
+          <a:p>
+            <a:pPr algn="ctr"/>
+            <a:endParaRPr lang="zh-CN" altLang="en-US">
+              <a:solidFill>
+                <a:schemeClr val="accent5">
+                  <a:lumMod val="60000"/>
+                  <a:lumOff val="40000"/>
+                </a:schemeClr>
+              </a:solidFill>
+            </a:endParaRPr>
+          </a:p>
+        </p:txBody>
+      </p:sp>
+      <p:sp>
+        <p:nvSpPr>
+          <p:cNvPr id="23" name="菱形 22">
+            <a:extLst>
+              <a:ext uri="{FF2B5EF4-FFF2-40B4-BE49-F238E27FC236}">
+                <a16:creationId xmlns:a16="http://schemas.microsoft.com/office/drawing/2014/main" id="{FC31EEE4-F5D1-6E60-84EF-8073CE4287A8}"/>
+              </a:ext>
+            </a:extLst>
+          </p:cNvPr>
+          <p:cNvSpPr/>
+          <p:nvPr/>
+        </p:nvSpPr>
+        <p:spPr>
+          <a:xfrm>
+            <a:off x="3701764" y="3833464"/>
+            <a:ext cx="85826" cy="87228"/>
+          </a:xfrm>
+          <a:prstGeom prst="diamond">
+            <a:avLst/>
+          </a:prstGeom>
+        </p:spPr>
+        <p:style>
+          <a:lnRef idx="2">
+            <a:schemeClr val="accent1">
+              <a:shade val="15000"/>
+            </a:schemeClr>
+          </a:lnRef>
+          <a:fillRef idx="1">
+            <a:schemeClr val="accent1"/>
+          </a:fillRef>
+          <a:effectRef idx="0">
+            <a:schemeClr val="accent1"/>
+          </a:effectRef>
+          <a:fontRef idx="minor">
+            <a:schemeClr val="lt1"/>
+          </a:fontRef>
+        </p:style>
+        <p:txBody>
+          <a:bodyPr rtlCol="0" anchor="ctr"/>
+          <a:lstStyle/>
+          <a:p>
+            <a:pPr algn="ctr"/>
+            <a:endParaRPr lang="zh-CN" altLang="en-US"/>
+          </a:p>
+        </p:txBody>
+      </p:sp>
+      <p:sp>
+        <p:nvSpPr>
+          <p:cNvPr id="24" name="菱形 23">
+            <a:extLst>
+              <a:ext uri="{FF2B5EF4-FFF2-40B4-BE49-F238E27FC236}">
+                <a16:creationId xmlns:a16="http://schemas.microsoft.com/office/drawing/2014/main" id="{B7D9CAF7-86B2-F72F-5A97-342061EA2D18}"/>
+              </a:ext>
+            </a:extLst>
+          </p:cNvPr>
+          <p:cNvSpPr/>
+          <p:nvPr/>
+        </p:nvSpPr>
+        <p:spPr>
+          <a:xfrm>
+            <a:off x="3701664" y="3969584"/>
+            <a:ext cx="85826" cy="87228"/>
+          </a:xfrm>
+          <a:prstGeom prst="diamond">
+            <a:avLst/>
+          </a:prstGeom>
+        </p:spPr>
+        <p:style>
+          <a:lnRef idx="2">
+            <a:schemeClr val="accent1">
+              <a:shade val="15000"/>
+            </a:schemeClr>
+          </a:lnRef>
+          <a:fillRef idx="1">
+            <a:schemeClr val="accent1"/>
+          </a:fillRef>
+          <a:effectRef idx="0">
+            <a:schemeClr val="accent1"/>
+          </a:effectRef>
+          <a:fontRef idx="minor">
+            <a:schemeClr val="lt1"/>
+          </a:fontRef>
+        </p:style>
+        <p:txBody>
+          <a:bodyPr rtlCol="0" anchor="ctr"/>
+          <a:lstStyle/>
+          <a:p>
+            <a:pPr algn="ctr"/>
+            <a:endParaRPr lang="zh-CN" altLang="en-US"/>
+          </a:p>
+        </p:txBody>
+      </p:sp>
+      <p:sp>
+        <p:nvSpPr>
+          <p:cNvPr id="25" name="菱形 24">
+            <a:extLst>
+              <a:ext uri="{FF2B5EF4-FFF2-40B4-BE49-F238E27FC236}">
+                <a16:creationId xmlns:a16="http://schemas.microsoft.com/office/drawing/2014/main" id="{8D714983-60E8-5BDB-61A1-39E353094C9C}"/>
+              </a:ext>
+            </a:extLst>
+          </p:cNvPr>
+          <p:cNvSpPr/>
+          <p:nvPr/>
+        </p:nvSpPr>
+        <p:spPr>
+          <a:xfrm>
+            <a:off x="3701764" y="4127001"/>
+            <a:ext cx="85826" cy="87228"/>
+          </a:xfrm>
+          <a:prstGeom prst="diamond">
+            <a:avLst/>
+          </a:prstGeom>
+        </p:spPr>
+        <p:style>
+          <a:lnRef idx="2">
+            <a:schemeClr val="accent1">
+              <a:shade val="15000"/>
+            </a:schemeClr>
+          </a:lnRef>
+          <a:fillRef idx="1">
+            <a:schemeClr val="accent1"/>
+          </a:fillRef>
+          <a:effectRef idx="0">
+            <a:schemeClr val="accent1"/>
+          </a:effectRef>
+          <a:fontRef idx="minor">
+            <a:schemeClr val="lt1"/>
+          </a:fontRef>
+        </p:style>
+        <p:txBody>
+          <a:bodyPr rtlCol="0" anchor="ctr"/>
+          <a:lstStyle/>
+          <a:p>
+            <a:pPr algn="ctr"/>
+            <a:endParaRPr lang="zh-CN" altLang="en-US"/>
+          </a:p>
+        </p:txBody>
+      </p:sp>
+      <p:sp>
+        <p:nvSpPr>
+          <p:cNvPr id="26" name="菱形 25">
+            <a:extLst>
+              <a:ext uri="{FF2B5EF4-FFF2-40B4-BE49-F238E27FC236}">
+                <a16:creationId xmlns:a16="http://schemas.microsoft.com/office/drawing/2014/main" id="{99B0A21A-8B77-2168-8BB2-E502795C6395}"/>
+              </a:ext>
+            </a:extLst>
+          </p:cNvPr>
+          <p:cNvSpPr/>
+          <p:nvPr/>
+        </p:nvSpPr>
+        <p:spPr>
+          <a:xfrm>
+            <a:off x="3701664" y="4287151"/>
+            <a:ext cx="85826" cy="87228"/>
+          </a:xfrm>
+          <a:prstGeom prst="diamond">
+            <a:avLst/>
+          </a:prstGeom>
+        </p:spPr>
+        <p:style>
+          <a:lnRef idx="2">
+            <a:schemeClr val="accent1">
+              <a:shade val="15000"/>
+            </a:schemeClr>
+          </a:lnRef>
+          <a:fillRef idx="1">
+            <a:schemeClr val="accent1"/>
+          </a:fillRef>
+          <a:effectRef idx="0">
+            <a:schemeClr val="accent1"/>
+          </a:effectRef>
+          <a:fontRef idx="minor">
+            <a:schemeClr val="lt1"/>
+          </a:fontRef>
+        </p:style>
+        <p:txBody>
+          <a:bodyPr rtlCol="0" anchor="ctr"/>
+          <a:lstStyle/>
+          <a:p>
+            <a:pPr algn="ctr"/>
+            <a:endParaRPr lang="zh-CN" altLang="en-US"/>
+          </a:p>
+        </p:txBody>
+      </p:sp>
+      <p:cxnSp>
+        <p:nvCxnSpPr>
+          <p:cNvPr id="44" name="连接符: 肘形 43">
+            <a:extLst>
+              <a:ext uri="{FF2B5EF4-FFF2-40B4-BE49-F238E27FC236}">
+                <a16:creationId xmlns:a16="http://schemas.microsoft.com/office/drawing/2014/main" id="{C50082FA-5ECA-462B-13B4-F2E960FF2B92}"/>
+              </a:ext>
+            </a:extLst>
+          </p:cNvPr>
+          <p:cNvCxnSpPr>
+            <a:stCxn id="23" idx="3"/>
+            <a:endCxn id="12" idx="1"/>
+          </p:cNvCxnSpPr>
+          <p:nvPr/>
+        </p:nvCxnSpPr>
+        <p:spPr>
+          <a:xfrm flipV="1">
+            <a:off x="3787590" y="2130391"/>
+            <a:ext cx="3145808" cy="1746687"/>
+          </a:xfrm>
+          <a:prstGeom prst="bentConnector3">
+            <a:avLst/>
+          </a:prstGeom>
+        </p:spPr>
+        <p:style>
+          <a:lnRef idx="3">
+            <a:schemeClr val="accent2"/>
+          </a:lnRef>
+          <a:fillRef idx="0">
+            <a:schemeClr val="accent2"/>
+          </a:fillRef>
+          <a:effectRef idx="2">
+            <a:schemeClr val="accent2"/>
+          </a:effectRef>
+          <a:fontRef idx="minor">
+            <a:schemeClr val="tx1"/>
+          </a:fontRef>
+        </p:style>
+      </p:cxnSp>
+      <p:cxnSp>
+        <p:nvCxnSpPr>
+          <p:cNvPr id="46" name="连接符: 肘形 45">
+            <a:extLst>
+              <a:ext uri="{FF2B5EF4-FFF2-40B4-BE49-F238E27FC236}">
+                <a16:creationId xmlns:a16="http://schemas.microsoft.com/office/drawing/2014/main" id="{3D2CF269-0DF4-370E-7316-1301E1618F8B}"/>
+              </a:ext>
+            </a:extLst>
+          </p:cNvPr>
+          <p:cNvCxnSpPr>
+            <a:stCxn id="24" idx="3"/>
+            <a:endCxn id="11" idx="1"/>
+          </p:cNvCxnSpPr>
+          <p:nvPr/>
+        </p:nvCxnSpPr>
+        <p:spPr>
+          <a:xfrm flipV="1">
+            <a:off x="3787490" y="3487554"/>
+            <a:ext cx="3145908" cy="525644"/>
+          </a:xfrm>
+          <a:prstGeom prst="bentConnector3">
+            <a:avLst>
+              <a:gd name="adj1" fmla="val 60597"/>
+            </a:avLst>
+          </a:prstGeom>
+        </p:spPr>
+        <p:style>
+          <a:lnRef idx="3">
+            <a:schemeClr val="accent2"/>
+          </a:lnRef>
+          <a:fillRef idx="0">
+            <a:schemeClr val="accent2"/>
+          </a:fillRef>
+          <a:effectRef idx="2">
+            <a:schemeClr val="accent2"/>
+          </a:effectRef>
+          <a:fontRef idx="minor">
+            <a:schemeClr val="tx1"/>
+          </a:fontRef>
+        </p:style>
+      </p:cxnSp>
+      <p:cxnSp>
+        <p:nvCxnSpPr>
+          <p:cNvPr id="49" name="连接符: 肘形 48">
+            <a:extLst>
+              <a:ext uri="{FF2B5EF4-FFF2-40B4-BE49-F238E27FC236}">
+                <a16:creationId xmlns:a16="http://schemas.microsoft.com/office/drawing/2014/main" id="{BC99EB6D-2931-10D6-E7B4-A8BCF3AB4624}"/>
+              </a:ext>
+            </a:extLst>
+          </p:cNvPr>
+          <p:cNvCxnSpPr>
+            <a:stCxn id="25" idx="3"/>
+            <a:endCxn id="10" idx="1"/>
+          </p:cNvCxnSpPr>
+          <p:nvPr/>
+        </p:nvCxnSpPr>
+        <p:spPr>
+          <a:xfrm>
+            <a:off x="3787590" y="4170615"/>
+            <a:ext cx="3145807" cy="808052"/>
+          </a:xfrm>
+          <a:prstGeom prst="bentConnector3">
+            <a:avLst>
+              <a:gd name="adj1" fmla="val 59689"/>
+            </a:avLst>
+          </a:prstGeom>
+        </p:spPr>
+        <p:style>
+          <a:lnRef idx="3">
+            <a:schemeClr val="accent2"/>
+          </a:lnRef>
+          <a:fillRef idx="0">
+            <a:schemeClr val="accent2"/>
+          </a:fillRef>
+          <a:effectRef idx="2">
+            <a:schemeClr val="accent2"/>
+          </a:effectRef>
+          <a:fontRef idx="minor">
+            <a:schemeClr val="tx1"/>
+          </a:fontRef>
+        </p:style>
+      </p:cxnSp>
+      <p:cxnSp>
+        <p:nvCxnSpPr>
+          <p:cNvPr id="51" name="连接符: 肘形 50">
+            <a:extLst>
+              <a:ext uri="{FF2B5EF4-FFF2-40B4-BE49-F238E27FC236}">
+                <a16:creationId xmlns:a16="http://schemas.microsoft.com/office/drawing/2014/main" id="{3A4AF6AB-73EE-C222-19B0-E6EF4550CF31}"/>
+              </a:ext>
+            </a:extLst>
+          </p:cNvPr>
+          <p:cNvCxnSpPr>
+            <a:stCxn id="26" idx="1"/>
+            <a:endCxn id="9" idx="1"/>
+          </p:cNvCxnSpPr>
+          <p:nvPr/>
+        </p:nvCxnSpPr>
+        <p:spPr>
+          <a:xfrm rot="10800000" flipH="1" flipV="1">
+            <a:off x="3701664" y="4330764"/>
+            <a:ext cx="3230128" cy="1930469"/>
+          </a:xfrm>
+          <a:prstGeom prst="bentConnector3">
+            <a:avLst>
+              <a:gd name="adj1" fmla="val 49835"/>
+            </a:avLst>
+          </a:prstGeom>
+        </p:spPr>
+        <p:style>
+          <a:lnRef idx="3">
+            <a:schemeClr val="accent2"/>
+          </a:lnRef>
+          <a:fillRef idx="0">
+            <a:schemeClr val="accent2"/>
+          </a:fillRef>
+          <a:effectRef idx="2">
+            <a:schemeClr val="accent2"/>
+          </a:effectRef>
+          <a:fontRef idx="minor">
+            <a:schemeClr val="tx1"/>
+          </a:fontRef>
+        </p:style>
+      </p:cxnSp>
+      <p:sp>
+        <p:nvSpPr>
+          <p:cNvPr id="54" name="矩形 53">
+            <a:extLst>
+              <a:ext uri="{FF2B5EF4-FFF2-40B4-BE49-F238E27FC236}">
+                <a16:creationId xmlns:a16="http://schemas.microsoft.com/office/drawing/2014/main" id="{91B10763-175F-51CE-9E0F-52E93D4A843A}"/>
+              </a:ext>
+            </a:extLst>
+          </p:cNvPr>
+          <p:cNvSpPr/>
+          <p:nvPr/>
+        </p:nvSpPr>
+        <p:spPr>
+          <a:xfrm>
+            <a:off x="8626639" y="3487553"/>
+            <a:ext cx="85826" cy="87228"/>
+          </a:xfrm>
+          <a:prstGeom prst="rect">
+            <a:avLst/>
+          </a:prstGeom>
+        </p:spPr>
+        <p:style>
+          <a:lnRef idx="2">
+            <a:schemeClr val="accent1">
+              <a:shade val="15000"/>
+            </a:schemeClr>
+          </a:lnRef>
+          <a:fillRef idx="1">
+            <a:schemeClr val="accent1"/>
+          </a:fillRef>
+          <a:effectRef idx="0">
+            <a:schemeClr val="accent1"/>
+          </a:effectRef>
+          <a:fontRef idx="minor">
+            <a:schemeClr val="lt1"/>
+          </a:fontRef>
+        </p:style>
+        <p:txBody>
+          <a:bodyPr rtlCol="0" anchor="ctr"/>
+          <a:lstStyle/>
+          <a:p>
+            <a:pPr algn="ctr"/>
+            <a:endParaRPr lang="zh-CN" altLang="en-US"/>
+          </a:p>
+        </p:txBody>
+      </p:sp>
+      <p:cxnSp>
+        <p:nvCxnSpPr>
+          <p:cNvPr id="56" name="直接连接符 55">
+            <a:extLst>
+              <a:ext uri="{FF2B5EF4-FFF2-40B4-BE49-F238E27FC236}">
+                <a16:creationId xmlns:a16="http://schemas.microsoft.com/office/drawing/2014/main" id="{A1471E62-1383-EA1B-671F-6D71C246AEB3}"/>
+              </a:ext>
+            </a:extLst>
+          </p:cNvPr>
+          <p:cNvCxnSpPr>
+            <a:stCxn id="54" idx="3"/>
+          </p:cNvCxnSpPr>
+          <p:nvPr/>
+        </p:nvCxnSpPr>
+        <p:spPr>
+          <a:xfrm>
+            <a:off x="8712465" y="3531167"/>
+            <a:ext cx="1050660" cy="0"/>
+          </a:xfrm>
+          <a:prstGeom prst="line">
+            <a:avLst/>
+          </a:prstGeom>
+        </p:spPr>
+        <p:style>
+          <a:lnRef idx="3">
+            <a:schemeClr val="accent6"/>
+          </a:lnRef>
+          <a:fillRef idx="0">
+            <a:schemeClr val="accent6"/>
+          </a:fillRef>
+          <a:effectRef idx="2">
+            <a:schemeClr val="accent6"/>
+          </a:effectRef>
+          <a:fontRef idx="minor">
+            <a:schemeClr val="tx1"/>
+          </a:fontRef>
+        </p:style>
+      </p:cxnSp>
+      <p:grpSp>
+        <p:nvGrpSpPr>
+          <p:cNvPr id="58" name="组合 57">
+            <a:extLst>
+              <a:ext uri="{FF2B5EF4-FFF2-40B4-BE49-F238E27FC236}">
+                <a16:creationId xmlns:a16="http://schemas.microsoft.com/office/drawing/2014/main" id="{C0DCA719-E897-1BDF-CD03-1F41B8E7174B}"/>
+              </a:ext>
+            </a:extLst>
+          </p:cNvPr>
+          <p:cNvGrpSpPr/>
+          <p:nvPr/>
+        </p:nvGrpSpPr>
+        <p:grpSpPr>
+          <a:xfrm>
+            <a:off x="1703672" y="866273"/>
+            <a:ext cx="1926915" cy="1203159"/>
+            <a:chOff x="1703672" y="866273"/>
+            <a:chExt cx="1926915" cy="1203159"/>
+          </a:xfrm>
+        </p:grpSpPr>
+        <p:sp>
+          <p:nvSpPr>
+            <p:cNvPr id="6" name="矩形: 圆角 5">
+              <a:extLst>
+                <a:ext uri="{FF2B5EF4-FFF2-40B4-BE49-F238E27FC236}">
+                  <a16:creationId xmlns:a16="http://schemas.microsoft.com/office/drawing/2014/main" id="{A486E198-A66D-F7FC-6B0F-FDFDD6823C48}"/>
+                </a:ext>
+              </a:extLst>
+            </p:cNvPr>
+            <p:cNvSpPr/>
+            <p:nvPr/>
+          </p:nvSpPr>
+          <p:spPr>
+            <a:xfrm>
+              <a:off x="1703672" y="866273"/>
+              <a:ext cx="1780673" cy="1203159"/>
+            </a:xfrm>
+            <a:prstGeom prst="roundRect">
+              <a:avLst/>
+            </a:prstGeom>
+            <a:solidFill>
+              <a:schemeClr val="accent1">
+                <a:lumMod val="20000"/>
+                <a:lumOff val="80000"/>
+              </a:schemeClr>
+            </a:solidFill>
+          </p:spPr>
+          <p:style>
+            <a:lnRef idx="2">
+              <a:schemeClr val="accent1">
+                <a:shade val="15000"/>
+              </a:schemeClr>
+            </a:lnRef>
+            <a:fillRef idx="1">
+              <a:schemeClr val="accent1"/>
+            </a:fillRef>
+            <a:effectRef idx="0">
+              <a:schemeClr val="accent1"/>
+            </a:effectRef>
+            <a:fontRef idx="minor">
+              <a:schemeClr val="lt1"/>
+            </a:fontRef>
+          </p:style>
+          <p:txBody>
+            <a:bodyPr rtlCol="0" anchor="ctr"/>
+            <a:lstStyle/>
+            <a:p>
+              <a:pPr algn="ctr"/>
+              <a:endParaRPr lang="zh-CN" altLang="en-US"/>
+            </a:p>
+          </p:txBody>
+        </p:sp>
+        <p:sp>
+          <p:nvSpPr>
+            <p:cNvPr id="7" name="对话气泡: 椭圆形 6">
+              <a:extLst>
+                <a:ext uri="{FF2B5EF4-FFF2-40B4-BE49-F238E27FC236}">
+                  <a16:creationId xmlns:a16="http://schemas.microsoft.com/office/drawing/2014/main" id="{1A99830F-BEDD-B103-A6F8-CE1AEB39B81B}"/>
+                </a:ext>
+              </a:extLst>
+            </p:cNvPr>
+            <p:cNvSpPr/>
+            <p:nvPr/>
+          </p:nvSpPr>
+          <p:spPr>
+            <a:xfrm>
+              <a:off x="2002056" y="1039528"/>
+              <a:ext cx="895148" cy="510140"/>
+            </a:xfrm>
+            <a:prstGeom prst="wedgeEllipseCallout">
+              <a:avLst>
+                <a:gd name="adj1" fmla="val -35247"/>
+                <a:gd name="adj2" fmla="val 77394"/>
+              </a:avLst>
+            </a:prstGeom>
+            <a:solidFill>
+              <a:schemeClr val="accent2">
+                <a:lumMod val="60000"/>
+                <a:lumOff val="40000"/>
+              </a:schemeClr>
+            </a:solidFill>
+          </p:spPr>
+          <p:style>
+            <a:lnRef idx="2">
+              <a:schemeClr val="accent1">
+                <a:shade val="15000"/>
+              </a:schemeClr>
+            </a:lnRef>
+            <a:fillRef idx="1">
+              <a:schemeClr val="accent1"/>
+            </a:fillRef>
+            <a:effectRef idx="0">
+              <a:schemeClr val="accent1"/>
+            </a:effectRef>
+            <a:fontRef idx="minor">
+              <a:schemeClr val="lt1"/>
+            </a:fontRef>
+          </p:style>
+          <p:txBody>
+            <a:bodyPr rtlCol="0" anchor="ctr"/>
+            <a:lstStyle/>
+            <a:p>
+              <a:pPr algn="ctr"/>
+              <a:r>
+                <a:rPr lang="zh-CN" altLang="en-US" sz="1000" b="1" dirty="0">
+                  <a:solidFill>
+                    <a:schemeClr val="tx1"/>
+                  </a:solidFill>
+                </a:rPr>
+                <a:t>蜂鸣器</a:t>
+              </a:r>
+            </a:p>
+          </p:txBody>
+        </p:sp>
+        <p:sp>
+          <p:nvSpPr>
+            <p:cNvPr id="57" name="文本框 56">
+              <a:extLst>
+                <a:ext uri="{FF2B5EF4-FFF2-40B4-BE49-F238E27FC236}">
+                  <a16:creationId xmlns:a16="http://schemas.microsoft.com/office/drawing/2014/main" id="{96C18BD6-7471-7D56-D2BD-47540D861C5C}"/>
+                </a:ext>
+              </a:extLst>
+            </p:cNvPr>
+            <p:cNvSpPr txBox="1"/>
+            <p:nvPr/>
+          </p:nvSpPr>
+          <p:spPr>
+            <a:xfrm>
+              <a:off x="2163719" y="1752598"/>
+              <a:ext cx="1466868" cy="276999"/>
+            </a:xfrm>
+            <a:prstGeom prst="rect">
+              <a:avLst/>
+            </a:prstGeom>
+            <a:noFill/>
+          </p:spPr>
+          <p:txBody>
+            <a:bodyPr wrap="square" rtlCol="0">
+              <a:spAutoFit/>
+            </a:bodyPr>
+            <a:lstStyle/>
+            <a:p>
+              <a:r>
+                <a:rPr lang="zh-CN" altLang="en-US" sz="1200" b="1" dirty="0"/>
+                <a:t>数据采集仪</a:t>
+              </a:r>
+            </a:p>
+          </p:txBody>
+        </p:sp>
+      </p:grpSp>
+      <p:grpSp>
+        <p:nvGrpSpPr>
+          <p:cNvPr id="69" name="组合 68">
+            <a:extLst>
+              <a:ext uri="{FF2B5EF4-FFF2-40B4-BE49-F238E27FC236}">
+                <a16:creationId xmlns:a16="http://schemas.microsoft.com/office/drawing/2014/main" id="{5FCA2823-9667-7639-23DE-F09EE5DF71A0}"/>
+              </a:ext>
+            </a:extLst>
+          </p:cNvPr>
+          <p:cNvGrpSpPr/>
+          <p:nvPr/>
+        </p:nvGrpSpPr>
+        <p:grpSpPr>
+          <a:xfrm>
+            <a:off x="2232366" y="4444701"/>
+            <a:ext cx="415791" cy="999931"/>
+            <a:chOff x="2232366" y="4444701"/>
+            <a:chExt cx="415791" cy="999931"/>
+          </a:xfrm>
+        </p:grpSpPr>
+        <p:sp>
+          <p:nvSpPr>
+            <p:cNvPr id="22" name="矩形 21">
+              <a:extLst>
+                <a:ext uri="{FF2B5EF4-FFF2-40B4-BE49-F238E27FC236}">
+                  <a16:creationId xmlns:a16="http://schemas.microsoft.com/office/drawing/2014/main" id="{63400563-AF62-13E1-8C1A-6790D976E2A7}"/>
+                </a:ext>
+              </a:extLst>
+            </p:cNvPr>
+            <p:cNvSpPr/>
+            <p:nvPr/>
+          </p:nvSpPr>
+          <p:spPr>
+            <a:xfrm>
+              <a:off x="2390757" y="4444701"/>
+              <a:ext cx="85826" cy="87228"/>
+            </a:xfrm>
+            <a:prstGeom prst="rect">
+              <a:avLst/>
+            </a:prstGeom>
+          </p:spPr>
+          <p:style>
+            <a:lnRef idx="2">
+              <a:schemeClr val="accent1">
+                <a:shade val="15000"/>
+              </a:schemeClr>
+            </a:lnRef>
+            <a:fillRef idx="1">
+              <a:schemeClr val="accent1"/>
+            </a:fillRef>
+            <a:effectRef idx="0">
+              <a:schemeClr val="accent1"/>
+            </a:effectRef>
+            <a:fontRef idx="minor">
+              <a:schemeClr val="lt1"/>
+            </a:fontRef>
+          </p:style>
+          <p:txBody>
+            <a:bodyPr rtlCol="0" anchor="ctr"/>
+            <a:lstStyle/>
+            <a:p>
+              <a:pPr algn="ctr"/>
+              <a:endParaRPr lang="zh-CN" altLang="en-US"/>
+            </a:p>
+          </p:txBody>
+        </p:sp>
+        <p:cxnSp>
+          <p:nvCxnSpPr>
+            <p:cNvPr id="59" name="直接连接符 58">
+              <a:extLst>
+                <a:ext uri="{FF2B5EF4-FFF2-40B4-BE49-F238E27FC236}">
+                  <a16:creationId xmlns:a16="http://schemas.microsoft.com/office/drawing/2014/main" id="{BD799843-35AE-6BAB-AB98-F2A869CC5F13}"/>
+                </a:ext>
+              </a:extLst>
+            </p:cNvPr>
+            <p:cNvCxnSpPr>
+              <a:cxnSpLocks/>
+            </p:cNvCxnSpPr>
+            <p:nvPr/>
+          </p:nvCxnSpPr>
+          <p:spPr>
+            <a:xfrm flipV="1">
+              <a:off x="2425917" y="4521620"/>
+              <a:ext cx="9467" cy="728062"/>
+            </a:xfrm>
+            <a:prstGeom prst="line">
+              <a:avLst/>
+            </a:prstGeom>
+          </p:spPr>
+          <p:style>
+            <a:lnRef idx="3">
+              <a:schemeClr val="accent6"/>
+            </a:lnRef>
+            <a:fillRef idx="0">
+              <a:schemeClr val="accent6"/>
+            </a:fillRef>
+            <a:effectRef idx="2">
+              <a:schemeClr val="accent6"/>
+            </a:effectRef>
+            <a:fontRef idx="minor">
+              <a:schemeClr val="tx1"/>
+            </a:fontRef>
+          </p:style>
+        </p:cxnSp>
+        <p:sp>
+          <p:nvSpPr>
+            <p:cNvPr id="66" name="文本框 65">
+              <a:extLst>
+                <a:ext uri="{FF2B5EF4-FFF2-40B4-BE49-F238E27FC236}">
+                  <a16:creationId xmlns:a16="http://schemas.microsoft.com/office/drawing/2014/main" id="{728DE4B4-FF46-46C2-C019-963C1F60303A}"/>
+                </a:ext>
+              </a:extLst>
+            </p:cNvPr>
+            <p:cNvSpPr txBox="1"/>
+            <p:nvPr/>
+          </p:nvSpPr>
+          <p:spPr>
+            <a:xfrm>
+              <a:off x="2232366" y="5229188"/>
+              <a:ext cx="415791" cy="215444"/>
+            </a:xfrm>
+            <a:prstGeom prst="rect">
+              <a:avLst/>
+            </a:prstGeom>
+            <a:noFill/>
+          </p:spPr>
+          <p:txBody>
+            <a:bodyPr wrap="square" rtlCol="0">
+              <a:spAutoFit/>
+            </a:bodyPr>
+            <a:lstStyle/>
+            <a:p>
+              <a:r>
+                <a:rPr lang="en-US" altLang="zh-CN" sz="800" dirty="0"/>
+                <a:t>CAN</a:t>
+              </a:r>
+              <a:endParaRPr lang="zh-CN" altLang="en-US" sz="800" dirty="0"/>
+            </a:p>
+          </p:txBody>
+        </p:sp>
+      </p:grpSp>
+      <p:grpSp>
+        <p:nvGrpSpPr>
+          <p:cNvPr id="70" name="组合 69">
+            <a:extLst>
+              <a:ext uri="{FF2B5EF4-FFF2-40B4-BE49-F238E27FC236}">
+                <a16:creationId xmlns:a16="http://schemas.microsoft.com/office/drawing/2014/main" id="{951E054A-23AD-DB8A-C33A-6628BB5B27E9}"/>
+              </a:ext>
+            </a:extLst>
+          </p:cNvPr>
+          <p:cNvGrpSpPr/>
+          <p:nvPr/>
+        </p:nvGrpSpPr>
+        <p:grpSpPr>
+          <a:xfrm>
+            <a:off x="2465678" y="4444701"/>
+            <a:ext cx="441187" cy="999931"/>
+            <a:chOff x="2232366" y="4444701"/>
+            <a:chExt cx="441187" cy="999931"/>
+          </a:xfrm>
+        </p:grpSpPr>
+        <p:sp>
+          <p:nvSpPr>
+            <p:cNvPr id="71" name="矩形 70">
+              <a:extLst>
+                <a:ext uri="{FF2B5EF4-FFF2-40B4-BE49-F238E27FC236}">
+                  <a16:creationId xmlns:a16="http://schemas.microsoft.com/office/drawing/2014/main" id="{F330F180-B7D2-DD73-261B-F001A7A85A32}"/>
+                </a:ext>
+              </a:extLst>
+            </p:cNvPr>
+            <p:cNvSpPr/>
+            <p:nvPr/>
+          </p:nvSpPr>
+          <p:spPr>
+            <a:xfrm>
+              <a:off x="2390757" y="4444701"/>
+              <a:ext cx="85826" cy="87228"/>
+            </a:xfrm>
+            <a:prstGeom prst="rect">
+              <a:avLst/>
+            </a:prstGeom>
+          </p:spPr>
+          <p:style>
+            <a:lnRef idx="2">
+              <a:schemeClr val="accent1">
+                <a:shade val="15000"/>
+              </a:schemeClr>
+            </a:lnRef>
+            <a:fillRef idx="1">
+              <a:schemeClr val="accent1"/>
+            </a:fillRef>
+            <a:effectRef idx="0">
+              <a:schemeClr val="accent1"/>
+            </a:effectRef>
+            <a:fontRef idx="minor">
+              <a:schemeClr val="lt1"/>
+            </a:fontRef>
+          </p:style>
+          <p:txBody>
+            <a:bodyPr rtlCol="0" anchor="ctr"/>
+            <a:lstStyle/>
+            <a:p>
+              <a:pPr algn="ctr"/>
+              <a:endParaRPr lang="zh-CN" altLang="en-US"/>
+            </a:p>
+          </p:txBody>
+        </p:sp>
+        <p:cxnSp>
+          <p:nvCxnSpPr>
+            <p:cNvPr id="72" name="直接连接符 71">
+              <a:extLst>
+                <a:ext uri="{FF2B5EF4-FFF2-40B4-BE49-F238E27FC236}">
+                  <a16:creationId xmlns:a16="http://schemas.microsoft.com/office/drawing/2014/main" id="{A5852CCD-A97E-C0C9-1987-8B90A4C320B8}"/>
+                </a:ext>
+              </a:extLst>
+            </p:cNvPr>
+            <p:cNvCxnSpPr>
+              <a:cxnSpLocks/>
+            </p:cNvCxnSpPr>
+            <p:nvPr/>
+          </p:nvCxnSpPr>
+          <p:spPr>
+            <a:xfrm flipV="1">
+              <a:off x="2425917" y="4521620"/>
+              <a:ext cx="9467" cy="728062"/>
+            </a:xfrm>
+            <a:prstGeom prst="line">
+              <a:avLst/>
+            </a:prstGeom>
+          </p:spPr>
+          <p:style>
+            <a:lnRef idx="3">
+              <a:schemeClr val="accent6"/>
+            </a:lnRef>
+            <a:fillRef idx="0">
+              <a:schemeClr val="accent6"/>
+            </a:fillRef>
+            <a:effectRef idx="2">
+              <a:schemeClr val="accent6"/>
+            </a:effectRef>
+            <a:fontRef idx="minor">
+              <a:schemeClr val="tx1"/>
+            </a:fontRef>
+          </p:style>
+        </p:cxnSp>
+        <p:sp>
+          <p:nvSpPr>
+            <p:cNvPr id="73" name="文本框 72">
+              <a:extLst>
+                <a:ext uri="{FF2B5EF4-FFF2-40B4-BE49-F238E27FC236}">
+                  <a16:creationId xmlns:a16="http://schemas.microsoft.com/office/drawing/2014/main" id="{002D8CCC-5748-279F-2356-B14B22017C26}"/>
+                </a:ext>
+              </a:extLst>
+            </p:cNvPr>
+            <p:cNvSpPr txBox="1"/>
+            <p:nvPr/>
+          </p:nvSpPr>
+          <p:spPr>
+            <a:xfrm>
+              <a:off x="2232366" y="5229188"/>
+              <a:ext cx="441187" cy="215444"/>
+            </a:xfrm>
+            <a:prstGeom prst="rect">
+              <a:avLst/>
+            </a:prstGeom>
+            <a:noFill/>
+          </p:spPr>
+          <p:txBody>
+            <a:bodyPr wrap="square" rtlCol="0">
+              <a:spAutoFit/>
+            </a:bodyPr>
+            <a:lstStyle/>
+            <a:p>
+              <a:r>
+                <a:rPr lang="en-US" altLang="zh-CN" sz="800" dirty="0"/>
+                <a:t>CAN</a:t>
+              </a:r>
+              <a:endParaRPr lang="zh-CN" altLang="en-US" sz="800" dirty="0"/>
+            </a:p>
+          </p:txBody>
+        </p:sp>
+      </p:grpSp>
+      <p:grpSp>
+        <p:nvGrpSpPr>
+          <p:cNvPr id="74" name="组合 73">
+            <a:extLst>
+              <a:ext uri="{FF2B5EF4-FFF2-40B4-BE49-F238E27FC236}">
+                <a16:creationId xmlns:a16="http://schemas.microsoft.com/office/drawing/2014/main" id="{BF02FCF5-5AA8-D110-62D2-0978AA674EBE}"/>
+              </a:ext>
+            </a:extLst>
+          </p:cNvPr>
+          <p:cNvGrpSpPr/>
+          <p:nvPr/>
+        </p:nvGrpSpPr>
+        <p:grpSpPr>
+          <a:xfrm>
+            <a:off x="2703847" y="4444701"/>
+            <a:ext cx="475669" cy="999931"/>
+            <a:chOff x="2232366" y="4444701"/>
+            <a:chExt cx="475669" cy="999931"/>
+          </a:xfrm>
+        </p:grpSpPr>
+        <p:sp>
+          <p:nvSpPr>
+            <p:cNvPr id="75" name="矩形 74">
+              <a:extLst>
+                <a:ext uri="{FF2B5EF4-FFF2-40B4-BE49-F238E27FC236}">
+                  <a16:creationId xmlns:a16="http://schemas.microsoft.com/office/drawing/2014/main" id="{BA6E29ED-1F45-4EAC-1D0E-2D979B83557E}"/>
+                </a:ext>
+              </a:extLst>
+            </p:cNvPr>
+            <p:cNvSpPr/>
+            <p:nvPr/>
+          </p:nvSpPr>
+          <p:spPr>
+            <a:xfrm>
+              <a:off x="2390757" y="4444701"/>
+              <a:ext cx="85826" cy="87228"/>
+            </a:xfrm>
+            <a:prstGeom prst="rect">
+              <a:avLst/>
+            </a:prstGeom>
+          </p:spPr>
+          <p:style>
+            <a:lnRef idx="2">
+              <a:schemeClr val="accent1">
+                <a:shade val="15000"/>
+              </a:schemeClr>
+            </a:lnRef>
+            <a:fillRef idx="1">
+              <a:schemeClr val="accent1"/>
+            </a:fillRef>
+            <a:effectRef idx="0">
+              <a:schemeClr val="accent1"/>
+            </a:effectRef>
+            <a:fontRef idx="minor">
+              <a:schemeClr val="lt1"/>
+            </a:fontRef>
+          </p:style>
+          <p:txBody>
+            <a:bodyPr rtlCol="0" anchor="ctr"/>
+            <a:lstStyle/>
+            <a:p>
+              <a:pPr algn="ctr"/>
+              <a:endParaRPr lang="zh-CN" altLang="en-US"/>
+            </a:p>
+          </p:txBody>
+        </p:sp>
+        <p:cxnSp>
+          <p:nvCxnSpPr>
+            <p:cNvPr id="76" name="直接连接符 75">
+              <a:extLst>
+                <a:ext uri="{FF2B5EF4-FFF2-40B4-BE49-F238E27FC236}">
+                  <a16:creationId xmlns:a16="http://schemas.microsoft.com/office/drawing/2014/main" id="{1916F82C-A38C-80ED-A074-9E6584D8A32A}"/>
+                </a:ext>
+              </a:extLst>
+            </p:cNvPr>
+            <p:cNvCxnSpPr>
+              <a:cxnSpLocks/>
+            </p:cNvCxnSpPr>
+            <p:nvPr/>
+          </p:nvCxnSpPr>
+          <p:spPr>
+            <a:xfrm flipV="1">
+              <a:off x="2425917" y="4521620"/>
+              <a:ext cx="9467" cy="728062"/>
+            </a:xfrm>
+            <a:prstGeom prst="line">
+              <a:avLst/>
+            </a:prstGeom>
+          </p:spPr>
+          <p:style>
+            <a:lnRef idx="3">
+              <a:schemeClr val="accent6"/>
+            </a:lnRef>
+            <a:fillRef idx="0">
+              <a:schemeClr val="accent6"/>
+            </a:fillRef>
+            <a:effectRef idx="2">
+              <a:schemeClr val="accent6"/>
+            </a:effectRef>
+            <a:fontRef idx="minor">
+              <a:schemeClr val="tx1"/>
+            </a:fontRef>
+          </p:style>
+        </p:cxnSp>
+        <p:sp>
+          <p:nvSpPr>
+            <p:cNvPr id="77" name="文本框 76">
+              <a:extLst>
+                <a:ext uri="{FF2B5EF4-FFF2-40B4-BE49-F238E27FC236}">
+                  <a16:creationId xmlns:a16="http://schemas.microsoft.com/office/drawing/2014/main" id="{B14ADBBB-5A91-5197-36A0-EDDA5DC362DD}"/>
+                </a:ext>
+              </a:extLst>
+            </p:cNvPr>
+            <p:cNvSpPr txBox="1"/>
+            <p:nvPr/>
+          </p:nvSpPr>
+          <p:spPr>
+            <a:xfrm>
+              <a:off x="2232366" y="5229188"/>
+              <a:ext cx="475669" cy="215444"/>
+            </a:xfrm>
+            <a:prstGeom prst="rect">
+              <a:avLst/>
+            </a:prstGeom>
+            <a:noFill/>
+          </p:spPr>
+          <p:txBody>
+            <a:bodyPr wrap="square" rtlCol="0">
+              <a:spAutoFit/>
+            </a:bodyPr>
+            <a:lstStyle/>
+            <a:p>
+              <a:r>
+                <a:rPr lang="en-US" altLang="zh-CN" sz="800" dirty="0"/>
+                <a:t>CAN</a:t>
+              </a:r>
+              <a:endParaRPr lang="zh-CN" altLang="en-US" sz="800" dirty="0"/>
+            </a:p>
+          </p:txBody>
+        </p:sp>
+      </p:grpSp>
+      <p:sp>
+        <p:nvSpPr>
+          <p:cNvPr id="78" name="文本框 77">
+            <a:extLst>
+              <a:ext uri="{FF2B5EF4-FFF2-40B4-BE49-F238E27FC236}">
+                <a16:creationId xmlns:a16="http://schemas.microsoft.com/office/drawing/2014/main" id="{22B679FE-F8FE-3FD2-8B1A-D09637817222}"/>
+              </a:ext>
+            </a:extLst>
+          </p:cNvPr>
+          <p:cNvSpPr txBox="1"/>
+          <p:nvPr/>
+        </p:nvSpPr>
+        <p:spPr>
+          <a:xfrm>
+            <a:off x="9763125" y="3437109"/>
+            <a:ext cx="475669" cy="215444"/>
+          </a:xfrm>
+          <a:prstGeom prst="rect">
+            <a:avLst/>
+          </a:prstGeom>
+          <a:noFill/>
+        </p:spPr>
+        <p:txBody>
+          <a:bodyPr wrap="square" rtlCol="0">
+            <a:spAutoFit/>
+          </a:bodyPr>
+          <a:lstStyle/>
+          <a:p>
+            <a:r>
+              <a:rPr lang="en-US" altLang="zh-CN" sz="800" dirty="0"/>
+              <a:t>CAN</a:t>
+            </a:r>
+            <a:endParaRPr lang="zh-CN" altLang="en-US" sz="800" dirty="0"/>
+          </a:p>
+        </p:txBody>
+      </p:sp>
+      <p:sp>
+        <p:nvSpPr>
+          <p:cNvPr id="79" name="文本框 78">
+            <a:extLst>
+              <a:ext uri="{FF2B5EF4-FFF2-40B4-BE49-F238E27FC236}">
+                <a16:creationId xmlns:a16="http://schemas.microsoft.com/office/drawing/2014/main" id="{D83DD9FC-DDBE-B38F-1D01-07CE84B0EC48}"/>
+              </a:ext>
+            </a:extLst>
+          </p:cNvPr>
+          <p:cNvSpPr txBox="1"/>
+          <p:nvPr/>
+        </p:nvSpPr>
+        <p:spPr>
+          <a:xfrm>
+            <a:off x="5718910" y="2097265"/>
+            <a:ext cx="475669" cy="215444"/>
+          </a:xfrm>
+          <a:prstGeom prst="rect">
+            <a:avLst/>
+          </a:prstGeom>
+          <a:noFill/>
+        </p:spPr>
+        <p:txBody>
+          <a:bodyPr wrap="square" rtlCol="0">
+            <a:spAutoFit/>
+          </a:bodyPr>
+          <a:lstStyle/>
+          <a:p>
+            <a:r>
+              <a:rPr lang="en-US" altLang="zh-CN" sz="800" dirty="0"/>
+              <a:t>ETH</a:t>
+            </a:r>
+            <a:endParaRPr lang="zh-CN" altLang="en-US" sz="800" dirty="0"/>
+          </a:p>
+        </p:txBody>
+      </p:sp>
+      <p:sp>
+        <p:nvSpPr>
+          <p:cNvPr id="80" name="文本框 79">
+            <a:extLst>
+              <a:ext uri="{FF2B5EF4-FFF2-40B4-BE49-F238E27FC236}">
+                <a16:creationId xmlns:a16="http://schemas.microsoft.com/office/drawing/2014/main" id="{158C0312-17C9-78C3-6CDF-CE1E3E819679}"/>
+              </a:ext>
+            </a:extLst>
+          </p:cNvPr>
+          <p:cNvSpPr txBox="1"/>
+          <p:nvPr/>
+        </p:nvSpPr>
+        <p:spPr>
+          <a:xfrm>
+            <a:off x="5620331" y="6261233"/>
+            <a:ext cx="475669" cy="215444"/>
+          </a:xfrm>
+          <a:prstGeom prst="rect">
+            <a:avLst/>
+          </a:prstGeom>
+          <a:noFill/>
+        </p:spPr>
+        <p:txBody>
+          <a:bodyPr wrap="square" rtlCol="0">
+            <a:spAutoFit/>
+          </a:bodyPr>
+          <a:lstStyle/>
+          <a:p>
+            <a:r>
+              <a:rPr lang="en-US" altLang="zh-CN" sz="800" dirty="0"/>
+              <a:t>ETH</a:t>
+            </a:r>
+            <a:endParaRPr lang="zh-CN" altLang="en-US" sz="800" dirty="0"/>
+          </a:p>
+        </p:txBody>
+      </p:sp>
+      <p:sp>
+        <p:nvSpPr>
+          <p:cNvPr id="81" name="文本框 80">
+            <a:extLst>
+              <a:ext uri="{FF2B5EF4-FFF2-40B4-BE49-F238E27FC236}">
+                <a16:creationId xmlns:a16="http://schemas.microsoft.com/office/drawing/2014/main" id="{DE9A19FD-9BF8-EF74-F7D0-20750F54544A}"/>
+              </a:ext>
+            </a:extLst>
+          </p:cNvPr>
+          <p:cNvSpPr txBox="1"/>
+          <p:nvPr/>
+        </p:nvSpPr>
+        <p:spPr>
+          <a:xfrm>
+            <a:off x="5892115" y="4968454"/>
+            <a:ext cx="475669" cy="215444"/>
+          </a:xfrm>
+          <a:prstGeom prst="rect">
+            <a:avLst/>
+          </a:prstGeom>
+          <a:noFill/>
+        </p:spPr>
+        <p:txBody>
+          <a:bodyPr wrap="square" rtlCol="0">
+            <a:spAutoFit/>
+          </a:bodyPr>
+          <a:lstStyle/>
+          <a:p>
+            <a:r>
+              <a:rPr lang="en-US" altLang="zh-CN" sz="800" dirty="0"/>
+              <a:t>ETH</a:t>
+            </a:r>
+            <a:endParaRPr lang="zh-CN" altLang="en-US" sz="800" dirty="0"/>
+          </a:p>
+        </p:txBody>
+      </p:sp>
+      <p:sp>
+        <p:nvSpPr>
+          <p:cNvPr id="82" name="文本框 81">
+            <a:extLst>
+              <a:ext uri="{FF2B5EF4-FFF2-40B4-BE49-F238E27FC236}">
+                <a16:creationId xmlns:a16="http://schemas.microsoft.com/office/drawing/2014/main" id="{8B4AB7F6-EFDE-2A7C-6749-14226D91821F}"/>
+              </a:ext>
+            </a:extLst>
+          </p:cNvPr>
+          <p:cNvSpPr txBox="1"/>
+          <p:nvPr/>
+        </p:nvSpPr>
+        <p:spPr>
+          <a:xfrm>
+            <a:off x="5965136" y="3487553"/>
+            <a:ext cx="475669" cy="215444"/>
+          </a:xfrm>
+          <a:prstGeom prst="rect">
+            <a:avLst/>
+          </a:prstGeom>
+          <a:noFill/>
+        </p:spPr>
+        <p:txBody>
+          <a:bodyPr wrap="square" rtlCol="0">
+            <a:spAutoFit/>
+          </a:bodyPr>
+          <a:lstStyle/>
+          <a:p>
+            <a:r>
+              <a:rPr lang="en-US" altLang="zh-CN" sz="800" dirty="0"/>
+              <a:t>ETH</a:t>
+            </a:r>
+            <a:endParaRPr lang="zh-CN" altLang="en-US" sz="800" dirty="0"/>
+          </a:p>
+        </p:txBody>
+      </p:sp>
+      <p:cxnSp>
+        <p:nvCxnSpPr>
+          <p:cNvPr id="84" name="直接连接符 83">
+            <a:extLst>
+              <a:ext uri="{FF2B5EF4-FFF2-40B4-BE49-F238E27FC236}">
+                <a16:creationId xmlns:a16="http://schemas.microsoft.com/office/drawing/2014/main" id="{F4F1DAE6-7BBE-6D32-9DB3-C493319C9525}"/>
+              </a:ext>
+            </a:extLst>
+          </p:cNvPr>
+          <p:cNvCxnSpPr>
+            <a:cxnSpLocks/>
+          </p:cNvCxnSpPr>
+          <p:nvPr/>
+        </p:nvCxnSpPr>
+        <p:spPr>
+          <a:xfrm flipV="1">
+            <a:off x="2408357" y="2880645"/>
+            <a:ext cx="7753" cy="742516"/>
+          </a:xfrm>
+          <a:prstGeom prst="line">
+            <a:avLst/>
+          </a:prstGeom>
+        </p:spPr>
+        <p:style>
+          <a:lnRef idx="3">
+            <a:schemeClr val="accent2"/>
+          </a:lnRef>
+          <a:fillRef idx="0">
+            <a:schemeClr val="accent2"/>
+          </a:fillRef>
+          <a:effectRef idx="2">
+            <a:schemeClr val="accent2"/>
+          </a:effectRef>
+          <a:fontRef idx="minor">
+            <a:schemeClr val="tx1"/>
+          </a:fontRef>
+        </p:style>
+      </p:cxnSp>
+      <p:cxnSp>
+        <p:nvCxnSpPr>
+          <p:cNvPr id="90" name="直接连接符 89">
+            <a:extLst>
+              <a:ext uri="{FF2B5EF4-FFF2-40B4-BE49-F238E27FC236}">
+                <a16:creationId xmlns:a16="http://schemas.microsoft.com/office/drawing/2014/main" id="{ABB285AA-5E75-E749-EAC0-8A91489A8BE3}"/>
+              </a:ext>
+            </a:extLst>
+          </p:cNvPr>
+          <p:cNvCxnSpPr>
+            <a:cxnSpLocks/>
+          </p:cNvCxnSpPr>
+          <p:nvPr/>
+        </p:nvCxnSpPr>
+        <p:spPr>
+          <a:xfrm flipV="1">
+            <a:off x="2425917" y="2069432"/>
+            <a:ext cx="0" cy="610293"/>
+          </a:xfrm>
+          <a:prstGeom prst="line">
+            <a:avLst/>
+          </a:prstGeom>
+        </p:spPr>
+        <p:style>
+          <a:lnRef idx="1">
+            <a:schemeClr val="accent1"/>
+          </a:lnRef>
+          <a:fillRef idx="0">
+            <a:schemeClr val="accent1"/>
+          </a:fillRef>
+          <a:effectRef idx="0">
+            <a:schemeClr val="accent1"/>
+          </a:effectRef>
+          <a:fontRef idx="minor">
+            <a:schemeClr val="tx1"/>
+          </a:fontRef>
+        </p:style>
+      </p:cxnSp>
+      <p:sp>
+        <p:nvSpPr>
+          <p:cNvPr id="94" name="文本框 93">
+            <a:extLst>
+              <a:ext uri="{FF2B5EF4-FFF2-40B4-BE49-F238E27FC236}">
+                <a16:creationId xmlns:a16="http://schemas.microsoft.com/office/drawing/2014/main" id="{F20A5525-EAC7-FAEE-530E-951385EAE745}"/>
+              </a:ext>
+            </a:extLst>
+          </p:cNvPr>
+          <p:cNvSpPr txBox="1"/>
+          <p:nvPr/>
+        </p:nvSpPr>
+        <p:spPr>
+          <a:xfrm>
+            <a:off x="2232366" y="2679725"/>
+            <a:ext cx="715698" cy="215444"/>
+          </a:xfrm>
+          <a:prstGeom prst="rect">
+            <a:avLst/>
+          </a:prstGeom>
+          <a:noFill/>
+        </p:spPr>
+        <p:txBody>
+          <a:bodyPr wrap="square" rtlCol="0">
+            <a:spAutoFit/>
+          </a:bodyPr>
+          <a:lstStyle/>
+          <a:p>
+            <a:r>
+              <a:rPr lang="en-US" altLang="zh-CN" sz="800" dirty="0"/>
+              <a:t>OBD</a:t>
+            </a:r>
+            <a:r>
+              <a:rPr lang="zh-CN" altLang="en-US" sz="800" dirty="0"/>
+              <a:t>接口</a:t>
+            </a:r>
+          </a:p>
+        </p:txBody>
+      </p:sp>
+      <p:cxnSp>
+        <p:nvCxnSpPr>
+          <p:cNvPr id="96" name="直接连接符 95">
+            <a:extLst>
+              <a:ext uri="{FF2B5EF4-FFF2-40B4-BE49-F238E27FC236}">
+                <a16:creationId xmlns:a16="http://schemas.microsoft.com/office/drawing/2014/main" id="{0156759E-92C2-ADCD-97B5-33ACB267BABC}"/>
+              </a:ext>
+            </a:extLst>
+          </p:cNvPr>
+          <p:cNvCxnSpPr/>
+          <p:nvPr/>
+        </p:nvCxnSpPr>
+        <p:spPr>
+          <a:xfrm flipV="1">
+            <a:off x="3630587" y="742950"/>
+            <a:ext cx="1503388" cy="724902"/>
+          </a:xfrm>
+          <a:prstGeom prst="line">
+            <a:avLst/>
+          </a:prstGeom>
+          <a:ln w="28575" cap="flat" cmpd="sng" algn="ctr">
+            <a:solidFill>
+              <a:schemeClr val="accent2"/>
+            </a:solidFill>
+            <a:prstDash val="dash"/>
+            <a:round/>
+            <a:headEnd type="none" w="med" len="med"/>
+            <a:tailEnd type="none" w="med" len="med"/>
+          </a:ln>
+        </p:spPr>
+        <p:style>
+          <a:lnRef idx="0">
+            <a:scrgbClr r="0" g="0" b="0"/>
+          </a:lnRef>
+          <a:fillRef idx="0">
+            <a:scrgbClr r="0" g="0" b="0"/>
+          </a:fillRef>
+          <a:effectRef idx="0">
+            <a:scrgbClr r="0" g="0" b="0"/>
+          </a:effectRef>
+          <a:fontRef idx="minor">
+            <a:schemeClr val="tx1"/>
+          </a:fontRef>
+        </p:style>
+      </p:cxnSp>
+      <p:cxnSp>
+        <p:nvCxnSpPr>
+          <p:cNvPr id="97" name="直接连接符 96">
+            <a:extLst>
+              <a:ext uri="{FF2B5EF4-FFF2-40B4-BE49-F238E27FC236}">
+                <a16:creationId xmlns:a16="http://schemas.microsoft.com/office/drawing/2014/main" id="{BFA1CEEF-3297-19CE-AF0C-007F34D537CE}"/>
+              </a:ext>
+            </a:extLst>
+          </p:cNvPr>
+          <p:cNvCxnSpPr>
+            <a:cxnSpLocks/>
+          </p:cNvCxnSpPr>
+          <p:nvPr/>
+        </p:nvCxnSpPr>
+        <p:spPr>
+          <a:xfrm>
+            <a:off x="3782987" y="1620252"/>
+            <a:ext cx="3148805" cy="381998"/>
+          </a:xfrm>
+          <a:prstGeom prst="line">
+            <a:avLst/>
+          </a:prstGeom>
+          <a:ln w="28575" cap="flat" cmpd="sng" algn="ctr">
+            <a:solidFill>
+              <a:srgbClr val="7030A0"/>
+            </a:solidFill>
+            <a:prstDash val="dash"/>
+            <a:round/>
+            <a:headEnd type="none" w="med" len="med"/>
+            <a:tailEnd type="none" w="med" len="med"/>
+          </a:ln>
+        </p:spPr>
+        <p:style>
+          <a:lnRef idx="0">
+            <a:scrgbClr r="0" g="0" b="0"/>
+          </a:lnRef>
+          <a:fillRef idx="0">
+            <a:scrgbClr r="0" g="0" b="0"/>
+          </a:fillRef>
+          <a:effectRef idx="0">
+            <a:scrgbClr r="0" g="0" b="0"/>
+          </a:effectRef>
+          <a:fontRef idx="minor">
+            <a:schemeClr val="tx1"/>
+          </a:fontRef>
+        </p:style>
+      </p:cxnSp>
+      <p:sp>
+        <p:nvSpPr>
+          <p:cNvPr id="100" name="文本框 99">
+            <a:extLst>
+              <a:ext uri="{FF2B5EF4-FFF2-40B4-BE49-F238E27FC236}">
+                <a16:creationId xmlns:a16="http://schemas.microsoft.com/office/drawing/2014/main" id="{AB917808-16C0-600E-420E-B4804D86381D}"/>
+              </a:ext>
+            </a:extLst>
+          </p:cNvPr>
+          <p:cNvSpPr txBox="1"/>
+          <p:nvPr/>
+        </p:nvSpPr>
+        <p:spPr>
+          <a:xfrm rot="467190">
+            <a:off x="4739039" y="1542402"/>
+            <a:ext cx="1959741" cy="276999"/>
+          </a:xfrm>
+          <a:prstGeom prst="rect">
+            <a:avLst/>
+          </a:prstGeom>
+          <a:noFill/>
+        </p:spPr>
+        <p:txBody>
+          <a:bodyPr wrap="square" rtlCol="0">
+            <a:spAutoFit/>
+          </a:bodyPr>
+          <a:lstStyle/>
+          <a:p>
+            <a:r>
+              <a:rPr lang="zh-CN" altLang="en-US" sz="1200" dirty="0"/>
+              <a:t>上报</a:t>
+            </a:r>
+            <a:r>
+              <a:rPr lang="en-US" altLang="zh-CN" sz="1200" dirty="0"/>
+              <a:t>EOL</a:t>
+            </a:r>
+            <a:r>
+              <a:rPr lang="zh-CN" altLang="en-US" sz="1200" dirty="0"/>
+              <a:t>结束标志位</a:t>
+            </a:r>
+          </a:p>
+        </p:txBody>
+      </p:sp>
+    </p:spTree>
+    <p:extLst>
+      <p:ext uri="{BB962C8B-B14F-4D97-AF65-F5344CB8AC3E}">
+        <p14:creationId xmlns:p14="http://schemas.microsoft.com/office/powerpoint/2010/main" val="1114161951"/>
+      </p:ext>
+    </p:extLst>
+  </p:cSld>
+  <p:clrMapOvr>
+    <a:masterClrMapping/>
+  </p:clrMapOvr>
+</p:sld>
+</file>
+
 <file path=ppt/theme/theme1.xml><?xml version="1.0" encoding="utf-8"?>
 <a:theme xmlns:a="http://schemas.openxmlformats.org/drawingml/2006/main" name="Office 主题​​">
   <a:themeElements>

--- a/project/模型.pptx
+++ b/project/模型.pptx
@@ -12,6 +12,7 @@
     <p:sldId id="258" r:id="rId6"/>
     <p:sldId id="261" r:id="rId7"/>
     <p:sldId id="262" r:id="rId8"/>
+    <p:sldId id="263" r:id="rId9"/>
   </p:sldIdLst>
   <p:sldSz cx="12192000" cy="6858000"/>
   <p:notesSz cx="6858000" cy="9144000"/>
@@ -265,7 +266,7 @@
           <a:p>
             <a:fld id="{E4C0CE13-A334-4A3E-902C-95BEFC34E49C}" type="datetimeFigureOut">
               <a:rPr lang="zh-CN" altLang="en-US" smtClean="0"/>
-              <a:t>2025/2/9</a:t>
+              <a:t>2025/2/10</a:t>
             </a:fld>
             <a:endParaRPr lang="zh-CN" altLang="en-US"/>
           </a:p>
@@ -463,7 +464,7 @@
           <a:p>
             <a:fld id="{E4C0CE13-A334-4A3E-902C-95BEFC34E49C}" type="datetimeFigureOut">
               <a:rPr lang="zh-CN" altLang="en-US" smtClean="0"/>
-              <a:t>2025/2/9</a:t>
+              <a:t>2025/2/10</a:t>
             </a:fld>
             <a:endParaRPr lang="zh-CN" altLang="en-US"/>
           </a:p>
@@ -671,7 +672,7 @@
           <a:p>
             <a:fld id="{E4C0CE13-A334-4A3E-902C-95BEFC34E49C}" type="datetimeFigureOut">
               <a:rPr lang="zh-CN" altLang="en-US" smtClean="0"/>
-              <a:t>2025/2/9</a:t>
+              <a:t>2025/2/10</a:t>
             </a:fld>
             <a:endParaRPr lang="zh-CN" altLang="en-US"/>
           </a:p>
@@ -869,7 +870,7 @@
           <a:p>
             <a:fld id="{E4C0CE13-A334-4A3E-902C-95BEFC34E49C}" type="datetimeFigureOut">
               <a:rPr lang="zh-CN" altLang="en-US" smtClean="0"/>
-              <a:t>2025/2/9</a:t>
+              <a:t>2025/2/10</a:t>
             </a:fld>
             <a:endParaRPr lang="zh-CN" altLang="en-US"/>
           </a:p>
@@ -1144,7 +1145,7 @@
           <a:p>
             <a:fld id="{E4C0CE13-A334-4A3E-902C-95BEFC34E49C}" type="datetimeFigureOut">
               <a:rPr lang="zh-CN" altLang="en-US" smtClean="0"/>
-              <a:t>2025/2/9</a:t>
+              <a:t>2025/2/10</a:t>
             </a:fld>
             <a:endParaRPr lang="zh-CN" altLang="en-US"/>
           </a:p>
@@ -1409,7 +1410,7 @@
           <a:p>
             <a:fld id="{E4C0CE13-A334-4A3E-902C-95BEFC34E49C}" type="datetimeFigureOut">
               <a:rPr lang="zh-CN" altLang="en-US" smtClean="0"/>
-              <a:t>2025/2/9</a:t>
+              <a:t>2025/2/10</a:t>
             </a:fld>
             <a:endParaRPr lang="zh-CN" altLang="en-US"/>
           </a:p>
@@ -1821,7 +1822,7 @@
           <a:p>
             <a:fld id="{E4C0CE13-A334-4A3E-902C-95BEFC34E49C}" type="datetimeFigureOut">
               <a:rPr lang="zh-CN" altLang="en-US" smtClean="0"/>
-              <a:t>2025/2/9</a:t>
+              <a:t>2025/2/10</a:t>
             </a:fld>
             <a:endParaRPr lang="zh-CN" altLang="en-US"/>
           </a:p>
@@ -1962,7 +1963,7 @@
           <a:p>
             <a:fld id="{E4C0CE13-A334-4A3E-902C-95BEFC34E49C}" type="datetimeFigureOut">
               <a:rPr lang="zh-CN" altLang="en-US" smtClean="0"/>
-              <a:t>2025/2/9</a:t>
+              <a:t>2025/2/10</a:t>
             </a:fld>
             <a:endParaRPr lang="zh-CN" altLang="en-US"/>
           </a:p>
@@ -2075,7 +2076,7 @@
           <a:p>
             <a:fld id="{E4C0CE13-A334-4A3E-902C-95BEFC34E49C}" type="datetimeFigureOut">
               <a:rPr lang="zh-CN" altLang="en-US" smtClean="0"/>
-              <a:t>2025/2/9</a:t>
+              <a:t>2025/2/10</a:t>
             </a:fld>
             <a:endParaRPr lang="zh-CN" altLang="en-US"/>
           </a:p>
@@ -2386,7 +2387,7 @@
           <a:p>
             <a:fld id="{E4C0CE13-A334-4A3E-902C-95BEFC34E49C}" type="datetimeFigureOut">
               <a:rPr lang="zh-CN" altLang="en-US" smtClean="0"/>
-              <a:t>2025/2/9</a:t>
+              <a:t>2025/2/10</a:t>
             </a:fld>
             <a:endParaRPr lang="zh-CN" altLang="en-US"/>
           </a:p>
@@ -2674,7 +2675,7 @@
           <a:p>
             <a:fld id="{E4C0CE13-A334-4A3E-902C-95BEFC34E49C}" type="datetimeFigureOut">
               <a:rPr lang="zh-CN" altLang="en-US" smtClean="0"/>
-              <a:t>2025/2/9</a:t>
+              <a:t>2025/2/10</a:t>
             </a:fld>
             <a:endParaRPr lang="zh-CN" altLang="en-US"/>
           </a:p>
@@ -2915,7 +2916,7 @@
           <a:p>
             <a:fld id="{E4C0CE13-A334-4A3E-902C-95BEFC34E49C}" type="datetimeFigureOut">
               <a:rPr lang="zh-CN" altLang="en-US" smtClean="0"/>
-              <a:t>2025/2/9</a:t>
+              <a:t>2025/2/10</a:t>
             </a:fld>
             <a:endParaRPr lang="zh-CN" altLang="en-US"/>
           </a:p>
@@ -5992,7 +5993,7 @@
             <a:pPr algn="ctr"/>
             <a:r>
               <a:rPr lang="zh-CN" altLang="en-US" sz="1000" dirty="0"/>
-              <a:t>全连接层</a:t>
+              <a:t>多层感知机解码器</a:t>
             </a:r>
           </a:p>
         </p:txBody>
@@ -7762,7 +7763,7 @@
             <a:pPr algn="ctr"/>
             <a:r>
               <a:rPr lang="zh-CN" altLang="en-US" sz="1000" dirty="0"/>
-              <a:t>输出 </a:t>
+              <a:t>输出 解码后的</a:t>
             </a:r>
             <a:r>
               <a:rPr lang="en-US" altLang="zh-CN" sz="1000" dirty="0"/>
@@ -18195,6 +18196,638 @@
 </p:sld>
 </file>
 
+<file path=ppt/slides/slide8.xml><?xml version="1.0" encoding="utf-8"?>
+<p:sld xmlns:a="http://schemas.openxmlformats.org/drawingml/2006/main" xmlns:r="http://schemas.openxmlformats.org/officeDocument/2006/relationships" xmlns:p="http://schemas.openxmlformats.org/presentationml/2006/main">
+  <p:cSld>
+    <p:spTree>
+      <p:nvGrpSpPr>
+        <p:cNvPr id="1" name=""/>
+        <p:cNvGrpSpPr/>
+        <p:nvPr/>
+      </p:nvGrpSpPr>
+      <p:grpSpPr>
+        <a:xfrm>
+          <a:off x="0" y="0"/>
+          <a:ext cx="0" cy="0"/>
+          <a:chOff x="0" y="0"/>
+          <a:chExt cx="0" cy="0"/>
+        </a:xfrm>
+      </p:grpSpPr>
+      <p:sp>
+        <p:nvSpPr>
+          <p:cNvPr id="4" name="矩形: 圆角 3">
+            <a:extLst>
+              <a:ext uri="{FF2B5EF4-FFF2-40B4-BE49-F238E27FC236}">
+                <a16:creationId xmlns:a16="http://schemas.microsoft.com/office/drawing/2014/main" id="{ED721191-0652-E3B4-2BA3-0C1CF7E558D5}"/>
+              </a:ext>
+            </a:extLst>
+          </p:cNvPr>
+          <p:cNvSpPr/>
+          <p:nvPr/>
+        </p:nvSpPr>
+        <p:spPr>
+          <a:xfrm>
+            <a:off x="1305016" y="1358283"/>
+            <a:ext cx="801211" cy="3045041"/>
+          </a:xfrm>
+          <a:prstGeom prst="roundRect">
+            <a:avLst/>
+          </a:prstGeom>
+          <a:solidFill>
+            <a:schemeClr val="accent1">
+              <a:lumMod val="40000"/>
+              <a:lumOff val="60000"/>
+            </a:schemeClr>
+          </a:solidFill>
+        </p:spPr>
+        <p:style>
+          <a:lnRef idx="2">
+            <a:schemeClr val="accent1">
+              <a:shade val="50000"/>
+            </a:schemeClr>
+          </a:lnRef>
+          <a:fillRef idx="1">
+            <a:schemeClr val="accent1"/>
+          </a:fillRef>
+          <a:effectRef idx="0">
+            <a:schemeClr val="accent1"/>
+          </a:effectRef>
+          <a:fontRef idx="minor">
+            <a:schemeClr val="lt1"/>
+          </a:fontRef>
+        </p:style>
+        <p:txBody>
+          <a:bodyPr rtlCol="0" anchor="ctr"/>
+          <a:lstStyle/>
+          <a:p>
+            <a:pPr algn="ctr"/>
+            <a:r>
+              <a:rPr lang="zh-CN" altLang="en-US" sz="1400" dirty="0">
+                <a:solidFill>
+                  <a:schemeClr val="tx1"/>
+                </a:solidFill>
+              </a:rPr>
+              <a:t>输入</a:t>
+            </a:r>
+            <a:br>
+              <a:rPr lang="en-US" altLang="zh-CN" sz="1400" dirty="0">
+                <a:solidFill>
+                  <a:schemeClr val="tx1"/>
+                </a:solidFill>
+              </a:rPr>
+            </a:br>
+            <a:r>
+              <a:rPr lang="en-US" altLang="zh-CN" sz="1400" dirty="0">
+                <a:solidFill>
+                  <a:schemeClr val="tx1"/>
+                </a:solidFill>
+              </a:rPr>
+              <a:t>x</a:t>
+            </a:r>
+            <a:endParaRPr lang="zh-CN" altLang="en-US" sz="1400" dirty="0">
+              <a:solidFill>
+                <a:schemeClr val="tx1"/>
+              </a:solidFill>
+            </a:endParaRPr>
+          </a:p>
+        </p:txBody>
+      </p:sp>
+      <p:sp>
+        <p:nvSpPr>
+          <p:cNvPr id="5" name="流程图: 手动操作 4">
+            <a:extLst>
+              <a:ext uri="{FF2B5EF4-FFF2-40B4-BE49-F238E27FC236}">
+                <a16:creationId xmlns:a16="http://schemas.microsoft.com/office/drawing/2014/main" id="{31926E26-5289-2C42-4135-FC4F9BF9C767}"/>
+              </a:ext>
+            </a:extLst>
+          </p:cNvPr>
+          <p:cNvSpPr/>
+          <p:nvPr/>
+        </p:nvSpPr>
+        <p:spPr>
+          <a:xfrm rot="16200000">
+            <a:off x="2540493" y="2378105"/>
+            <a:ext cx="1402672" cy="1005396"/>
+          </a:xfrm>
+          <a:prstGeom prst="flowChartManualOperation">
+            <a:avLst/>
+          </a:prstGeom>
+          <a:solidFill>
+            <a:schemeClr val="accent6">
+              <a:lumMod val="20000"/>
+              <a:lumOff val="80000"/>
+            </a:schemeClr>
+          </a:solidFill>
+        </p:spPr>
+        <p:style>
+          <a:lnRef idx="2">
+            <a:schemeClr val="accent1">
+              <a:shade val="50000"/>
+            </a:schemeClr>
+          </a:lnRef>
+          <a:fillRef idx="1">
+            <a:schemeClr val="accent1"/>
+          </a:fillRef>
+          <a:effectRef idx="0">
+            <a:schemeClr val="accent1"/>
+          </a:effectRef>
+          <a:fontRef idx="minor">
+            <a:schemeClr val="lt1"/>
+          </a:fontRef>
+        </p:style>
+        <p:txBody>
+          <a:bodyPr rtlCol="0" anchor="ctr"/>
+          <a:lstStyle/>
+          <a:p>
+            <a:pPr algn="ctr"/>
+            <a:endParaRPr lang="zh-CN" altLang="en-US" dirty="0"/>
+          </a:p>
+        </p:txBody>
+      </p:sp>
+      <p:sp>
+        <p:nvSpPr>
+          <p:cNvPr id="6" name="矩形: 圆角 5">
+            <a:extLst>
+              <a:ext uri="{FF2B5EF4-FFF2-40B4-BE49-F238E27FC236}">
+                <a16:creationId xmlns:a16="http://schemas.microsoft.com/office/drawing/2014/main" id="{B53C346E-113D-6CC5-7DD1-4F9FD83A3DFF}"/>
+              </a:ext>
+            </a:extLst>
+          </p:cNvPr>
+          <p:cNvSpPr/>
+          <p:nvPr/>
+        </p:nvSpPr>
+        <p:spPr>
+          <a:xfrm>
+            <a:off x="4493172" y="2511270"/>
+            <a:ext cx="1269506" cy="739066"/>
+          </a:xfrm>
+          <a:prstGeom prst="roundRect">
+            <a:avLst/>
+          </a:prstGeom>
+          <a:solidFill>
+            <a:schemeClr val="accent4">
+              <a:lumMod val="20000"/>
+              <a:lumOff val="80000"/>
+            </a:schemeClr>
+          </a:solidFill>
+        </p:spPr>
+        <p:style>
+          <a:lnRef idx="2">
+            <a:schemeClr val="accent1">
+              <a:shade val="50000"/>
+            </a:schemeClr>
+          </a:lnRef>
+          <a:fillRef idx="1">
+            <a:schemeClr val="accent1"/>
+          </a:fillRef>
+          <a:effectRef idx="0">
+            <a:schemeClr val="accent1"/>
+          </a:effectRef>
+          <a:fontRef idx="minor">
+            <a:schemeClr val="lt1"/>
+          </a:fontRef>
+        </p:style>
+        <p:txBody>
+          <a:bodyPr rtlCol="0" anchor="ctr"/>
+          <a:lstStyle/>
+          <a:p>
+            <a:pPr algn="ctr"/>
+            <a:r>
+              <a:rPr lang="zh-CN" altLang="en-US" sz="1400" dirty="0">
+                <a:solidFill>
+                  <a:schemeClr val="tx1"/>
+                </a:solidFill>
+              </a:rPr>
+              <a:t>隐向量</a:t>
+            </a:r>
+            <a:r>
+              <a:rPr lang="en-US" altLang="zh-CN" sz="1400" dirty="0">
+                <a:solidFill>
+                  <a:schemeClr val="tx1"/>
+                </a:solidFill>
+              </a:rPr>
+              <a:t>z</a:t>
+            </a:r>
+            <a:endParaRPr lang="zh-CN" altLang="en-US" sz="1400" dirty="0">
+              <a:solidFill>
+                <a:schemeClr val="tx1"/>
+              </a:solidFill>
+            </a:endParaRPr>
+          </a:p>
+        </p:txBody>
+      </p:sp>
+      <p:sp>
+        <p:nvSpPr>
+          <p:cNvPr id="7" name="流程图: 手动操作 6">
+            <a:extLst>
+              <a:ext uri="{FF2B5EF4-FFF2-40B4-BE49-F238E27FC236}">
+                <a16:creationId xmlns:a16="http://schemas.microsoft.com/office/drawing/2014/main" id="{AC7F812E-F632-C2B8-96BA-34B2229ADC00}"/>
+              </a:ext>
+            </a:extLst>
+          </p:cNvPr>
+          <p:cNvSpPr/>
+          <p:nvPr/>
+        </p:nvSpPr>
+        <p:spPr>
+          <a:xfrm rot="5400000">
+            <a:off x="6417263" y="2389356"/>
+            <a:ext cx="1402672" cy="1005396"/>
+          </a:xfrm>
+          <a:prstGeom prst="flowChartManualOperation">
+            <a:avLst/>
+          </a:prstGeom>
+          <a:solidFill>
+            <a:schemeClr val="accent6">
+              <a:lumMod val="20000"/>
+              <a:lumOff val="80000"/>
+            </a:schemeClr>
+          </a:solidFill>
+        </p:spPr>
+        <p:style>
+          <a:lnRef idx="2">
+            <a:schemeClr val="accent1">
+              <a:shade val="50000"/>
+            </a:schemeClr>
+          </a:lnRef>
+          <a:fillRef idx="1">
+            <a:schemeClr val="accent1"/>
+          </a:fillRef>
+          <a:effectRef idx="0">
+            <a:schemeClr val="accent1"/>
+          </a:effectRef>
+          <a:fontRef idx="minor">
+            <a:schemeClr val="lt1"/>
+          </a:fontRef>
+        </p:style>
+        <p:txBody>
+          <a:bodyPr rtlCol="0" anchor="ctr"/>
+          <a:lstStyle/>
+          <a:p>
+            <a:pPr algn="ctr"/>
+            <a:endParaRPr lang="zh-CN" altLang="en-US"/>
+          </a:p>
+        </p:txBody>
+      </p:sp>
+      <p:sp>
+        <p:nvSpPr>
+          <p:cNvPr id="8" name="矩形: 圆角 7">
+            <a:extLst>
+              <a:ext uri="{FF2B5EF4-FFF2-40B4-BE49-F238E27FC236}">
+                <a16:creationId xmlns:a16="http://schemas.microsoft.com/office/drawing/2014/main" id="{19C172FE-76B5-0653-CEA3-A0DE5E335E26}"/>
+              </a:ext>
+            </a:extLst>
+          </p:cNvPr>
+          <p:cNvSpPr/>
+          <p:nvPr/>
+        </p:nvSpPr>
+        <p:spPr>
+          <a:xfrm>
+            <a:off x="8254201" y="1403780"/>
+            <a:ext cx="710214" cy="3045041"/>
+          </a:xfrm>
+          <a:prstGeom prst="roundRect">
+            <a:avLst/>
+          </a:prstGeom>
+          <a:solidFill>
+            <a:schemeClr val="accent5">
+              <a:lumMod val="40000"/>
+              <a:lumOff val="60000"/>
+            </a:schemeClr>
+          </a:solidFill>
+        </p:spPr>
+        <p:style>
+          <a:lnRef idx="2">
+            <a:schemeClr val="accent1">
+              <a:shade val="50000"/>
+            </a:schemeClr>
+          </a:lnRef>
+          <a:fillRef idx="1">
+            <a:schemeClr val="accent1"/>
+          </a:fillRef>
+          <a:effectRef idx="0">
+            <a:schemeClr val="accent1"/>
+          </a:effectRef>
+          <a:fontRef idx="minor">
+            <a:schemeClr val="lt1"/>
+          </a:fontRef>
+        </p:style>
+        <p:txBody>
+          <a:bodyPr rtlCol="0" anchor="ctr"/>
+          <a:lstStyle/>
+          <a:p>
+            <a:pPr algn="ctr"/>
+            <a:r>
+              <a:rPr lang="zh-CN" altLang="en-US" sz="1400" dirty="0">
+                <a:solidFill>
+                  <a:schemeClr val="tx1"/>
+                </a:solidFill>
+              </a:rPr>
+              <a:t>输出</a:t>
+            </a:r>
+            <a:br>
+              <a:rPr lang="en-US" altLang="zh-CN" sz="1400" dirty="0">
+                <a:solidFill>
+                  <a:schemeClr val="tx1"/>
+                </a:solidFill>
+              </a:rPr>
+            </a:br>
+            <a:r>
+              <a:rPr lang="en-US" altLang="zh-CN" sz="1400" dirty="0">
+                <a:solidFill>
+                  <a:schemeClr val="tx1"/>
+                </a:solidFill>
+              </a:rPr>
+              <a:t>x’</a:t>
+            </a:r>
+            <a:endParaRPr lang="zh-CN" altLang="en-US" sz="1400" dirty="0">
+              <a:solidFill>
+                <a:schemeClr val="tx1"/>
+              </a:solidFill>
+            </a:endParaRPr>
+          </a:p>
+        </p:txBody>
+      </p:sp>
+      <p:sp>
+        <p:nvSpPr>
+          <p:cNvPr id="10" name="文本框 9">
+            <a:extLst>
+              <a:ext uri="{FF2B5EF4-FFF2-40B4-BE49-F238E27FC236}">
+                <a16:creationId xmlns:a16="http://schemas.microsoft.com/office/drawing/2014/main" id="{603BCE39-42B8-E737-83BE-F9EEB0C67B69}"/>
+              </a:ext>
+            </a:extLst>
+          </p:cNvPr>
+          <p:cNvSpPr txBox="1"/>
+          <p:nvPr/>
+        </p:nvSpPr>
+        <p:spPr>
+          <a:xfrm>
+            <a:off x="3844031" y="763480"/>
+            <a:ext cx="1837678" cy="739066"/>
+          </a:xfrm>
+          <a:prstGeom prst="rect">
+            <a:avLst/>
+          </a:prstGeom>
+          <a:noFill/>
+        </p:spPr>
+        <p:txBody>
+          <a:bodyPr wrap="square" rtlCol="0">
+            <a:spAutoFit/>
+          </a:bodyPr>
+          <a:lstStyle/>
+          <a:p>
+            <a:endParaRPr lang="zh-CN" altLang="en-US" dirty="0"/>
+          </a:p>
+        </p:txBody>
+      </p:sp>
+      <p:sp>
+        <p:nvSpPr>
+          <p:cNvPr id="11" name="文本框 10">
+            <a:extLst>
+              <a:ext uri="{FF2B5EF4-FFF2-40B4-BE49-F238E27FC236}">
+                <a16:creationId xmlns:a16="http://schemas.microsoft.com/office/drawing/2014/main" id="{11BAE1E8-1609-F757-BE08-AFF74B0B2356}"/>
+              </a:ext>
+            </a:extLst>
+          </p:cNvPr>
+          <p:cNvSpPr txBox="1"/>
+          <p:nvPr/>
+        </p:nvSpPr>
+        <p:spPr>
+          <a:xfrm>
+            <a:off x="2830128" y="2738166"/>
+            <a:ext cx="1100831" cy="307777"/>
+          </a:xfrm>
+          <a:prstGeom prst="rect">
+            <a:avLst/>
+          </a:prstGeom>
+          <a:noFill/>
+        </p:spPr>
+        <p:txBody>
+          <a:bodyPr wrap="square" rtlCol="0">
+            <a:spAutoFit/>
+          </a:bodyPr>
+          <a:lstStyle/>
+          <a:p>
+            <a:r>
+              <a:rPr lang="zh-CN" altLang="en-US" sz="1400" dirty="0"/>
+              <a:t>编码器</a:t>
+            </a:r>
+          </a:p>
+        </p:txBody>
+      </p:sp>
+      <p:sp>
+        <p:nvSpPr>
+          <p:cNvPr id="12" name="文本框 11">
+            <a:extLst>
+              <a:ext uri="{FF2B5EF4-FFF2-40B4-BE49-F238E27FC236}">
+                <a16:creationId xmlns:a16="http://schemas.microsoft.com/office/drawing/2014/main" id="{138FDCCC-96DD-FAD9-E500-89B6B62CA1C0}"/>
+              </a:ext>
+            </a:extLst>
+          </p:cNvPr>
+          <p:cNvSpPr txBox="1"/>
+          <p:nvPr/>
+        </p:nvSpPr>
+        <p:spPr>
+          <a:xfrm>
+            <a:off x="6771541" y="2772411"/>
+            <a:ext cx="1100831" cy="307777"/>
+          </a:xfrm>
+          <a:prstGeom prst="rect">
+            <a:avLst/>
+          </a:prstGeom>
+          <a:noFill/>
+        </p:spPr>
+        <p:txBody>
+          <a:bodyPr wrap="square" rtlCol="0">
+            <a:spAutoFit/>
+          </a:bodyPr>
+          <a:lstStyle/>
+          <a:p>
+            <a:r>
+              <a:rPr lang="zh-CN" altLang="en-US" sz="1400" dirty="0"/>
+              <a:t>解码器</a:t>
+            </a:r>
+          </a:p>
+        </p:txBody>
+      </p:sp>
+      <p:cxnSp>
+        <p:nvCxnSpPr>
+          <p:cNvPr id="14" name="直接箭头连接符 13">
+            <a:extLst>
+              <a:ext uri="{FF2B5EF4-FFF2-40B4-BE49-F238E27FC236}">
+                <a16:creationId xmlns:a16="http://schemas.microsoft.com/office/drawing/2014/main" id="{031AEB2E-7D92-A3CF-7FE7-02012A83CDCC}"/>
+              </a:ext>
+            </a:extLst>
+          </p:cNvPr>
+          <p:cNvCxnSpPr>
+            <a:stCxn id="4" idx="3"/>
+            <a:endCxn id="5" idx="0"/>
+          </p:cNvCxnSpPr>
+          <p:nvPr/>
+        </p:nvCxnSpPr>
+        <p:spPr>
+          <a:xfrm flipV="1">
+            <a:off x="2106227" y="2880803"/>
+            <a:ext cx="632904" cy="1"/>
+          </a:xfrm>
+          <a:prstGeom prst="straightConnector1">
+            <a:avLst/>
+          </a:prstGeom>
+          <a:ln>
+            <a:tailEnd type="triangle"/>
+          </a:ln>
+        </p:spPr>
+        <p:style>
+          <a:lnRef idx="1">
+            <a:schemeClr val="accent1"/>
+          </a:lnRef>
+          <a:fillRef idx="0">
+            <a:schemeClr val="accent1"/>
+          </a:fillRef>
+          <a:effectRef idx="0">
+            <a:schemeClr val="accent1"/>
+          </a:effectRef>
+          <a:fontRef idx="minor">
+            <a:schemeClr val="tx1"/>
+          </a:fontRef>
+        </p:style>
+      </p:cxnSp>
+      <p:cxnSp>
+        <p:nvCxnSpPr>
+          <p:cNvPr id="21" name="直接箭头连接符 20">
+            <a:extLst>
+              <a:ext uri="{FF2B5EF4-FFF2-40B4-BE49-F238E27FC236}">
+                <a16:creationId xmlns:a16="http://schemas.microsoft.com/office/drawing/2014/main" id="{DB802086-E915-C2F9-F57B-0352BCB1B292}"/>
+              </a:ext>
+            </a:extLst>
+          </p:cNvPr>
+          <p:cNvCxnSpPr>
+            <a:endCxn id="6" idx="1"/>
+          </p:cNvCxnSpPr>
+          <p:nvPr/>
+        </p:nvCxnSpPr>
+        <p:spPr>
+          <a:xfrm flipV="1">
+            <a:off x="3744527" y="2880803"/>
+            <a:ext cx="748645" cy="11251"/>
+          </a:xfrm>
+          <a:prstGeom prst="straightConnector1">
+            <a:avLst/>
+          </a:prstGeom>
+          <a:ln>
+            <a:tailEnd type="triangle"/>
+          </a:ln>
+        </p:spPr>
+        <p:style>
+          <a:lnRef idx="1">
+            <a:schemeClr val="accent1"/>
+          </a:lnRef>
+          <a:fillRef idx="0">
+            <a:schemeClr val="accent1"/>
+          </a:fillRef>
+          <a:effectRef idx="0">
+            <a:schemeClr val="accent1"/>
+          </a:effectRef>
+          <a:fontRef idx="minor">
+            <a:schemeClr val="tx1"/>
+          </a:fontRef>
+        </p:style>
+      </p:cxnSp>
+      <p:cxnSp>
+        <p:nvCxnSpPr>
+          <p:cNvPr id="23" name="直接箭头连接符 22">
+            <a:extLst>
+              <a:ext uri="{FF2B5EF4-FFF2-40B4-BE49-F238E27FC236}">
+                <a16:creationId xmlns:a16="http://schemas.microsoft.com/office/drawing/2014/main" id="{A59115E3-9E1B-181A-888B-192C8F48FA08}"/>
+              </a:ext>
+            </a:extLst>
+          </p:cNvPr>
+          <p:cNvCxnSpPr>
+            <a:stCxn id="6" idx="3"/>
+            <a:endCxn id="7" idx="2"/>
+          </p:cNvCxnSpPr>
+          <p:nvPr/>
+        </p:nvCxnSpPr>
+        <p:spPr>
+          <a:xfrm>
+            <a:off x="5762678" y="2880803"/>
+            <a:ext cx="853223" cy="11251"/>
+          </a:xfrm>
+          <a:prstGeom prst="straightConnector1">
+            <a:avLst/>
+          </a:prstGeom>
+          <a:ln>
+            <a:tailEnd type="triangle"/>
+          </a:ln>
+        </p:spPr>
+        <p:style>
+          <a:lnRef idx="1">
+            <a:schemeClr val="accent1"/>
+          </a:lnRef>
+          <a:fillRef idx="0">
+            <a:schemeClr val="accent1"/>
+          </a:fillRef>
+          <a:effectRef idx="0">
+            <a:schemeClr val="accent1"/>
+          </a:effectRef>
+          <a:fontRef idx="minor">
+            <a:schemeClr val="tx1"/>
+          </a:fontRef>
+        </p:style>
+      </p:cxnSp>
+      <p:cxnSp>
+        <p:nvCxnSpPr>
+          <p:cNvPr id="28" name="直接箭头连接符 27">
+            <a:extLst>
+              <a:ext uri="{FF2B5EF4-FFF2-40B4-BE49-F238E27FC236}">
+                <a16:creationId xmlns:a16="http://schemas.microsoft.com/office/drawing/2014/main" id="{D9198E5C-9806-BC29-5625-0AECE6D3D93C}"/>
+              </a:ext>
+            </a:extLst>
+          </p:cNvPr>
+          <p:cNvCxnSpPr>
+            <a:endCxn id="8" idx="1"/>
+          </p:cNvCxnSpPr>
+          <p:nvPr/>
+        </p:nvCxnSpPr>
+        <p:spPr>
+          <a:xfrm>
+            <a:off x="7621297" y="2926299"/>
+            <a:ext cx="632904" cy="2"/>
+          </a:xfrm>
+          <a:prstGeom prst="straightConnector1">
+            <a:avLst/>
+          </a:prstGeom>
+          <a:ln>
+            <a:tailEnd type="triangle"/>
+          </a:ln>
+        </p:spPr>
+        <p:style>
+          <a:lnRef idx="1">
+            <a:schemeClr val="accent1"/>
+          </a:lnRef>
+          <a:fillRef idx="0">
+            <a:schemeClr val="accent1"/>
+          </a:fillRef>
+          <a:effectRef idx="0">
+            <a:schemeClr val="accent1"/>
+          </a:effectRef>
+          <a:fontRef idx="minor">
+            <a:schemeClr val="tx1"/>
+          </a:fontRef>
+        </p:style>
+      </p:cxnSp>
+    </p:spTree>
+    <p:extLst>
+      <p:ext uri="{BB962C8B-B14F-4D97-AF65-F5344CB8AC3E}">
+        <p14:creationId xmlns:p14="http://schemas.microsoft.com/office/powerpoint/2010/main" val="993602763"/>
+      </p:ext>
+    </p:extLst>
+  </p:cSld>
+  <p:clrMapOvr>
+    <a:masterClrMapping/>
+  </p:clrMapOvr>
+</p:sld>
+</file>
+
 <file path=ppt/theme/theme1.xml><?xml version="1.0" encoding="utf-8"?>
 <a:theme xmlns:a="http://schemas.openxmlformats.org/drawingml/2006/main" name="Office 主题​​">
   <a:themeElements>

--- a/project/模型.pptx
+++ b/project/模型.pptx
@@ -13,6 +13,7 @@
     <p:sldId id="261" r:id="rId7"/>
     <p:sldId id="262" r:id="rId8"/>
     <p:sldId id="263" r:id="rId9"/>
+    <p:sldId id="264" r:id="rId10"/>
   </p:sldIdLst>
   <p:sldSz cx="12192000" cy="6858000"/>
   <p:notesSz cx="6858000" cy="9144000"/>
@@ -266,7 +267,7 @@
           <a:p>
             <a:fld id="{E4C0CE13-A334-4A3E-902C-95BEFC34E49C}" type="datetimeFigureOut">
               <a:rPr lang="zh-CN" altLang="en-US" smtClean="0"/>
-              <a:t>2025/2/10</a:t>
+              <a:t>2025/3/23</a:t>
             </a:fld>
             <a:endParaRPr lang="zh-CN" altLang="en-US"/>
           </a:p>
@@ -464,7 +465,7 @@
           <a:p>
             <a:fld id="{E4C0CE13-A334-4A3E-902C-95BEFC34E49C}" type="datetimeFigureOut">
               <a:rPr lang="zh-CN" altLang="en-US" smtClean="0"/>
-              <a:t>2025/2/10</a:t>
+              <a:t>2025/3/23</a:t>
             </a:fld>
             <a:endParaRPr lang="zh-CN" altLang="en-US"/>
           </a:p>
@@ -672,7 +673,7 @@
           <a:p>
             <a:fld id="{E4C0CE13-A334-4A3E-902C-95BEFC34E49C}" type="datetimeFigureOut">
               <a:rPr lang="zh-CN" altLang="en-US" smtClean="0"/>
-              <a:t>2025/2/10</a:t>
+              <a:t>2025/3/23</a:t>
             </a:fld>
             <a:endParaRPr lang="zh-CN" altLang="en-US"/>
           </a:p>
@@ -870,7 +871,7 @@
           <a:p>
             <a:fld id="{E4C0CE13-A334-4A3E-902C-95BEFC34E49C}" type="datetimeFigureOut">
               <a:rPr lang="zh-CN" altLang="en-US" smtClean="0"/>
-              <a:t>2025/2/10</a:t>
+              <a:t>2025/3/23</a:t>
             </a:fld>
             <a:endParaRPr lang="zh-CN" altLang="en-US"/>
           </a:p>
@@ -1145,7 +1146,7 @@
           <a:p>
             <a:fld id="{E4C0CE13-A334-4A3E-902C-95BEFC34E49C}" type="datetimeFigureOut">
               <a:rPr lang="zh-CN" altLang="en-US" smtClean="0"/>
-              <a:t>2025/2/10</a:t>
+              <a:t>2025/3/23</a:t>
             </a:fld>
             <a:endParaRPr lang="zh-CN" altLang="en-US"/>
           </a:p>
@@ -1410,7 +1411,7 @@
           <a:p>
             <a:fld id="{E4C0CE13-A334-4A3E-902C-95BEFC34E49C}" type="datetimeFigureOut">
               <a:rPr lang="zh-CN" altLang="en-US" smtClean="0"/>
-              <a:t>2025/2/10</a:t>
+              <a:t>2025/3/23</a:t>
             </a:fld>
             <a:endParaRPr lang="zh-CN" altLang="en-US"/>
           </a:p>
@@ -1822,7 +1823,7 @@
           <a:p>
             <a:fld id="{E4C0CE13-A334-4A3E-902C-95BEFC34E49C}" type="datetimeFigureOut">
               <a:rPr lang="zh-CN" altLang="en-US" smtClean="0"/>
-              <a:t>2025/2/10</a:t>
+              <a:t>2025/3/23</a:t>
             </a:fld>
             <a:endParaRPr lang="zh-CN" altLang="en-US"/>
           </a:p>
@@ -1963,7 +1964,7 @@
           <a:p>
             <a:fld id="{E4C0CE13-A334-4A3E-902C-95BEFC34E49C}" type="datetimeFigureOut">
               <a:rPr lang="zh-CN" altLang="en-US" smtClean="0"/>
-              <a:t>2025/2/10</a:t>
+              <a:t>2025/3/23</a:t>
             </a:fld>
             <a:endParaRPr lang="zh-CN" altLang="en-US"/>
           </a:p>
@@ -2076,7 +2077,7 @@
           <a:p>
             <a:fld id="{E4C0CE13-A334-4A3E-902C-95BEFC34E49C}" type="datetimeFigureOut">
               <a:rPr lang="zh-CN" altLang="en-US" smtClean="0"/>
-              <a:t>2025/2/10</a:t>
+              <a:t>2025/3/23</a:t>
             </a:fld>
             <a:endParaRPr lang="zh-CN" altLang="en-US"/>
           </a:p>
@@ -2387,7 +2388,7 @@
           <a:p>
             <a:fld id="{E4C0CE13-A334-4A3E-902C-95BEFC34E49C}" type="datetimeFigureOut">
               <a:rPr lang="zh-CN" altLang="en-US" smtClean="0"/>
-              <a:t>2025/2/10</a:t>
+              <a:t>2025/3/23</a:t>
             </a:fld>
             <a:endParaRPr lang="zh-CN" altLang="en-US"/>
           </a:p>
@@ -2675,7 +2676,7 @@
           <a:p>
             <a:fld id="{E4C0CE13-A334-4A3E-902C-95BEFC34E49C}" type="datetimeFigureOut">
               <a:rPr lang="zh-CN" altLang="en-US" smtClean="0"/>
-              <a:t>2025/2/10</a:t>
+              <a:t>2025/3/23</a:t>
             </a:fld>
             <a:endParaRPr lang="zh-CN" altLang="en-US"/>
           </a:p>
@@ -2916,7 +2917,7 @@
           <a:p>
             <a:fld id="{E4C0CE13-A334-4A3E-902C-95BEFC34E49C}" type="datetimeFigureOut">
               <a:rPr lang="zh-CN" altLang="en-US" smtClean="0"/>
-              <a:t>2025/2/10</a:t>
+              <a:t>2025/3/23</a:t>
             </a:fld>
             <a:endParaRPr lang="zh-CN" altLang="en-US"/>
           </a:p>
@@ -18828,6 +18829,452 @@
 </p:sld>
 </file>
 
+<file path=ppt/slides/slide9.xml><?xml version="1.0" encoding="utf-8"?>
+<p:sld xmlns:a="http://schemas.openxmlformats.org/drawingml/2006/main" xmlns:r="http://schemas.openxmlformats.org/officeDocument/2006/relationships" xmlns:p="http://schemas.openxmlformats.org/presentationml/2006/main">
+  <p:cSld>
+    <p:spTree>
+      <p:nvGrpSpPr>
+        <p:cNvPr id="1" name=""/>
+        <p:cNvGrpSpPr/>
+        <p:nvPr/>
+      </p:nvGrpSpPr>
+      <p:grpSpPr>
+        <a:xfrm>
+          <a:off x="0" y="0"/>
+          <a:ext cx="0" cy="0"/>
+          <a:chOff x="0" y="0"/>
+          <a:chExt cx="0" cy="0"/>
+        </a:xfrm>
+      </p:grpSpPr>
+      <p:sp>
+        <p:nvSpPr>
+          <p:cNvPr id="4" name="矩形: 圆角 3">
+            <a:extLst>
+              <a:ext uri="{FF2B5EF4-FFF2-40B4-BE49-F238E27FC236}">
+                <a16:creationId xmlns:a16="http://schemas.microsoft.com/office/drawing/2014/main" id="{EDCD8C63-AF82-D0F0-AA92-23A10968DDE6}"/>
+              </a:ext>
+            </a:extLst>
+          </p:cNvPr>
+          <p:cNvSpPr/>
+          <p:nvPr/>
+        </p:nvSpPr>
+        <p:spPr>
+          <a:xfrm>
+            <a:off x="741146" y="2743200"/>
+            <a:ext cx="1597794" cy="685800"/>
+          </a:xfrm>
+          <a:prstGeom prst="roundRect">
+            <a:avLst/>
+          </a:prstGeom>
+        </p:spPr>
+        <p:style>
+          <a:lnRef idx="1">
+            <a:schemeClr val="accent5"/>
+          </a:lnRef>
+          <a:fillRef idx="2">
+            <a:schemeClr val="accent5"/>
+          </a:fillRef>
+          <a:effectRef idx="1">
+            <a:schemeClr val="accent5"/>
+          </a:effectRef>
+          <a:fontRef idx="minor">
+            <a:schemeClr val="dk1"/>
+          </a:fontRef>
+        </p:style>
+        <p:txBody>
+          <a:bodyPr rtlCol="0" anchor="ctr"/>
+          <a:lstStyle/>
+          <a:p>
+            <a:pPr algn="ctr"/>
+            <a:r>
+              <a:rPr lang="zh-CN" altLang="en-US" sz="1400" dirty="0">
+                <a:latin typeface="+mn-ea"/>
+              </a:rPr>
+              <a:t>多元时序数据</a:t>
+            </a:r>
+          </a:p>
+        </p:txBody>
+      </p:sp>
+      <p:sp>
+        <p:nvSpPr>
+          <p:cNvPr id="5" name="矩形: 圆角 4">
+            <a:extLst>
+              <a:ext uri="{FF2B5EF4-FFF2-40B4-BE49-F238E27FC236}">
+                <a16:creationId xmlns:a16="http://schemas.microsoft.com/office/drawing/2014/main" id="{5187926E-A2A8-A4E9-1EBF-6A52E7268B1B}"/>
+              </a:ext>
+            </a:extLst>
+          </p:cNvPr>
+          <p:cNvSpPr/>
+          <p:nvPr/>
+        </p:nvSpPr>
+        <p:spPr>
+          <a:xfrm>
+            <a:off x="2962977" y="2743200"/>
+            <a:ext cx="1597794" cy="685800"/>
+          </a:xfrm>
+          <a:prstGeom prst="roundRect">
+            <a:avLst/>
+          </a:prstGeom>
+        </p:spPr>
+        <p:style>
+          <a:lnRef idx="1">
+            <a:schemeClr val="accent6"/>
+          </a:lnRef>
+          <a:fillRef idx="2">
+            <a:schemeClr val="accent6"/>
+          </a:fillRef>
+          <a:effectRef idx="1">
+            <a:schemeClr val="accent6"/>
+          </a:effectRef>
+          <a:fontRef idx="minor">
+            <a:schemeClr val="dk1"/>
+          </a:fontRef>
+        </p:style>
+        <p:txBody>
+          <a:bodyPr rtlCol="0" anchor="ctr"/>
+          <a:lstStyle/>
+          <a:p>
+            <a:pPr algn="ctr"/>
+            <a:r>
+              <a:rPr lang="zh-CN" altLang="en-US" sz="1400" dirty="0">
+                <a:latin typeface="+mn-ea"/>
+              </a:rPr>
+              <a:t>数据预处理</a:t>
+            </a:r>
+          </a:p>
+        </p:txBody>
+      </p:sp>
+      <p:sp>
+        <p:nvSpPr>
+          <p:cNvPr id="6" name="矩形: 圆角 5">
+            <a:extLst>
+              <a:ext uri="{FF2B5EF4-FFF2-40B4-BE49-F238E27FC236}">
+                <a16:creationId xmlns:a16="http://schemas.microsoft.com/office/drawing/2014/main" id="{B739A808-861E-AD38-F274-D3C0643C0D70}"/>
+              </a:ext>
+            </a:extLst>
+          </p:cNvPr>
+          <p:cNvSpPr/>
+          <p:nvPr/>
+        </p:nvSpPr>
+        <p:spPr>
+          <a:xfrm>
+            <a:off x="5184808" y="2743200"/>
+            <a:ext cx="1597794" cy="685800"/>
+          </a:xfrm>
+          <a:prstGeom prst="roundRect">
+            <a:avLst/>
+          </a:prstGeom>
+        </p:spPr>
+        <p:style>
+          <a:lnRef idx="1">
+            <a:schemeClr val="accent4"/>
+          </a:lnRef>
+          <a:fillRef idx="2">
+            <a:schemeClr val="accent4"/>
+          </a:fillRef>
+          <a:effectRef idx="1">
+            <a:schemeClr val="accent4"/>
+          </a:effectRef>
+          <a:fontRef idx="minor">
+            <a:schemeClr val="dk1"/>
+          </a:fontRef>
+        </p:style>
+        <p:txBody>
+          <a:bodyPr rtlCol="0" anchor="ctr"/>
+          <a:lstStyle/>
+          <a:p>
+            <a:pPr algn="ctr"/>
+            <a:r>
+              <a:rPr lang="zh-CN" altLang="en-US" sz="1400" dirty="0">
+                <a:latin typeface="+mn-ea"/>
+              </a:rPr>
+              <a:t>训练</a:t>
+            </a:r>
+            <a:r>
+              <a:rPr lang="en-US" altLang="zh-CN" sz="1400" dirty="0">
+                <a:latin typeface="+mn-ea"/>
+              </a:rPr>
+              <a:t>/</a:t>
+            </a:r>
+            <a:r>
+              <a:rPr lang="zh-CN" altLang="en-US" sz="1400" dirty="0">
+                <a:latin typeface="+mn-ea"/>
+              </a:rPr>
+              <a:t>推理</a:t>
+            </a:r>
+          </a:p>
+        </p:txBody>
+      </p:sp>
+      <p:sp>
+        <p:nvSpPr>
+          <p:cNvPr id="7" name="矩形: 圆角 6">
+            <a:extLst>
+              <a:ext uri="{FF2B5EF4-FFF2-40B4-BE49-F238E27FC236}">
+                <a16:creationId xmlns:a16="http://schemas.microsoft.com/office/drawing/2014/main" id="{62BA3B25-83CC-8791-BA87-B68049317D20}"/>
+              </a:ext>
+            </a:extLst>
+          </p:cNvPr>
+          <p:cNvSpPr/>
+          <p:nvPr/>
+        </p:nvSpPr>
+        <p:spPr>
+          <a:xfrm>
+            <a:off x="7493267" y="2743200"/>
+            <a:ext cx="1597794" cy="685800"/>
+          </a:xfrm>
+          <a:prstGeom prst="roundRect">
+            <a:avLst/>
+          </a:prstGeom>
+        </p:spPr>
+        <p:style>
+          <a:lnRef idx="1">
+            <a:schemeClr val="accent2"/>
+          </a:lnRef>
+          <a:fillRef idx="2">
+            <a:schemeClr val="accent2"/>
+          </a:fillRef>
+          <a:effectRef idx="1">
+            <a:schemeClr val="accent2"/>
+          </a:effectRef>
+          <a:fontRef idx="minor">
+            <a:schemeClr val="dk1"/>
+          </a:fontRef>
+        </p:style>
+        <p:txBody>
+          <a:bodyPr rtlCol="0" anchor="ctr"/>
+          <a:lstStyle/>
+          <a:p>
+            <a:pPr algn="ctr"/>
+            <a:r>
+              <a:rPr lang="zh-CN" altLang="en-US" sz="1400" dirty="0">
+                <a:latin typeface="+mn-ea"/>
+              </a:rPr>
+              <a:t>打分</a:t>
+            </a:r>
+          </a:p>
+        </p:txBody>
+      </p:sp>
+      <p:sp>
+        <p:nvSpPr>
+          <p:cNvPr id="8" name="矩形: 圆角 7">
+            <a:extLst>
+              <a:ext uri="{FF2B5EF4-FFF2-40B4-BE49-F238E27FC236}">
+                <a16:creationId xmlns:a16="http://schemas.microsoft.com/office/drawing/2014/main" id="{63667DD6-C005-0043-E078-2751B109E79F}"/>
+              </a:ext>
+            </a:extLst>
+          </p:cNvPr>
+          <p:cNvSpPr/>
+          <p:nvPr/>
+        </p:nvSpPr>
+        <p:spPr>
+          <a:xfrm>
+            <a:off x="9734349" y="2743200"/>
+            <a:ext cx="1597794" cy="685800"/>
+          </a:xfrm>
+          <a:prstGeom prst="roundRect">
+            <a:avLst/>
+          </a:prstGeom>
+        </p:spPr>
+        <p:style>
+          <a:lnRef idx="1">
+            <a:schemeClr val="accent1"/>
+          </a:lnRef>
+          <a:fillRef idx="2">
+            <a:schemeClr val="accent1"/>
+          </a:fillRef>
+          <a:effectRef idx="1">
+            <a:schemeClr val="accent1"/>
+          </a:effectRef>
+          <a:fontRef idx="minor">
+            <a:schemeClr val="dk1"/>
+          </a:fontRef>
+        </p:style>
+        <p:txBody>
+          <a:bodyPr rtlCol="0" anchor="ctr"/>
+          <a:lstStyle/>
+          <a:p>
+            <a:pPr algn="ctr"/>
+            <a:r>
+              <a:rPr lang="zh-CN" altLang="en-US" sz="1400" dirty="0">
+                <a:latin typeface="+mn-ea"/>
+              </a:rPr>
+              <a:t>输出标签</a:t>
+            </a:r>
+          </a:p>
+        </p:txBody>
+      </p:sp>
+      <p:cxnSp>
+        <p:nvCxnSpPr>
+          <p:cNvPr id="9" name="直接箭头连接符 8">
+            <a:extLst>
+              <a:ext uri="{FF2B5EF4-FFF2-40B4-BE49-F238E27FC236}">
+                <a16:creationId xmlns:a16="http://schemas.microsoft.com/office/drawing/2014/main" id="{837D9ABB-B978-1219-A9D4-5F54DEB4D15F}"/>
+              </a:ext>
+            </a:extLst>
+          </p:cNvPr>
+          <p:cNvCxnSpPr/>
+          <p:nvPr/>
+        </p:nvCxnSpPr>
+        <p:spPr>
+          <a:xfrm flipV="1">
+            <a:off x="2334507" y="3086100"/>
+            <a:ext cx="632904" cy="1"/>
+          </a:xfrm>
+          <a:prstGeom prst="straightConnector1">
+            <a:avLst/>
+          </a:prstGeom>
+          <a:ln>
+            <a:tailEnd type="triangle"/>
+          </a:ln>
+        </p:spPr>
+        <p:style>
+          <a:lnRef idx="1">
+            <a:schemeClr val="accent1"/>
+          </a:lnRef>
+          <a:fillRef idx="0">
+            <a:schemeClr val="accent1"/>
+          </a:fillRef>
+          <a:effectRef idx="0">
+            <a:schemeClr val="accent1"/>
+          </a:effectRef>
+          <a:fontRef idx="minor">
+            <a:schemeClr val="tx1"/>
+          </a:fontRef>
+        </p:style>
+      </p:cxnSp>
+      <p:cxnSp>
+        <p:nvCxnSpPr>
+          <p:cNvPr id="10" name="直接箭头连接符 9">
+            <a:extLst>
+              <a:ext uri="{FF2B5EF4-FFF2-40B4-BE49-F238E27FC236}">
+                <a16:creationId xmlns:a16="http://schemas.microsoft.com/office/drawing/2014/main" id="{09FE460A-190C-F52F-C76F-ED5DE058293E}"/>
+              </a:ext>
+            </a:extLst>
+          </p:cNvPr>
+          <p:cNvCxnSpPr/>
+          <p:nvPr/>
+        </p:nvCxnSpPr>
+        <p:spPr>
+          <a:xfrm flipV="1">
+            <a:off x="4551904" y="3086099"/>
+            <a:ext cx="632904" cy="1"/>
+          </a:xfrm>
+          <a:prstGeom prst="straightConnector1">
+            <a:avLst/>
+          </a:prstGeom>
+          <a:ln>
+            <a:tailEnd type="triangle"/>
+          </a:ln>
+        </p:spPr>
+        <p:style>
+          <a:lnRef idx="1">
+            <a:schemeClr val="accent1"/>
+          </a:lnRef>
+          <a:fillRef idx="0">
+            <a:schemeClr val="accent1"/>
+          </a:fillRef>
+          <a:effectRef idx="0">
+            <a:schemeClr val="accent1"/>
+          </a:effectRef>
+          <a:fontRef idx="minor">
+            <a:schemeClr val="tx1"/>
+          </a:fontRef>
+        </p:style>
+      </p:cxnSp>
+      <p:cxnSp>
+        <p:nvCxnSpPr>
+          <p:cNvPr id="11" name="直接箭头连接符 10">
+            <a:extLst>
+              <a:ext uri="{FF2B5EF4-FFF2-40B4-BE49-F238E27FC236}">
+                <a16:creationId xmlns:a16="http://schemas.microsoft.com/office/drawing/2014/main" id="{80D6DDA2-F4E2-5C9A-9950-B2B4723B8C90}"/>
+              </a:ext>
+            </a:extLst>
+          </p:cNvPr>
+          <p:cNvCxnSpPr>
+            <a:cxnSpLocks/>
+            <a:endCxn id="7" idx="1"/>
+          </p:cNvCxnSpPr>
+          <p:nvPr/>
+        </p:nvCxnSpPr>
+        <p:spPr>
+          <a:xfrm>
+            <a:off x="6773735" y="3086100"/>
+            <a:ext cx="719532" cy="0"/>
+          </a:xfrm>
+          <a:prstGeom prst="straightConnector1">
+            <a:avLst/>
+          </a:prstGeom>
+          <a:ln>
+            <a:tailEnd type="triangle"/>
+          </a:ln>
+        </p:spPr>
+        <p:style>
+          <a:lnRef idx="1">
+            <a:schemeClr val="accent1"/>
+          </a:lnRef>
+          <a:fillRef idx="0">
+            <a:schemeClr val="accent1"/>
+          </a:fillRef>
+          <a:effectRef idx="0">
+            <a:schemeClr val="accent1"/>
+          </a:effectRef>
+          <a:fontRef idx="minor">
+            <a:schemeClr val="tx1"/>
+          </a:fontRef>
+        </p:style>
+      </p:cxnSp>
+      <p:cxnSp>
+        <p:nvCxnSpPr>
+          <p:cNvPr id="13" name="直接箭头连接符 12">
+            <a:extLst>
+              <a:ext uri="{FF2B5EF4-FFF2-40B4-BE49-F238E27FC236}">
+                <a16:creationId xmlns:a16="http://schemas.microsoft.com/office/drawing/2014/main" id="{8E10D200-3B32-E778-E2AD-2A8EF14B06F8}"/>
+              </a:ext>
+            </a:extLst>
+          </p:cNvPr>
+          <p:cNvCxnSpPr/>
+          <p:nvPr/>
+        </p:nvCxnSpPr>
+        <p:spPr>
+          <a:xfrm flipV="1">
+            <a:off x="9091061" y="3103544"/>
+            <a:ext cx="632904" cy="1"/>
+          </a:xfrm>
+          <a:prstGeom prst="straightConnector1">
+            <a:avLst/>
+          </a:prstGeom>
+          <a:ln>
+            <a:tailEnd type="triangle"/>
+          </a:ln>
+        </p:spPr>
+        <p:style>
+          <a:lnRef idx="1">
+            <a:schemeClr val="accent1"/>
+          </a:lnRef>
+          <a:fillRef idx="0">
+            <a:schemeClr val="accent1"/>
+          </a:fillRef>
+          <a:effectRef idx="0">
+            <a:schemeClr val="accent1"/>
+          </a:effectRef>
+          <a:fontRef idx="minor">
+            <a:schemeClr val="tx1"/>
+          </a:fontRef>
+        </p:style>
+      </p:cxnSp>
+    </p:spTree>
+    <p:extLst>
+      <p:ext uri="{BB962C8B-B14F-4D97-AF65-F5344CB8AC3E}">
+        <p14:creationId xmlns:p14="http://schemas.microsoft.com/office/powerpoint/2010/main" val="1830972444"/>
+      </p:ext>
+    </p:extLst>
+  </p:cSld>
+  <p:clrMapOvr>
+    <a:masterClrMapping/>
+  </p:clrMapOvr>
+</p:sld>
+</file>
+
 <file path=ppt/theme/theme1.xml><?xml version="1.0" encoding="utf-8"?>
 <a:theme xmlns:a="http://schemas.openxmlformats.org/drawingml/2006/main" name="Office 主题​​">
   <a:themeElements>
